--- a/Api/Templates/Awards Ceremony - Short.pptx
+++ b/Api/Templates/Awards Ceremony - Short.pptx
@@ -10,13 +10,13 @@
   <p:sldIdLst>
     <p:sldId id="256" r:id="rId2"/>
     <p:sldId id="257" r:id="rId3"/>
-    <p:sldId id="258" r:id="rId4"/>
-    <p:sldId id="259" r:id="rId5"/>
-    <p:sldId id="260" r:id="rId6"/>
-    <p:sldId id="261" r:id="rId7"/>
-    <p:sldId id="265" r:id="rId8"/>
-    <p:sldId id="266" r:id="rId9"/>
-    <p:sldId id="267" r:id="rId10"/>
+    <p:sldId id="259" r:id="rId4"/>
+    <p:sldId id="260" r:id="rId5"/>
+    <p:sldId id="261" r:id="rId6"/>
+    <p:sldId id="265" r:id="rId7"/>
+    <p:sldId id="266" r:id="rId8"/>
+    <p:sldId id="267" r:id="rId9"/>
+    <p:sldId id="298" r:id="rId10"/>
     <p:sldId id="268" r:id="rId11"/>
     <p:sldId id="269" r:id="rId12"/>
     <p:sldId id="270" r:id="rId13"/>
@@ -984,110 +984,6 @@
   <p:cSld>
     <p:spTree>
       <p:nvGrpSpPr>
-        <p:cNvPr id="1" name="Shape 135"/>
-        <p:cNvGrpSpPr/>
-        <p:nvPr/>
-      </p:nvGrpSpPr>
-      <p:grpSpPr>
-        <a:xfrm>
-          <a:off x="0" y="0"/>
-          <a:ext cx="0" cy="0"/>
-          <a:chOff x="0" y="0"/>
-          <a:chExt cx="0" cy="0"/>
-        </a:xfrm>
-      </p:grpSpPr>
-      <p:sp>
-        <p:nvSpPr>
-          <p:cNvPr id="136" name="Google Shape;136;g2d56fc09ca8_2_74:notes"/>
-          <p:cNvSpPr txBox="1">
-            <a:spLocks noGrp="1"/>
-          </p:cNvSpPr>
-          <p:nvPr>
-            <p:ph type="body" idx="1"/>
-          </p:nvPr>
-        </p:nvSpPr>
-        <p:spPr>
-          <a:xfrm>
-            <a:off x="914400" y="4343400"/>
-            <a:ext cx="5029200" cy="4114800"/>
-          </a:xfrm>
-          <a:prstGeom prst="rect">
-            <a:avLst/>
-          </a:prstGeom>
-        </p:spPr>
-        <p:txBody>
-          <a:bodyPr spcFirstLastPara="1" wrap="square" lIns="91425" tIns="91425" rIns="91425" bIns="91425" anchor="t" anchorCtr="0">
-            <a:noAutofit/>
-          </a:bodyPr>
-          <a:lstStyle/>
-          <a:p>
-            <a:pPr marL="0" lvl="0" indent="0" algn="l" rtl="0">
-              <a:spcBef>
-                <a:spcPts val="0"/>
-              </a:spcBef>
-              <a:spcAft>
-                <a:spcPts val="0"/>
-              </a:spcAft>
-              <a:buNone/>
-            </a:pPr>
-            <a:endParaRPr/>
-          </a:p>
-        </p:txBody>
-      </p:sp>
-      <p:sp>
-        <p:nvSpPr>
-          <p:cNvPr id="137" name="Google Shape;137;g2d56fc09ca8_2_74:notes"/>
-          <p:cNvSpPr>
-            <a:spLocks noGrp="1" noRot="1" noChangeAspect="1"/>
-          </p:cNvSpPr>
-          <p:nvPr>
-            <p:ph type="sldImg" idx="2"/>
-          </p:nvPr>
-        </p:nvSpPr>
-        <p:spPr>
-          <a:xfrm>
-            <a:off x="1143000" y="685800"/>
-            <a:ext cx="4572000" cy="3429000"/>
-          </a:xfrm>
-          <a:custGeom>
-            <a:avLst/>
-            <a:gdLst/>
-            <a:ahLst/>
-            <a:cxnLst/>
-            <a:rect l="l" t="t" r="r" b="b"/>
-            <a:pathLst>
-              <a:path w="120000" h="120000" extrusionOk="0">
-                <a:moveTo>
-                  <a:pt x="0" y="0"/>
-                </a:moveTo>
-                <a:lnTo>
-                  <a:pt x="120000" y="0"/>
-                </a:lnTo>
-                <a:lnTo>
-                  <a:pt x="120000" y="120000"/>
-                </a:lnTo>
-                <a:lnTo>
-                  <a:pt x="0" y="120000"/>
-                </a:lnTo>
-                <a:close/>
-              </a:path>
-            </a:pathLst>
-          </a:custGeom>
-        </p:spPr>
-      </p:sp>
-    </p:spTree>
-  </p:cSld>
-  <p:clrMapOvr>
-    <a:masterClrMapping/>
-  </p:clrMapOvr>
-</p:notes>
-</file>
-
-<file path=ppt/notesSlides/notesSlide11.xml><?xml version="1.0" encoding="utf-8"?>
-<p:notes xmlns:a="http://schemas.openxmlformats.org/drawingml/2006/main" xmlns:r="http://schemas.openxmlformats.org/officeDocument/2006/relationships" xmlns:p="http://schemas.openxmlformats.org/presentationml/2006/main" showMasterSp="0" showMasterPhAnim="0">
-  <p:cSld>
-    <p:spTree>
-      <p:nvGrpSpPr>
         <p:cNvPr id="1" name="Shape 140"/>
         <p:cNvGrpSpPr/>
         <p:nvPr/>
@@ -1187,7 +1083,7 @@
 </p:notes>
 </file>
 
-<file path=ppt/notesSlides/notesSlide12.xml><?xml version="1.0" encoding="utf-8"?>
+<file path=ppt/notesSlides/notesSlide11.xml><?xml version="1.0" encoding="utf-8"?>
 <p:notes xmlns:a="http://schemas.openxmlformats.org/drawingml/2006/main" xmlns:r="http://schemas.openxmlformats.org/officeDocument/2006/relationships" xmlns:p="http://schemas.openxmlformats.org/presentationml/2006/main" showMasterSp="0" showMasterPhAnim="0">
   <p:cSld>
     <p:spTree>
@@ -1291,7 +1187,7 @@
 </p:notes>
 </file>
 
-<file path=ppt/notesSlides/notesSlide13.xml><?xml version="1.0" encoding="utf-8"?>
+<file path=ppt/notesSlides/notesSlide12.xml><?xml version="1.0" encoding="utf-8"?>
 <p:notes xmlns:a="http://schemas.openxmlformats.org/drawingml/2006/main" xmlns:r="http://schemas.openxmlformats.org/officeDocument/2006/relationships" xmlns:p="http://schemas.openxmlformats.org/presentationml/2006/main" showMasterSp="0" showMasterPhAnim="0">
   <p:cSld>
     <p:spTree>
@@ -1395,7 +1291,7 @@
 </p:notes>
 </file>
 
-<file path=ppt/notesSlides/notesSlide14.xml><?xml version="1.0" encoding="utf-8"?>
+<file path=ppt/notesSlides/notesSlide13.xml><?xml version="1.0" encoding="utf-8"?>
 <p:notes xmlns:a="http://schemas.openxmlformats.org/drawingml/2006/main" xmlns:r="http://schemas.openxmlformats.org/officeDocument/2006/relationships" xmlns:p="http://schemas.openxmlformats.org/presentationml/2006/main" showMasterSp="0" showMasterPhAnim="0">
   <p:cSld>
     <p:spTree>
@@ -1499,7 +1395,7 @@
 </p:notes>
 </file>
 
-<file path=ppt/notesSlides/notesSlide15.xml><?xml version="1.0" encoding="utf-8"?>
+<file path=ppt/notesSlides/notesSlide14.xml><?xml version="1.0" encoding="utf-8"?>
 <p:notes xmlns:a="http://schemas.openxmlformats.org/drawingml/2006/main" xmlns:r="http://schemas.openxmlformats.org/officeDocument/2006/relationships" xmlns:p="http://schemas.openxmlformats.org/presentationml/2006/main" showMasterSp="0" showMasterPhAnim="0">
   <p:cSld>
     <p:spTree>
@@ -1603,7 +1499,7 @@
 </p:notes>
 </file>
 
-<file path=ppt/notesSlides/notesSlide16.xml><?xml version="1.0" encoding="utf-8"?>
+<file path=ppt/notesSlides/notesSlide15.xml><?xml version="1.0" encoding="utf-8"?>
 <p:notes xmlns:a="http://schemas.openxmlformats.org/drawingml/2006/main" xmlns:r="http://schemas.openxmlformats.org/officeDocument/2006/relationships" xmlns:p="http://schemas.openxmlformats.org/presentationml/2006/main" showMasterSp="0" showMasterPhAnim="0">
   <p:cSld>
     <p:spTree>
@@ -1707,7 +1603,7 @@
 </p:notes>
 </file>
 
-<file path=ppt/notesSlides/notesSlide17.xml><?xml version="1.0" encoding="utf-8"?>
+<file path=ppt/notesSlides/notesSlide16.xml><?xml version="1.0" encoding="utf-8"?>
 <p:notes xmlns:a="http://schemas.openxmlformats.org/drawingml/2006/main" xmlns:r="http://schemas.openxmlformats.org/officeDocument/2006/relationships" xmlns:p="http://schemas.openxmlformats.org/presentationml/2006/main" showMasterSp="0" showMasterPhAnim="0">
   <p:cSld>
     <p:spTree>
@@ -1811,7 +1707,7 @@
 </p:notes>
 </file>
 
-<file path=ppt/notesSlides/notesSlide18.xml><?xml version="1.0" encoding="utf-8"?>
+<file path=ppt/notesSlides/notesSlide17.xml><?xml version="1.0" encoding="utf-8"?>
 <p:notes xmlns:a="http://schemas.openxmlformats.org/drawingml/2006/main" xmlns:r="http://schemas.openxmlformats.org/officeDocument/2006/relationships" xmlns:p="http://schemas.openxmlformats.org/presentationml/2006/main" showMasterSp="0" showMasterPhAnim="0">
   <p:cSld>
     <p:spTree>
@@ -1915,7 +1811,7 @@
 </p:notes>
 </file>
 
-<file path=ppt/notesSlides/notesSlide19.xml><?xml version="1.0" encoding="utf-8"?>
+<file path=ppt/notesSlides/notesSlide18.xml><?xml version="1.0" encoding="utf-8"?>
 <p:notes xmlns:a="http://schemas.openxmlformats.org/drawingml/2006/main" xmlns:r="http://schemas.openxmlformats.org/officeDocument/2006/relationships" xmlns:p="http://schemas.openxmlformats.org/presentationml/2006/main" showMasterSp="0" showMasterPhAnim="0">
   <p:cSld>
     <p:spTree>
@@ -1973,6 +1869,110 @@
       <p:sp>
         <p:nvSpPr>
           <p:cNvPr id="188" name="Google Shape;188;g2d56fc09ca8_2_116:notes"/>
+          <p:cNvSpPr>
+            <a:spLocks noGrp="1" noRot="1" noChangeAspect="1"/>
+          </p:cNvSpPr>
+          <p:nvPr>
+            <p:ph type="sldImg" idx="2"/>
+          </p:nvPr>
+        </p:nvSpPr>
+        <p:spPr>
+          <a:xfrm>
+            <a:off x="1143000" y="685800"/>
+            <a:ext cx="4572000" cy="3429000"/>
+          </a:xfrm>
+          <a:custGeom>
+            <a:avLst/>
+            <a:gdLst/>
+            <a:ahLst/>
+            <a:cxnLst/>
+            <a:rect l="l" t="t" r="r" b="b"/>
+            <a:pathLst>
+              <a:path w="120000" h="120000" extrusionOk="0">
+                <a:moveTo>
+                  <a:pt x="0" y="0"/>
+                </a:moveTo>
+                <a:lnTo>
+                  <a:pt x="120000" y="0"/>
+                </a:lnTo>
+                <a:lnTo>
+                  <a:pt x="120000" y="120000"/>
+                </a:lnTo>
+                <a:lnTo>
+                  <a:pt x="0" y="120000"/>
+                </a:lnTo>
+                <a:close/>
+              </a:path>
+            </a:pathLst>
+          </a:custGeom>
+        </p:spPr>
+      </p:sp>
+    </p:spTree>
+  </p:cSld>
+  <p:clrMapOvr>
+    <a:masterClrMapping/>
+  </p:clrMapOvr>
+</p:notes>
+</file>
+
+<file path=ppt/notesSlides/notesSlide19.xml><?xml version="1.0" encoding="utf-8"?>
+<p:notes xmlns:a="http://schemas.openxmlformats.org/drawingml/2006/main" xmlns:r="http://schemas.openxmlformats.org/officeDocument/2006/relationships" xmlns:p="http://schemas.openxmlformats.org/presentationml/2006/main" showMasterSp="0" showMasterPhAnim="0">
+  <p:cSld>
+    <p:spTree>
+      <p:nvGrpSpPr>
+        <p:cNvPr id="1" name="Shape 191"/>
+        <p:cNvGrpSpPr/>
+        <p:nvPr/>
+      </p:nvGrpSpPr>
+      <p:grpSpPr>
+        <a:xfrm>
+          <a:off x="0" y="0"/>
+          <a:ext cx="0" cy="0"/>
+          <a:chOff x="0" y="0"/>
+          <a:chExt cx="0" cy="0"/>
+        </a:xfrm>
+      </p:grpSpPr>
+      <p:sp>
+        <p:nvSpPr>
+          <p:cNvPr id="192" name="Google Shape;192;g2d56fc09ca8_2_120:notes"/>
+          <p:cNvSpPr txBox="1">
+            <a:spLocks noGrp="1"/>
+          </p:cNvSpPr>
+          <p:nvPr>
+            <p:ph type="body" idx="1"/>
+          </p:nvPr>
+        </p:nvSpPr>
+        <p:spPr>
+          <a:xfrm>
+            <a:off x="914400" y="4343400"/>
+            <a:ext cx="5029200" cy="4114800"/>
+          </a:xfrm>
+          <a:prstGeom prst="rect">
+            <a:avLst/>
+          </a:prstGeom>
+        </p:spPr>
+        <p:txBody>
+          <a:bodyPr spcFirstLastPara="1" wrap="square" lIns="91425" tIns="91425" rIns="91425" bIns="91425" anchor="t" anchorCtr="0">
+            <a:noAutofit/>
+          </a:bodyPr>
+          <a:lstStyle/>
+          <a:p>
+            <a:pPr marL="0" lvl="0" indent="0" algn="l" rtl="0">
+              <a:spcBef>
+                <a:spcPts val="0"/>
+              </a:spcBef>
+              <a:spcAft>
+                <a:spcPts val="0"/>
+              </a:spcAft>
+              <a:buNone/>
+            </a:pPr>
+            <a:endParaRPr/>
+          </a:p>
+        </p:txBody>
+      </p:sp>
+      <p:sp>
+        <p:nvSpPr>
+          <p:cNvPr id="193" name="Google Shape;193;g2d56fc09ca8_2_120:notes"/>
           <p:cNvSpPr>
             <a:spLocks noGrp="1" noRot="1" noChangeAspect="1"/>
           </p:cNvSpPr>
@@ -2128,110 +2128,6 @@
   <p:cSld>
     <p:spTree>
       <p:nvGrpSpPr>
-        <p:cNvPr id="1" name="Shape 191"/>
-        <p:cNvGrpSpPr/>
-        <p:nvPr/>
-      </p:nvGrpSpPr>
-      <p:grpSpPr>
-        <a:xfrm>
-          <a:off x="0" y="0"/>
-          <a:ext cx="0" cy="0"/>
-          <a:chOff x="0" y="0"/>
-          <a:chExt cx="0" cy="0"/>
-        </a:xfrm>
-      </p:grpSpPr>
-      <p:sp>
-        <p:nvSpPr>
-          <p:cNvPr id="192" name="Google Shape;192;g2d56fc09ca8_2_120:notes"/>
-          <p:cNvSpPr txBox="1">
-            <a:spLocks noGrp="1"/>
-          </p:cNvSpPr>
-          <p:nvPr>
-            <p:ph type="body" idx="1"/>
-          </p:nvPr>
-        </p:nvSpPr>
-        <p:spPr>
-          <a:xfrm>
-            <a:off x="914400" y="4343400"/>
-            <a:ext cx="5029200" cy="4114800"/>
-          </a:xfrm>
-          <a:prstGeom prst="rect">
-            <a:avLst/>
-          </a:prstGeom>
-        </p:spPr>
-        <p:txBody>
-          <a:bodyPr spcFirstLastPara="1" wrap="square" lIns="91425" tIns="91425" rIns="91425" bIns="91425" anchor="t" anchorCtr="0">
-            <a:noAutofit/>
-          </a:bodyPr>
-          <a:lstStyle/>
-          <a:p>
-            <a:pPr marL="0" lvl="0" indent="0" algn="l" rtl="0">
-              <a:spcBef>
-                <a:spcPts val="0"/>
-              </a:spcBef>
-              <a:spcAft>
-                <a:spcPts val="0"/>
-              </a:spcAft>
-              <a:buNone/>
-            </a:pPr>
-            <a:endParaRPr/>
-          </a:p>
-        </p:txBody>
-      </p:sp>
-      <p:sp>
-        <p:nvSpPr>
-          <p:cNvPr id="193" name="Google Shape;193;g2d56fc09ca8_2_120:notes"/>
-          <p:cNvSpPr>
-            <a:spLocks noGrp="1" noRot="1" noChangeAspect="1"/>
-          </p:cNvSpPr>
-          <p:nvPr>
-            <p:ph type="sldImg" idx="2"/>
-          </p:nvPr>
-        </p:nvSpPr>
-        <p:spPr>
-          <a:xfrm>
-            <a:off x="1143000" y="685800"/>
-            <a:ext cx="4572000" cy="3429000"/>
-          </a:xfrm>
-          <a:custGeom>
-            <a:avLst/>
-            <a:gdLst/>
-            <a:ahLst/>
-            <a:cxnLst/>
-            <a:rect l="l" t="t" r="r" b="b"/>
-            <a:pathLst>
-              <a:path w="120000" h="120000" extrusionOk="0">
-                <a:moveTo>
-                  <a:pt x="0" y="0"/>
-                </a:moveTo>
-                <a:lnTo>
-                  <a:pt x="120000" y="0"/>
-                </a:lnTo>
-                <a:lnTo>
-                  <a:pt x="120000" y="120000"/>
-                </a:lnTo>
-                <a:lnTo>
-                  <a:pt x="0" y="120000"/>
-                </a:lnTo>
-                <a:close/>
-              </a:path>
-            </a:pathLst>
-          </a:custGeom>
-        </p:spPr>
-      </p:sp>
-    </p:spTree>
-  </p:cSld>
-  <p:clrMapOvr>
-    <a:masterClrMapping/>
-  </p:clrMapOvr>
-</p:notes>
-</file>
-
-<file path=ppt/notesSlides/notesSlide21.xml><?xml version="1.0" encoding="utf-8"?>
-<p:notes xmlns:a="http://schemas.openxmlformats.org/drawingml/2006/main" xmlns:r="http://schemas.openxmlformats.org/officeDocument/2006/relationships" xmlns:p="http://schemas.openxmlformats.org/presentationml/2006/main" showMasterSp="0" showMasterPhAnim="0">
-  <p:cSld>
-    <p:spTree>
-      <p:nvGrpSpPr>
         <p:cNvPr id="1" name="Shape 197"/>
         <p:cNvGrpSpPr/>
         <p:nvPr/>
@@ -2331,7 +2227,7 @@
 </p:notes>
 </file>
 
-<file path=ppt/notesSlides/notesSlide22.xml><?xml version="1.0" encoding="utf-8"?>
+<file path=ppt/notesSlides/notesSlide21.xml><?xml version="1.0" encoding="utf-8"?>
 <p:notes xmlns:a="http://schemas.openxmlformats.org/drawingml/2006/main" xmlns:r="http://schemas.openxmlformats.org/officeDocument/2006/relationships" xmlns:p="http://schemas.openxmlformats.org/presentationml/2006/main" showMasterSp="0" showMasterPhAnim="0">
   <p:cSld>
     <p:spTree>
@@ -2435,7 +2331,7 @@
 </p:notes>
 </file>
 
-<file path=ppt/notesSlides/notesSlide23.xml><?xml version="1.0" encoding="utf-8"?>
+<file path=ppt/notesSlides/notesSlide22.xml><?xml version="1.0" encoding="utf-8"?>
 <p:notes xmlns:a="http://schemas.openxmlformats.org/drawingml/2006/main" xmlns:r="http://schemas.openxmlformats.org/officeDocument/2006/relationships" xmlns:p="http://schemas.openxmlformats.org/presentationml/2006/main" showMasterSp="0" showMasterPhAnim="0">
   <p:cSld>
     <p:spTree>
@@ -2539,7 +2435,7 @@
 </p:notes>
 </file>
 
-<file path=ppt/notesSlides/notesSlide24.xml><?xml version="1.0" encoding="utf-8"?>
+<file path=ppt/notesSlides/notesSlide23.xml><?xml version="1.0" encoding="utf-8"?>
 <p:notes xmlns:a="http://schemas.openxmlformats.org/drawingml/2006/main" xmlns:r="http://schemas.openxmlformats.org/officeDocument/2006/relationships" xmlns:p="http://schemas.openxmlformats.org/presentationml/2006/main" showMasterSp="0" showMasterPhAnim="0">
   <p:cSld>
     <p:spTree>
@@ -2643,7 +2539,7 @@
 </p:notes>
 </file>
 
-<file path=ppt/notesSlides/notesSlide25.xml><?xml version="1.0" encoding="utf-8"?>
+<file path=ppt/notesSlides/notesSlide24.xml><?xml version="1.0" encoding="utf-8"?>
 <p:notes xmlns:a="http://schemas.openxmlformats.org/drawingml/2006/main" xmlns:r="http://schemas.openxmlformats.org/officeDocument/2006/relationships" xmlns:p="http://schemas.openxmlformats.org/presentationml/2006/main" showMasterSp="0" showMasterPhAnim="0">
   <p:cSld>
     <p:spTree>
@@ -2747,7 +2643,7 @@
 </p:notes>
 </file>
 
-<file path=ppt/notesSlides/notesSlide26.xml><?xml version="1.0" encoding="utf-8"?>
+<file path=ppt/notesSlides/notesSlide25.xml><?xml version="1.0" encoding="utf-8"?>
 <p:notes xmlns:a="http://schemas.openxmlformats.org/drawingml/2006/main" xmlns:r="http://schemas.openxmlformats.org/officeDocument/2006/relationships" xmlns:p="http://schemas.openxmlformats.org/presentationml/2006/main" showMasterSp="0" showMasterPhAnim="0">
   <p:cSld>
     <p:spTree>
@@ -2851,7 +2747,7 @@
 </p:notes>
 </file>
 
-<file path=ppt/notesSlides/notesSlide27.xml><?xml version="1.0" encoding="utf-8"?>
+<file path=ppt/notesSlides/notesSlide26.xml><?xml version="1.0" encoding="utf-8"?>
 <p:notes xmlns:a="http://schemas.openxmlformats.org/drawingml/2006/main" xmlns:r="http://schemas.openxmlformats.org/officeDocument/2006/relationships" xmlns:p="http://schemas.openxmlformats.org/presentationml/2006/main" showMasterSp="0" showMasterPhAnim="0">
   <p:cSld>
     <p:spTree>
@@ -2960,110 +2856,6 @@
   <p:cSld>
     <p:spTree>
       <p:nvGrpSpPr>
-        <p:cNvPr id="1" name="Shape 80"/>
-        <p:cNvGrpSpPr/>
-        <p:nvPr/>
-      </p:nvGrpSpPr>
-      <p:grpSpPr>
-        <a:xfrm>
-          <a:off x="0" y="0"/>
-          <a:ext cx="0" cy="0"/>
-          <a:chOff x="0" y="0"/>
-          <a:chExt cx="0" cy="0"/>
-        </a:xfrm>
-      </p:grpSpPr>
-      <p:sp>
-        <p:nvSpPr>
-          <p:cNvPr id="81" name="Google Shape;81;g2d56fc09ca8_2_29:notes"/>
-          <p:cNvSpPr txBox="1">
-            <a:spLocks noGrp="1"/>
-          </p:cNvSpPr>
-          <p:nvPr>
-            <p:ph type="body" idx="1"/>
-          </p:nvPr>
-        </p:nvSpPr>
-        <p:spPr>
-          <a:xfrm>
-            <a:off x="914400" y="4343400"/>
-            <a:ext cx="5029200" cy="4114800"/>
-          </a:xfrm>
-          <a:prstGeom prst="rect">
-            <a:avLst/>
-          </a:prstGeom>
-        </p:spPr>
-        <p:txBody>
-          <a:bodyPr spcFirstLastPara="1" wrap="square" lIns="91425" tIns="91425" rIns="91425" bIns="91425" anchor="t" anchorCtr="0">
-            <a:noAutofit/>
-          </a:bodyPr>
-          <a:lstStyle/>
-          <a:p>
-            <a:pPr marL="0" lvl="0" indent="0" algn="l" rtl="0">
-              <a:spcBef>
-                <a:spcPts val="0"/>
-              </a:spcBef>
-              <a:spcAft>
-                <a:spcPts val="0"/>
-              </a:spcAft>
-              <a:buNone/>
-            </a:pPr>
-            <a:endParaRPr/>
-          </a:p>
-        </p:txBody>
-      </p:sp>
-      <p:sp>
-        <p:nvSpPr>
-          <p:cNvPr id="82" name="Google Shape;82;g2d56fc09ca8_2_29:notes"/>
-          <p:cNvSpPr>
-            <a:spLocks noGrp="1" noRot="1" noChangeAspect="1"/>
-          </p:cNvSpPr>
-          <p:nvPr>
-            <p:ph type="sldImg" idx="2"/>
-          </p:nvPr>
-        </p:nvSpPr>
-        <p:spPr>
-          <a:xfrm>
-            <a:off x="1143000" y="685800"/>
-            <a:ext cx="4572000" cy="3429000"/>
-          </a:xfrm>
-          <a:custGeom>
-            <a:avLst/>
-            <a:gdLst/>
-            <a:ahLst/>
-            <a:cxnLst/>
-            <a:rect l="l" t="t" r="r" b="b"/>
-            <a:pathLst>
-              <a:path w="120000" h="120000" extrusionOk="0">
-                <a:moveTo>
-                  <a:pt x="0" y="0"/>
-                </a:moveTo>
-                <a:lnTo>
-                  <a:pt x="120000" y="0"/>
-                </a:lnTo>
-                <a:lnTo>
-                  <a:pt x="120000" y="120000"/>
-                </a:lnTo>
-                <a:lnTo>
-                  <a:pt x="0" y="120000"/>
-                </a:lnTo>
-                <a:close/>
-              </a:path>
-            </a:pathLst>
-          </a:custGeom>
-        </p:spPr>
-      </p:sp>
-    </p:spTree>
-  </p:cSld>
-  <p:clrMapOvr>
-    <a:masterClrMapping/>
-  </p:clrMapOvr>
-</p:notes>
-</file>
-
-<file path=ppt/notesSlides/notesSlide4.xml><?xml version="1.0" encoding="utf-8"?>
-<p:notes xmlns:a="http://schemas.openxmlformats.org/drawingml/2006/main" xmlns:r="http://schemas.openxmlformats.org/officeDocument/2006/relationships" xmlns:p="http://schemas.openxmlformats.org/presentationml/2006/main" showMasterSp="0" showMasterPhAnim="0">
-  <p:cSld>
-    <p:spTree>
-      <p:nvGrpSpPr>
         <p:cNvPr id="1" name="Shape 85"/>
         <p:cNvGrpSpPr/>
         <p:nvPr/>
@@ -3163,7 +2955,7 @@
 </p:notes>
 </file>
 
-<file path=ppt/notesSlides/notesSlide5.xml><?xml version="1.0" encoding="utf-8"?>
+<file path=ppt/notesSlides/notesSlide4.xml><?xml version="1.0" encoding="utf-8"?>
 <p:notes xmlns:a="http://schemas.openxmlformats.org/drawingml/2006/main" xmlns:r="http://schemas.openxmlformats.org/officeDocument/2006/relationships" xmlns:p="http://schemas.openxmlformats.org/presentationml/2006/main" showMasterSp="0" showMasterPhAnim="0">
   <p:cSld>
     <p:spTree>
@@ -3267,7 +3059,7 @@
 </p:notes>
 </file>
 
-<file path=ppt/notesSlides/notesSlide6.xml><?xml version="1.0" encoding="utf-8"?>
+<file path=ppt/notesSlides/notesSlide5.xml><?xml version="1.0" encoding="utf-8"?>
 <p:notes xmlns:a="http://schemas.openxmlformats.org/drawingml/2006/main" xmlns:r="http://schemas.openxmlformats.org/officeDocument/2006/relationships" xmlns:p="http://schemas.openxmlformats.org/presentationml/2006/main" showMasterSp="0" showMasterPhAnim="0">
   <p:cSld>
     <p:spTree>
@@ -3334,8 +3126,8 @@
         </p:nvSpPr>
         <p:spPr>
           <a:xfrm>
-            <a:off x="1143000" y="685800"/>
-            <a:ext cx="4572000" cy="3429000"/>
+            <a:off x="381000" y="685800"/>
+            <a:ext cx="6096000" cy="3429000"/>
           </a:xfrm>
           <a:custGeom>
             <a:avLst/>
@@ -3371,7 +3163,7 @@
 </p:notes>
 </file>
 
-<file path=ppt/notesSlides/notesSlide7.xml><?xml version="1.0" encoding="utf-8"?>
+<file path=ppt/notesSlides/notesSlide6.xml><?xml version="1.0" encoding="utf-8"?>
 <p:notes xmlns:a="http://schemas.openxmlformats.org/drawingml/2006/main" xmlns:r="http://schemas.openxmlformats.org/officeDocument/2006/relationships" xmlns:p="http://schemas.openxmlformats.org/presentationml/2006/main" showMasterSp="0" showMasterPhAnim="0">
   <p:cSld>
     <p:spTree>
@@ -3475,7 +3267,7 @@
 </p:notes>
 </file>
 
-<file path=ppt/notesSlides/notesSlide8.xml><?xml version="1.0" encoding="utf-8"?>
+<file path=ppt/notesSlides/notesSlide7.xml><?xml version="1.0" encoding="utf-8"?>
 <p:notes xmlns:a="http://schemas.openxmlformats.org/drawingml/2006/main" xmlns:r="http://schemas.openxmlformats.org/officeDocument/2006/relationships" xmlns:p="http://schemas.openxmlformats.org/presentationml/2006/main" showMasterSp="0" showMasterPhAnim="0">
   <p:cSld>
     <p:spTree>
@@ -3579,7 +3371,7 @@
 </p:notes>
 </file>
 
-<file path=ppt/notesSlides/notesSlide9.xml><?xml version="1.0" encoding="utf-8"?>
+<file path=ppt/notesSlides/notesSlide8.xml><?xml version="1.0" encoding="utf-8"?>
 <p:notes xmlns:a="http://schemas.openxmlformats.org/drawingml/2006/main" xmlns:r="http://schemas.openxmlformats.org/officeDocument/2006/relationships" xmlns:p="http://schemas.openxmlformats.org/presentationml/2006/main" showMasterSp="0" showMasterPhAnim="0">
   <p:cSld>
     <p:spTree>
@@ -3648,6 +3440,110 @@
           <a:xfrm>
             <a:off x="381000" y="685800"/>
             <a:ext cx="6096000" cy="3429000"/>
+          </a:xfrm>
+          <a:custGeom>
+            <a:avLst/>
+            <a:gdLst/>
+            <a:ahLst/>
+            <a:cxnLst/>
+            <a:rect l="l" t="t" r="r" b="b"/>
+            <a:pathLst>
+              <a:path w="120000" h="120000" extrusionOk="0">
+                <a:moveTo>
+                  <a:pt x="0" y="0"/>
+                </a:moveTo>
+                <a:lnTo>
+                  <a:pt x="120000" y="0"/>
+                </a:lnTo>
+                <a:lnTo>
+                  <a:pt x="120000" y="120000"/>
+                </a:lnTo>
+                <a:lnTo>
+                  <a:pt x="0" y="120000"/>
+                </a:lnTo>
+                <a:close/>
+              </a:path>
+            </a:pathLst>
+          </a:custGeom>
+        </p:spPr>
+      </p:sp>
+    </p:spTree>
+  </p:cSld>
+  <p:clrMapOvr>
+    <a:masterClrMapping/>
+  </p:clrMapOvr>
+</p:notes>
+</file>
+
+<file path=ppt/notesSlides/notesSlide9.xml><?xml version="1.0" encoding="utf-8"?>
+<p:notes xmlns:a="http://schemas.openxmlformats.org/drawingml/2006/main" xmlns:r="http://schemas.openxmlformats.org/officeDocument/2006/relationships" xmlns:p="http://schemas.openxmlformats.org/presentationml/2006/main" showMasterSp="0" showMasterPhAnim="0">
+  <p:cSld>
+    <p:spTree>
+      <p:nvGrpSpPr>
+        <p:cNvPr id="1" name="Shape 135"/>
+        <p:cNvGrpSpPr/>
+        <p:nvPr/>
+      </p:nvGrpSpPr>
+      <p:grpSpPr>
+        <a:xfrm>
+          <a:off x="0" y="0"/>
+          <a:ext cx="0" cy="0"/>
+          <a:chOff x="0" y="0"/>
+          <a:chExt cx="0" cy="0"/>
+        </a:xfrm>
+      </p:grpSpPr>
+      <p:sp>
+        <p:nvSpPr>
+          <p:cNvPr id="136" name="Google Shape;136;g2d56fc09ca8_2_74:notes"/>
+          <p:cNvSpPr txBox="1">
+            <a:spLocks noGrp="1"/>
+          </p:cNvSpPr>
+          <p:nvPr>
+            <p:ph type="body" idx="1"/>
+          </p:nvPr>
+        </p:nvSpPr>
+        <p:spPr>
+          <a:xfrm>
+            <a:off x="914400" y="4343400"/>
+            <a:ext cx="5029200" cy="4114800"/>
+          </a:xfrm>
+          <a:prstGeom prst="rect">
+            <a:avLst/>
+          </a:prstGeom>
+        </p:spPr>
+        <p:txBody>
+          <a:bodyPr spcFirstLastPara="1" wrap="square" lIns="91425" tIns="91425" rIns="91425" bIns="91425" anchor="t" anchorCtr="0">
+            <a:noAutofit/>
+          </a:bodyPr>
+          <a:lstStyle/>
+          <a:p>
+            <a:pPr marL="0" lvl="0" indent="0" algn="l" rtl="0">
+              <a:spcBef>
+                <a:spcPts val="0"/>
+              </a:spcBef>
+              <a:spcAft>
+                <a:spcPts val="0"/>
+              </a:spcAft>
+              <a:buNone/>
+            </a:pPr>
+            <a:endParaRPr/>
+          </a:p>
+        </p:txBody>
+      </p:sp>
+      <p:sp>
+        <p:nvSpPr>
+          <p:cNvPr id="137" name="Google Shape;137;g2d56fc09ca8_2_74:notes"/>
+          <p:cNvSpPr>
+            <a:spLocks noGrp="1" noRot="1" noChangeAspect="1"/>
+          </p:cNvSpPr>
+          <p:nvPr>
+            <p:ph type="sldImg" idx="2"/>
+          </p:nvPr>
+        </p:nvSpPr>
+        <p:spPr>
+          <a:xfrm>
+            <a:off x="1143000" y="685800"/>
+            <a:ext cx="4572000" cy="3429000"/>
           </a:xfrm>
           <a:custGeom>
             <a:avLst/>
@@ -10299,93 +10195,6 @@
   <p:cSld>
     <p:spTree>
       <p:nvGrpSpPr>
-        <p:cNvPr id="1" name="Shape 83"/>
-        <p:cNvGrpSpPr/>
-        <p:nvPr/>
-      </p:nvGrpSpPr>
-      <p:grpSpPr>
-        <a:xfrm>
-          <a:off x="0" y="0"/>
-          <a:ext cx="0" cy="0"/>
-          <a:chOff x="0" y="0"/>
-          <a:chExt cx="0" cy="0"/>
-        </a:xfrm>
-      </p:grpSpPr>
-      <p:sp>
-        <p:nvSpPr>
-          <p:cNvPr id="84" name="Google Shape;84;p21"/>
-          <p:cNvSpPr txBox="1">
-            <a:spLocks noGrp="1"/>
-          </p:cNvSpPr>
-          <p:nvPr>
-            <p:ph type="title"/>
-          </p:nvPr>
-        </p:nvSpPr>
-        <p:spPr>
-          <a:xfrm>
-            <a:off x="341610" y="2244587"/>
-            <a:ext cx="8460779" cy="654326"/>
-          </a:xfrm>
-          <a:prstGeom prst="rect">
-            <a:avLst/>
-          </a:prstGeom>
-          <a:noFill/>
-          <a:ln>
-            <a:noFill/>
-          </a:ln>
-        </p:spPr>
-        <p:txBody>
-          <a:bodyPr spcFirstLastPara="1" wrap="square" lIns="0" tIns="0" rIns="0" bIns="0" anchor="t" anchorCtr="0">
-            <a:normAutofit/>
-          </a:bodyPr>
-          <a:lstStyle/>
-          <a:p>
-            <a:pPr marL="0" lvl="0" indent="0" algn="ctr" rtl="0">
-              <a:lnSpc>
-                <a:spcPct val="90000"/>
-              </a:lnSpc>
-              <a:spcBef>
-                <a:spcPts val="0"/>
-              </a:spcBef>
-              <a:spcAft>
-                <a:spcPts val="0"/>
-              </a:spcAft>
-              <a:buClr>
-                <a:srgbClr val="FFFFFF"/>
-              </a:buClr>
-              <a:buSzPts val="3600"/>
-              <a:buFont typeface="Roboto"/>
-              <a:buNone/>
-            </a:pPr>
-            <a:r>
-              <a:rPr lang="en" sz="3600" b="1" i="0" u="none" strike="noStrike" cap="none">
-                <a:solidFill>
-                  <a:srgbClr val="FFFFFF"/>
-                </a:solidFill>
-                <a:latin typeface="Roboto"/>
-                <a:ea typeface="Roboto"/>
-                <a:cs typeface="Roboto"/>
-                <a:sym typeface="Roboto"/>
-              </a:rPr>
-              <a:t>Medals</a:t>
-            </a:r>
-            <a:endParaRPr/>
-          </a:p>
-        </p:txBody>
-      </p:sp>
-    </p:spTree>
-  </p:cSld>
-  <p:clrMapOvr>
-    <a:masterClrMapping/>
-  </p:clrMapOvr>
-</p:sld>
-</file>
-
-<file path=ppt/slides/slide4.xml><?xml version="1.0" encoding="utf-8"?>
-<p:sld xmlns:a="http://schemas.openxmlformats.org/drawingml/2006/main" xmlns:r="http://schemas.openxmlformats.org/officeDocument/2006/relationships" xmlns:p="http://schemas.openxmlformats.org/presentationml/2006/main">
-  <p:cSld>
-    <p:spTree>
-      <p:nvGrpSpPr>
         <p:cNvPr id="1" name="Shape 88"/>
         <p:cNvGrpSpPr/>
         <p:nvPr/>
@@ -10476,7 +10285,7 @@
 </p:sld>
 </file>
 
-<file path=ppt/slides/slide5.xml><?xml version="1.0" encoding="utf-8"?>
+<file path=ppt/slides/slide4.xml><?xml version="1.0" encoding="utf-8"?>
 <p:sld xmlns:a="http://schemas.openxmlformats.org/drawingml/2006/main" xmlns:r="http://schemas.openxmlformats.org/officeDocument/2006/relationships" xmlns:p="http://schemas.openxmlformats.org/presentationml/2006/main">
   <p:cSld>
     <p:spTree>
@@ -10528,7 +10337,7 @@
 </p:sld>
 </file>
 
-<file path=ppt/slides/slide6.xml><?xml version="1.0" encoding="utf-8"?>
+<file path=ppt/slides/slide5.xml><?xml version="1.0" encoding="utf-8"?>
 <p:sld xmlns:a="http://schemas.openxmlformats.org/drawingml/2006/main" xmlns:r="http://schemas.openxmlformats.org/officeDocument/2006/relationships" xmlns:p="http://schemas.openxmlformats.org/presentationml/2006/main">
   <p:cSld>
     <p:spTree>
@@ -10592,18 +10401,10 @@
               <a:buNone/>
             </a:pPr>
             <a:r>
-              <a:rPr lang="en">
-                <a:highlight>
-                  <a:srgbClr val="FFFF00"/>
-                </a:highlight>
-              </a:rPr>
-              <a:t>Local Sponsors</a:t>
+              <a:rPr lang="en" dirty="0"/>
+              <a:t>Local Sponsor</a:t>
             </a:r>
-            <a:endParaRPr>
-              <a:highlight>
-                <a:srgbClr val="FFFF00"/>
-              </a:highlight>
-            </a:endParaRPr>
+            <a:endParaRPr dirty="0"/>
           </a:p>
         </p:txBody>
       </p:sp>
@@ -10654,21 +10455,57 @@
               <a:buNone/>
             </a:pPr>
             <a:r>
-              <a:rPr lang="en">
-                <a:highlight>
-                  <a:srgbClr val="FFFF00"/>
-                </a:highlight>
-              </a:rPr>
-              <a:t>Add any local sponsor images here. </a:t>
+              <a:rPr lang="en-US" dirty="0"/>
+              <a:t>Builders of Tomorrow – The </a:t>
             </a:r>
-            <a:endParaRPr>
-              <a:highlight>
-                <a:srgbClr val="FFFF00"/>
-              </a:highlight>
-            </a:endParaRPr>
+            <a:r>
+              <a:rPr lang="en-US" i="1" dirty="0"/>
+              <a:t>FIRST</a:t>
+            </a:r>
+            <a:r>
+              <a:rPr lang="en-US" dirty="0"/>
+              <a:t> Northeast Florida Program Delivery Organization</a:t>
+            </a:r>
+            <a:endParaRPr dirty="0"/>
           </a:p>
         </p:txBody>
       </p:sp>
+      <p:pic>
+        <p:nvPicPr>
+          <p:cNvPr id="3" name="Graphic 2">
+            <a:extLst>
+              <a:ext uri="{FF2B5EF4-FFF2-40B4-BE49-F238E27FC236}">
+                <a16:creationId xmlns:a16="http://schemas.microsoft.com/office/drawing/2014/main" id="{3A9B894E-E7F0-B33A-E5E1-7F705C990746}"/>
+              </a:ext>
+            </a:extLst>
+          </p:cNvPr>
+          <p:cNvPicPr>
+            <a:picLocks noChangeAspect="1"/>
+          </p:cNvPicPr>
+          <p:nvPr/>
+        </p:nvPicPr>
+        <p:blipFill>
+          <a:blip r:embed="rId3">
+            <a:extLst>
+              <a:ext uri="{96DAC541-7B7A-43D3-8B79-37D633B846F1}">
+                <asvg:svgBlip xmlns:asvg="http://schemas.microsoft.com/office/drawing/2016/SVG/main" r:embed="rId4"/>
+              </a:ext>
+            </a:extLst>
+          </a:blip>
+          <a:stretch>
+            <a:fillRect/>
+          </a:stretch>
+        </p:blipFill>
+        <p:spPr>
+          <a:xfrm>
+            <a:off x="2103467" y="1733956"/>
+            <a:ext cx="4996698" cy="2266544"/>
+          </a:xfrm>
+          <a:prstGeom prst="rect">
+            <a:avLst/>
+          </a:prstGeom>
+        </p:spPr>
+      </p:pic>
     </p:spTree>
   </p:cSld>
   <p:clrMapOvr>
@@ -10677,7 +10514,7 @@
 </p:sld>
 </file>
 
-<file path=ppt/slides/slide7.xml><?xml version="1.0" encoding="utf-8"?>
+<file path=ppt/slides/slide6.xml><?xml version="1.0" encoding="utf-8"?>
 <p:sld xmlns:a="http://schemas.openxmlformats.org/drawingml/2006/main" xmlns:r="http://schemas.openxmlformats.org/officeDocument/2006/relationships" xmlns:p="http://schemas.openxmlformats.org/presentationml/2006/main">
   <p:cSld>
     <p:spTree>
@@ -10756,7 +10593,7 @@
 </p:sld>
 </file>
 
-<file path=ppt/slides/slide8.xml><?xml version="1.0" encoding="utf-8"?>
+<file path=ppt/slides/slide7.xml><?xml version="1.0" encoding="utf-8"?>
 <p:sld xmlns:a="http://schemas.openxmlformats.org/drawingml/2006/main" xmlns:r="http://schemas.openxmlformats.org/officeDocument/2006/relationships" xmlns:p="http://schemas.openxmlformats.org/presentationml/2006/main">
   <p:cSld>
     <p:spTree>
@@ -10905,7 +10742,7 @@
 </p:sld>
 </file>
 
-<file path=ppt/slides/slide9.xml><?xml version="1.0" encoding="utf-8"?>
+<file path=ppt/slides/slide8.xml><?xml version="1.0" encoding="utf-8"?>
 <p:sld xmlns:a="http://schemas.openxmlformats.org/drawingml/2006/main" xmlns:r="http://schemas.openxmlformats.org/officeDocument/2006/relationships" xmlns:p="http://schemas.openxmlformats.org/presentationml/2006/main">
   <p:cSld>
     <p:spTree>
@@ -11035,6 +10872,127 @@
         </p:txBody>
       </p:sp>
     </p:spTree>
+  </p:cSld>
+  <p:clrMapOvr>
+    <a:masterClrMapping/>
+  </p:clrMapOvr>
+</p:sld>
+</file>
+
+<file path=ppt/slides/slide9.xml><?xml version="1.0" encoding="utf-8"?>
+<p:sld xmlns:a="http://schemas.openxmlformats.org/drawingml/2006/main" xmlns:r="http://schemas.openxmlformats.org/officeDocument/2006/relationships" xmlns:p="http://schemas.openxmlformats.org/presentationml/2006/main">
+  <p:cSld>
+    <p:spTree>
+      <p:nvGrpSpPr>
+        <p:cNvPr id="1" name=""/>
+        <p:cNvGrpSpPr/>
+        <p:nvPr/>
+      </p:nvGrpSpPr>
+      <p:grpSpPr>
+        <a:xfrm>
+          <a:off x="0" y="0"/>
+          <a:ext cx="0" cy="0"/>
+          <a:chOff x="0" y="0"/>
+          <a:chExt cx="0" cy="0"/>
+        </a:xfrm>
+      </p:grpSpPr>
+      <p:sp>
+        <p:nvSpPr>
+          <p:cNvPr id="2" name="Title 1">
+            <a:extLst>
+              <a:ext uri="{FF2B5EF4-FFF2-40B4-BE49-F238E27FC236}">
+                <a16:creationId xmlns:a16="http://schemas.microsoft.com/office/drawing/2014/main" id="{4122A3F8-EFB9-FC12-0E0B-DB541BE52A16}"/>
+              </a:ext>
+            </a:extLst>
+          </p:cNvPr>
+          <p:cNvSpPr>
+            <a:spLocks noGrp="1"/>
+          </p:cNvSpPr>
+          <p:nvPr>
+            <p:ph type="title"/>
+          </p:nvPr>
+        </p:nvSpPr>
+        <p:spPr/>
+        <p:txBody>
+          <a:bodyPr/>
+          <a:lstStyle/>
+          <a:p>
+            <a:r>
+              <a:rPr lang="en-US" dirty="0"/>
+              <a:t>T-Shirt Design Winner</a:t>
+            </a:r>
+          </a:p>
+        </p:txBody>
+      </p:sp>
+      <p:sp>
+        <p:nvSpPr>
+          <p:cNvPr id="3" name="Text Placeholder 2">
+            <a:extLst>
+              <a:ext uri="{FF2B5EF4-FFF2-40B4-BE49-F238E27FC236}">
+                <a16:creationId xmlns:a16="http://schemas.microsoft.com/office/drawing/2014/main" id="{C03E5D99-93D5-50C0-6E73-973C60A71B26}"/>
+              </a:ext>
+            </a:extLst>
+          </p:cNvPr>
+          <p:cNvSpPr>
+            <a:spLocks noGrp="1"/>
+          </p:cNvSpPr>
+          <p:nvPr>
+            <p:ph type="body" idx="1"/>
+          </p:nvPr>
+        </p:nvSpPr>
+        <p:spPr/>
+        <p:txBody>
+          <a:bodyPr>
+            <a:normAutofit/>
+          </a:bodyPr>
+          <a:lstStyle/>
+          <a:p>
+            <a:pPr marL="228600" indent="0"/>
+            <a:r>
+              <a:rPr lang="en-US" dirty="0"/>
+              <a:t>We asked all teams to enter a T-Shirt Design for the Regional Championship… This season’s winner is</a:t>
+            </a:r>
+          </a:p>
+          <a:p>
+            <a:pPr algn="ctr"/>
+            <a:r>
+              <a:rPr lang="en-US" sz="3600" b="1" dirty="0"/>
+              <a:t>{T-Shirt Design}</a:t>
+            </a:r>
+          </a:p>
+          <a:p>
+            <a:pPr marL="228600" indent="0"/>
+            <a:r>
+              <a:rPr lang="en-US" dirty="0">
+                <a:latin typeface="Roboto" panose="020B0604020202020204" charset="0"/>
+                <a:ea typeface="Roboto" panose="020B0604020202020204" charset="0"/>
+              </a:rPr>
+              <a:t>The team wins an invitation to the Regional Championship, coming Friday/Saturday January 17, 18 at the </a:t>
+            </a:r>
+            <a:r>
+              <a:rPr lang="en-US" b="0" i="0" dirty="0">
+                <a:solidFill>
+                  <a:srgbClr val="202124"/>
+                </a:solidFill>
+                <a:effectLst/>
+                <a:latin typeface="Roboto" panose="020B0604020202020204" charset="0"/>
+                <a:ea typeface="Roboto" panose="020B0604020202020204" charset="0"/>
+              </a:rPr>
+              <a:t>Legacy Park Multipurpose Center in Alachua, Florida</a:t>
+            </a:r>
+            <a:endParaRPr lang="en-US" sz="1200" dirty="0">
+              <a:latin typeface="Roboto" panose="020B0604020202020204" charset="0"/>
+              <a:ea typeface="Roboto" panose="020B0604020202020204" charset="0"/>
+            </a:endParaRPr>
+          </a:p>
+        </p:txBody>
+      </p:sp>
+    </p:spTree>
+    <p:extLst>
+      <p:ext uri="{BB962C8B-B14F-4D97-AF65-F5344CB8AC3E}">
+        <p14:creationId xmlns:p14="http://schemas.microsoft.com/office/powerpoint/2010/main" val="3897328644"/>
+      </p:ext>
+    </p:extLst>
   </p:cSld>
   <p:clrMapOvr>
     <a:masterClrMapping/>

--- a/Api/Templates/Awards Ceremony - Short.pptx
+++ b/Api/Templates/Awards Ceremony - Short.pptx
@@ -293,6 +293,43 @@
     </p:ext>
   </p:extLst>
 </p:presentation>
+</file>
+
+<file path=ppt/changesInfos/changesInfo1.xml><?xml version="1.0" encoding="utf-8"?>
+<pc:chgInfo xmlns:a="http://schemas.openxmlformats.org/drawingml/2006/main" xmlns:r="http://schemas.openxmlformats.org/officeDocument/2006/relationships" xmlns:ac="http://schemas.microsoft.com/office/drawing/2013/main/command" xmlns:pc="http://schemas.microsoft.com/office/powerpoint/2013/main/command">
+  <pc:docChgLst>
+    <pc:chgData name="Brady Merkel" userId="077b44faa59125c6" providerId="LiveId" clId="{D075DFC6-1618-4A9F-A1E7-C8D8E2EC5169}"/>
+    <pc:docChg chg="custSel modSld">
+      <pc:chgData name="Brady Merkel" userId="077b44faa59125c6" providerId="LiveId" clId="{D075DFC6-1618-4A9F-A1E7-C8D8E2EC5169}" dt="2024-11-22T16:30:26.006" v="39" actId="14100"/>
+      <pc:docMkLst>
+        <pc:docMk/>
+      </pc:docMkLst>
+      <pc:sldChg chg="addSp modSp mod">
+        <pc:chgData name="Brady Merkel" userId="077b44faa59125c6" providerId="LiveId" clId="{D075DFC6-1618-4A9F-A1E7-C8D8E2EC5169}" dt="2024-11-22T16:30:26.006" v="39" actId="14100"/>
+        <pc:sldMkLst>
+          <pc:docMk/>
+          <pc:sldMk cId="3897328644" sldId="298"/>
+        </pc:sldMkLst>
+        <pc:spChg chg="mod ord">
+          <ac:chgData name="Brady Merkel" userId="077b44faa59125c6" providerId="LiveId" clId="{D075DFC6-1618-4A9F-A1E7-C8D8E2EC5169}" dt="2024-11-22T16:29:51.822" v="36" actId="27636"/>
+          <ac:spMkLst>
+            <pc:docMk/>
+            <pc:sldMk cId="3897328644" sldId="298"/>
+            <ac:spMk id="3" creationId="{C03E5D99-93D5-50C0-6E73-973C60A71B26}"/>
+          </ac:spMkLst>
+        </pc:spChg>
+        <pc:picChg chg="add mod modCrop">
+          <ac:chgData name="Brady Merkel" userId="077b44faa59125c6" providerId="LiveId" clId="{D075DFC6-1618-4A9F-A1E7-C8D8E2EC5169}" dt="2024-11-22T16:30:26.006" v="39" actId="14100"/>
+          <ac:picMkLst>
+            <pc:docMk/>
+            <pc:sldMk cId="3897328644" sldId="298"/>
+            <ac:picMk id="5" creationId="{7CE04B72-2BA1-4604-359B-8D5898B010AC}"/>
+          </ac:picMkLst>
+        </pc:picChg>
+      </pc:sldChg>
+    </pc:docChg>
+  </pc:docChgLst>
+</pc:chgInfo>
 </file>
 
 <file path=ppt/notesMasters/notesMaster1.xml><?xml version="1.0" encoding="utf-8"?>
@@ -10924,6 +10961,35 @@
           </a:p>
         </p:txBody>
       </p:sp>
+      <p:pic>
+        <p:nvPicPr>
+          <p:cNvPr id="5" name="Picture 4">
+            <a:extLst>
+              <a:ext uri="{FF2B5EF4-FFF2-40B4-BE49-F238E27FC236}">
+                <a16:creationId xmlns:a16="http://schemas.microsoft.com/office/drawing/2014/main" id="{7CE04B72-2BA1-4604-359B-8D5898B010AC}"/>
+              </a:ext>
+            </a:extLst>
+          </p:cNvPr>
+          <p:cNvPicPr>
+            <a:picLocks noChangeAspect="1"/>
+          </p:cNvPicPr>
+          <p:nvPr/>
+        </p:nvPicPr>
+        <p:blipFill>
+          <a:blip r:embed="rId2"/>
+          <a:srcRect t="7739" b="16247"/>
+          <a:stretch/>
+        </p:blipFill>
+        <p:spPr>
+          <a:xfrm>
+            <a:off x="4721013" y="0"/>
+            <a:ext cx="4422987" cy="4350546"/>
+          </a:xfrm>
+          <a:prstGeom prst="rect">
+            <a:avLst/>
+          </a:prstGeom>
+        </p:spPr>
+      </p:pic>
       <p:sp>
         <p:nvSpPr>
           <p:cNvPr id="3" name="Text Placeholder 2">
@@ -10940,17 +11006,36 @@
             <p:ph type="body" idx="1"/>
           </p:nvPr>
         </p:nvSpPr>
-        <p:spPr/>
+        <p:spPr>
+          <a:xfrm>
+            <a:off x="193038" y="1007644"/>
+            <a:ext cx="5550749" cy="2419397"/>
+          </a:xfrm>
+        </p:spPr>
         <p:txBody>
           <a:bodyPr>
-            <a:normAutofit/>
+            <a:normAutofit fontScale="85000" lnSpcReduction="10000"/>
           </a:bodyPr>
           <a:lstStyle/>
           <a:p>
             <a:pPr marL="228600" indent="0"/>
             <a:r>
               <a:rPr lang="en-US" dirty="0"/>
-              <a:t>We asked all teams to enter a T-Shirt Design for the Regional Championship… This season’s winner is</a:t>
+              <a:t>We asked teams to enter a T-Shirt Design</a:t>
+            </a:r>
+            <a:br>
+              <a:rPr lang="en-US" dirty="0"/>
+            </a:br>
+            <a:r>
+              <a:rPr lang="en-US" dirty="0"/>
+              <a:t>for the Regional Championship…</a:t>
+            </a:r>
+            <a:br>
+              <a:rPr lang="en-US" dirty="0"/>
+            </a:br>
+            <a:r>
+              <a:rPr lang="en-US" dirty="0"/>
+              <a:t>This season’s winner is</a:t>
             </a:r>
           </a:p>
           <a:p>
@@ -10967,8 +11052,40 @@
                 <a:latin typeface="Roboto" panose="020B0604020202020204" charset="0"/>
                 <a:ea typeface="Roboto" panose="020B0604020202020204" charset="0"/>
               </a:rPr>
-              <a:t>The team wins an invitation to the Regional Championship, coming Friday/Saturday January 17, 18 at the </a:t>
+              <a:t>The team wins an invitation to the</a:t>
             </a:r>
+            <a:br>
+              <a:rPr lang="en-US" dirty="0">
+                <a:latin typeface="Roboto" panose="020B0604020202020204" charset="0"/>
+                <a:ea typeface="Roboto" panose="020B0604020202020204" charset="0"/>
+              </a:rPr>
+            </a:br>
+            <a:r>
+              <a:rPr lang="en-US" dirty="0">
+                <a:latin typeface="Roboto" panose="020B0604020202020204" charset="0"/>
+                <a:ea typeface="Roboto" panose="020B0604020202020204" charset="0"/>
+              </a:rPr>
+              <a:t>Regional Championship,</a:t>
+            </a:r>
+            <a:br>
+              <a:rPr lang="en-US" dirty="0">
+                <a:latin typeface="Roboto" panose="020B0604020202020204" charset="0"/>
+                <a:ea typeface="Roboto" panose="020B0604020202020204" charset="0"/>
+              </a:rPr>
+            </a:br>
+            <a:r>
+              <a:rPr lang="en-US" dirty="0">
+                <a:latin typeface="Roboto" panose="020B0604020202020204" charset="0"/>
+                <a:ea typeface="Roboto" panose="020B0604020202020204" charset="0"/>
+              </a:rPr>
+              <a:t>Friday/Saturday January 17, 18</a:t>
+            </a:r>
+            <a:br>
+              <a:rPr lang="en-US" dirty="0">
+                <a:latin typeface="Roboto" panose="020B0604020202020204" charset="0"/>
+                <a:ea typeface="Roboto" panose="020B0604020202020204" charset="0"/>
+              </a:rPr>
+            </a:br>
             <a:r>
               <a:rPr lang="en-US" b="0" i="0" dirty="0">
                 <a:solidFill>

--- a/Api/Templates/Awards Ceremony - Short.pptx
+++ b/Api/Templates/Awards Ceremony - Short.pptx
@@ -5,46 +5,55 @@
     <p:sldMasterId id="2147483665" r:id="rId1"/>
   </p:sldMasterIdLst>
   <p:notesMasterIdLst>
-    <p:notesMasterId r:id="rId29"/>
+    <p:notesMasterId r:id="rId31"/>
   </p:notesMasterIdLst>
   <p:sldIdLst>
     <p:sldId id="256" r:id="rId2"/>
-    <p:sldId id="257" r:id="rId3"/>
+    <p:sldId id="301" r:id="rId3"/>
     <p:sldId id="259" r:id="rId4"/>
     <p:sldId id="260" r:id="rId5"/>
-    <p:sldId id="261" r:id="rId6"/>
-    <p:sldId id="265" r:id="rId7"/>
-    <p:sldId id="266" r:id="rId8"/>
-    <p:sldId id="267" r:id="rId9"/>
-    <p:sldId id="298" r:id="rId10"/>
-    <p:sldId id="268" r:id="rId11"/>
-    <p:sldId id="269" r:id="rId12"/>
-    <p:sldId id="270" r:id="rId13"/>
-    <p:sldId id="271" r:id="rId14"/>
-    <p:sldId id="272" r:id="rId15"/>
-    <p:sldId id="273" r:id="rId16"/>
-    <p:sldId id="274" r:id="rId17"/>
-    <p:sldId id="275" r:id="rId18"/>
-    <p:sldId id="276" r:id="rId19"/>
-    <p:sldId id="277" r:id="rId20"/>
-    <p:sldId id="278" r:id="rId21"/>
-    <p:sldId id="279" r:id="rId22"/>
-    <p:sldId id="292" r:id="rId23"/>
-    <p:sldId id="293" r:id="rId24"/>
-    <p:sldId id="294" r:id="rId25"/>
-    <p:sldId id="295" r:id="rId26"/>
-    <p:sldId id="296" r:id="rId27"/>
-    <p:sldId id="297" r:id="rId28"/>
+    <p:sldId id="298" r:id="rId6"/>
+    <p:sldId id="302" r:id="rId7"/>
+    <p:sldId id="265" r:id="rId8"/>
+    <p:sldId id="266" r:id="rId9"/>
+    <p:sldId id="267" r:id="rId10"/>
+    <p:sldId id="300" r:id="rId11"/>
+    <p:sldId id="271" r:id="rId12"/>
+    <p:sldId id="272" r:id="rId13"/>
+    <p:sldId id="273" r:id="rId14"/>
+    <p:sldId id="274" r:id="rId15"/>
+    <p:sldId id="275" r:id="rId16"/>
+    <p:sldId id="276" r:id="rId17"/>
+    <p:sldId id="277" r:id="rId18"/>
+    <p:sldId id="278" r:id="rId19"/>
+    <p:sldId id="279" r:id="rId20"/>
+    <p:sldId id="268" r:id="rId21"/>
+    <p:sldId id="269" r:id="rId22"/>
+    <p:sldId id="270" r:id="rId23"/>
+    <p:sldId id="292" r:id="rId24"/>
+    <p:sldId id="293" r:id="rId25"/>
+    <p:sldId id="294" r:id="rId26"/>
+    <p:sldId id="303" r:id="rId27"/>
+    <p:sldId id="304" r:id="rId28"/>
+    <p:sldId id="305" r:id="rId29"/>
+    <p:sldId id="306" r:id="rId30"/>
   </p:sldIdLst>
   <p:sldSz cx="9144000" cy="5143500" type="screen16x9"/>
   <p:notesSz cx="6858000" cy="9144000"/>
   <p:embeddedFontLst>
     <p:embeddedFont>
       <p:font typeface="Roboto" panose="020B0604020202020204" charset="0"/>
-      <p:regular r:id="rId30"/>
-      <p:bold r:id="rId31"/>
-      <p:italic r:id="rId32"/>
-      <p:boldItalic r:id="rId33"/>
+      <p:regular r:id="rId32"/>
+      <p:bold r:id="rId33"/>
+      <p:italic r:id="rId34"/>
+      <p:boldItalic r:id="rId35"/>
+    </p:embeddedFont>
+    <p:embeddedFont>
+      <p:font typeface="Roboto Condensed" panose="020B0604020202020204" charset="0"/>
+      <p:regular r:id="rId36"/>
+      <p:bold r:id="rId37"/>
+      <p:italic r:id="rId38"/>
+      <p:boldItalic r:id="rId39"/>
     </p:embeddedFont>
   </p:embeddedFontLst>
   <p:defaultTextStyle>
@@ -299,13 +308,307 @@
 <pc:chgInfo xmlns:a="http://schemas.openxmlformats.org/drawingml/2006/main" xmlns:r="http://schemas.openxmlformats.org/officeDocument/2006/relationships" xmlns:ac="http://schemas.microsoft.com/office/drawing/2013/main/command" xmlns:pc="http://schemas.microsoft.com/office/powerpoint/2013/main/command">
   <pc:docChgLst>
     <pc:chgData name="Brady Merkel" userId="077b44faa59125c6" providerId="LiveId" clId="{D075DFC6-1618-4A9F-A1E7-C8D8E2EC5169}"/>
-    <pc:docChg chg="custSel modSld">
-      <pc:chgData name="Brady Merkel" userId="077b44faa59125c6" providerId="LiveId" clId="{D075DFC6-1618-4A9F-A1E7-C8D8E2EC5169}" dt="2024-11-22T16:30:26.006" v="39" actId="14100"/>
+    <pc:docChg chg="custSel addSld delSld modSld">
+      <pc:chgData name="Brady Merkel" userId="077b44faa59125c6" providerId="LiveId" clId="{D075DFC6-1618-4A9F-A1E7-C8D8E2EC5169}" dt="2024-11-22T18:57:13.695" v="43" actId="47"/>
       <pc:docMkLst>
         <pc:docMk/>
       </pc:docMkLst>
-      <pc:sldChg chg="addSp modSp mod">
-        <pc:chgData name="Brady Merkel" userId="077b44faa59125c6" providerId="LiveId" clId="{D075DFC6-1618-4A9F-A1E7-C8D8E2EC5169}" dt="2024-11-22T16:30:26.006" v="39" actId="14100"/>
+      <pc:sldChg chg="add del setBg">
+        <pc:chgData name="Brady Merkel" userId="077b44faa59125c6" providerId="LiveId" clId="{D075DFC6-1618-4A9F-A1E7-C8D8E2EC5169}" dt="2024-11-22T18:56:09.357" v="41"/>
+        <pc:sldMkLst>
+          <pc:docMk/>
+          <pc:sldMk cId="0" sldId="256"/>
+        </pc:sldMkLst>
+      </pc:sldChg>
+      <pc:sldChg chg="del">
+        <pc:chgData name="Brady Merkel" userId="077b44faa59125c6" providerId="LiveId" clId="{D075DFC6-1618-4A9F-A1E7-C8D8E2EC5169}" dt="2024-11-22T18:56:08.517" v="40" actId="47"/>
+        <pc:sldMkLst>
+          <pc:docMk/>
+          <pc:sldMk cId="0" sldId="257"/>
+        </pc:sldMkLst>
+      </pc:sldChg>
+      <pc:sldChg chg="add del">
+        <pc:chgData name="Brady Merkel" userId="077b44faa59125c6" providerId="LiveId" clId="{D075DFC6-1618-4A9F-A1E7-C8D8E2EC5169}" dt="2024-11-22T18:56:09.357" v="41"/>
+        <pc:sldMkLst>
+          <pc:docMk/>
+          <pc:sldMk cId="0" sldId="259"/>
+        </pc:sldMkLst>
+      </pc:sldChg>
+      <pc:sldChg chg="add del">
+        <pc:chgData name="Brady Merkel" userId="077b44faa59125c6" providerId="LiveId" clId="{D075DFC6-1618-4A9F-A1E7-C8D8E2EC5169}" dt="2024-11-22T18:56:09.357" v="41"/>
+        <pc:sldMkLst>
+          <pc:docMk/>
+          <pc:sldMk cId="0" sldId="260"/>
+        </pc:sldMkLst>
+      </pc:sldChg>
+      <pc:sldChg chg="del">
+        <pc:chgData name="Brady Merkel" userId="077b44faa59125c6" providerId="LiveId" clId="{D075DFC6-1618-4A9F-A1E7-C8D8E2EC5169}" dt="2024-11-22T18:56:08.517" v="40" actId="47"/>
+        <pc:sldMkLst>
+          <pc:docMk/>
+          <pc:sldMk cId="0" sldId="261"/>
+        </pc:sldMkLst>
+      </pc:sldChg>
+      <pc:sldChg chg="add del">
+        <pc:chgData name="Brady Merkel" userId="077b44faa59125c6" providerId="LiveId" clId="{D075DFC6-1618-4A9F-A1E7-C8D8E2EC5169}" dt="2024-11-22T18:57:13.695" v="43" actId="47"/>
+        <pc:sldMkLst>
+          <pc:docMk/>
+          <pc:sldMk cId="0" sldId="262"/>
+        </pc:sldMkLst>
+      </pc:sldChg>
+      <pc:sldChg chg="add del">
+        <pc:chgData name="Brady Merkel" userId="077b44faa59125c6" providerId="LiveId" clId="{D075DFC6-1618-4A9F-A1E7-C8D8E2EC5169}" dt="2024-11-22T18:57:13.695" v="43" actId="47"/>
+        <pc:sldMkLst>
+          <pc:docMk/>
+          <pc:sldMk cId="0" sldId="263"/>
+        </pc:sldMkLst>
+      </pc:sldChg>
+      <pc:sldChg chg="add del">
+        <pc:chgData name="Brady Merkel" userId="077b44faa59125c6" providerId="LiveId" clId="{D075DFC6-1618-4A9F-A1E7-C8D8E2EC5169}" dt="2024-11-22T18:57:13.695" v="43" actId="47"/>
+        <pc:sldMkLst>
+          <pc:docMk/>
+          <pc:sldMk cId="0" sldId="264"/>
+        </pc:sldMkLst>
+      </pc:sldChg>
+      <pc:sldChg chg="add del">
+        <pc:chgData name="Brady Merkel" userId="077b44faa59125c6" providerId="LiveId" clId="{D075DFC6-1618-4A9F-A1E7-C8D8E2EC5169}" dt="2024-11-22T18:56:09.357" v="41"/>
+        <pc:sldMkLst>
+          <pc:docMk/>
+          <pc:sldMk cId="0" sldId="265"/>
+        </pc:sldMkLst>
+      </pc:sldChg>
+      <pc:sldChg chg="add del">
+        <pc:chgData name="Brady Merkel" userId="077b44faa59125c6" providerId="LiveId" clId="{D075DFC6-1618-4A9F-A1E7-C8D8E2EC5169}" dt="2024-11-22T18:56:09.357" v="41"/>
+        <pc:sldMkLst>
+          <pc:docMk/>
+          <pc:sldMk cId="0" sldId="266"/>
+        </pc:sldMkLst>
+      </pc:sldChg>
+      <pc:sldChg chg="add del">
+        <pc:chgData name="Brady Merkel" userId="077b44faa59125c6" providerId="LiveId" clId="{D075DFC6-1618-4A9F-A1E7-C8D8E2EC5169}" dt="2024-11-22T18:56:09.357" v="41"/>
+        <pc:sldMkLst>
+          <pc:docMk/>
+          <pc:sldMk cId="0" sldId="267"/>
+        </pc:sldMkLst>
+      </pc:sldChg>
+      <pc:sldChg chg="add del">
+        <pc:chgData name="Brady Merkel" userId="077b44faa59125c6" providerId="LiveId" clId="{D075DFC6-1618-4A9F-A1E7-C8D8E2EC5169}" dt="2024-11-22T18:56:09.357" v="41"/>
+        <pc:sldMkLst>
+          <pc:docMk/>
+          <pc:sldMk cId="0" sldId="268"/>
+        </pc:sldMkLst>
+      </pc:sldChg>
+      <pc:sldChg chg="add del">
+        <pc:chgData name="Brady Merkel" userId="077b44faa59125c6" providerId="LiveId" clId="{D075DFC6-1618-4A9F-A1E7-C8D8E2EC5169}" dt="2024-11-22T18:56:09.357" v="41"/>
+        <pc:sldMkLst>
+          <pc:docMk/>
+          <pc:sldMk cId="0" sldId="269"/>
+        </pc:sldMkLst>
+      </pc:sldChg>
+      <pc:sldChg chg="add del">
+        <pc:chgData name="Brady Merkel" userId="077b44faa59125c6" providerId="LiveId" clId="{D075DFC6-1618-4A9F-A1E7-C8D8E2EC5169}" dt="2024-11-22T18:56:09.357" v="41"/>
+        <pc:sldMkLst>
+          <pc:docMk/>
+          <pc:sldMk cId="0" sldId="270"/>
+        </pc:sldMkLst>
+      </pc:sldChg>
+      <pc:sldChg chg="add del">
+        <pc:chgData name="Brady Merkel" userId="077b44faa59125c6" providerId="LiveId" clId="{D075DFC6-1618-4A9F-A1E7-C8D8E2EC5169}" dt="2024-11-22T18:56:09.357" v="41"/>
+        <pc:sldMkLst>
+          <pc:docMk/>
+          <pc:sldMk cId="0" sldId="271"/>
+        </pc:sldMkLst>
+      </pc:sldChg>
+      <pc:sldChg chg="add del">
+        <pc:chgData name="Brady Merkel" userId="077b44faa59125c6" providerId="LiveId" clId="{D075DFC6-1618-4A9F-A1E7-C8D8E2EC5169}" dt="2024-11-22T18:56:09.357" v="41"/>
+        <pc:sldMkLst>
+          <pc:docMk/>
+          <pc:sldMk cId="0" sldId="272"/>
+        </pc:sldMkLst>
+      </pc:sldChg>
+      <pc:sldChg chg="add del">
+        <pc:chgData name="Brady Merkel" userId="077b44faa59125c6" providerId="LiveId" clId="{D075DFC6-1618-4A9F-A1E7-C8D8E2EC5169}" dt="2024-11-22T18:56:09.357" v="41"/>
+        <pc:sldMkLst>
+          <pc:docMk/>
+          <pc:sldMk cId="0" sldId="273"/>
+        </pc:sldMkLst>
+      </pc:sldChg>
+      <pc:sldChg chg="add del">
+        <pc:chgData name="Brady Merkel" userId="077b44faa59125c6" providerId="LiveId" clId="{D075DFC6-1618-4A9F-A1E7-C8D8E2EC5169}" dt="2024-11-22T18:56:09.357" v="41"/>
+        <pc:sldMkLst>
+          <pc:docMk/>
+          <pc:sldMk cId="0" sldId="274"/>
+        </pc:sldMkLst>
+      </pc:sldChg>
+      <pc:sldChg chg="add del">
+        <pc:chgData name="Brady Merkel" userId="077b44faa59125c6" providerId="LiveId" clId="{D075DFC6-1618-4A9F-A1E7-C8D8E2EC5169}" dt="2024-11-22T18:56:09.357" v="41"/>
+        <pc:sldMkLst>
+          <pc:docMk/>
+          <pc:sldMk cId="0" sldId="275"/>
+        </pc:sldMkLst>
+      </pc:sldChg>
+      <pc:sldChg chg="add del">
+        <pc:chgData name="Brady Merkel" userId="077b44faa59125c6" providerId="LiveId" clId="{D075DFC6-1618-4A9F-A1E7-C8D8E2EC5169}" dt="2024-11-22T18:56:09.357" v="41"/>
+        <pc:sldMkLst>
+          <pc:docMk/>
+          <pc:sldMk cId="0" sldId="276"/>
+        </pc:sldMkLst>
+      </pc:sldChg>
+      <pc:sldChg chg="add del">
+        <pc:chgData name="Brady Merkel" userId="077b44faa59125c6" providerId="LiveId" clId="{D075DFC6-1618-4A9F-A1E7-C8D8E2EC5169}" dt="2024-11-22T18:56:09.357" v="41"/>
+        <pc:sldMkLst>
+          <pc:docMk/>
+          <pc:sldMk cId="0" sldId="277"/>
+        </pc:sldMkLst>
+      </pc:sldChg>
+      <pc:sldChg chg="add del">
+        <pc:chgData name="Brady Merkel" userId="077b44faa59125c6" providerId="LiveId" clId="{D075DFC6-1618-4A9F-A1E7-C8D8E2EC5169}" dt="2024-11-22T18:56:09.357" v="41"/>
+        <pc:sldMkLst>
+          <pc:docMk/>
+          <pc:sldMk cId="0" sldId="278"/>
+        </pc:sldMkLst>
+      </pc:sldChg>
+      <pc:sldChg chg="add del">
+        <pc:chgData name="Brady Merkel" userId="077b44faa59125c6" providerId="LiveId" clId="{D075DFC6-1618-4A9F-A1E7-C8D8E2EC5169}" dt="2024-11-22T18:56:09.357" v="41"/>
+        <pc:sldMkLst>
+          <pc:docMk/>
+          <pc:sldMk cId="0" sldId="279"/>
+        </pc:sldMkLst>
+      </pc:sldChg>
+      <pc:sldChg chg="add del">
+        <pc:chgData name="Brady Merkel" userId="077b44faa59125c6" providerId="LiveId" clId="{D075DFC6-1618-4A9F-A1E7-C8D8E2EC5169}" dt="2024-11-22T18:56:26.835" v="42" actId="47"/>
+        <pc:sldMkLst>
+          <pc:docMk/>
+          <pc:sldMk cId="0" sldId="280"/>
+        </pc:sldMkLst>
+      </pc:sldChg>
+      <pc:sldChg chg="add del">
+        <pc:chgData name="Brady Merkel" userId="077b44faa59125c6" providerId="LiveId" clId="{D075DFC6-1618-4A9F-A1E7-C8D8E2EC5169}" dt="2024-11-22T18:56:26.835" v="42" actId="47"/>
+        <pc:sldMkLst>
+          <pc:docMk/>
+          <pc:sldMk cId="0" sldId="281"/>
+        </pc:sldMkLst>
+      </pc:sldChg>
+      <pc:sldChg chg="add del">
+        <pc:chgData name="Brady Merkel" userId="077b44faa59125c6" providerId="LiveId" clId="{D075DFC6-1618-4A9F-A1E7-C8D8E2EC5169}" dt="2024-11-22T18:56:26.835" v="42" actId="47"/>
+        <pc:sldMkLst>
+          <pc:docMk/>
+          <pc:sldMk cId="0" sldId="282"/>
+        </pc:sldMkLst>
+      </pc:sldChg>
+      <pc:sldChg chg="add del">
+        <pc:chgData name="Brady Merkel" userId="077b44faa59125c6" providerId="LiveId" clId="{D075DFC6-1618-4A9F-A1E7-C8D8E2EC5169}" dt="2024-11-22T18:56:26.835" v="42" actId="47"/>
+        <pc:sldMkLst>
+          <pc:docMk/>
+          <pc:sldMk cId="0" sldId="283"/>
+        </pc:sldMkLst>
+      </pc:sldChg>
+      <pc:sldChg chg="add del">
+        <pc:chgData name="Brady Merkel" userId="077b44faa59125c6" providerId="LiveId" clId="{D075DFC6-1618-4A9F-A1E7-C8D8E2EC5169}" dt="2024-11-22T18:56:26.835" v="42" actId="47"/>
+        <pc:sldMkLst>
+          <pc:docMk/>
+          <pc:sldMk cId="0" sldId="284"/>
+        </pc:sldMkLst>
+      </pc:sldChg>
+      <pc:sldChg chg="add del">
+        <pc:chgData name="Brady Merkel" userId="077b44faa59125c6" providerId="LiveId" clId="{D075DFC6-1618-4A9F-A1E7-C8D8E2EC5169}" dt="2024-11-22T18:56:26.835" v="42" actId="47"/>
+        <pc:sldMkLst>
+          <pc:docMk/>
+          <pc:sldMk cId="0" sldId="285"/>
+        </pc:sldMkLst>
+      </pc:sldChg>
+      <pc:sldChg chg="add del">
+        <pc:chgData name="Brady Merkel" userId="077b44faa59125c6" providerId="LiveId" clId="{D075DFC6-1618-4A9F-A1E7-C8D8E2EC5169}" dt="2024-11-22T18:56:26.835" v="42" actId="47"/>
+        <pc:sldMkLst>
+          <pc:docMk/>
+          <pc:sldMk cId="0" sldId="286"/>
+        </pc:sldMkLst>
+      </pc:sldChg>
+      <pc:sldChg chg="add del">
+        <pc:chgData name="Brady Merkel" userId="077b44faa59125c6" providerId="LiveId" clId="{D075DFC6-1618-4A9F-A1E7-C8D8E2EC5169}" dt="2024-11-22T18:56:26.835" v="42" actId="47"/>
+        <pc:sldMkLst>
+          <pc:docMk/>
+          <pc:sldMk cId="0" sldId="287"/>
+        </pc:sldMkLst>
+      </pc:sldChg>
+      <pc:sldChg chg="add del">
+        <pc:chgData name="Brady Merkel" userId="077b44faa59125c6" providerId="LiveId" clId="{D075DFC6-1618-4A9F-A1E7-C8D8E2EC5169}" dt="2024-11-22T18:56:26.835" v="42" actId="47"/>
+        <pc:sldMkLst>
+          <pc:docMk/>
+          <pc:sldMk cId="0" sldId="288"/>
+        </pc:sldMkLst>
+      </pc:sldChg>
+      <pc:sldChg chg="add del">
+        <pc:chgData name="Brady Merkel" userId="077b44faa59125c6" providerId="LiveId" clId="{D075DFC6-1618-4A9F-A1E7-C8D8E2EC5169}" dt="2024-11-22T18:56:26.835" v="42" actId="47"/>
+        <pc:sldMkLst>
+          <pc:docMk/>
+          <pc:sldMk cId="0" sldId="289"/>
+        </pc:sldMkLst>
+      </pc:sldChg>
+      <pc:sldChg chg="add del">
+        <pc:chgData name="Brady Merkel" userId="077b44faa59125c6" providerId="LiveId" clId="{D075DFC6-1618-4A9F-A1E7-C8D8E2EC5169}" dt="2024-11-22T18:56:26.835" v="42" actId="47"/>
+        <pc:sldMkLst>
+          <pc:docMk/>
+          <pc:sldMk cId="0" sldId="290"/>
+        </pc:sldMkLst>
+      </pc:sldChg>
+      <pc:sldChg chg="add del">
+        <pc:chgData name="Brady Merkel" userId="077b44faa59125c6" providerId="LiveId" clId="{D075DFC6-1618-4A9F-A1E7-C8D8E2EC5169}" dt="2024-11-22T18:56:26.835" v="42" actId="47"/>
+        <pc:sldMkLst>
+          <pc:docMk/>
+          <pc:sldMk cId="0" sldId="291"/>
+        </pc:sldMkLst>
+      </pc:sldChg>
+      <pc:sldChg chg="add del">
+        <pc:chgData name="Brady Merkel" userId="077b44faa59125c6" providerId="LiveId" clId="{D075DFC6-1618-4A9F-A1E7-C8D8E2EC5169}" dt="2024-11-22T18:56:09.357" v="41"/>
+        <pc:sldMkLst>
+          <pc:docMk/>
+          <pc:sldMk cId="0" sldId="292"/>
+        </pc:sldMkLst>
+      </pc:sldChg>
+      <pc:sldChg chg="add del">
+        <pc:chgData name="Brady Merkel" userId="077b44faa59125c6" providerId="LiveId" clId="{D075DFC6-1618-4A9F-A1E7-C8D8E2EC5169}" dt="2024-11-22T18:56:09.357" v="41"/>
+        <pc:sldMkLst>
+          <pc:docMk/>
+          <pc:sldMk cId="0" sldId="293"/>
+        </pc:sldMkLst>
+      </pc:sldChg>
+      <pc:sldChg chg="add del">
+        <pc:chgData name="Brady Merkel" userId="077b44faa59125c6" providerId="LiveId" clId="{D075DFC6-1618-4A9F-A1E7-C8D8E2EC5169}" dt="2024-11-22T18:56:09.357" v="41"/>
+        <pc:sldMkLst>
+          <pc:docMk/>
+          <pc:sldMk cId="0" sldId="294"/>
+        </pc:sldMkLst>
+      </pc:sldChg>
+      <pc:sldChg chg="del">
+        <pc:chgData name="Brady Merkel" userId="077b44faa59125c6" providerId="LiveId" clId="{D075DFC6-1618-4A9F-A1E7-C8D8E2EC5169}" dt="2024-11-22T18:56:08.517" v="40" actId="47"/>
+        <pc:sldMkLst>
+          <pc:docMk/>
+          <pc:sldMk cId="0" sldId="295"/>
+        </pc:sldMkLst>
+      </pc:sldChg>
+      <pc:sldChg chg="del">
+        <pc:chgData name="Brady Merkel" userId="077b44faa59125c6" providerId="LiveId" clId="{D075DFC6-1618-4A9F-A1E7-C8D8E2EC5169}" dt="2024-11-22T18:56:08.517" v="40" actId="47"/>
+        <pc:sldMkLst>
+          <pc:docMk/>
+          <pc:sldMk cId="0" sldId="296"/>
+        </pc:sldMkLst>
+      </pc:sldChg>
+      <pc:sldChg chg="del">
+        <pc:chgData name="Brady Merkel" userId="077b44faa59125c6" providerId="LiveId" clId="{D075DFC6-1618-4A9F-A1E7-C8D8E2EC5169}" dt="2024-11-22T18:56:08.517" v="40" actId="47"/>
+        <pc:sldMkLst>
+          <pc:docMk/>
+          <pc:sldMk cId="0" sldId="297"/>
+        </pc:sldMkLst>
+      </pc:sldChg>
+      <pc:sldChg chg="add">
+        <pc:chgData name="Brady Merkel" userId="077b44faa59125c6" providerId="LiveId" clId="{D075DFC6-1618-4A9F-A1E7-C8D8E2EC5169}" dt="2024-11-22T18:56:09.357" v="41"/>
+        <pc:sldMkLst>
+          <pc:docMk/>
+          <pc:sldMk cId="0" sldId="298"/>
+        </pc:sldMkLst>
+      </pc:sldChg>
+      <pc:sldChg chg="addSp modSp del mod">
+        <pc:chgData name="Brady Merkel" userId="077b44faa59125c6" providerId="LiveId" clId="{D075DFC6-1618-4A9F-A1E7-C8D8E2EC5169}" dt="2024-11-22T18:56:08.517" v="40" actId="47"/>
         <pc:sldMkLst>
           <pc:docMk/>
           <pc:sldMk cId="3897328644" sldId="298"/>
@@ -327,6 +630,94 @@
           </ac:picMkLst>
         </pc:picChg>
       </pc:sldChg>
+      <pc:sldChg chg="add">
+        <pc:chgData name="Brady Merkel" userId="077b44faa59125c6" providerId="LiveId" clId="{D075DFC6-1618-4A9F-A1E7-C8D8E2EC5169}" dt="2024-11-22T18:56:09.357" v="41"/>
+        <pc:sldMkLst>
+          <pc:docMk/>
+          <pc:sldMk cId="854740014" sldId="300"/>
+        </pc:sldMkLst>
+      </pc:sldChg>
+      <pc:sldChg chg="add">
+        <pc:chgData name="Brady Merkel" userId="077b44faa59125c6" providerId="LiveId" clId="{D075DFC6-1618-4A9F-A1E7-C8D8E2EC5169}" dt="2024-11-22T18:56:09.357" v="41"/>
+        <pc:sldMkLst>
+          <pc:docMk/>
+          <pc:sldMk cId="0" sldId="301"/>
+        </pc:sldMkLst>
+      </pc:sldChg>
+      <pc:sldChg chg="add">
+        <pc:chgData name="Brady Merkel" userId="077b44faa59125c6" providerId="LiveId" clId="{D075DFC6-1618-4A9F-A1E7-C8D8E2EC5169}" dt="2024-11-22T18:56:09.357" v="41"/>
+        <pc:sldMkLst>
+          <pc:docMk/>
+          <pc:sldMk cId="0" sldId="302"/>
+        </pc:sldMkLst>
+      </pc:sldChg>
+      <pc:sldChg chg="add">
+        <pc:chgData name="Brady Merkel" userId="077b44faa59125c6" providerId="LiveId" clId="{D075DFC6-1618-4A9F-A1E7-C8D8E2EC5169}" dt="2024-11-22T18:56:09.357" v="41"/>
+        <pc:sldMkLst>
+          <pc:docMk/>
+          <pc:sldMk cId="0" sldId="303"/>
+        </pc:sldMkLst>
+      </pc:sldChg>
+      <pc:sldChg chg="add">
+        <pc:chgData name="Brady Merkel" userId="077b44faa59125c6" providerId="LiveId" clId="{D075DFC6-1618-4A9F-A1E7-C8D8E2EC5169}" dt="2024-11-22T18:56:09.357" v="41"/>
+        <pc:sldMkLst>
+          <pc:docMk/>
+          <pc:sldMk cId="0" sldId="304"/>
+        </pc:sldMkLst>
+      </pc:sldChg>
+      <pc:sldChg chg="add">
+        <pc:chgData name="Brady Merkel" userId="077b44faa59125c6" providerId="LiveId" clId="{D075DFC6-1618-4A9F-A1E7-C8D8E2EC5169}" dt="2024-11-22T18:56:09.357" v="41"/>
+        <pc:sldMkLst>
+          <pc:docMk/>
+          <pc:sldMk cId="0" sldId="305"/>
+        </pc:sldMkLst>
+      </pc:sldChg>
+      <pc:sldChg chg="add">
+        <pc:chgData name="Brady Merkel" userId="077b44faa59125c6" providerId="LiveId" clId="{D075DFC6-1618-4A9F-A1E7-C8D8E2EC5169}" dt="2024-11-22T18:56:09.357" v="41"/>
+        <pc:sldMkLst>
+          <pc:docMk/>
+          <pc:sldMk cId="0" sldId="306"/>
+        </pc:sldMkLst>
+      </pc:sldChg>
+      <pc:sldMasterChg chg="delSldLayout">
+        <pc:chgData name="Brady Merkel" userId="077b44faa59125c6" providerId="LiveId" clId="{D075DFC6-1618-4A9F-A1E7-C8D8E2EC5169}" dt="2024-11-22T18:56:08.517" v="40" actId="47"/>
+        <pc:sldMasterMkLst>
+          <pc:docMk/>
+          <pc:sldMasterMk cId="0" sldId="2147483665"/>
+        </pc:sldMasterMkLst>
+        <pc:sldLayoutChg chg="del">
+          <pc:chgData name="Brady Merkel" userId="077b44faa59125c6" providerId="LiveId" clId="{D075DFC6-1618-4A9F-A1E7-C8D8E2EC5169}" dt="2024-11-22T18:56:08.517" v="40" actId="47"/>
+          <pc:sldLayoutMkLst>
+            <pc:docMk/>
+            <pc:sldMasterMk cId="0" sldId="2147483665"/>
+            <pc:sldLayoutMk cId="0" sldId="2147483659"/>
+          </pc:sldLayoutMkLst>
+        </pc:sldLayoutChg>
+        <pc:sldLayoutChg chg="del">
+          <pc:chgData name="Brady Merkel" userId="077b44faa59125c6" providerId="LiveId" clId="{D075DFC6-1618-4A9F-A1E7-C8D8E2EC5169}" dt="2024-11-22T18:56:08.517" v="40" actId="47"/>
+          <pc:sldLayoutMkLst>
+            <pc:docMk/>
+            <pc:sldMasterMk cId="0" sldId="2147483665"/>
+            <pc:sldLayoutMk cId="0" sldId="2147483660"/>
+          </pc:sldLayoutMkLst>
+        </pc:sldLayoutChg>
+        <pc:sldLayoutChg chg="del">
+          <pc:chgData name="Brady Merkel" userId="077b44faa59125c6" providerId="LiveId" clId="{D075DFC6-1618-4A9F-A1E7-C8D8E2EC5169}" dt="2024-11-22T18:56:08.517" v="40" actId="47"/>
+          <pc:sldLayoutMkLst>
+            <pc:docMk/>
+            <pc:sldMasterMk cId="0" sldId="2147483665"/>
+            <pc:sldLayoutMk cId="0" sldId="2147483661"/>
+          </pc:sldLayoutMkLst>
+        </pc:sldLayoutChg>
+        <pc:sldLayoutChg chg="del">
+          <pc:chgData name="Brady Merkel" userId="077b44faa59125c6" providerId="LiveId" clId="{D075DFC6-1618-4A9F-A1E7-C8D8E2EC5169}" dt="2024-11-22T18:56:08.517" v="40" actId="47"/>
+          <pc:sldLayoutMkLst>
+            <pc:docMk/>
+            <pc:sldMasterMk cId="0" sldId="2147483665"/>
+            <pc:sldLayoutMk cId="0" sldId="2147483662"/>
+          </pc:sldLayoutMkLst>
+        </pc:sldLayoutChg>
+      </pc:sldMasterChg>
     </pc:docChg>
   </pc:docChgLst>
 </pc:chgInfo>
@@ -1021,7 +1412,7 @@
   <p:cSld>
     <p:spTree>
       <p:nvGrpSpPr>
-        <p:cNvPr id="1" name="Shape 140"/>
+        <p:cNvPr id="1" name="Shape 152"/>
         <p:cNvGrpSpPr/>
         <p:nvPr/>
       </p:nvGrpSpPr>
@@ -1035,7 +1426,7 @@
       </p:grpSpPr>
       <p:sp>
         <p:nvSpPr>
-          <p:cNvPr id="141" name="Google Shape;141;g2d56fc09ca8_2_78:notes"/>
+          <p:cNvPr id="153" name="Google Shape;153;g2d56fc09ca8_2_88:notes"/>
           <p:cNvSpPr txBox="1">
             <a:spLocks noGrp="1"/>
           </p:cNvSpPr>
@@ -1073,7 +1464,7 @@
       </p:sp>
       <p:sp>
         <p:nvSpPr>
-          <p:cNvPr id="142" name="Google Shape;142;g2d56fc09ca8_2_78:notes"/>
+          <p:cNvPr id="154" name="Google Shape;154;g2d56fc09ca8_2_88:notes"/>
           <p:cNvSpPr>
             <a:spLocks noGrp="1" noRot="1" noChangeAspect="1"/>
           </p:cNvSpPr>
@@ -1083,8 +1474,8 @@
         </p:nvSpPr>
         <p:spPr>
           <a:xfrm>
-            <a:off x="1143000" y="685800"/>
-            <a:ext cx="4572000" cy="3429000"/>
+            <a:off x="381000" y="685800"/>
+            <a:ext cx="6096000" cy="3429000"/>
           </a:xfrm>
           <a:custGeom>
             <a:avLst/>
@@ -1125,7 +1516,7 @@
   <p:cSld>
     <p:spTree>
       <p:nvGrpSpPr>
-        <p:cNvPr id="1" name="Shape 146"/>
+        <p:cNvPr id="1" name="Shape 157"/>
         <p:cNvGrpSpPr/>
         <p:nvPr/>
       </p:nvGrpSpPr>
@@ -1139,7 +1530,7 @@
       </p:grpSpPr>
       <p:sp>
         <p:nvSpPr>
-          <p:cNvPr id="147" name="Google Shape;147;g2d56fc09ca8_2_83:notes"/>
+          <p:cNvPr id="158" name="Google Shape;158;g2d56fc09ca8_2_92:notes"/>
           <p:cNvSpPr txBox="1">
             <a:spLocks noGrp="1"/>
           </p:cNvSpPr>
@@ -1177,7 +1568,7 @@
       </p:sp>
       <p:sp>
         <p:nvSpPr>
-          <p:cNvPr id="148" name="Google Shape;148;g2d56fc09ca8_2_83:notes"/>
+          <p:cNvPr id="159" name="Google Shape;159;g2d56fc09ca8_2_92:notes"/>
           <p:cNvSpPr>
             <a:spLocks noGrp="1" noRot="1" noChangeAspect="1"/>
           </p:cNvSpPr>
@@ -1225,214 +1616,6 @@
 </file>
 
 <file path=ppt/notesSlides/notesSlide12.xml><?xml version="1.0" encoding="utf-8"?>
-<p:notes xmlns:a="http://schemas.openxmlformats.org/drawingml/2006/main" xmlns:r="http://schemas.openxmlformats.org/officeDocument/2006/relationships" xmlns:p="http://schemas.openxmlformats.org/presentationml/2006/main" showMasterSp="0" showMasterPhAnim="0">
-  <p:cSld>
-    <p:spTree>
-      <p:nvGrpSpPr>
-        <p:cNvPr id="1" name="Shape 152"/>
-        <p:cNvGrpSpPr/>
-        <p:nvPr/>
-      </p:nvGrpSpPr>
-      <p:grpSpPr>
-        <a:xfrm>
-          <a:off x="0" y="0"/>
-          <a:ext cx="0" cy="0"/>
-          <a:chOff x="0" y="0"/>
-          <a:chExt cx="0" cy="0"/>
-        </a:xfrm>
-      </p:grpSpPr>
-      <p:sp>
-        <p:nvSpPr>
-          <p:cNvPr id="153" name="Google Shape;153;g2d56fc09ca8_2_88:notes"/>
-          <p:cNvSpPr txBox="1">
-            <a:spLocks noGrp="1"/>
-          </p:cNvSpPr>
-          <p:nvPr>
-            <p:ph type="body" idx="1"/>
-          </p:nvPr>
-        </p:nvSpPr>
-        <p:spPr>
-          <a:xfrm>
-            <a:off x="914400" y="4343400"/>
-            <a:ext cx="5029200" cy="4114800"/>
-          </a:xfrm>
-          <a:prstGeom prst="rect">
-            <a:avLst/>
-          </a:prstGeom>
-        </p:spPr>
-        <p:txBody>
-          <a:bodyPr spcFirstLastPara="1" wrap="square" lIns="91425" tIns="91425" rIns="91425" bIns="91425" anchor="t" anchorCtr="0">
-            <a:noAutofit/>
-          </a:bodyPr>
-          <a:lstStyle/>
-          <a:p>
-            <a:pPr marL="0" lvl="0" indent="0" algn="l" rtl="0">
-              <a:spcBef>
-                <a:spcPts val="0"/>
-              </a:spcBef>
-              <a:spcAft>
-                <a:spcPts val="0"/>
-              </a:spcAft>
-              <a:buNone/>
-            </a:pPr>
-            <a:endParaRPr/>
-          </a:p>
-        </p:txBody>
-      </p:sp>
-      <p:sp>
-        <p:nvSpPr>
-          <p:cNvPr id="154" name="Google Shape;154;g2d56fc09ca8_2_88:notes"/>
-          <p:cNvSpPr>
-            <a:spLocks noGrp="1" noRot="1" noChangeAspect="1"/>
-          </p:cNvSpPr>
-          <p:nvPr>
-            <p:ph type="sldImg" idx="2"/>
-          </p:nvPr>
-        </p:nvSpPr>
-        <p:spPr>
-          <a:xfrm>
-            <a:off x="1143000" y="685800"/>
-            <a:ext cx="4572000" cy="3429000"/>
-          </a:xfrm>
-          <a:custGeom>
-            <a:avLst/>
-            <a:gdLst/>
-            <a:ahLst/>
-            <a:cxnLst/>
-            <a:rect l="l" t="t" r="r" b="b"/>
-            <a:pathLst>
-              <a:path w="120000" h="120000" extrusionOk="0">
-                <a:moveTo>
-                  <a:pt x="0" y="0"/>
-                </a:moveTo>
-                <a:lnTo>
-                  <a:pt x="120000" y="0"/>
-                </a:lnTo>
-                <a:lnTo>
-                  <a:pt x="120000" y="120000"/>
-                </a:lnTo>
-                <a:lnTo>
-                  <a:pt x="0" y="120000"/>
-                </a:lnTo>
-                <a:close/>
-              </a:path>
-            </a:pathLst>
-          </a:custGeom>
-        </p:spPr>
-      </p:sp>
-    </p:spTree>
-  </p:cSld>
-  <p:clrMapOvr>
-    <a:masterClrMapping/>
-  </p:clrMapOvr>
-</p:notes>
-</file>
-
-<file path=ppt/notesSlides/notesSlide13.xml><?xml version="1.0" encoding="utf-8"?>
-<p:notes xmlns:a="http://schemas.openxmlformats.org/drawingml/2006/main" xmlns:r="http://schemas.openxmlformats.org/officeDocument/2006/relationships" xmlns:p="http://schemas.openxmlformats.org/presentationml/2006/main" showMasterSp="0" showMasterPhAnim="0">
-  <p:cSld>
-    <p:spTree>
-      <p:nvGrpSpPr>
-        <p:cNvPr id="1" name="Shape 157"/>
-        <p:cNvGrpSpPr/>
-        <p:nvPr/>
-      </p:nvGrpSpPr>
-      <p:grpSpPr>
-        <a:xfrm>
-          <a:off x="0" y="0"/>
-          <a:ext cx="0" cy="0"/>
-          <a:chOff x="0" y="0"/>
-          <a:chExt cx="0" cy="0"/>
-        </a:xfrm>
-      </p:grpSpPr>
-      <p:sp>
-        <p:nvSpPr>
-          <p:cNvPr id="158" name="Google Shape;158;g2d56fc09ca8_2_92:notes"/>
-          <p:cNvSpPr txBox="1">
-            <a:spLocks noGrp="1"/>
-          </p:cNvSpPr>
-          <p:nvPr>
-            <p:ph type="body" idx="1"/>
-          </p:nvPr>
-        </p:nvSpPr>
-        <p:spPr>
-          <a:xfrm>
-            <a:off x="914400" y="4343400"/>
-            <a:ext cx="5029200" cy="4114800"/>
-          </a:xfrm>
-          <a:prstGeom prst="rect">
-            <a:avLst/>
-          </a:prstGeom>
-        </p:spPr>
-        <p:txBody>
-          <a:bodyPr spcFirstLastPara="1" wrap="square" lIns="91425" tIns="91425" rIns="91425" bIns="91425" anchor="t" anchorCtr="0">
-            <a:noAutofit/>
-          </a:bodyPr>
-          <a:lstStyle/>
-          <a:p>
-            <a:pPr marL="0" lvl="0" indent="0" algn="l" rtl="0">
-              <a:spcBef>
-                <a:spcPts val="0"/>
-              </a:spcBef>
-              <a:spcAft>
-                <a:spcPts val="0"/>
-              </a:spcAft>
-              <a:buNone/>
-            </a:pPr>
-            <a:endParaRPr/>
-          </a:p>
-        </p:txBody>
-      </p:sp>
-      <p:sp>
-        <p:nvSpPr>
-          <p:cNvPr id="159" name="Google Shape;159;g2d56fc09ca8_2_92:notes"/>
-          <p:cNvSpPr>
-            <a:spLocks noGrp="1" noRot="1" noChangeAspect="1"/>
-          </p:cNvSpPr>
-          <p:nvPr>
-            <p:ph type="sldImg" idx="2"/>
-          </p:nvPr>
-        </p:nvSpPr>
-        <p:spPr>
-          <a:xfrm>
-            <a:off x="1143000" y="685800"/>
-            <a:ext cx="4572000" cy="3429000"/>
-          </a:xfrm>
-          <a:custGeom>
-            <a:avLst/>
-            <a:gdLst/>
-            <a:ahLst/>
-            <a:cxnLst/>
-            <a:rect l="l" t="t" r="r" b="b"/>
-            <a:pathLst>
-              <a:path w="120000" h="120000" extrusionOk="0">
-                <a:moveTo>
-                  <a:pt x="0" y="0"/>
-                </a:moveTo>
-                <a:lnTo>
-                  <a:pt x="120000" y="0"/>
-                </a:lnTo>
-                <a:lnTo>
-                  <a:pt x="120000" y="120000"/>
-                </a:lnTo>
-                <a:lnTo>
-                  <a:pt x="0" y="120000"/>
-                </a:lnTo>
-                <a:close/>
-              </a:path>
-            </a:pathLst>
-          </a:custGeom>
-        </p:spPr>
-      </p:sp>
-    </p:spTree>
-  </p:cSld>
-  <p:clrMapOvr>
-    <a:masterClrMapping/>
-  </p:clrMapOvr>
-</p:notes>
-</file>
-
-<file path=ppt/notesSlides/notesSlide14.xml><?xml version="1.0" encoding="utf-8"?>
 <p:notes xmlns:a="http://schemas.openxmlformats.org/drawingml/2006/main" xmlns:r="http://schemas.openxmlformats.org/officeDocument/2006/relationships" xmlns:p="http://schemas.openxmlformats.org/presentationml/2006/main" showMasterSp="0" showMasterPhAnim="0">
   <p:cSld>
     <p:spTree>
@@ -1536,7 +1719,7 @@
 </p:notes>
 </file>
 
-<file path=ppt/notesSlides/notesSlide15.xml><?xml version="1.0" encoding="utf-8"?>
+<file path=ppt/notesSlides/notesSlide13.xml><?xml version="1.0" encoding="utf-8"?>
 <p:notes xmlns:a="http://schemas.openxmlformats.org/drawingml/2006/main" xmlns:r="http://schemas.openxmlformats.org/officeDocument/2006/relationships" xmlns:p="http://schemas.openxmlformats.org/presentationml/2006/main" showMasterSp="0" showMasterPhAnim="0">
   <p:cSld>
     <p:spTree>
@@ -1603,8 +1786,8 @@
         </p:nvSpPr>
         <p:spPr>
           <a:xfrm>
-            <a:off x="1143000" y="685800"/>
-            <a:ext cx="4572000" cy="3429000"/>
+            <a:off x="381000" y="685800"/>
+            <a:ext cx="6096000" cy="3429000"/>
           </a:xfrm>
           <a:custGeom>
             <a:avLst/>
@@ -1640,7 +1823,7 @@
 </p:notes>
 </file>
 
-<file path=ppt/notesSlides/notesSlide16.xml><?xml version="1.0" encoding="utf-8"?>
+<file path=ppt/notesSlides/notesSlide14.xml><?xml version="1.0" encoding="utf-8"?>
 <p:notes xmlns:a="http://schemas.openxmlformats.org/drawingml/2006/main" xmlns:r="http://schemas.openxmlformats.org/officeDocument/2006/relationships" xmlns:p="http://schemas.openxmlformats.org/presentationml/2006/main" showMasterSp="0" showMasterPhAnim="0">
   <p:cSld>
     <p:spTree>
@@ -1707,8 +1890,8 @@
         </p:nvSpPr>
         <p:spPr>
           <a:xfrm>
-            <a:off x="1143000" y="685800"/>
-            <a:ext cx="4572000" cy="3429000"/>
+            <a:off x="381000" y="685800"/>
+            <a:ext cx="6096000" cy="3429000"/>
           </a:xfrm>
           <a:custGeom>
             <a:avLst/>
@@ -1744,7 +1927,7 @@
 </p:notes>
 </file>
 
-<file path=ppt/notesSlides/notesSlide17.xml><?xml version="1.0" encoding="utf-8"?>
+<file path=ppt/notesSlides/notesSlide15.xml><?xml version="1.0" encoding="utf-8"?>
 <p:notes xmlns:a="http://schemas.openxmlformats.org/drawingml/2006/main" xmlns:r="http://schemas.openxmlformats.org/officeDocument/2006/relationships" xmlns:p="http://schemas.openxmlformats.org/presentationml/2006/main" showMasterSp="0" showMasterPhAnim="0">
   <p:cSld>
     <p:spTree>
@@ -1848,7 +2031,7 @@
 </p:notes>
 </file>
 
-<file path=ppt/notesSlides/notesSlide18.xml><?xml version="1.0" encoding="utf-8"?>
+<file path=ppt/notesSlides/notesSlide16.xml><?xml version="1.0" encoding="utf-8"?>
 <p:notes xmlns:a="http://schemas.openxmlformats.org/drawingml/2006/main" xmlns:r="http://schemas.openxmlformats.org/officeDocument/2006/relationships" xmlns:p="http://schemas.openxmlformats.org/presentationml/2006/main" showMasterSp="0" showMasterPhAnim="0">
   <p:cSld>
     <p:spTree>
@@ -1915,8 +2098,8 @@
         </p:nvSpPr>
         <p:spPr>
           <a:xfrm>
-            <a:off x="1143000" y="685800"/>
-            <a:ext cx="4572000" cy="3429000"/>
+            <a:off x="381000" y="685800"/>
+            <a:ext cx="6096000" cy="3429000"/>
           </a:xfrm>
           <a:custGeom>
             <a:avLst/>
@@ -1952,7 +2135,7 @@
 </p:notes>
 </file>
 
-<file path=ppt/notesSlides/notesSlide19.xml><?xml version="1.0" encoding="utf-8"?>
+<file path=ppt/notesSlides/notesSlide17.xml><?xml version="1.0" encoding="utf-8"?>
 <p:notes xmlns:a="http://schemas.openxmlformats.org/drawingml/2006/main" xmlns:r="http://schemas.openxmlformats.org/officeDocument/2006/relationships" xmlns:p="http://schemas.openxmlformats.org/presentationml/2006/main" showMasterSp="0" showMasterPhAnim="0">
   <p:cSld>
     <p:spTree>
@@ -2019,8 +2202,216 @@
         </p:nvSpPr>
         <p:spPr>
           <a:xfrm>
-            <a:off x="1143000" y="685800"/>
-            <a:ext cx="4572000" cy="3429000"/>
+            <a:off x="381000" y="685800"/>
+            <a:ext cx="6096000" cy="3429000"/>
+          </a:xfrm>
+          <a:custGeom>
+            <a:avLst/>
+            <a:gdLst/>
+            <a:ahLst/>
+            <a:cxnLst/>
+            <a:rect l="l" t="t" r="r" b="b"/>
+            <a:pathLst>
+              <a:path w="120000" h="120000" extrusionOk="0">
+                <a:moveTo>
+                  <a:pt x="0" y="0"/>
+                </a:moveTo>
+                <a:lnTo>
+                  <a:pt x="120000" y="0"/>
+                </a:lnTo>
+                <a:lnTo>
+                  <a:pt x="120000" y="120000"/>
+                </a:lnTo>
+                <a:lnTo>
+                  <a:pt x="0" y="120000"/>
+                </a:lnTo>
+                <a:close/>
+              </a:path>
+            </a:pathLst>
+          </a:custGeom>
+        </p:spPr>
+      </p:sp>
+    </p:spTree>
+  </p:cSld>
+  <p:clrMapOvr>
+    <a:masterClrMapping/>
+  </p:clrMapOvr>
+</p:notes>
+</file>
+
+<file path=ppt/notesSlides/notesSlide18.xml><?xml version="1.0" encoding="utf-8"?>
+<p:notes xmlns:a="http://schemas.openxmlformats.org/drawingml/2006/main" xmlns:r="http://schemas.openxmlformats.org/officeDocument/2006/relationships" xmlns:p="http://schemas.openxmlformats.org/presentationml/2006/main" showMasterSp="0" showMasterPhAnim="0">
+  <p:cSld>
+    <p:spTree>
+      <p:nvGrpSpPr>
+        <p:cNvPr id="1" name="Shape 197"/>
+        <p:cNvGrpSpPr/>
+        <p:nvPr/>
+      </p:nvGrpSpPr>
+      <p:grpSpPr>
+        <a:xfrm>
+          <a:off x="0" y="0"/>
+          <a:ext cx="0" cy="0"/>
+          <a:chOff x="0" y="0"/>
+          <a:chExt cx="0" cy="0"/>
+        </a:xfrm>
+      </p:grpSpPr>
+      <p:sp>
+        <p:nvSpPr>
+          <p:cNvPr id="198" name="Google Shape;198;g2d56fc09ca8_2_125:notes"/>
+          <p:cNvSpPr txBox="1">
+            <a:spLocks noGrp="1"/>
+          </p:cNvSpPr>
+          <p:nvPr>
+            <p:ph type="body" idx="1"/>
+          </p:nvPr>
+        </p:nvSpPr>
+        <p:spPr>
+          <a:xfrm>
+            <a:off x="914400" y="4343400"/>
+            <a:ext cx="5029200" cy="4114800"/>
+          </a:xfrm>
+          <a:prstGeom prst="rect">
+            <a:avLst/>
+          </a:prstGeom>
+        </p:spPr>
+        <p:txBody>
+          <a:bodyPr spcFirstLastPara="1" wrap="square" lIns="91425" tIns="91425" rIns="91425" bIns="91425" anchor="t" anchorCtr="0">
+            <a:noAutofit/>
+          </a:bodyPr>
+          <a:lstStyle/>
+          <a:p>
+            <a:pPr marL="0" lvl="0" indent="0" algn="l" rtl="0">
+              <a:spcBef>
+                <a:spcPts val="0"/>
+              </a:spcBef>
+              <a:spcAft>
+                <a:spcPts val="0"/>
+              </a:spcAft>
+              <a:buNone/>
+            </a:pPr>
+            <a:endParaRPr/>
+          </a:p>
+        </p:txBody>
+      </p:sp>
+      <p:sp>
+        <p:nvSpPr>
+          <p:cNvPr id="199" name="Google Shape;199;g2d56fc09ca8_2_125:notes"/>
+          <p:cNvSpPr>
+            <a:spLocks noGrp="1" noRot="1" noChangeAspect="1"/>
+          </p:cNvSpPr>
+          <p:nvPr>
+            <p:ph type="sldImg" idx="2"/>
+          </p:nvPr>
+        </p:nvSpPr>
+        <p:spPr>
+          <a:xfrm>
+            <a:off x="381000" y="685800"/>
+            <a:ext cx="6096000" cy="3429000"/>
+          </a:xfrm>
+          <a:custGeom>
+            <a:avLst/>
+            <a:gdLst/>
+            <a:ahLst/>
+            <a:cxnLst/>
+            <a:rect l="l" t="t" r="r" b="b"/>
+            <a:pathLst>
+              <a:path w="120000" h="120000" extrusionOk="0">
+                <a:moveTo>
+                  <a:pt x="0" y="0"/>
+                </a:moveTo>
+                <a:lnTo>
+                  <a:pt x="120000" y="0"/>
+                </a:lnTo>
+                <a:lnTo>
+                  <a:pt x="120000" y="120000"/>
+                </a:lnTo>
+                <a:lnTo>
+                  <a:pt x="0" y="120000"/>
+                </a:lnTo>
+                <a:close/>
+              </a:path>
+            </a:pathLst>
+          </a:custGeom>
+        </p:spPr>
+      </p:sp>
+    </p:spTree>
+  </p:cSld>
+  <p:clrMapOvr>
+    <a:masterClrMapping/>
+  </p:clrMapOvr>
+</p:notes>
+</file>
+
+<file path=ppt/notesSlides/notesSlide19.xml><?xml version="1.0" encoding="utf-8"?>
+<p:notes xmlns:a="http://schemas.openxmlformats.org/drawingml/2006/main" xmlns:r="http://schemas.openxmlformats.org/officeDocument/2006/relationships" xmlns:p="http://schemas.openxmlformats.org/presentationml/2006/main" showMasterSp="0" showMasterPhAnim="0">
+  <p:cSld>
+    <p:spTree>
+      <p:nvGrpSpPr>
+        <p:cNvPr id="1" name="Shape 135"/>
+        <p:cNvGrpSpPr/>
+        <p:nvPr/>
+      </p:nvGrpSpPr>
+      <p:grpSpPr>
+        <a:xfrm>
+          <a:off x="0" y="0"/>
+          <a:ext cx="0" cy="0"/>
+          <a:chOff x="0" y="0"/>
+          <a:chExt cx="0" cy="0"/>
+        </a:xfrm>
+      </p:grpSpPr>
+      <p:sp>
+        <p:nvSpPr>
+          <p:cNvPr id="136" name="Google Shape;136;g2d56fc09ca8_2_74:notes"/>
+          <p:cNvSpPr txBox="1">
+            <a:spLocks noGrp="1"/>
+          </p:cNvSpPr>
+          <p:nvPr>
+            <p:ph type="body" idx="1"/>
+          </p:nvPr>
+        </p:nvSpPr>
+        <p:spPr>
+          <a:xfrm>
+            <a:off x="914400" y="4343400"/>
+            <a:ext cx="5029200" cy="4114800"/>
+          </a:xfrm>
+          <a:prstGeom prst="rect">
+            <a:avLst/>
+          </a:prstGeom>
+        </p:spPr>
+        <p:txBody>
+          <a:bodyPr spcFirstLastPara="1" wrap="square" lIns="91425" tIns="91425" rIns="91425" bIns="91425" anchor="t" anchorCtr="0">
+            <a:noAutofit/>
+          </a:bodyPr>
+          <a:lstStyle/>
+          <a:p>
+            <a:pPr marL="0" lvl="0" indent="0" algn="l" rtl="0">
+              <a:spcBef>
+                <a:spcPts val="0"/>
+              </a:spcBef>
+              <a:spcAft>
+                <a:spcPts val="0"/>
+              </a:spcAft>
+              <a:buNone/>
+            </a:pPr>
+            <a:endParaRPr/>
+          </a:p>
+        </p:txBody>
+      </p:sp>
+      <p:sp>
+        <p:nvSpPr>
+          <p:cNvPr id="137" name="Google Shape;137;g2d56fc09ca8_2_74:notes"/>
+          <p:cNvSpPr>
+            <a:spLocks noGrp="1" noRot="1" noChangeAspect="1"/>
+          </p:cNvSpPr>
+          <p:nvPr>
+            <p:ph type="sldImg" idx="2"/>
+          </p:nvPr>
+        </p:nvSpPr>
+        <p:spPr>
+          <a:xfrm>
+            <a:off x="381000" y="685800"/>
+            <a:ext cx="6096000" cy="3429000"/>
           </a:xfrm>
           <a:custGeom>
             <a:avLst/>
@@ -2123,8 +2514,8 @@
         </p:nvSpPr>
         <p:spPr>
           <a:xfrm>
-            <a:off x="1143000" y="685800"/>
-            <a:ext cx="4572000" cy="3429000"/>
+            <a:off x="381000" y="685800"/>
+            <a:ext cx="6096000" cy="3429000"/>
           </a:xfrm>
           <a:custGeom>
             <a:avLst/>
@@ -2165,7 +2556,7 @@
   <p:cSld>
     <p:spTree>
       <p:nvGrpSpPr>
-        <p:cNvPr id="1" name="Shape 197"/>
+        <p:cNvPr id="1" name="Shape 140"/>
         <p:cNvGrpSpPr/>
         <p:nvPr/>
       </p:nvGrpSpPr>
@@ -2179,7 +2570,7 @@
       </p:grpSpPr>
       <p:sp>
         <p:nvSpPr>
-          <p:cNvPr id="198" name="Google Shape;198;g2d56fc09ca8_2_125:notes"/>
+          <p:cNvPr id="141" name="Google Shape;141;g2d56fc09ca8_2_78:notes"/>
           <p:cNvSpPr txBox="1">
             <a:spLocks noGrp="1"/>
           </p:cNvSpPr>
@@ -2217,7 +2608,7 @@
       </p:sp>
       <p:sp>
         <p:nvSpPr>
-          <p:cNvPr id="199" name="Google Shape;199;g2d56fc09ca8_2_125:notes"/>
+          <p:cNvPr id="142" name="Google Shape;142;g2d56fc09ca8_2_78:notes"/>
           <p:cNvSpPr>
             <a:spLocks noGrp="1" noRot="1" noChangeAspect="1"/>
           </p:cNvSpPr>
@@ -2269,6 +2660,110 @@
   <p:cSld>
     <p:spTree>
       <p:nvGrpSpPr>
+        <p:cNvPr id="1" name="Shape 146"/>
+        <p:cNvGrpSpPr/>
+        <p:nvPr/>
+      </p:nvGrpSpPr>
+      <p:grpSpPr>
+        <a:xfrm>
+          <a:off x="0" y="0"/>
+          <a:ext cx="0" cy="0"/>
+          <a:chOff x="0" y="0"/>
+          <a:chExt cx="0" cy="0"/>
+        </a:xfrm>
+      </p:grpSpPr>
+      <p:sp>
+        <p:nvSpPr>
+          <p:cNvPr id="147" name="Google Shape;147;g2d56fc09ca8_2_83:notes"/>
+          <p:cNvSpPr txBox="1">
+            <a:spLocks noGrp="1"/>
+          </p:cNvSpPr>
+          <p:nvPr>
+            <p:ph type="body" idx="1"/>
+          </p:nvPr>
+        </p:nvSpPr>
+        <p:spPr>
+          <a:xfrm>
+            <a:off x="914400" y="4343400"/>
+            <a:ext cx="5029200" cy="4114800"/>
+          </a:xfrm>
+          <a:prstGeom prst="rect">
+            <a:avLst/>
+          </a:prstGeom>
+        </p:spPr>
+        <p:txBody>
+          <a:bodyPr spcFirstLastPara="1" wrap="square" lIns="91425" tIns="91425" rIns="91425" bIns="91425" anchor="t" anchorCtr="0">
+            <a:noAutofit/>
+          </a:bodyPr>
+          <a:lstStyle/>
+          <a:p>
+            <a:pPr marL="0" lvl="0" indent="0" algn="l" rtl="0">
+              <a:spcBef>
+                <a:spcPts val="0"/>
+              </a:spcBef>
+              <a:spcAft>
+                <a:spcPts val="0"/>
+              </a:spcAft>
+              <a:buNone/>
+            </a:pPr>
+            <a:endParaRPr/>
+          </a:p>
+        </p:txBody>
+      </p:sp>
+      <p:sp>
+        <p:nvSpPr>
+          <p:cNvPr id="148" name="Google Shape;148;g2d56fc09ca8_2_83:notes"/>
+          <p:cNvSpPr>
+            <a:spLocks noGrp="1" noRot="1" noChangeAspect="1"/>
+          </p:cNvSpPr>
+          <p:nvPr>
+            <p:ph type="sldImg" idx="2"/>
+          </p:nvPr>
+        </p:nvSpPr>
+        <p:spPr>
+          <a:xfrm>
+            <a:off x="381000" y="685800"/>
+            <a:ext cx="6096000" cy="3429000"/>
+          </a:xfrm>
+          <a:custGeom>
+            <a:avLst/>
+            <a:gdLst/>
+            <a:ahLst/>
+            <a:cxnLst/>
+            <a:rect l="l" t="t" r="r" b="b"/>
+            <a:pathLst>
+              <a:path w="120000" h="120000" extrusionOk="0">
+                <a:moveTo>
+                  <a:pt x="0" y="0"/>
+                </a:moveTo>
+                <a:lnTo>
+                  <a:pt x="120000" y="0"/>
+                </a:lnTo>
+                <a:lnTo>
+                  <a:pt x="120000" y="120000"/>
+                </a:lnTo>
+                <a:lnTo>
+                  <a:pt x="0" y="120000"/>
+                </a:lnTo>
+                <a:close/>
+              </a:path>
+            </a:pathLst>
+          </a:custGeom>
+        </p:spPr>
+      </p:sp>
+    </p:spTree>
+  </p:cSld>
+  <p:clrMapOvr>
+    <a:masterClrMapping/>
+  </p:clrMapOvr>
+</p:notes>
+</file>
+
+<file path=ppt/notesSlides/notesSlide22.xml><?xml version="1.0" encoding="utf-8"?>
+<p:notes xmlns:a="http://schemas.openxmlformats.org/drawingml/2006/main" xmlns:r="http://schemas.openxmlformats.org/officeDocument/2006/relationships" xmlns:p="http://schemas.openxmlformats.org/presentationml/2006/main" showMasterSp="0" showMasterPhAnim="0">
+  <p:cSld>
+    <p:spTree>
+      <p:nvGrpSpPr>
         <p:cNvPr id="1" name="Shape 271"/>
         <p:cNvGrpSpPr/>
         <p:nvPr/>
@@ -2331,8 +2826,8 @@
         </p:nvSpPr>
         <p:spPr>
           <a:xfrm>
-            <a:off x="1143000" y="685800"/>
-            <a:ext cx="4572000" cy="3429000"/>
+            <a:off x="381000" y="685800"/>
+            <a:ext cx="6096000" cy="3429000"/>
           </a:xfrm>
           <a:custGeom>
             <a:avLst/>
@@ -2368,7 +2863,7 @@
 </p:notes>
 </file>
 
-<file path=ppt/notesSlides/notesSlide22.xml><?xml version="1.0" encoding="utf-8"?>
+<file path=ppt/notesSlides/notesSlide23.xml><?xml version="1.0" encoding="utf-8"?>
 <p:notes xmlns:a="http://schemas.openxmlformats.org/drawingml/2006/main" xmlns:r="http://schemas.openxmlformats.org/officeDocument/2006/relationships" xmlns:p="http://schemas.openxmlformats.org/presentationml/2006/main" showMasterSp="0" showMasterPhAnim="0">
   <p:cSld>
     <p:spTree>
@@ -2435,8 +2930,8 @@
         </p:nvSpPr>
         <p:spPr>
           <a:xfrm>
-            <a:off x="1143000" y="685800"/>
-            <a:ext cx="4572000" cy="3429000"/>
+            <a:off x="381000" y="685800"/>
+            <a:ext cx="6096000" cy="3429000"/>
           </a:xfrm>
           <a:custGeom>
             <a:avLst/>
@@ -2472,7 +2967,7 @@
 </p:notes>
 </file>
 
-<file path=ppt/notesSlides/notesSlide23.xml><?xml version="1.0" encoding="utf-8"?>
+<file path=ppt/notesSlides/notesSlide24.xml><?xml version="1.0" encoding="utf-8"?>
 <p:notes xmlns:a="http://schemas.openxmlformats.org/drawingml/2006/main" xmlns:r="http://schemas.openxmlformats.org/officeDocument/2006/relationships" xmlns:p="http://schemas.openxmlformats.org/presentationml/2006/main" showMasterSp="0" showMasterPhAnim="0">
   <p:cSld>
     <p:spTree>
@@ -2576,12 +3071,12 @@
 </p:notes>
 </file>
 
-<file path=ppt/notesSlides/notesSlide24.xml><?xml version="1.0" encoding="utf-8"?>
+<file path=ppt/notesSlides/notesSlide25.xml><?xml version="1.0" encoding="utf-8"?>
 <p:notes xmlns:a="http://schemas.openxmlformats.org/drawingml/2006/main" xmlns:r="http://schemas.openxmlformats.org/officeDocument/2006/relationships" xmlns:p="http://schemas.openxmlformats.org/presentationml/2006/main" showMasterSp="0" showMasterPhAnim="0">
   <p:cSld>
     <p:spTree>
       <p:nvGrpSpPr>
-        <p:cNvPr id="1" name="Shape 288"/>
+        <p:cNvPr id="1" name="Shape 218"/>
         <p:cNvGrpSpPr/>
         <p:nvPr/>
       </p:nvGrpSpPr>
@@ -2595,7 +3090,7 @@
       </p:grpSpPr>
       <p:sp>
         <p:nvSpPr>
-          <p:cNvPr id="289" name="Google Shape;289;g2d56fc09ca8_2_200:notes"/>
+          <p:cNvPr id="219" name="Google Shape;219;g2d56fc09ca8_2_200:notes"/>
           <p:cNvSpPr txBox="1">
             <a:spLocks noGrp="1"/>
           </p:cNvSpPr>
@@ -2633,7 +3128,7 @@
       </p:sp>
       <p:sp>
         <p:nvSpPr>
-          <p:cNvPr id="290" name="Google Shape;290;g2d56fc09ca8_2_200:notes"/>
+          <p:cNvPr id="220" name="Google Shape;220;g2d56fc09ca8_2_200:notes"/>
           <p:cNvSpPr>
             <a:spLocks noGrp="1" noRot="1" noChangeAspect="1"/>
           </p:cNvSpPr>
@@ -2680,12 +3175,12 @@
 </p:notes>
 </file>
 
-<file path=ppt/notesSlides/notesSlide25.xml><?xml version="1.0" encoding="utf-8"?>
+<file path=ppt/notesSlides/notesSlide26.xml><?xml version="1.0" encoding="utf-8"?>
 <p:notes xmlns:a="http://schemas.openxmlformats.org/drawingml/2006/main" xmlns:r="http://schemas.openxmlformats.org/officeDocument/2006/relationships" xmlns:p="http://schemas.openxmlformats.org/presentationml/2006/main" showMasterSp="0" showMasterPhAnim="0">
   <p:cSld>
     <p:spTree>
       <p:nvGrpSpPr>
-        <p:cNvPr id="1" name="Shape 294"/>
+        <p:cNvPr id="1" name="Shape 228"/>
         <p:cNvGrpSpPr/>
         <p:nvPr/>
       </p:nvGrpSpPr>
@@ -2699,7 +3194,7 @@
       </p:grpSpPr>
       <p:sp>
         <p:nvSpPr>
-          <p:cNvPr id="295" name="Google Shape;295;g2d56fc09ca8_2_205:notes"/>
+          <p:cNvPr id="229" name="Google Shape;229;g2d56fc09cfd_0_48:notes"/>
           <p:cNvSpPr txBox="1">
             <a:spLocks noGrp="1"/>
           </p:cNvSpPr>
@@ -2737,7 +3232,7 @@
       </p:sp>
       <p:sp>
         <p:nvSpPr>
-          <p:cNvPr id="296" name="Google Shape;296;g2d56fc09ca8_2_205:notes"/>
+          <p:cNvPr id="230" name="Google Shape;230;g2d56fc09cfd_0_48:notes"/>
           <p:cNvSpPr>
             <a:spLocks noGrp="1" noRot="1" noChangeAspect="1"/>
           </p:cNvSpPr>
@@ -2747,8 +3242,8 @@
         </p:nvSpPr>
         <p:spPr>
           <a:xfrm>
-            <a:off x="1143000" y="685800"/>
-            <a:ext cx="4572000" cy="3429000"/>
+            <a:off x="381000" y="685800"/>
+            <a:ext cx="6096000" cy="3429000"/>
           </a:xfrm>
           <a:custGeom>
             <a:avLst/>
@@ -2784,12 +3279,12 @@
 </p:notes>
 </file>
 
-<file path=ppt/notesSlides/notesSlide26.xml><?xml version="1.0" encoding="utf-8"?>
+<file path=ppt/notesSlides/notesSlide27.xml><?xml version="1.0" encoding="utf-8"?>
 <p:notes xmlns:a="http://schemas.openxmlformats.org/drawingml/2006/main" xmlns:r="http://schemas.openxmlformats.org/officeDocument/2006/relationships" xmlns:p="http://schemas.openxmlformats.org/presentationml/2006/main" showMasterSp="0" showMasterPhAnim="0">
   <p:cSld>
     <p:spTree>
       <p:nvGrpSpPr>
-        <p:cNvPr id="1" name="Shape 300"/>
+        <p:cNvPr id="1" name="Shape 244"/>
         <p:cNvGrpSpPr/>
         <p:nvPr/>
       </p:nvGrpSpPr>
@@ -2803,7 +3298,7 @@
       </p:grpSpPr>
       <p:sp>
         <p:nvSpPr>
-          <p:cNvPr id="301" name="Google Shape;301;g2d56fc09ca8_2_210:notes"/>
+          <p:cNvPr id="245" name="Google Shape;245;g2d56fc09ca8_2_205:notes"/>
           <p:cNvSpPr txBox="1">
             <a:spLocks noGrp="1"/>
           </p:cNvSpPr>
@@ -2841,7 +3336,111 @@
       </p:sp>
       <p:sp>
         <p:nvSpPr>
-          <p:cNvPr id="302" name="Google Shape;302;g2d56fc09ca8_2_210:notes"/>
+          <p:cNvPr id="246" name="Google Shape;246;g2d56fc09ca8_2_205:notes"/>
+          <p:cNvSpPr>
+            <a:spLocks noGrp="1" noRot="1" noChangeAspect="1"/>
+          </p:cNvSpPr>
+          <p:nvPr>
+            <p:ph type="sldImg" idx="2"/>
+          </p:nvPr>
+        </p:nvSpPr>
+        <p:spPr>
+          <a:xfrm>
+            <a:off x="381000" y="685800"/>
+            <a:ext cx="6096000" cy="3429000"/>
+          </a:xfrm>
+          <a:custGeom>
+            <a:avLst/>
+            <a:gdLst/>
+            <a:ahLst/>
+            <a:cxnLst/>
+            <a:rect l="l" t="t" r="r" b="b"/>
+            <a:pathLst>
+              <a:path w="120000" h="120000" extrusionOk="0">
+                <a:moveTo>
+                  <a:pt x="0" y="0"/>
+                </a:moveTo>
+                <a:lnTo>
+                  <a:pt x="120000" y="0"/>
+                </a:lnTo>
+                <a:lnTo>
+                  <a:pt x="120000" y="120000"/>
+                </a:lnTo>
+                <a:lnTo>
+                  <a:pt x="0" y="120000"/>
+                </a:lnTo>
+                <a:close/>
+              </a:path>
+            </a:pathLst>
+          </a:custGeom>
+        </p:spPr>
+      </p:sp>
+    </p:spTree>
+  </p:cSld>
+  <p:clrMapOvr>
+    <a:masterClrMapping/>
+  </p:clrMapOvr>
+</p:notes>
+</file>
+
+<file path=ppt/notesSlides/notesSlide28.xml><?xml version="1.0" encoding="utf-8"?>
+<p:notes xmlns:a="http://schemas.openxmlformats.org/drawingml/2006/main" xmlns:r="http://schemas.openxmlformats.org/officeDocument/2006/relationships" xmlns:p="http://schemas.openxmlformats.org/presentationml/2006/main" showMasterSp="0" showMasterPhAnim="0">
+  <p:cSld>
+    <p:spTree>
+      <p:nvGrpSpPr>
+        <p:cNvPr id="1" name="Shape 251"/>
+        <p:cNvGrpSpPr/>
+        <p:nvPr/>
+      </p:nvGrpSpPr>
+      <p:grpSpPr>
+        <a:xfrm>
+          <a:off x="0" y="0"/>
+          <a:ext cx="0" cy="0"/>
+          <a:chOff x="0" y="0"/>
+          <a:chExt cx="0" cy="0"/>
+        </a:xfrm>
+      </p:grpSpPr>
+      <p:sp>
+        <p:nvSpPr>
+          <p:cNvPr id="252" name="Google Shape;252;g2d56fc09ca8_2_210:notes"/>
+          <p:cNvSpPr txBox="1">
+            <a:spLocks noGrp="1"/>
+          </p:cNvSpPr>
+          <p:nvPr>
+            <p:ph type="body" idx="1"/>
+          </p:nvPr>
+        </p:nvSpPr>
+        <p:spPr>
+          <a:xfrm>
+            <a:off x="914400" y="4343400"/>
+            <a:ext cx="5029200" cy="4114800"/>
+          </a:xfrm>
+          <a:prstGeom prst="rect">
+            <a:avLst/>
+          </a:prstGeom>
+        </p:spPr>
+        <p:txBody>
+          <a:bodyPr spcFirstLastPara="1" wrap="square" lIns="91425" tIns="91425" rIns="91425" bIns="91425" anchor="t" anchorCtr="0">
+            <a:noAutofit/>
+          </a:bodyPr>
+          <a:lstStyle/>
+          <a:p>
+            <a:pPr marL="0" lvl="0" indent="0" algn="l" rtl="0">
+              <a:spcBef>
+                <a:spcPts val="0"/>
+              </a:spcBef>
+              <a:spcAft>
+                <a:spcPts val="0"/>
+              </a:spcAft>
+              <a:buNone/>
+            </a:pPr>
+            <a:endParaRPr/>
+          </a:p>
+        </p:txBody>
+      </p:sp>
+      <p:sp>
+        <p:nvSpPr>
+          <p:cNvPr id="253" name="Google Shape;253;g2d56fc09ca8_2_210:notes"/>
           <p:cNvSpPr>
             <a:spLocks noGrp="1" noRot="1" noChangeAspect="1"/>
           </p:cNvSpPr>
@@ -2955,8 +3554,8 @@
         </p:nvSpPr>
         <p:spPr>
           <a:xfrm>
-            <a:off x="1143000" y="685800"/>
-            <a:ext cx="4572000" cy="3429000"/>
+            <a:off x="381000" y="685800"/>
+            <a:ext cx="6096000" cy="3429000"/>
           </a:xfrm>
           <a:custGeom>
             <a:avLst/>
@@ -3059,8 +3658,8 @@
         </p:nvSpPr>
         <p:spPr>
           <a:xfrm>
-            <a:off x="1143000" y="685800"/>
-            <a:ext cx="4572000" cy="3429000"/>
+            <a:off x="381000" y="685800"/>
+            <a:ext cx="6096000" cy="3429000"/>
           </a:xfrm>
           <a:custGeom>
             <a:avLst/>
@@ -3205,6 +3804,110 @@
   <p:cSld>
     <p:spTree>
       <p:nvGrpSpPr>
+        <p:cNvPr id="1" name="Shape 92"/>
+        <p:cNvGrpSpPr/>
+        <p:nvPr/>
+      </p:nvGrpSpPr>
+      <p:grpSpPr>
+        <a:xfrm>
+          <a:off x="0" y="0"/>
+          <a:ext cx="0" cy="0"/>
+          <a:chOff x="0" y="0"/>
+          <a:chExt cx="0" cy="0"/>
+        </a:xfrm>
+      </p:grpSpPr>
+      <p:sp>
+        <p:nvSpPr>
+          <p:cNvPr id="93" name="Google Shape;93;g2d56fc09ca8_2_46:notes"/>
+          <p:cNvSpPr txBox="1">
+            <a:spLocks noGrp="1"/>
+          </p:cNvSpPr>
+          <p:nvPr>
+            <p:ph type="body" idx="1"/>
+          </p:nvPr>
+        </p:nvSpPr>
+        <p:spPr>
+          <a:xfrm>
+            <a:off x="914400" y="4343400"/>
+            <a:ext cx="5029200" cy="4114800"/>
+          </a:xfrm>
+          <a:prstGeom prst="rect">
+            <a:avLst/>
+          </a:prstGeom>
+        </p:spPr>
+        <p:txBody>
+          <a:bodyPr spcFirstLastPara="1" wrap="square" lIns="91425" tIns="91425" rIns="91425" bIns="91425" anchor="t" anchorCtr="0">
+            <a:noAutofit/>
+          </a:bodyPr>
+          <a:lstStyle/>
+          <a:p>
+            <a:pPr marL="0" lvl="0" indent="0" algn="l" rtl="0">
+              <a:spcBef>
+                <a:spcPts val="0"/>
+              </a:spcBef>
+              <a:spcAft>
+                <a:spcPts val="0"/>
+              </a:spcAft>
+              <a:buNone/>
+            </a:pPr>
+            <a:endParaRPr/>
+          </a:p>
+        </p:txBody>
+      </p:sp>
+      <p:sp>
+        <p:nvSpPr>
+          <p:cNvPr id="94" name="Google Shape;94;g2d56fc09ca8_2_46:notes"/>
+          <p:cNvSpPr>
+            <a:spLocks noGrp="1" noRot="1" noChangeAspect="1"/>
+          </p:cNvSpPr>
+          <p:nvPr>
+            <p:ph type="sldImg" idx="2"/>
+          </p:nvPr>
+        </p:nvSpPr>
+        <p:spPr>
+          <a:xfrm>
+            <a:off x="381000" y="685800"/>
+            <a:ext cx="6096000" cy="3429000"/>
+          </a:xfrm>
+          <a:custGeom>
+            <a:avLst/>
+            <a:gdLst/>
+            <a:ahLst/>
+            <a:cxnLst/>
+            <a:rect l="l" t="t" r="r" b="b"/>
+            <a:pathLst>
+              <a:path w="120000" h="120000" extrusionOk="0">
+                <a:moveTo>
+                  <a:pt x="0" y="0"/>
+                </a:moveTo>
+                <a:lnTo>
+                  <a:pt x="120000" y="0"/>
+                </a:lnTo>
+                <a:lnTo>
+                  <a:pt x="120000" y="120000"/>
+                </a:lnTo>
+                <a:lnTo>
+                  <a:pt x="0" y="120000"/>
+                </a:lnTo>
+                <a:close/>
+              </a:path>
+            </a:pathLst>
+          </a:custGeom>
+        </p:spPr>
+      </p:sp>
+    </p:spTree>
+  </p:cSld>
+  <p:clrMapOvr>
+    <a:masterClrMapping/>
+  </p:clrMapOvr>
+</p:notes>
+</file>
+
+<file path=ppt/notesSlides/notesSlide7.xml><?xml version="1.0" encoding="utf-8"?>
+<p:notes xmlns:a="http://schemas.openxmlformats.org/drawingml/2006/main" xmlns:r="http://schemas.openxmlformats.org/officeDocument/2006/relationships" xmlns:p="http://schemas.openxmlformats.org/presentationml/2006/main" showMasterSp="0" showMasterPhAnim="0">
+  <p:cSld>
+    <p:spTree>
+      <p:nvGrpSpPr>
         <p:cNvPr id="1" name="Shape 118"/>
         <p:cNvGrpSpPr/>
         <p:nvPr/>
@@ -3267,8 +3970,8 @@
         </p:nvSpPr>
         <p:spPr>
           <a:xfrm>
-            <a:off x="1143000" y="685800"/>
-            <a:ext cx="4572000" cy="3429000"/>
+            <a:off x="381000" y="685800"/>
+            <a:ext cx="6096000" cy="3429000"/>
           </a:xfrm>
           <a:custGeom>
             <a:avLst/>
@@ -3304,7 +4007,7 @@
 </p:notes>
 </file>
 
-<file path=ppt/notesSlides/notesSlide7.xml><?xml version="1.0" encoding="utf-8"?>
+<file path=ppt/notesSlides/notesSlide8.xml><?xml version="1.0" encoding="utf-8"?>
 <p:notes xmlns:a="http://schemas.openxmlformats.org/drawingml/2006/main" xmlns:r="http://schemas.openxmlformats.org/officeDocument/2006/relationships" xmlns:p="http://schemas.openxmlformats.org/presentationml/2006/main" showMasterSp="0" showMasterPhAnim="0">
   <p:cSld>
     <p:spTree>
@@ -3371,8 +4074,8 @@
         </p:nvSpPr>
         <p:spPr>
           <a:xfrm>
-            <a:off x="1143000" y="685800"/>
-            <a:ext cx="4572000" cy="3429000"/>
+            <a:off x="381000" y="685800"/>
+            <a:ext cx="6096000" cy="3429000"/>
           </a:xfrm>
           <a:custGeom>
             <a:avLst/>
@@ -3408,7 +4111,7 @@
 </p:notes>
 </file>
 
-<file path=ppt/notesSlides/notesSlide8.xml><?xml version="1.0" encoding="utf-8"?>
+<file path=ppt/notesSlides/notesSlide9.xml><?xml version="1.0" encoding="utf-8"?>
 <p:notes xmlns:a="http://schemas.openxmlformats.org/drawingml/2006/main" xmlns:r="http://schemas.openxmlformats.org/officeDocument/2006/relationships" xmlns:p="http://schemas.openxmlformats.org/presentationml/2006/main" showMasterSp="0" showMasterPhAnim="0">
   <p:cSld>
     <p:spTree>
@@ -3512,12 +4215,25 @@
 </p:notes>
 </file>
 
-<file path=ppt/notesSlides/notesSlide9.xml><?xml version="1.0" encoding="utf-8"?>
-<p:notes xmlns:a="http://schemas.openxmlformats.org/drawingml/2006/main" xmlns:r="http://schemas.openxmlformats.org/officeDocument/2006/relationships" xmlns:p="http://schemas.openxmlformats.org/presentationml/2006/main" showMasterSp="0" showMasterPhAnim="0">
-  <p:cSld>
+<file path=ppt/slideLayouts/slideLayout1.xml><?xml version="1.0" encoding="utf-8"?>
+<p:sldLayout xmlns:a="http://schemas.openxmlformats.org/drawingml/2006/main" xmlns:r="http://schemas.openxmlformats.org/officeDocument/2006/relationships" xmlns:p="http://schemas.openxmlformats.org/presentationml/2006/main" matchingName="1_Custom Layout">
+  <p:cSld name="1_Custom Layout">
+    <p:bg>
+      <p:bgPr>
+        <a:blipFill>
+          <a:blip r:embed="rId2">
+            <a:alphaModFix/>
+          </a:blip>
+          <a:stretch>
+            <a:fillRect/>
+          </a:stretch>
+        </a:blipFill>
+        <a:effectLst/>
+      </p:bgPr>
+    </p:bg>
     <p:spTree>
       <p:nvGrpSpPr>
-        <p:cNvPr id="1" name="Shape 135"/>
+        <p:cNvPr id="1" name="Shape 68"/>
         <p:cNvGrpSpPr/>
         <p:nvPr/>
       </p:nvGrpSpPr>
@@ -3531,94 +4247,411 @@
       </p:grpSpPr>
       <p:sp>
         <p:nvSpPr>
-          <p:cNvPr id="136" name="Google Shape;136;g2d56fc09ca8_2_74:notes"/>
+          <p:cNvPr id="69" name="Google Shape;69;p18"/>
           <p:cNvSpPr txBox="1">
             <a:spLocks noGrp="1"/>
           </p:cNvSpPr>
           <p:nvPr>
-            <p:ph type="body" idx="1"/>
+            <p:ph type="title"/>
           </p:nvPr>
         </p:nvSpPr>
         <p:spPr>
           <a:xfrm>
-            <a:off x="914400" y="4343400"/>
-            <a:ext cx="5029200" cy="4114800"/>
+            <a:off x="2720195" y="598595"/>
+            <a:ext cx="6119004" cy="675864"/>
           </a:xfrm>
           <a:prstGeom prst="rect">
             <a:avLst/>
           </a:prstGeom>
+          <a:noFill/>
+          <a:ln>
+            <a:noFill/>
+          </a:ln>
         </p:spPr>
         <p:txBody>
-          <a:bodyPr spcFirstLastPara="1" wrap="square" lIns="91425" tIns="91425" rIns="91425" bIns="91425" anchor="t" anchorCtr="0">
-            <a:noAutofit/>
+          <a:bodyPr spcFirstLastPara="1" wrap="square" lIns="0" tIns="0" rIns="0" bIns="0" anchor="ctr" anchorCtr="0">
+            <a:normAutofit/>
           </a:bodyPr>
-          <a:lstStyle/>
+          <a:lstStyle>
+            <a:lvl1pPr lvl="0" algn="l">
+              <a:lnSpc>
+                <a:spcPct val="100000"/>
+              </a:lnSpc>
+              <a:spcBef>
+                <a:spcPts val="0"/>
+              </a:spcBef>
+              <a:spcAft>
+                <a:spcPts val="0"/>
+              </a:spcAft>
+              <a:buClr>
+                <a:srgbClr val="000000"/>
+              </a:buClr>
+              <a:buSzPts val="1800"/>
+              <a:buNone/>
+              <a:defRPr/>
+            </a:lvl1pPr>
+            <a:lvl2pPr lvl="1" algn="l">
+              <a:lnSpc>
+                <a:spcPct val="100000"/>
+              </a:lnSpc>
+              <a:spcBef>
+                <a:spcPts val="0"/>
+              </a:spcBef>
+              <a:spcAft>
+                <a:spcPts val="0"/>
+              </a:spcAft>
+              <a:buClr>
+                <a:srgbClr val="000000"/>
+              </a:buClr>
+              <a:buSzPts val="1800"/>
+              <a:buNone/>
+              <a:defRPr/>
+            </a:lvl2pPr>
+            <a:lvl3pPr lvl="2" algn="l">
+              <a:lnSpc>
+                <a:spcPct val="100000"/>
+              </a:lnSpc>
+              <a:spcBef>
+                <a:spcPts val="0"/>
+              </a:spcBef>
+              <a:spcAft>
+                <a:spcPts val="0"/>
+              </a:spcAft>
+              <a:buClr>
+                <a:srgbClr val="000000"/>
+              </a:buClr>
+              <a:buSzPts val="1800"/>
+              <a:buNone/>
+              <a:defRPr/>
+            </a:lvl3pPr>
+            <a:lvl4pPr lvl="3" algn="l">
+              <a:lnSpc>
+                <a:spcPct val="100000"/>
+              </a:lnSpc>
+              <a:spcBef>
+                <a:spcPts val="0"/>
+              </a:spcBef>
+              <a:spcAft>
+                <a:spcPts val="0"/>
+              </a:spcAft>
+              <a:buClr>
+                <a:srgbClr val="000000"/>
+              </a:buClr>
+              <a:buSzPts val="1800"/>
+              <a:buNone/>
+              <a:defRPr/>
+            </a:lvl4pPr>
+            <a:lvl5pPr lvl="4" algn="l">
+              <a:lnSpc>
+                <a:spcPct val="100000"/>
+              </a:lnSpc>
+              <a:spcBef>
+                <a:spcPts val="0"/>
+              </a:spcBef>
+              <a:spcAft>
+                <a:spcPts val="0"/>
+              </a:spcAft>
+              <a:buClr>
+                <a:srgbClr val="000000"/>
+              </a:buClr>
+              <a:buSzPts val="1800"/>
+              <a:buNone/>
+              <a:defRPr/>
+            </a:lvl5pPr>
+            <a:lvl6pPr lvl="5" algn="l">
+              <a:lnSpc>
+                <a:spcPct val="100000"/>
+              </a:lnSpc>
+              <a:spcBef>
+                <a:spcPts val="0"/>
+              </a:spcBef>
+              <a:spcAft>
+                <a:spcPts val="0"/>
+              </a:spcAft>
+              <a:buClr>
+                <a:srgbClr val="000000"/>
+              </a:buClr>
+              <a:buSzPts val="1800"/>
+              <a:buNone/>
+              <a:defRPr/>
+            </a:lvl6pPr>
+            <a:lvl7pPr lvl="6" algn="l">
+              <a:lnSpc>
+                <a:spcPct val="100000"/>
+              </a:lnSpc>
+              <a:spcBef>
+                <a:spcPts val="0"/>
+              </a:spcBef>
+              <a:spcAft>
+                <a:spcPts val="0"/>
+              </a:spcAft>
+              <a:buClr>
+                <a:srgbClr val="000000"/>
+              </a:buClr>
+              <a:buSzPts val="1800"/>
+              <a:buNone/>
+              <a:defRPr/>
+            </a:lvl7pPr>
+            <a:lvl8pPr lvl="7" algn="l">
+              <a:lnSpc>
+                <a:spcPct val="100000"/>
+              </a:lnSpc>
+              <a:spcBef>
+                <a:spcPts val="0"/>
+              </a:spcBef>
+              <a:spcAft>
+                <a:spcPts val="0"/>
+              </a:spcAft>
+              <a:buClr>
+                <a:srgbClr val="000000"/>
+              </a:buClr>
+              <a:buSzPts val="1800"/>
+              <a:buNone/>
+              <a:defRPr/>
+            </a:lvl8pPr>
+            <a:lvl9pPr lvl="8" algn="l">
+              <a:lnSpc>
+                <a:spcPct val="100000"/>
+              </a:lnSpc>
+              <a:spcBef>
+                <a:spcPts val="0"/>
+              </a:spcBef>
+              <a:spcAft>
+                <a:spcPts val="0"/>
+              </a:spcAft>
+              <a:buClr>
+                <a:srgbClr val="000000"/>
+              </a:buClr>
+              <a:buSzPts val="1800"/>
+              <a:buNone/>
+              <a:defRPr/>
+            </a:lvl9pPr>
+          </a:lstStyle>
           <a:p>
-            <a:pPr marL="0" lvl="0" indent="0" algn="l" rtl="0">
-              <a:spcBef>
-                <a:spcPts val="0"/>
-              </a:spcBef>
-              <a:spcAft>
-                <a:spcPts val="0"/>
-              </a:spcAft>
-              <a:buNone/>
-            </a:pPr>
             <a:endParaRPr/>
           </a:p>
         </p:txBody>
       </p:sp>
       <p:sp>
         <p:nvSpPr>
-          <p:cNvPr id="137" name="Google Shape;137;g2d56fc09ca8_2_74:notes"/>
-          <p:cNvSpPr>
-            <a:spLocks noGrp="1" noRot="1" noChangeAspect="1"/>
+          <p:cNvPr id="70" name="Google Shape;70;p18"/>
+          <p:cNvSpPr txBox="1">
+            <a:spLocks noGrp="1"/>
           </p:cNvSpPr>
           <p:nvPr>
-            <p:ph type="sldImg" idx="2"/>
+            <p:ph type="sldNum" idx="12"/>
           </p:nvPr>
         </p:nvSpPr>
         <p:spPr>
           <a:xfrm>
-            <a:off x="1143000" y="685800"/>
-            <a:ext cx="4572000" cy="3429000"/>
+            <a:off x="4419600" y="4627562"/>
+            <a:ext cx="2133600" cy="279401"/>
           </a:xfrm>
-          <a:custGeom>
+          <a:prstGeom prst="rect">
             <a:avLst/>
-            <a:gdLst/>
-            <a:ahLst/>
-            <a:cxnLst/>
-            <a:rect l="l" t="t" r="r" b="b"/>
-            <a:pathLst>
-              <a:path w="120000" h="120000" extrusionOk="0">
-                <a:moveTo>
-                  <a:pt x="0" y="0"/>
-                </a:moveTo>
-                <a:lnTo>
-                  <a:pt x="120000" y="0"/>
-                </a:lnTo>
-                <a:lnTo>
-                  <a:pt x="120000" y="120000"/>
-                </a:lnTo>
-                <a:lnTo>
-                  <a:pt x="0" y="120000"/>
-                </a:lnTo>
-                <a:close/>
-              </a:path>
-            </a:pathLst>
-          </a:custGeom>
+          </a:prstGeom>
+          <a:noFill/>
+          <a:ln>
+            <a:noFill/>
+          </a:ln>
         </p:spPr>
+        <p:txBody>
+          <a:bodyPr spcFirstLastPara="1" wrap="square" lIns="45700" tIns="45700" rIns="45700" bIns="45700" anchor="ctr" anchorCtr="0">
+            <a:spAutoFit/>
+          </a:bodyPr>
+          <a:lstStyle>
+            <a:lvl1pPr marL="0" lvl="0" indent="0" algn="r">
+              <a:lnSpc>
+                <a:spcPct val="100000"/>
+              </a:lnSpc>
+              <a:spcBef>
+                <a:spcPts val="0"/>
+              </a:spcBef>
+              <a:spcAft>
+                <a:spcPts val="0"/>
+              </a:spcAft>
+              <a:buClr>
+                <a:srgbClr val="000000"/>
+              </a:buClr>
+              <a:buSzPts val="1200"/>
+              <a:buFont typeface="Arial"/>
+              <a:buNone/>
+              <a:defRPr sz="1200"/>
+            </a:lvl1pPr>
+            <a:lvl2pPr marL="0" lvl="1" indent="0" algn="r">
+              <a:lnSpc>
+                <a:spcPct val="100000"/>
+              </a:lnSpc>
+              <a:spcBef>
+                <a:spcPts val="0"/>
+              </a:spcBef>
+              <a:spcAft>
+                <a:spcPts val="0"/>
+              </a:spcAft>
+              <a:buClr>
+                <a:srgbClr val="000000"/>
+              </a:buClr>
+              <a:buSzPts val="1200"/>
+              <a:buFont typeface="Arial"/>
+              <a:buNone/>
+              <a:defRPr sz="1200"/>
+            </a:lvl2pPr>
+            <a:lvl3pPr marL="0" lvl="2" indent="0" algn="r">
+              <a:lnSpc>
+                <a:spcPct val="100000"/>
+              </a:lnSpc>
+              <a:spcBef>
+                <a:spcPts val="0"/>
+              </a:spcBef>
+              <a:spcAft>
+                <a:spcPts val="0"/>
+              </a:spcAft>
+              <a:buClr>
+                <a:srgbClr val="000000"/>
+              </a:buClr>
+              <a:buSzPts val="1200"/>
+              <a:buFont typeface="Arial"/>
+              <a:buNone/>
+              <a:defRPr sz="1200"/>
+            </a:lvl3pPr>
+            <a:lvl4pPr marL="0" lvl="3" indent="0" algn="r">
+              <a:lnSpc>
+                <a:spcPct val="100000"/>
+              </a:lnSpc>
+              <a:spcBef>
+                <a:spcPts val="0"/>
+              </a:spcBef>
+              <a:spcAft>
+                <a:spcPts val="0"/>
+              </a:spcAft>
+              <a:buClr>
+                <a:srgbClr val="000000"/>
+              </a:buClr>
+              <a:buSzPts val="1200"/>
+              <a:buFont typeface="Arial"/>
+              <a:buNone/>
+              <a:defRPr sz="1200"/>
+            </a:lvl4pPr>
+            <a:lvl5pPr marL="0" lvl="4" indent="0" algn="r">
+              <a:lnSpc>
+                <a:spcPct val="100000"/>
+              </a:lnSpc>
+              <a:spcBef>
+                <a:spcPts val="0"/>
+              </a:spcBef>
+              <a:spcAft>
+                <a:spcPts val="0"/>
+              </a:spcAft>
+              <a:buClr>
+                <a:srgbClr val="000000"/>
+              </a:buClr>
+              <a:buSzPts val="1200"/>
+              <a:buFont typeface="Arial"/>
+              <a:buNone/>
+              <a:defRPr sz="1200"/>
+            </a:lvl5pPr>
+            <a:lvl6pPr marL="0" lvl="5" indent="0" algn="r">
+              <a:lnSpc>
+                <a:spcPct val="100000"/>
+              </a:lnSpc>
+              <a:spcBef>
+                <a:spcPts val="0"/>
+              </a:spcBef>
+              <a:spcAft>
+                <a:spcPts val="0"/>
+              </a:spcAft>
+              <a:buClr>
+                <a:srgbClr val="000000"/>
+              </a:buClr>
+              <a:buSzPts val="1200"/>
+              <a:buFont typeface="Arial"/>
+              <a:buNone/>
+              <a:defRPr sz="1200"/>
+            </a:lvl6pPr>
+            <a:lvl7pPr marL="0" lvl="6" indent="0" algn="r">
+              <a:lnSpc>
+                <a:spcPct val="100000"/>
+              </a:lnSpc>
+              <a:spcBef>
+                <a:spcPts val="0"/>
+              </a:spcBef>
+              <a:spcAft>
+                <a:spcPts val="0"/>
+              </a:spcAft>
+              <a:buClr>
+                <a:srgbClr val="000000"/>
+              </a:buClr>
+              <a:buSzPts val="1200"/>
+              <a:buFont typeface="Arial"/>
+              <a:buNone/>
+              <a:defRPr sz="1200"/>
+            </a:lvl7pPr>
+            <a:lvl8pPr marL="0" lvl="7" indent="0" algn="r">
+              <a:lnSpc>
+                <a:spcPct val="100000"/>
+              </a:lnSpc>
+              <a:spcBef>
+                <a:spcPts val="0"/>
+              </a:spcBef>
+              <a:spcAft>
+                <a:spcPts val="0"/>
+              </a:spcAft>
+              <a:buClr>
+                <a:srgbClr val="000000"/>
+              </a:buClr>
+              <a:buSzPts val="1200"/>
+              <a:buFont typeface="Arial"/>
+              <a:buNone/>
+              <a:defRPr sz="1200"/>
+            </a:lvl8pPr>
+            <a:lvl9pPr marL="0" lvl="8" indent="0" algn="r">
+              <a:lnSpc>
+                <a:spcPct val="100000"/>
+              </a:lnSpc>
+              <a:spcBef>
+                <a:spcPts val="0"/>
+              </a:spcBef>
+              <a:spcAft>
+                <a:spcPts val="0"/>
+              </a:spcAft>
+              <a:buClr>
+                <a:srgbClr val="000000"/>
+              </a:buClr>
+              <a:buSzPts val="1200"/>
+              <a:buFont typeface="Arial"/>
+              <a:buNone/>
+              <a:defRPr sz="1200"/>
+            </a:lvl9pPr>
+          </a:lstStyle>
+          <a:p>
+            <a:pPr marL="0" lvl="0" indent="0" algn="r" rtl="0">
+              <a:spcBef>
+                <a:spcPts val="0"/>
+              </a:spcBef>
+              <a:spcAft>
+                <a:spcPts val="0"/>
+              </a:spcAft>
+              <a:buNone/>
+            </a:pPr>
+            <a:fld id="{00000000-1234-1234-1234-123412341234}" type="slidenum">
+              <a:rPr lang="en"/>
+              <a:t>‹#›</a:t>
+            </a:fld>
+            <a:endParaRPr/>
+          </a:p>
+        </p:txBody>
       </p:sp>
     </p:spTree>
   </p:cSld>
   <p:clrMapOvr>
     <a:masterClrMapping/>
   </p:clrMapOvr>
-</p:notes>
+</p:sldLayout>
 </file>
 
-<file path=ppt/slideLayouts/slideLayout1.xml><?xml version="1.0" encoding="utf-8"?>
+<file path=ppt/slideLayouts/slideLayout2.xml><?xml version="1.0" encoding="utf-8"?>
 <p:sldLayout xmlns:a="http://schemas.openxmlformats.org/drawingml/2006/main" xmlns:r="http://schemas.openxmlformats.org/officeDocument/2006/relationships" xmlns:p="http://schemas.openxmlformats.org/presentationml/2006/main" matchingName="Welcome Slide" type="tx">
-  <p:cSld name="TITLE_AND_BODY">
+  <p:cSld name="Welcome Slide">
     <p:spTree>
       <p:nvGrpSpPr>
         <p:cNvPr id="1" name="Shape 54"/>
@@ -3843,6 +4876,11 @@
         </p:txBody>
       </p:sp>
     </p:spTree>
+    <p:extLst>
+      <p:ext uri="{BB962C8B-B14F-4D97-AF65-F5344CB8AC3E}">
+        <p14:creationId xmlns:p14="http://schemas.microsoft.com/office/powerpoint/2010/main" val="3636124283"/>
+      </p:ext>
+    </p:extLst>
   </p:cSld>
   <p:clrMapOvr>
     <a:masterClrMapping/>
@@ -3850,7 +4888,7 @@
 </p:sldLayout>
 </file>
 
-<file path=ppt/slideLayouts/slideLayout2.xml><?xml version="1.0" encoding="utf-8"?>
+<file path=ppt/slideLayouts/slideLayout3.xml><?xml version="1.0" encoding="utf-8"?>
 <p:sldLayout xmlns:a="http://schemas.openxmlformats.org/drawingml/2006/main" xmlns:r="http://schemas.openxmlformats.org/officeDocument/2006/relationships" xmlns:p="http://schemas.openxmlformats.org/presentationml/2006/main" matchingName="Title and Content">
   <p:cSld name="Title and Content">
     <p:bg>
@@ -4464,6 +5502,11 @@
         </p:txBody>
       </p:sp>
     </p:spTree>
+    <p:extLst>
+      <p:ext uri="{BB962C8B-B14F-4D97-AF65-F5344CB8AC3E}">
+        <p14:creationId xmlns:p14="http://schemas.microsoft.com/office/powerpoint/2010/main" val="742584778"/>
+      </p:ext>
+    </p:extLst>
   </p:cSld>
   <p:clrMapOvr>
     <a:masterClrMapping/>
@@ -4471,7 +5514,7 @@
 </p:sldLayout>
 </file>
 
-<file path=ppt/slideLayouts/slideLayout3.xml><?xml version="1.0" encoding="utf-8"?>
+<file path=ppt/slideLayouts/slideLayout4.xml><?xml version="1.0" encoding="utf-8"?>
 <p:sldLayout xmlns:a="http://schemas.openxmlformats.org/drawingml/2006/main" xmlns:r="http://schemas.openxmlformats.org/officeDocument/2006/relationships" xmlns:p="http://schemas.openxmlformats.org/presentationml/2006/main" matchingName="Title Slide">
   <p:cSld name="Title Slide">
     <p:bg>
@@ -5115,6 +6158,11 @@
         </p:txBody>
       </p:sp>
     </p:spTree>
+    <p:extLst>
+      <p:ext uri="{BB962C8B-B14F-4D97-AF65-F5344CB8AC3E}">
+        <p14:creationId xmlns:p14="http://schemas.microsoft.com/office/powerpoint/2010/main" val="2552332935"/>
+      </p:ext>
+    </p:extLst>
   </p:cSld>
   <p:clrMapOvr>
     <a:masterClrMapping/>
@@ -5122,7 +6170,7 @@
 </p:sldLayout>
 </file>
 
-<file path=ppt/slideLayouts/slideLayout4.xml><?xml version="1.0" encoding="utf-8"?>
+<file path=ppt/slideLayouts/slideLayout5.xml><?xml version="1.0" encoding="utf-8"?>
 <p:sldLayout xmlns:a="http://schemas.openxmlformats.org/drawingml/2006/main" xmlns:r="http://schemas.openxmlformats.org/officeDocument/2006/relationships" xmlns:p="http://schemas.openxmlformats.org/presentationml/2006/main" matchingName="7_Picture with Caption">
   <p:cSld name="7_Picture with Caption">
     <p:bg>
@@ -5735,58 +6783,23 @@
           </a:p>
         </p:txBody>
       </p:sp>
-    </p:spTree>
-  </p:cSld>
-  <p:clrMapOvr>
-    <a:masterClrMapping/>
-  </p:clrMapOvr>
-</p:sldLayout>
-</file>
-
-<file path=ppt/slideLayouts/slideLayout5.xml><?xml version="1.0" encoding="utf-8"?>
-<p:sldLayout xmlns:a="http://schemas.openxmlformats.org/drawingml/2006/main" xmlns:r="http://schemas.openxmlformats.org/officeDocument/2006/relationships" xmlns:p="http://schemas.openxmlformats.org/presentationml/2006/main" matchingName="1_Custom Layout">
-  <p:cSld name="1_Custom Layout">
-    <p:bg>
-      <p:bgPr>
-        <a:blipFill>
-          <a:blip r:embed="rId2">
+      <p:pic>
+        <p:nvPicPr>
+          <p:cNvPr id="97" name="Google Shape;97;p23"/>
+          <p:cNvPicPr preferRelativeResize="0"/>
+          <p:nvPr userDrawn="1"/>
+        </p:nvPicPr>
+        <p:blipFill>
+          <a:blip r:embed="rId3">
             <a:alphaModFix/>
           </a:blip>
-          <a:stretch>
-            <a:fillRect/>
-          </a:stretch>
-        </a:blipFill>
-        <a:effectLst/>
-      </p:bgPr>
-    </p:bg>
-    <p:spTree>
-      <p:nvGrpSpPr>
-        <p:cNvPr id="1" name="Shape 68"/>
-        <p:cNvGrpSpPr/>
-        <p:nvPr/>
-      </p:nvGrpSpPr>
-      <p:grpSpPr>
-        <a:xfrm>
-          <a:off x="0" y="0"/>
-          <a:ext cx="0" cy="0"/>
-          <a:chOff x="0" y="0"/>
-          <a:chExt cx="0" cy="0"/>
-        </a:xfrm>
-      </p:grpSpPr>
-      <p:sp>
-        <p:nvSpPr>
-          <p:cNvPr id="69" name="Google Shape;69;p18"/>
-          <p:cNvSpPr txBox="1">
-            <a:spLocks noGrp="1"/>
-          </p:cNvSpPr>
-          <p:nvPr>
-            <p:ph type="title"/>
-          </p:nvPr>
-        </p:nvSpPr>
+          <a:srcRect t="20173" b="27037"/>
+          <a:stretch/>
+        </p:blipFill>
         <p:spPr>
           <a:xfrm>
-            <a:off x="2720195" y="598595"/>
-            <a:ext cx="6119004" cy="675864"/>
+            <a:off x="3910425" y="4362450"/>
+            <a:ext cx="1323150" cy="698500"/>
           </a:xfrm>
           <a:prstGeom prst="rect">
             <a:avLst/>
@@ -5796,380 +6809,13 @@
             <a:noFill/>
           </a:ln>
         </p:spPr>
-        <p:txBody>
-          <a:bodyPr spcFirstLastPara="1" wrap="square" lIns="0" tIns="0" rIns="0" bIns="0" anchor="ctr" anchorCtr="0">
-            <a:normAutofit/>
-          </a:bodyPr>
-          <a:lstStyle>
-            <a:lvl1pPr lvl="0" algn="l">
-              <a:lnSpc>
-                <a:spcPct val="100000"/>
-              </a:lnSpc>
-              <a:spcBef>
-                <a:spcPts val="0"/>
-              </a:spcBef>
-              <a:spcAft>
-                <a:spcPts val="0"/>
-              </a:spcAft>
-              <a:buClr>
-                <a:srgbClr val="000000"/>
-              </a:buClr>
-              <a:buSzPts val="1800"/>
-              <a:buNone/>
-              <a:defRPr/>
-            </a:lvl1pPr>
-            <a:lvl2pPr lvl="1" algn="l">
-              <a:lnSpc>
-                <a:spcPct val="100000"/>
-              </a:lnSpc>
-              <a:spcBef>
-                <a:spcPts val="0"/>
-              </a:spcBef>
-              <a:spcAft>
-                <a:spcPts val="0"/>
-              </a:spcAft>
-              <a:buClr>
-                <a:srgbClr val="000000"/>
-              </a:buClr>
-              <a:buSzPts val="1800"/>
-              <a:buNone/>
-              <a:defRPr/>
-            </a:lvl2pPr>
-            <a:lvl3pPr lvl="2" algn="l">
-              <a:lnSpc>
-                <a:spcPct val="100000"/>
-              </a:lnSpc>
-              <a:spcBef>
-                <a:spcPts val="0"/>
-              </a:spcBef>
-              <a:spcAft>
-                <a:spcPts val="0"/>
-              </a:spcAft>
-              <a:buClr>
-                <a:srgbClr val="000000"/>
-              </a:buClr>
-              <a:buSzPts val="1800"/>
-              <a:buNone/>
-              <a:defRPr/>
-            </a:lvl3pPr>
-            <a:lvl4pPr lvl="3" algn="l">
-              <a:lnSpc>
-                <a:spcPct val="100000"/>
-              </a:lnSpc>
-              <a:spcBef>
-                <a:spcPts val="0"/>
-              </a:spcBef>
-              <a:spcAft>
-                <a:spcPts val="0"/>
-              </a:spcAft>
-              <a:buClr>
-                <a:srgbClr val="000000"/>
-              </a:buClr>
-              <a:buSzPts val="1800"/>
-              <a:buNone/>
-              <a:defRPr/>
-            </a:lvl4pPr>
-            <a:lvl5pPr lvl="4" algn="l">
-              <a:lnSpc>
-                <a:spcPct val="100000"/>
-              </a:lnSpc>
-              <a:spcBef>
-                <a:spcPts val="0"/>
-              </a:spcBef>
-              <a:spcAft>
-                <a:spcPts val="0"/>
-              </a:spcAft>
-              <a:buClr>
-                <a:srgbClr val="000000"/>
-              </a:buClr>
-              <a:buSzPts val="1800"/>
-              <a:buNone/>
-              <a:defRPr/>
-            </a:lvl5pPr>
-            <a:lvl6pPr lvl="5" algn="l">
-              <a:lnSpc>
-                <a:spcPct val="100000"/>
-              </a:lnSpc>
-              <a:spcBef>
-                <a:spcPts val="0"/>
-              </a:spcBef>
-              <a:spcAft>
-                <a:spcPts val="0"/>
-              </a:spcAft>
-              <a:buClr>
-                <a:srgbClr val="000000"/>
-              </a:buClr>
-              <a:buSzPts val="1800"/>
-              <a:buNone/>
-              <a:defRPr/>
-            </a:lvl6pPr>
-            <a:lvl7pPr lvl="6" algn="l">
-              <a:lnSpc>
-                <a:spcPct val="100000"/>
-              </a:lnSpc>
-              <a:spcBef>
-                <a:spcPts val="0"/>
-              </a:spcBef>
-              <a:spcAft>
-                <a:spcPts val="0"/>
-              </a:spcAft>
-              <a:buClr>
-                <a:srgbClr val="000000"/>
-              </a:buClr>
-              <a:buSzPts val="1800"/>
-              <a:buNone/>
-              <a:defRPr/>
-            </a:lvl7pPr>
-            <a:lvl8pPr lvl="7" algn="l">
-              <a:lnSpc>
-                <a:spcPct val="100000"/>
-              </a:lnSpc>
-              <a:spcBef>
-                <a:spcPts val="0"/>
-              </a:spcBef>
-              <a:spcAft>
-                <a:spcPts val="0"/>
-              </a:spcAft>
-              <a:buClr>
-                <a:srgbClr val="000000"/>
-              </a:buClr>
-              <a:buSzPts val="1800"/>
-              <a:buNone/>
-              <a:defRPr/>
-            </a:lvl8pPr>
-            <a:lvl9pPr lvl="8" algn="l">
-              <a:lnSpc>
-                <a:spcPct val="100000"/>
-              </a:lnSpc>
-              <a:spcBef>
-                <a:spcPts val="0"/>
-              </a:spcBef>
-              <a:spcAft>
-                <a:spcPts val="0"/>
-              </a:spcAft>
-              <a:buClr>
-                <a:srgbClr val="000000"/>
-              </a:buClr>
-              <a:buSzPts val="1800"/>
-              <a:buNone/>
-              <a:defRPr/>
-            </a:lvl9pPr>
-          </a:lstStyle>
-          <a:p>
-            <a:endParaRPr/>
-          </a:p>
-        </p:txBody>
-      </p:sp>
-      <p:sp>
-        <p:nvSpPr>
-          <p:cNvPr id="70" name="Google Shape;70;p18"/>
-          <p:cNvSpPr txBox="1">
-            <a:spLocks noGrp="1"/>
-          </p:cNvSpPr>
-          <p:nvPr>
-            <p:ph type="sldNum" idx="12"/>
-          </p:nvPr>
-        </p:nvSpPr>
-        <p:spPr>
-          <a:xfrm>
-            <a:off x="4419600" y="4627562"/>
-            <a:ext cx="2133600" cy="279401"/>
-          </a:xfrm>
-          <a:prstGeom prst="rect">
-            <a:avLst/>
-          </a:prstGeom>
-          <a:noFill/>
-          <a:ln>
-            <a:noFill/>
-          </a:ln>
-        </p:spPr>
-        <p:txBody>
-          <a:bodyPr spcFirstLastPara="1" wrap="square" lIns="45700" tIns="45700" rIns="45700" bIns="45700" anchor="ctr" anchorCtr="0">
-            <a:spAutoFit/>
-          </a:bodyPr>
-          <a:lstStyle>
-            <a:lvl1pPr marL="0" lvl="0" indent="0" algn="r">
-              <a:lnSpc>
-                <a:spcPct val="100000"/>
-              </a:lnSpc>
-              <a:spcBef>
-                <a:spcPts val="0"/>
-              </a:spcBef>
-              <a:spcAft>
-                <a:spcPts val="0"/>
-              </a:spcAft>
-              <a:buClr>
-                <a:srgbClr val="000000"/>
-              </a:buClr>
-              <a:buSzPts val="1200"/>
-              <a:buFont typeface="Arial"/>
-              <a:buNone/>
-              <a:defRPr sz="1200"/>
-            </a:lvl1pPr>
-            <a:lvl2pPr marL="0" lvl="1" indent="0" algn="r">
-              <a:lnSpc>
-                <a:spcPct val="100000"/>
-              </a:lnSpc>
-              <a:spcBef>
-                <a:spcPts val="0"/>
-              </a:spcBef>
-              <a:spcAft>
-                <a:spcPts val="0"/>
-              </a:spcAft>
-              <a:buClr>
-                <a:srgbClr val="000000"/>
-              </a:buClr>
-              <a:buSzPts val="1200"/>
-              <a:buFont typeface="Arial"/>
-              <a:buNone/>
-              <a:defRPr sz="1200"/>
-            </a:lvl2pPr>
-            <a:lvl3pPr marL="0" lvl="2" indent="0" algn="r">
-              <a:lnSpc>
-                <a:spcPct val="100000"/>
-              </a:lnSpc>
-              <a:spcBef>
-                <a:spcPts val="0"/>
-              </a:spcBef>
-              <a:spcAft>
-                <a:spcPts val="0"/>
-              </a:spcAft>
-              <a:buClr>
-                <a:srgbClr val="000000"/>
-              </a:buClr>
-              <a:buSzPts val="1200"/>
-              <a:buFont typeface="Arial"/>
-              <a:buNone/>
-              <a:defRPr sz="1200"/>
-            </a:lvl3pPr>
-            <a:lvl4pPr marL="0" lvl="3" indent="0" algn="r">
-              <a:lnSpc>
-                <a:spcPct val="100000"/>
-              </a:lnSpc>
-              <a:spcBef>
-                <a:spcPts val="0"/>
-              </a:spcBef>
-              <a:spcAft>
-                <a:spcPts val="0"/>
-              </a:spcAft>
-              <a:buClr>
-                <a:srgbClr val="000000"/>
-              </a:buClr>
-              <a:buSzPts val="1200"/>
-              <a:buFont typeface="Arial"/>
-              <a:buNone/>
-              <a:defRPr sz="1200"/>
-            </a:lvl4pPr>
-            <a:lvl5pPr marL="0" lvl="4" indent="0" algn="r">
-              <a:lnSpc>
-                <a:spcPct val="100000"/>
-              </a:lnSpc>
-              <a:spcBef>
-                <a:spcPts val="0"/>
-              </a:spcBef>
-              <a:spcAft>
-                <a:spcPts val="0"/>
-              </a:spcAft>
-              <a:buClr>
-                <a:srgbClr val="000000"/>
-              </a:buClr>
-              <a:buSzPts val="1200"/>
-              <a:buFont typeface="Arial"/>
-              <a:buNone/>
-              <a:defRPr sz="1200"/>
-            </a:lvl5pPr>
-            <a:lvl6pPr marL="0" lvl="5" indent="0" algn="r">
-              <a:lnSpc>
-                <a:spcPct val="100000"/>
-              </a:lnSpc>
-              <a:spcBef>
-                <a:spcPts val="0"/>
-              </a:spcBef>
-              <a:spcAft>
-                <a:spcPts val="0"/>
-              </a:spcAft>
-              <a:buClr>
-                <a:srgbClr val="000000"/>
-              </a:buClr>
-              <a:buSzPts val="1200"/>
-              <a:buFont typeface="Arial"/>
-              <a:buNone/>
-              <a:defRPr sz="1200"/>
-            </a:lvl6pPr>
-            <a:lvl7pPr marL="0" lvl="6" indent="0" algn="r">
-              <a:lnSpc>
-                <a:spcPct val="100000"/>
-              </a:lnSpc>
-              <a:spcBef>
-                <a:spcPts val="0"/>
-              </a:spcBef>
-              <a:spcAft>
-                <a:spcPts val="0"/>
-              </a:spcAft>
-              <a:buClr>
-                <a:srgbClr val="000000"/>
-              </a:buClr>
-              <a:buSzPts val="1200"/>
-              <a:buFont typeface="Arial"/>
-              <a:buNone/>
-              <a:defRPr sz="1200"/>
-            </a:lvl7pPr>
-            <a:lvl8pPr marL="0" lvl="7" indent="0" algn="r">
-              <a:lnSpc>
-                <a:spcPct val="100000"/>
-              </a:lnSpc>
-              <a:spcBef>
-                <a:spcPts val="0"/>
-              </a:spcBef>
-              <a:spcAft>
-                <a:spcPts val="0"/>
-              </a:spcAft>
-              <a:buClr>
-                <a:srgbClr val="000000"/>
-              </a:buClr>
-              <a:buSzPts val="1200"/>
-              <a:buFont typeface="Arial"/>
-              <a:buNone/>
-              <a:defRPr sz="1200"/>
-            </a:lvl8pPr>
-            <a:lvl9pPr marL="0" lvl="8" indent="0" algn="r">
-              <a:lnSpc>
-                <a:spcPct val="100000"/>
-              </a:lnSpc>
-              <a:spcBef>
-                <a:spcPts val="0"/>
-              </a:spcBef>
-              <a:spcAft>
-                <a:spcPts val="0"/>
-              </a:spcAft>
-              <a:buClr>
-                <a:srgbClr val="000000"/>
-              </a:buClr>
-              <a:buSzPts val="1200"/>
-              <a:buFont typeface="Arial"/>
-              <a:buNone/>
-              <a:defRPr sz="1200"/>
-            </a:lvl9pPr>
-          </a:lstStyle>
-          <a:p>
-            <a:pPr marL="0" lvl="0" indent="0" algn="r" rtl="0">
-              <a:spcBef>
-                <a:spcPts val="0"/>
-              </a:spcBef>
-              <a:spcAft>
-                <a:spcPts val="0"/>
-              </a:spcAft>
-              <a:buNone/>
-            </a:pPr>
-            <a:fld id="{00000000-1234-1234-1234-123412341234}" type="slidenum">
-              <a:rPr lang="en"/>
-              <a:t>‹#›</a:t>
-            </a:fld>
-            <a:endParaRPr/>
-          </a:p>
-        </p:txBody>
-      </p:sp>
+      </p:pic>
     </p:spTree>
+    <p:extLst>
+      <p:ext uri="{BB962C8B-B14F-4D97-AF65-F5344CB8AC3E}">
+        <p14:creationId xmlns:p14="http://schemas.microsoft.com/office/powerpoint/2010/main" val="844928206"/>
+      </p:ext>
+    </p:extLst>
   </p:cSld>
   <p:clrMapOvr>
     <a:masterClrMapping/>
@@ -7028,11 +7674,11 @@
   </p:cSld>
   <p:clrMap bg1="lt1" tx1="dk1" bg2="dk2" tx2="lt2" accent1="accent1" accent2="accent2" accent3="accent3" accent4="accent4" accent5="accent5" accent6="accent6" hlink="hlink" folHlink="folHlink"/>
   <p:sldLayoutIdLst>
-    <p:sldLayoutId id="2147483659" r:id="rId1"/>
-    <p:sldLayoutId id="2147483660" r:id="rId2"/>
-    <p:sldLayoutId id="2147483661" r:id="rId3"/>
-    <p:sldLayoutId id="2147483662" r:id="rId4"/>
-    <p:sldLayoutId id="2147483663" r:id="rId5"/>
+    <p:sldLayoutId id="2147483663" r:id="rId1"/>
+    <p:sldLayoutId id="2147483666" r:id="rId2"/>
+    <p:sldLayoutId id="2147483667" r:id="rId3"/>
+    <p:sldLayoutId id="2147483668" r:id="rId4"/>
+    <p:sldLayoutId id="2147483669" r:id="rId5"/>
   </p:sldLayoutIdLst>
   <p:hf sldNum="0" hdr="0" ftr="0" dt="0"/>
   <p:txStyles>
@@ -7730,19 +8376,6 @@
 <file path=ppt/slides/slide1.xml><?xml version="1.0" encoding="utf-8"?>
 <p:sld xmlns:a="http://schemas.openxmlformats.org/drawingml/2006/main" xmlns:r="http://schemas.openxmlformats.org/officeDocument/2006/relationships" xmlns:p="http://schemas.openxmlformats.org/presentationml/2006/main">
   <p:cSld>
-    <p:bg>
-      <p:bgPr>
-        <a:blipFill>
-          <a:blip r:embed="rId3">
-            <a:alphaModFix/>
-          </a:blip>
-          <a:stretch>
-            <a:fillRect/>
-          </a:stretch>
-        </a:blipFill>
-        <a:effectLst/>
-      </p:bgPr>
-    </p:bg>
     <p:spTree>
       <p:nvGrpSpPr>
         <p:cNvPr id="1" name="Shape 74"/>
@@ -7770,7 +8403,7 @@
   <p:cSld>
     <p:spTree>
       <p:nvGrpSpPr>
-        <p:cNvPr id="1" name="Shape 138"/>
+        <p:cNvPr id="1" name=""/>
         <p:cNvGrpSpPr/>
         <p:nvPr/>
       </p:nvGrpSpPr>
@@ -7784,59 +8417,226 @@
       </p:grpSpPr>
       <p:sp>
         <p:nvSpPr>
-          <p:cNvPr id="139" name="Google Shape;139;p31"/>
-          <p:cNvSpPr txBox="1">
+          <p:cNvPr id="2" name="Title 1">
+            <a:extLst>
+              <a:ext uri="{FF2B5EF4-FFF2-40B4-BE49-F238E27FC236}">
+                <a16:creationId xmlns:a16="http://schemas.microsoft.com/office/drawing/2014/main" id="{4122A3F8-EFB9-FC12-0E0B-DB541BE52A16}"/>
+              </a:ext>
+            </a:extLst>
+          </p:cNvPr>
+          <p:cNvSpPr>
             <a:spLocks noGrp="1"/>
           </p:cNvSpPr>
           <p:nvPr>
             <p:ph type="title"/>
           </p:nvPr>
         </p:nvSpPr>
+        <p:spPr/>
+        <p:txBody>
+          <a:bodyPr/>
+          <a:lstStyle/>
+          <a:p>
+            <a:r>
+              <a:rPr lang="en-US" dirty="0"/>
+              <a:t>T-Shirt Design Winner</a:t>
+            </a:r>
+          </a:p>
+        </p:txBody>
+      </p:sp>
+      <p:pic>
+        <p:nvPicPr>
+          <p:cNvPr id="5" name="Picture 4">
+            <a:extLst>
+              <a:ext uri="{FF2B5EF4-FFF2-40B4-BE49-F238E27FC236}">
+                <a16:creationId xmlns:a16="http://schemas.microsoft.com/office/drawing/2014/main" id="{7CE04B72-2BA1-4604-359B-8D5898B010AC}"/>
+              </a:ext>
+            </a:extLst>
+          </p:cNvPr>
+          <p:cNvPicPr>
+            <a:picLocks noChangeAspect="1"/>
+          </p:cNvPicPr>
+          <p:nvPr/>
+        </p:nvPicPr>
+        <p:blipFill>
+          <a:blip r:embed="rId2"/>
+          <a:srcRect t="7739" b="16247"/>
+          <a:stretch/>
+        </p:blipFill>
         <p:spPr>
           <a:xfrm>
-            <a:off x="427382" y="1962149"/>
-            <a:ext cx="8289236" cy="609601"/>
+            <a:off x="4721013" y="0"/>
+            <a:ext cx="4422987" cy="4350546"/>
           </a:xfrm>
           <a:prstGeom prst="rect">
             <a:avLst/>
           </a:prstGeom>
-          <a:noFill/>
-          <a:ln>
-            <a:noFill/>
-          </a:ln>
+        </p:spPr>
+      </p:pic>
+      <p:sp>
+        <p:nvSpPr>
+          <p:cNvPr id="3" name="Text Placeholder 2">
+            <a:extLst>
+              <a:ext uri="{FF2B5EF4-FFF2-40B4-BE49-F238E27FC236}">
+                <a16:creationId xmlns:a16="http://schemas.microsoft.com/office/drawing/2014/main" id="{C03E5D99-93D5-50C0-6E73-973C60A71B26}"/>
+              </a:ext>
+            </a:extLst>
+          </p:cNvPr>
+          <p:cNvSpPr>
+            <a:spLocks noGrp="1"/>
+          </p:cNvSpPr>
+          <p:nvPr>
+            <p:ph type="body" idx="1"/>
+          </p:nvPr>
+        </p:nvSpPr>
+        <p:spPr>
+          <a:xfrm>
+            <a:off x="193038" y="1007644"/>
+            <a:ext cx="5550749" cy="3286649"/>
+          </a:xfrm>
         </p:spPr>
         <p:txBody>
-          <a:bodyPr spcFirstLastPara="1" wrap="square" lIns="0" tIns="0" rIns="0" bIns="0" anchor="ctr" anchorCtr="0">
-            <a:normAutofit/>
+          <a:bodyPr>
+            <a:normAutofit fontScale="92500" lnSpcReduction="20000"/>
           </a:bodyPr>
           <a:lstStyle/>
           <a:p>
-            <a:pPr marL="0" lvl="0" indent="0" algn="ctr" rtl="0">
-              <a:lnSpc>
-                <a:spcPct val="100000"/>
-              </a:lnSpc>
-              <a:spcBef>
-                <a:spcPts val="0"/>
-              </a:spcBef>
-              <a:spcAft>
-                <a:spcPts val="0"/>
-              </a:spcAft>
-              <a:buClr>
-                <a:srgbClr val="000000"/>
-              </a:buClr>
-              <a:buSzPts val="3600"/>
-              <a:buFont typeface="Roboto"/>
-              <a:buNone/>
+            <a:pPr marL="228600" indent="0"/>
+            <a:r>
+              <a:rPr lang="en-US" dirty="0"/>
+              <a:t>We asked teams to enter a T-Shirt Design</a:t>
+            </a:r>
+            <a:br>
+              <a:rPr lang="en-US" dirty="0"/>
+            </a:br>
+            <a:r>
+              <a:rPr lang="en-US" dirty="0"/>
+              <a:t>for the Regional Championship…</a:t>
+            </a:r>
+            <a:br>
+              <a:rPr lang="en-US" dirty="0"/>
+            </a:br>
+            <a:endParaRPr lang="en-US" dirty="0"/>
+          </a:p>
+          <a:p>
+            <a:pPr marL="228600" indent="0"/>
+            <a:r>
+              <a:rPr lang="en-US" dirty="0"/>
+              <a:t>This season’s winner is</a:t>
+            </a:r>
+          </a:p>
+          <a:p>
+            <a:pPr marL="228600" indent="0"/>
+            <a:endParaRPr lang="en-US" dirty="0"/>
+          </a:p>
+          <a:p>
+            <a:pPr algn="ctr">
+              <a:lnSpc>
+                <a:spcPts val="1500"/>
+              </a:lnSpc>
+              <a:spcBef>
+                <a:spcPts val="900"/>
+              </a:spcBef>
+              <a:spcAft>
+                <a:spcPts val="900"/>
+              </a:spcAft>
             </a:pPr>
             <a:r>
-              <a:rPr lang="en" sz="3600"/>
-              <a:t>Core Values Award</a:t>
+              <a:rPr lang="en-US" sz="3900" b="1" i="0" dirty="0">
+                <a:solidFill>
+                  <a:srgbClr val="202124"/>
+                </a:solidFill>
+                <a:effectLst/>
+                <a:latin typeface="Roboto" panose="020B0604020202020204" charset="0"/>
+              </a:rPr>
+              <a:t>Doc Bots (66269)</a:t>
             </a:r>
-            <a:endParaRPr sz="3600"/>
+          </a:p>
+          <a:p>
+            <a:pPr marL="228600" indent="0"/>
+            <a:r>
+              <a:rPr lang="en-US" dirty="0">
+                <a:latin typeface="Roboto" panose="020B0604020202020204" charset="0"/>
+                <a:ea typeface="Roboto" panose="020B0604020202020204" charset="0"/>
+              </a:rPr>
+              <a:t>The team wins an invitation to the</a:t>
+            </a:r>
+            <a:br>
+              <a:rPr lang="en-US" dirty="0">
+                <a:latin typeface="Roboto" panose="020B0604020202020204" charset="0"/>
+                <a:ea typeface="Roboto" panose="020B0604020202020204" charset="0"/>
+              </a:rPr>
+            </a:br>
+            <a:r>
+              <a:rPr lang="en-US" dirty="0">
+                <a:latin typeface="Roboto" panose="020B0604020202020204" charset="0"/>
+                <a:ea typeface="Roboto" panose="020B0604020202020204" charset="0"/>
+              </a:rPr>
+              <a:t>Regional Championship,</a:t>
+            </a:r>
+            <a:br>
+              <a:rPr lang="en-US" dirty="0">
+                <a:latin typeface="Roboto" panose="020B0604020202020204" charset="0"/>
+                <a:ea typeface="Roboto" panose="020B0604020202020204" charset="0"/>
+              </a:rPr>
+            </a:br>
+            <a:r>
+              <a:rPr lang="en-US" dirty="0">
+                <a:latin typeface="Roboto" panose="020B0604020202020204" charset="0"/>
+                <a:ea typeface="Roboto" panose="020B0604020202020204" charset="0"/>
+              </a:rPr>
+              <a:t>Friday/Saturday January 17</a:t>
+            </a:r>
+            <a:r>
+              <a:rPr lang="en-US" baseline="30000" dirty="0">
+                <a:latin typeface="Roboto" panose="020B0604020202020204" charset="0"/>
+                <a:ea typeface="Roboto" panose="020B0604020202020204" charset="0"/>
+              </a:rPr>
+              <a:t>th</a:t>
+            </a:r>
+            <a:r>
+              <a:rPr lang="en-US" dirty="0">
+                <a:latin typeface="Roboto" panose="020B0604020202020204" charset="0"/>
+                <a:ea typeface="Roboto" panose="020B0604020202020204" charset="0"/>
+              </a:rPr>
+              <a:t> &amp; 18</a:t>
+            </a:r>
+            <a:r>
+              <a:rPr lang="en-US" baseline="30000" dirty="0">
+                <a:latin typeface="Roboto" panose="020B0604020202020204" charset="0"/>
+                <a:ea typeface="Roboto" panose="020B0604020202020204" charset="0"/>
+              </a:rPr>
+              <a:t>th</a:t>
+            </a:r>
+            <a:br>
+              <a:rPr lang="en-US" dirty="0">
+                <a:latin typeface="Roboto" panose="020B0604020202020204" charset="0"/>
+                <a:ea typeface="Roboto" panose="020B0604020202020204" charset="0"/>
+              </a:rPr>
+            </a:br>
+            <a:r>
+              <a:rPr lang="en-US" b="0" i="0" dirty="0">
+                <a:solidFill>
+                  <a:srgbClr val="202124"/>
+                </a:solidFill>
+                <a:effectLst/>
+                <a:latin typeface="Roboto" panose="020B0604020202020204" charset="0"/>
+                <a:ea typeface="Roboto" panose="020B0604020202020204" charset="0"/>
+              </a:rPr>
+              <a:t>Legacy Park Multipurpose Center in Alachua, Florida</a:t>
+            </a:r>
+            <a:endParaRPr lang="en-US" sz="1200" dirty="0">
+              <a:latin typeface="Roboto" panose="020B0604020202020204" charset="0"/>
+              <a:ea typeface="Roboto" panose="020B0604020202020204" charset="0"/>
+            </a:endParaRPr>
           </a:p>
         </p:txBody>
       </p:sp>
     </p:spTree>
+    <p:extLst>
+      <p:ext uri="{BB962C8B-B14F-4D97-AF65-F5344CB8AC3E}">
+        <p14:creationId xmlns:p14="http://schemas.microsoft.com/office/powerpoint/2010/main" val="854740014"/>
+      </p:ext>
+    </p:extLst>
   </p:cSld>
   <p:clrMapOvr>
     <a:masterClrMapping/>
@@ -7845,276 +8645,6 @@
 </file>
 
 <file path=ppt/slides/slide11.xml><?xml version="1.0" encoding="utf-8"?>
-<p:sld xmlns:a="http://schemas.openxmlformats.org/drawingml/2006/main" xmlns:r="http://schemas.openxmlformats.org/officeDocument/2006/relationships" xmlns:p="http://schemas.openxmlformats.org/presentationml/2006/main">
-  <p:cSld>
-    <p:spTree>
-      <p:nvGrpSpPr>
-        <p:cNvPr id="1" name="Shape 143"/>
-        <p:cNvGrpSpPr/>
-        <p:nvPr/>
-      </p:nvGrpSpPr>
-      <p:grpSpPr>
-        <a:xfrm>
-          <a:off x="0" y="0"/>
-          <a:ext cx="0" cy="0"/>
-          <a:chOff x="0" y="0"/>
-          <a:chExt cx="0" cy="0"/>
-        </a:xfrm>
-      </p:grpSpPr>
-      <p:sp>
-        <p:nvSpPr>
-          <p:cNvPr id="144" name="Google Shape;144;p32"/>
-          <p:cNvSpPr txBox="1">
-            <a:spLocks noGrp="1"/>
-          </p:cNvSpPr>
-          <p:nvPr>
-            <p:ph type="title"/>
-          </p:nvPr>
-        </p:nvSpPr>
-        <p:spPr>
-          <a:xfrm>
-            <a:off x="457198" y="398044"/>
-            <a:ext cx="8289236" cy="609601"/>
-          </a:xfrm>
-          <a:prstGeom prst="rect">
-            <a:avLst/>
-          </a:prstGeom>
-          <a:noFill/>
-          <a:ln>
-            <a:noFill/>
-          </a:ln>
-        </p:spPr>
-        <p:txBody>
-          <a:bodyPr spcFirstLastPara="1" wrap="square" lIns="0" tIns="0" rIns="0" bIns="0" anchor="ctr" anchorCtr="0">
-            <a:normAutofit/>
-          </a:bodyPr>
-          <a:lstStyle/>
-          <a:p>
-            <a:pPr marL="0" lvl="0" indent="0" algn="l" rtl="0">
-              <a:lnSpc>
-                <a:spcPct val="100000"/>
-              </a:lnSpc>
-              <a:spcBef>
-                <a:spcPts val="0"/>
-              </a:spcBef>
-              <a:spcAft>
-                <a:spcPts val="0"/>
-              </a:spcAft>
-              <a:buClr>
-                <a:srgbClr val="000000"/>
-              </a:buClr>
-              <a:buSzPts val="2400"/>
-              <a:buFont typeface="Roboto"/>
-              <a:buNone/>
-            </a:pPr>
-            <a:r>
-              <a:rPr lang="en" dirty="0"/>
-              <a:t>Core Values Award</a:t>
-            </a:r>
-            <a:endParaRPr dirty="0"/>
-          </a:p>
-        </p:txBody>
-      </p:sp>
-      <p:sp>
-        <p:nvSpPr>
-          <p:cNvPr id="145" name="Google Shape;145;p32"/>
-          <p:cNvSpPr txBox="1">
-            <a:spLocks noGrp="1"/>
-          </p:cNvSpPr>
-          <p:nvPr>
-            <p:ph type="body" idx="1"/>
-          </p:nvPr>
-        </p:nvSpPr>
-        <p:spPr>
-          <a:xfrm>
-            <a:off x="457198" y="1143000"/>
-            <a:ext cx="8289237" cy="2419398"/>
-          </a:xfrm>
-          <a:prstGeom prst="rect">
-            <a:avLst/>
-          </a:prstGeom>
-          <a:noFill/>
-          <a:ln>
-            <a:noFill/>
-          </a:ln>
-        </p:spPr>
-        <p:txBody>
-          <a:bodyPr spcFirstLastPara="1" wrap="square" lIns="45700" tIns="45700" rIns="45700" bIns="45700" anchor="t" anchorCtr="0">
-            <a:normAutofit/>
-          </a:bodyPr>
-          <a:lstStyle/>
-          <a:p>
-            <a:pPr marL="0" lvl="0" indent="0" algn="l" rtl="0">
-              <a:lnSpc>
-                <a:spcPct val="100000"/>
-              </a:lnSpc>
-              <a:spcBef>
-                <a:spcPts val="0"/>
-              </a:spcBef>
-              <a:spcAft>
-                <a:spcPts val="0"/>
-              </a:spcAft>
-              <a:buClr>
-                <a:srgbClr val="000000"/>
-              </a:buClr>
-              <a:buSzPts val="2000"/>
-              <a:buFont typeface="Roboto"/>
-              <a:buNone/>
-            </a:pPr>
-            <a:r>
-              <a:rPr lang="en"/>
-              <a:t>This award celebrates a team that displays extraordinary enthusiasm and spirit, knows they can accomplish more together than they could as individuals, and shows each other and other teams respect at all times. </a:t>
-            </a:r>
-            <a:endParaRPr/>
-          </a:p>
-        </p:txBody>
-      </p:sp>
-    </p:spTree>
-  </p:cSld>
-  <p:clrMapOvr>
-    <a:masterClrMapping/>
-  </p:clrMapOvr>
-</p:sld>
-</file>
-
-<file path=ppt/slides/slide12.xml><?xml version="1.0" encoding="utf-8"?>
-<p:sld xmlns:a="http://schemas.openxmlformats.org/drawingml/2006/main" xmlns:r="http://schemas.openxmlformats.org/officeDocument/2006/relationships" xmlns:p="http://schemas.openxmlformats.org/presentationml/2006/main">
-  <p:cSld>
-    <p:spTree>
-      <p:nvGrpSpPr>
-        <p:cNvPr id="1" name="Shape 149"/>
-        <p:cNvGrpSpPr/>
-        <p:nvPr/>
-      </p:nvGrpSpPr>
-      <p:grpSpPr>
-        <a:xfrm>
-          <a:off x="0" y="0"/>
-          <a:ext cx="0" cy="0"/>
-          <a:chOff x="0" y="0"/>
-          <a:chExt cx="0" cy="0"/>
-        </a:xfrm>
-      </p:grpSpPr>
-      <p:sp>
-        <p:nvSpPr>
-          <p:cNvPr id="150" name="Google Shape;150;p33"/>
-          <p:cNvSpPr txBox="1">
-            <a:spLocks noGrp="1"/>
-          </p:cNvSpPr>
-          <p:nvPr>
-            <p:ph type="title"/>
-          </p:nvPr>
-        </p:nvSpPr>
-        <p:spPr>
-          <a:xfrm>
-            <a:off x="457198" y="398044"/>
-            <a:ext cx="8289236" cy="609601"/>
-          </a:xfrm>
-          <a:prstGeom prst="rect">
-            <a:avLst/>
-          </a:prstGeom>
-          <a:noFill/>
-          <a:ln>
-            <a:noFill/>
-          </a:ln>
-        </p:spPr>
-        <p:txBody>
-          <a:bodyPr spcFirstLastPara="1" wrap="square" lIns="0" tIns="0" rIns="0" bIns="0" anchor="ctr" anchorCtr="0">
-            <a:normAutofit/>
-          </a:bodyPr>
-          <a:lstStyle/>
-          <a:p>
-            <a:pPr marL="0" lvl="0" indent="0" algn="l" rtl="0">
-              <a:lnSpc>
-                <a:spcPct val="100000"/>
-              </a:lnSpc>
-              <a:spcBef>
-                <a:spcPts val="0"/>
-              </a:spcBef>
-              <a:spcAft>
-                <a:spcPts val="0"/>
-              </a:spcAft>
-              <a:buClr>
-                <a:srgbClr val="000000"/>
-              </a:buClr>
-              <a:buSzPts val="2400"/>
-              <a:buFont typeface="Roboto"/>
-              <a:buNone/>
-            </a:pPr>
-            <a:r>
-              <a:rPr lang="en"/>
-              <a:t>The Core Values Award goes to:</a:t>
-            </a:r>
-            <a:endParaRPr/>
-          </a:p>
-        </p:txBody>
-      </p:sp>
-      <p:sp>
-        <p:nvSpPr>
-          <p:cNvPr id="151" name="Google Shape;151;p33"/>
-          <p:cNvSpPr txBox="1">
-            <a:spLocks noGrp="1"/>
-          </p:cNvSpPr>
-          <p:nvPr>
-            <p:ph type="body" idx="1"/>
-          </p:nvPr>
-        </p:nvSpPr>
-        <p:spPr>
-          <a:xfrm>
-            <a:off x="457198" y="1143000"/>
-            <a:ext cx="8289237" cy="2419398"/>
-          </a:xfrm>
-          <a:prstGeom prst="rect">
-            <a:avLst/>
-          </a:prstGeom>
-          <a:noFill/>
-          <a:ln>
-            <a:noFill/>
-          </a:ln>
-        </p:spPr>
-        <p:txBody>
-          <a:bodyPr spcFirstLastPara="1" wrap="square" lIns="45700" tIns="45700" rIns="45700" bIns="45700" anchor="t" anchorCtr="0">
-            <a:normAutofit/>
-          </a:bodyPr>
-          <a:lstStyle/>
-          <a:p>
-            <a:pPr marL="0" lvl="0" indent="0" algn="ctr" rtl="0">
-              <a:lnSpc>
-                <a:spcPct val="100000"/>
-              </a:lnSpc>
-              <a:spcBef>
-                <a:spcPts val="0"/>
-              </a:spcBef>
-              <a:spcAft>
-                <a:spcPts val="0"/>
-              </a:spcAft>
-              <a:buClr>
-                <a:srgbClr val="000000"/>
-              </a:buClr>
-              <a:buSzPts val="2000"/>
-              <a:buFont typeface="Roboto"/>
-              <a:buNone/>
-            </a:pPr>
-            <a:r>
-              <a:rPr lang="en-US" sz="3600" b="1" dirty="0"/>
-              <a:t>{</a:t>
-            </a:r>
-            <a:r>
-              <a:rPr lang="en" sz="3600" b="1" dirty="0"/>
-              <a:t>Core Values Award}</a:t>
-            </a:r>
-            <a:endParaRPr sz="3600" b="1" dirty="0"/>
-          </a:p>
-        </p:txBody>
-      </p:sp>
-    </p:spTree>
-  </p:cSld>
-  <p:clrMapOvr>
-    <a:masterClrMapping/>
-  </p:clrMapOvr>
-</p:sld>
-</file>
-
-<file path=ppt/slides/slide13.xml><?xml version="1.0" encoding="utf-8"?>
 <p:sld xmlns:a="http://schemas.openxmlformats.org/drawingml/2006/main" xmlns:r="http://schemas.openxmlformats.org/officeDocument/2006/relationships" xmlns:p="http://schemas.openxmlformats.org/presentationml/2006/main">
   <p:cSld>
     <p:spTree>
@@ -8193,7 +8723,7 @@
 </p:sld>
 </file>
 
-<file path=ppt/slides/slide14.xml><?xml version="1.0" encoding="utf-8"?>
+<file path=ppt/slides/slide12.xml><?xml version="1.0" encoding="utf-8"?>
 <p:sld xmlns:a="http://schemas.openxmlformats.org/drawingml/2006/main" xmlns:r="http://schemas.openxmlformats.org/officeDocument/2006/relationships" xmlns:p="http://schemas.openxmlformats.org/presentationml/2006/main">
   <p:cSld>
     <p:spTree>
@@ -8326,7 +8856,7 @@
 </p:sld>
 </file>
 
-<file path=ppt/slides/slide15.xml><?xml version="1.0" encoding="utf-8"?>
+<file path=ppt/slides/slide13.xml><?xml version="1.0" encoding="utf-8"?>
 <p:sld xmlns:a="http://schemas.openxmlformats.org/drawingml/2006/main" xmlns:r="http://schemas.openxmlformats.org/officeDocument/2006/relationships" xmlns:p="http://schemas.openxmlformats.org/presentationml/2006/main">
   <p:cSld>
     <p:spTree>
@@ -8463,7 +8993,7 @@
 </p:sld>
 </file>
 
-<file path=ppt/slides/slide16.xml><?xml version="1.0" encoding="utf-8"?>
+<file path=ppt/slides/slide14.xml><?xml version="1.0" encoding="utf-8"?>
 <p:sld xmlns:a="http://schemas.openxmlformats.org/drawingml/2006/main" xmlns:r="http://schemas.openxmlformats.org/officeDocument/2006/relationships" xmlns:p="http://schemas.openxmlformats.org/presentationml/2006/main">
   <p:cSld>
     <p:spTree>
@@ -8542,7 +9072,7 @@
 </p:sld>
 </file>
 
-<file path=ppt/slides/slide17.xml><?xml version="1.0" encoding="utf-8"?>
+<file path=ppt/slides/slide15.xml><?xml version="1.0" encoding="utf-8"?>
 <p:sld xmlns:a="http://schemas.openxmlformats.org/drawingml/2006/main" xmlns:r="http://schemas.openxmlformats.org/officeDocument/2006/relationships" xmlns:p="http://schemas.openxmlformats.org/presentationml/2006/main">
   <p:cSld>
     <p:spTree>
@@ -8675,7 +9205,7 @@
 </p:sld>
 </file>
 
-<file path=ppt/slides/slide18.xml><?xml version="1.0" encoding="utf-8"?>
+<file path=ppt/slides/slide16.xml><?xml version="1.0" encoding="utf-8"?>
 <p:sld xmlns:a="http://schemas.openxmlformats.org/drawingml/2006/main" xmlns:r="http://schemas.openxmlformats.org/officeDocument/2006/relationships" xmlns:p="http://schemas.openxmlformats.org/presentationml/2006/main">
   <p:cSld>
     <p:spTree>
@@ -8812,7 +9342,7 @@
 </p:sld>
 </file>
 
-<file path=ppt/slides/slide19.xml><?xml version="1.0" encoding="utf-8"?>
+<file path=ppt/slides/slide17.xml><?xml version="1.0" encoding="utf-8"?>
 <p:sld xmlns:a="http://schemas.openxmlformats.org/drawingml/2006/main" xmlns:r="http://schemas.openxmlformats.org/officeDocument/2006/relationships" xmlns:p="http://schemas.openxmlformats.org/presentationml/2006/main">
   <p:cSld>
     <p:spTree>
@@ -8880,6 +9410,362 @@
               <a:t>Robot Performance Award</a:t>
             </a:r>
             <a:endParaRPr sz="3600"/>
+          </a:p>
+        </p:txBody>
+      </p:sp>
+    </p:spTree>
+  </p:cSld>
+  <p:clrMapOvr>
+    <a:masterClrMapping/>
+  </p:clrMapOvr>
+</p:sld>
+</file>
+
+<file path=ppt/slides/slide18.xml><?xml version="1.0" encoding="utf-8"?>
+<p:sld xmlns:a="http://schemas.openxmlformats.org/drawingml/2006/main" xmlns:r="http://schemas.openxmlformats.org/officeDocument/2006/relationships" xmlns:p="http://schemas.openxmlformats.org/presentationml/2006/main">
+  <p:cSld>
+    <p:spTree>
+      <p:nvGrpSpPr>
+        <p:cNvPr id="1" name="Shape 194"/>
+        <p:cNvGrpSpPr/>
+        <p:nvPr/>
+      </p:nvGrpSpPr>
+      <p:grpSpPr>
+        <a:xfrm>
+          <a:off x="0" y="0"/>
+          <a:ext cx="0" cy="0"/>
+          <a:chOff x="0" y="0"/>
+          <a:chExt cx="0" cy="0"/>
+        </a:xfrm>
+      </p:grpSpPr>
+      <p:sp>
+        <p:nvSpPr>
+          <p:cNvPr id="195" name="Google Shape;195;p41"/>
+          <p:cNvSpPr txBox="1">
+            <a:spLocks noGrp="1"/>
+          </p:cNvSpPr>
+          <p:nvPr>
+            <p:ph type="title"/>
+          </p:nvPr>
+        </p:nvSpPr>
+        <p:spPr>
+          <a:xfrm>
+            <a:off x="457198" y="398044"/>
+            <a:ext cx="8289236" cy="609601"/>
+          </a:xfrm>
+          <a:prstGeom prst="rect">
+            <a:avLst/>
+          </a:prstGeom>
+          <a:noFill/>
+          <a:ln>
+            <a:noFill/>
+          </a:ln>
+        </p:spPr>
+        <p:txBody>
+          <a:bodyPr spcFirstLastPara="1" wrap="square" lIns="0" tIns="0" rIns="0" bIns="0" anchor="ctr" anchorCtr="0">
+            <a:normAutofit/>
+          </a:bodyPr>
+          <a:lstStyle/>
+          <a:p>
+            <a:pPr marL="0" lvl="0" indent="0" algn="l" rtl="0">
+              <a:lnSpc>
+                <a:spcPct val="100000"/>
+              </a:lnSpc>
+              <a:spcBef>
+                <a:spcPts val="0"/>
+              </a:spcBef>
+              <a:spcAft>
+                <a:spcPts val="0"/>
+              </a:spcAft>
+              <a:buClr>
+                <a:srgbClr val="000000"/>
+              </a:buClr>
+              <a:buSzPts val="2400"/>
+              <a:buFont typeface="Roboto"/>
+              <a:buNone/>
+            </a:pPr>
+            <a:r>
+              <a:rPr lang="en"/>
+              <a:t>Robot Performance Award</a:t>
+            </a:r>
+            <a:endParaRPr/>
+          </a:p>
+        </p:txBody>
+      </p:sp>
+      <p:sp>
+        <p:nvSpPr>
+          <p:cNvPr id="196" name="Google Shape;196;p41"/>
+          <p:cNvSpPr txBox="1">
+            <a:spLocks noGrp="1"/>
+          </p:cNvSpPr>
+          <p:nvPr>
+            <p:ph type="body" idx="1"/>
+          </p:nvPr>
+        </p:nvSpPr>
+        <p:spPr>
+          <a:xfrm>
+            <a:off x="457198" y="1143000"/>
+            <a:ext cx="8289237" cy="2419398"/>
+          </a:xfrm>
+          <a:prstGeom prst="rect">
+            <a:avLst/>
+          </a:prstGeom>
+          <a:noFill/>
+          <a:ln>
+            <a:noFill/>
+          </a:ln>
+        </p:spPr>
+        <p:txBody>
+          <a:bodyPr spcFirstLastPara="1" wrap="square" lIns="45700" tIns="45700" rIns="45700" bIns="45700" anchor="t" anchorCtr="0">
+            <a:normAutofit/>
+          </a:bodyPr>
+          <a:lstStyle/>
+          <a:p>
+            <a:pPr marL="0" lvl="0" indent="0" algn="l" rtl="0">
+              <a:lnSpc>
+                <a:spcPct val="100000"/>
+              </a:lnSpc>
+              <a:spcBef>
+                <a:spcPts val="0"/>
+              </a:spcBef>
+              <a:spcAft>
+                <a:spcPts val="0"/>
+              </a:spcAft>
+              <a:buClr>
+                <a:srgbClr val="000000"/>
+              </a:buClr>
+              <a:buSzPts val="2000"/>
+              <a:buFont typeface="Roboto"/>
+              <a:buNone/>
+            </a:pPr>
+            <a:r>
+              <a:rPr lang="en"/>
+              <a:t>This award celebrates a team that scores the most points during the Robot Game. Teams have a chance to compete in at least three 2.5-minute matches and their highest score counts. </a:t>
+            </a:r>
+            <a:endParaRPr/>
+          </a:p>
+        </p:txBody>
+      </p:sp>
+    </p:spTree>
+  </p:cSld>
+  <p:clrMapOvr>
+    <a:masterClrMapping/>
+  </p:clrMapOvr>
+</p:sld>
+</file>
+
+<file path=ppt/slides/slide19.xml><?xml version="1.0" encoding="utf-8"?>
+<p:sld xmlns:a="http://schemas.openxmlformats.org/drawingml/2006/main" xmlns:r="http://schemas.openxmlformats.org/officeDocument/2006/relationships" xmlns:p="http://schemas.openxmlformats.org/presentationml/2006/main">
+  <p:cSld>
+    <p:spTree>
+      <p:nvGrpSpPr>
+        <p:cNvPr id="1" name="Shape 200"/>
+        <p:cNvGrpSpPr/>
+        <p:nvPr/>
+      </p:nvGrpSpPr>
+      <p:grpSpPr>
+        <a:xfrm>
+          <a:off x="0" y="0"/>
+          <a:ext cx="0" cy="0"/>
+          <a:chOff x="0" y="0"/>
+          <a:chExt cx="0" cy="0"/>
+        </a:xfrm>
+      </p:grpSpPr>
+      <p:sp>
+        <p:nvSpPr>
+          <p:cNvPr id="201" name="Google Shape;201;p42"/>
+          <p:cNvSpPr txBox="1">
+            <a:spLocks noGrp="1"/>
+          </p:cNvSpPr>
+          <p:nvPr>
+            <p:ph type="title"/>
+          </p:nvPr>
+        </p:nvSpPr>
+        <p:spPr>
+          <a:xfrm>
+            <a:off x="457198" y="398044"/>
+            <a:ext cx="8289236" cy="609601"/>
+          </a:xfrm>
+          <a:prstGeom prst="rect">
+            <a:avLst/>
+          </a:prstGeom>
+          <a:noFill/>
+          <a:ln>
+            <a:noFill/>
+          </a:ln>
+        </p:spPr>
+        <p:txBody>
+          <a:bodyPr spcFirstLastPara="1" wrap="square" lIns="0" tIns="0" rIns="0" bIns="0" anchor="ctr" anchorCtr="0">
+            <a:normAutofit/>
+          </a:bodyPr>
+          <a:lstStyle/>
+          <a:p>
+            <a:pPr marL="0" lvl="0" indent="0" algn="l" rtl="0">
+              <a:lnSpc>
+                <a:spcPct val="100000"/>
+              </a:lnSpc>
+              <a:spcBef>
+                <a:spcPts val="0"/>
+              </a:spcBef>
+              <a:spcAft>
+                <a:spcPts val="0"/>
+              </a:spcAft>
+              <a:buClr>
+                <a:srgbClr val="000000"/>
+              </a:buClr>
+              <a:buSzPts val="2400"/>
+              <a:buFont typeface="Roboto"/>
+              <a:buNone/>
+            </a:pPr>
+            <a:r>
+              <a:rPr lang="en" dirty="0"/>
+              <a:t>The Robot Performance Award goes to:</a:t>
+            </a:r>
+            <a:endParaRPr dirty="0"/>
+          </a:p>
+        </p:txBody>
+      </p:sp>
+      <p:sp>
+        <p:nvSpPr>
+          <p:cNvPr id="202" name="Google Shape;202;p42"/>
+          <p:cNvSpPr txBox="1">
+            <a:spLocks noGrp="1"/>
+          </p:cNvSpPr>
+          <p:nvPr>
+            <p:ph type="body" idx="1"/>
+          </p:nvPr>
+        </p:nvSpPr>
+        <p:spPr>
+          <a:xfrm>
+            <a:off x="457198" y="1143000"/>
+            <a:ext cx="8289237" cy="2419398"/>
+          </a:xfrm>
+          <a:prstGeom prst="rect">
+            <a:avLst/>
+          </a:prstGeom>
+          <a:noFill/>
+          <a:ln>
+            <a:noFill/>
+          </a:ln>
+        </p:spPr>
+        <p:txBody>
+          <a:bodyPr spcFirstLastPara="1" wrap="square" lIns="45700" tIns="45700" rIns="45700" bIns="45700" anchor="t" anchorCtr="0">
+            <a:normAutofit/>
+          </a:bodyPr>
+          <a:lstStyle/>
+          <a:p>
+            <a:pPr marL="0" lvl="0" indent="0" rtl="0">
+              <a:lnSpc>
+                <a:spcPct val="100000"/>
+              </a:lnSpc>
+              <a:spcBef>
+                <a:spcPts val="0"/>
+              </a:spcBef>
+              <a:spcAft>
+                <a:spcPts val="0"/>
+              </a:spcAft>
+              <a:buClr>
+                <a:srgbClr val="000000"/>
+              </a:buClr>
+              <a:buSzPts val="2000"/>
+              <a:buFont typeface="Roboto"/>
+              <a:buNone/>
+            </a:pPr>
+            <a:r>
+              <a:rPr lang="en" dirty="0"/>
+              <a:t>Team:</a:t>
+            </a:r>
+          </a:p>
+          <a:p>
+            <a:pPr marL="0" lvl="0" indent="0" algn="ctr" rtl="0">
+              <a:lnSpc>
+                <a:spcPct val="100000"/>
+              </a:lnSpc>
+              <a:spcBef>
+                <a:spcPts val="0"/>
+              </a:spcBef>
+              <a:spcAft>
+                <a:spcPts val="0"/>
+              </a:spcAft>
+              <a:buClr>
+                <a:srgbClr val="000000"/>
+              </a:buClr>
+              <a:buSzPts val="2000"/>
+              <a:buFont typeface="Roboto"/>
+              <a:buNone/>
+            </a:pPr>
+            <a:r>
+              <a:rPr lang="en" sz="3600" b="1" dirty="0"/>
+              <a:t>{Robot Performance Award}</a:t>
+            </a:r>
+            <a:endParaRPr sz="3600" b="1" dirty="0"/>
+          </a:p>
+          <a:p>
+            <a:pPr marL="0" lvl="0" indent="0" algn="l" rtl="0">
+              <a:lnSpc>
+                <a:spcPct val="100000"/>
+              </a:lnSpc>
+              <a:spcBef>
+                <a:spcPts val="600"/>
+              </a:spcBef>
+              <a:spcAft>
+                <a:spcPts val="0"/>
+              </a:spcAft>
+              <a:buClr>
+                <a:srgbClr val="000000"/>
+              </a:buClr>
+              <a:buSzPts val="2000"/>
+              <a:buFont typeface="Roboto"/>
+              <a:buNone/>
+            </a:pPr>
+            <a:endParaRPr dirty="0"/>
+          </a:p>
+          <a:p>
+            <a:pPr marL="0" lvl="0" indent="0" algn="l" rtl="0">
+              <a:lnSpc>
+                <a:spcPct val="100000"/>
+              </a:lnSpc>
+              <a:spcBef>
+                <a:spcPts val="600"/>
+              </a:spcBef>
+              <a:spcAft>
+                <a:spcPts val="0"/>
+              </a:spcAft>
+              <a:buClr>
+                <a:srgbClr val="000000"/>
+              </a:buClr>
+              <a:buSzPts val="2000"/>
+              <a:buFont typeface="Roboto"/>
+              <a:buNone/>
+            </a:pPr>
+            <a:r>
+              <a:rPr lang="en" dirty="0"/>
+              <a:t>High Score:</a:t>
+            </a:r>
+          </a:p>
+          <a:p>
+            <a:pPr marL="0" lvl="0" indent="0" algn="ctr" rtl="0">
+              <a:lnSpc>
+                <a:spcPct val="100000"/>
+              </a:lnSpc>
+              <a:spcBef>
+                <a:spcPts val="600"/>
+              </a:spcBef>
+              <a:spcAft>
+                <a:spcPts val="0"/>
+              </a:spcAft>
+              <a:buClr>
+                <a:srgbClr val="000000"/>
+              </a:buClr>
+              <a:buSzPts val="2000"/>
+              <a:buFont typeface="Roboto"/>
+              <a:buNone/>
+            </a:pPr>
+            <a:r>
+              <a:rPr lang="en" sz="3600" b="1" dirty="0"/>
+              <a:t>{Robot Performance Score}</a:t>
+            </a:r>
+            <a:endParaRPr sz="3600" b="1" dirty="0"/>
           </a:p>
         </p:txBody>
       </p:sp>
@@ -8955,19 +9841,150 @@
               <a:buNone/>
             </a:pPr>
             <a:r>
-              <a:rPr lang="en" sz="3600"/>
+              <a:rPr lang="en" sz="3600" dirty="0"/>
               <a:t>SUBMERGED</a:t>
             </a:r>
             <a:r>
-              <a:rPr lang="en" sz="3600" baseline="30000"/>
+              <a:rPr lang="en" sz="3600" baseline="30000" dirty="0"/>
               <a:t>SM</a:t>
             </a:r>
             <a:br>
-              <a:rPr lang="en" sz="3600"/>
+              <a:rPr lang="en" sz="3600" dirty="0"/>
             </a:br>
             <a:r>
+              <a:rPr lang="en" sz="3600" dirty="0"/>
+              <a:t>Awards Ceremony</a:t>
+            </a:r>
+            <a:endParaRPr sz="3600" dirty="0"/>
+          </a:p>
+          <a:p>
+            <a:pPr marL="0" lvl="0" indent="0" algn="ctr" rtl="0">
+              <a:lnSpc>
+                <a:spcPct val="100000"/>
+              </a:lnSpc>
+              <a:spcBef>
+                <a:spcPts val="0"/>
+              </a:spcBef>
+              <a:spcAft>
+                <a:spcPts val="0"/>
+              </a:spcAft>
+              <a:buClr>
+                <a:srgbClr val="000000"/>
+              </a:buClr>
+              <a:buSzPts val="3600"/>
+              <a:buFont typeface="Roboto"/>
+              <a:buNone/>
+            </a:pPr>
+            <a:r>
+              <a:rPr lang="en" sz="2500" dirty="0"/>
+              <a:t>Qualifier Tournament 2024</a:t>
+            </a:r>
+            <a:endParaRPr sz="2500" dirty="0"/>
+          </a:p>
+        </p:txBody>
+      </p:sp>
+      <p:pic>
+        <p:nvPicPr>
+          <p:cNvPr id="80" name="Google Shape;80;p20"/>
+          <p:cNvPicPr preferRelativeResize="0"/>
+          <p:nvPr/>
+        </p:nvPicPr>
+        <p:blipFill>
+          <a:blip r:embed="rId3">
+            <a:alphaModFix/>
+          </a:blip>
+          <a:stretch>
+            <a:fillRect/>
+          </a:stretch>
+        </p:blipFill>
+        <p:spPr>
+          <a:xfrm>
+            <a:off x="3768438" y="3761261"/>
+            <a:ext cx="1607114" cy="1607114"/>
+          </a:xfrm>
+          <a:prstGeom prst="rect">
+            <a:avLst/>
+          </a:prstGeom>
+          <a:noFill/>
+          <a:ln>
+            <a:noFill/>
+          </a:ln>
+        </p:spPr>
+      </p:pic>
+    </p:spTree>
+  </p:cSld>
+  <p:clrMapOvr>
+    <a:masterClrMapping/>
+  </p:clrMapOvr>
+</p:sld>
+</file>
+
+<file path=ppt/slides/slide20.xml><?xml version="1.0" encoding="utf-8"?>
+<p:sld xmlns:a="http://schemas.openxmlformats.org/drawingml/2006/main" xmlns:r="http://schemas.openxmlformats.org/officeDocument/2006/relationships" xmlns:p="http://schemas.openxmlformats.org/presentationml/2006/main">
+  <p:cSld>
+    <p:spTree>
+      <p:nvGrpSpPr>
+        <p:cNvPr id="1" name="Shape 138"/>
+        <p:cNvGrpSpPr/>
+        <p:nvPr/>
+      </p:nvGrpSpPr>
+      <p:grpSpPr>
+        <a:xfrm>
+          <a:off x="0" y="0"/>
+          <a:ext cx="0" cy="0"/>
+          <a:chOff x="0" y="0"/>
+          <a:chExt cx="0" cy="0"/>
+        </a:xfrm>
+      </p:grpSpPr>
+      <p:sp>
+        <p:nvSpPr>
+          <p:cNvPr id="139" name="Google Shape;139;p31"/>
+          <p:cNvSpPr txBox="1">
+            <a:spLocks noGrp="1"/>
+          </p:cNvSpPr>
+          <p:nvPr>
+            <p:ph type="title"/>
+          </p:nvPr>
+        </p:nvSpPr>
+        <p:spPr>
+          <a:xfrm>
+            <a:off x="427382" y="1962149"/>
+            <a:ext cx="8289236" cy="609601"/>
+          </a:xfrm>
+          <a:prstGeom prst="rect">
+            <a:avLst/>
+          </a:prstGeom>
+          <a:noFill/>
+          <a:ln>
+            <a:noFill/>
+          </a:ln>
+        </p:spPr>
+        <p:txBody>
+          <a:bodyPr spcFirstLastPara="1" wrap="square" lIns="0" tIns="0" rIns="0" bIns="0" anchor="ctr" anchorCtr="0">
+            <a:normAutofit/>
+          </a:bodyPr>
+          <a:lstStyle/>
+          <a:p>
+            <a:pPr marL="0" lvl="0" indent="0" algn="ctr" rtl="0">
+              <a:lnSpc>
+                <a:spcPct val="100000"/>
+              </a:lnSpc>
+              <a:spcBef>
+                <a:spcPts val="0"/>
+              </a:spcBef>
+              <a:spcAft>
+                <a:spcPts val="0"/>
+              </a:spcAft>
+              <a:buClr>
+                <a:srgbClr val="000000"/>
+              </a:buClr>
+              <a:buSzPts val="3600"/>
+              <a:buFont typeface="Roboto"/>
+              <a:buNone/>
+            </a:pPr>
+            <a:r>
               <a:rPr lang="en" sz="3600"/>
-              <a:t>Awards Ceremony</a:t>
+              <a:t>Core Values Award</a:t>
             </a:r>
             <a:endParaRPr sz="3600"/>
           </a:p>
@@ -8981,12 +9998,12 @@
 </p:sld>
 </file>
 
-<file path=ppt/slides/slide20.xml><?xml version="1.0" encoding="utf-8"?>
+<file path=ppt/slides/slide21.xml><?xml version="1.0" encoding="utf-8"?>
 <p:sld xmlns:a="http://schemas.openxmlformats.org/drawingml/2006/main" xmlns:r="http://schemas.openxmlformats.org/officeDocument/2006/relationships" xmlns:p="http://schemas.openxmlformats.org/presentationml/2006/main">
   <p:cSld>
     <p:spTree>
       <p:nvGrpSpPr>
-        <p:cNvPr id="1" name="Shape 194"/>
+        <p:cNvPr id="1" name="Shape 143"/>
         <p:cNvGrpSpPr/>
         <p:nvPr/>
       </p:nvGrpSpPr>
@@ -9000,7 +10017,7 @@
       </p:grpSpPr>
       <p:sp>
         <p:nvSpPr>
-          <p:cNvPr id="195" name="Google Shape;195;p41"/>
+          <p:cNvPr id="144" name="Google Shape;144;p32"/>
           <p:cNvSpPr txBox="1">
             <a:spLocks noGrp="1"/>
           </p:cNvSpPr>
@@ -9045,16 +10062,16 @@
               <a:buNone/>
             </a:pPr>
             <a:r>
-              <a:rPr lang="en"/>
-              <a:t>Robot Performance Award</a:t>
+              <a:rPr lang="en" dirty="0"/>
+              <a:t>Core Values Award</a:t>
             </a:r>
-            <a:endParaRPr/>
+            <a:endParaRPr dirty="0"/>
           </a:p>
         </p:txBody>
       </p:sp>
       <p:sp>
         <p:nvSpPr>
-          <p:cNvPr id="196" name="Google Shape;196;p41"/>
+          <p:cNvPr id="145" name="Google Shape;145;p32"/>
           <p:cNvSpPr txBox="1">
             <a:spLocks noGrp="1"/>
           </p:cNvSpPr>
@@ -9100,7 +10117,7 @@
             </a:pPr>
             <a:r>
               <a:rPr lang="en"/>
-              <a:t>This award celebrates a team that scores the most points during the Robot Game. Teams have a chance to compete in at least three 2.5-minute matches and their highest score counts. </a:t>
+              <a:t>This award celebrates a team that displays extraordinary enthusiasm and spirit, knows they can accomplish more together than they could as individuals, and shows each other and other teams respect at all times. </a:t>
             </a:r>
             <a:endParaRPr/>
           </a:p>
@@ -9114,12 +10131,12 @@
 </p:sld>
 </file>
 
-<file path=ppt/slides/slide21.xml><?xml version="1.0" encoding="utf-8"?>
+<file path=ppt/slides/slide22.xml><?xml version="1.0" encoding="utf-8"?>
 <p:sld xmlns:a="http://schemas.openxmlformats.org/drawingml/2006/main" xmlns:r="http://schemas.openxmlformats.org/officeDocument/2006/relationships" xmlns:p="http://schemas.openxmlformats.org/presentationml/2006/main">
   <p:cSld>
     <p:spTree>
       <p:nvGrpSpPr>
-        <p:cNvPr id="1" name="Shape 200"/>
+        <p:cNvPr id="1" name="Shape 149"/>
         <p:cNvGrpSpPr/>
         <p:nvPr/>
       </p:nvGrpSpPr>
@@ -9133,7 +10150,7 @@
       </p:grpSpPr>
       <p:sp>
         <p:nvSpPr>
-          <p:cNvPr id="201" name="Google Shape;201;p42"/>
+          <p:cNvPr id="150" name="Google Shape;150;p33"/>
           <p:cNvSpPr txBox="1">
             <a:spLocks noGrp="1"/>
           </p:cNvSpPr>
@@ -9178,16 +10195,16 @@
               <a:buNone/>
             </a:pPr>
             <a:r>
-              <a:rPr lang="en" dirty="0"/>
-              <a:t>The Robot Performance Award goes to:</a:t>
+              <a:rPr lang="en"/>
+              <a:t>The Core Values Award goes to:</a:t>
             </a:r>
-            <a:endParaRPr dirty="0"/>
+            <a:endParaRPr/>
           </a:p>
         </p:txBody>
       </p:sp>
       <p:sp>
         <p:nvSpPr>
-          <p:cNvPr id="202" name="Google Shape;202;p42"/>
+          <p:cNvPr id="151" name="Google Shape;151;p33"/>
           <p:cNvSpPr txBox="1">
             <a:spLocks noGrp="1"/>
           </p:cNvSpPr>
@@ -9214,7 +10231,7 @@
           </a:bodyPr>
           <a:lstStyle/>
           <a:p>
-            <a:pPr marL="0" lvl="0" indent="0" rtl="0">
+            <a:pPr marL="0" lvl="0" indent="0" algn="ctr" rtl="0">
               <a:lnSpc>
                 <a:spcPct val="100000"/>
               </a:lnSpc>
@@ -9232,98 +10249,12 @@
               <a:buNone/>
             </a:pPr>
             <a:r>
-              <a:rPr lang="en" dirty="0"/>
-              <a:t>Team:</a:t>
+              <a:rPr lang="en-US" sz="3600" b="1" dirty="0"/>
+              <a:t>{</a:t>
             </a:r>
-          </a:p>
-          <a:p>
-            <a:pPr marL="0" lvl="0" indent="0" algn="ctr" rtl="0">
-              <a:lnSpc>
-                <a:spcPct val="100000"/>
-              </a:lnSpc>
-              <a:spcBef>
-                <a:spcPts val="0"/>
-              </a:spcBef>
-              <a:spcAft>
-                <a:spcPts val="0"/>
-              </a:spcAft>
-              <a:buClr>
-                <a:srgbClr val="000000"/>
-              </a:buClr>
-              <a:buSzPts val="2000"/>
-              <a:buFont typeface="Roboto"/>
-              <a:buNone/>
-            </a:pPr>
             <a:r>
               <a:rPr lang="en" sz="3600" b="1" dirty="0"/>
-              <a:t>{Robot Performance Award}</a:t>
-            </a:r>
-            <a:endParaRPr sz="3600" b="1" dirty="0"/>
-          </a:p>
-          <a:p>
-            <a:pPr marL="0" lvl="0" indent="0" algn="l" rtl="0">
-              <a:lnSpc>
-                <a:spcPct val="100000"/>
-              </a:lnSpc>
-              <a:spcBef>
-                <a:spcPts val="600"/>
-              </a:spcBef>
-              <a:spcAft>
-                <a:spcPts val="0"/>
-              </a:spcAft>
-              <a:buClr>
-                <a:srgbClr val="000000"/>
-              </a:buClr>
-              <a:buSzPts val="2000"/>
-              <a:buFont typeface="Roboto"/>
-              <a:buNone/>
-            </a:pPr>
-            <a:endParaRPr dirty="0"/>
-          </a:p>
-          <a:p>
-            <a:pPr marL="0" lvl="0" indent="0" algn="l" rtl="0">
-              <a:lnSpc>
-                <a:spcPct val="100000"/>
-              </a:lnSpc>
-              <a:spcBef>
-                <a:spcPts val="600"/>
-              </a:spcBef>
-              <a:spcAft>
-                <a:spcPts val="0"/>
-              </a:spcAft>
-              <a:buClr>
-                <a:srgbClr val="000000"/>
-              </a:buClr>
-              <a:buSzPts val="2000"/>
-              <a:buFont typeface="Roboto"/>
-              <a:buNone/>
-            </a:pPr>
-            <a:r>
-              <a:rPr lang="en" dirty="0"/>
-              <a:t>High Score:</a:t>
-            </a:r>
-          </a:p>
-          <a:p>
-            <a:pPr marL="0" lvl="0" indent="0" algn="ctr" rtl="0">
-              <a:lnSpc>
-                <a:spcPct val="100000"/>
-              </a:lnSpc>
-              <a:spcBef>
-                <a:spcPts val="600"/>
-              </a:spcBef>
-              <a:spcAft>
-                <a:spcPts val="0"/>
-              </a:spcAft>
-              <a:buClr>
-                <a:srgbClr val="000000"/>
-              </a:buClr>
-              <a:buSzPts val="2000"/>
-              <a:buFont typeface="Roboto"/>
-              <a:buNone/>
-            </a:pPr>
-            <a:r>
-              <a:rPr lang="en" sz="3600" b="1" dirty="0"/>
-              <a:t>{Robot Performance Score}</a:t>
+              <a:t>Core Values Award}</a:t>
             </a:r>
             <a:endParaRPr sz="3600" b="1" dirty="0"/>
           </a:p>
@@ -9337,7 +10268,7 @@
 </p:sld>
 </file>
 
-<file path=ppt/slides/slide22.xml><?xml version="1.0" encoding="utf-8"?>
+<file path=ppt/slides/slide23.xml><?xml version="1.0" encoding="utf-8"?>
 <p:sld xmlns:a="http://schemas.openxmlformats.org/drawingml/2006/main" xmlns:r="http://schemas.openxmlformats.org/officeDocument/2006/relationships" xmlns:p="http://schemas.openxmlformats.org/presentationml/2006/main">
   <p:cSld>
     <p:spTree>
@@ -9416,7 +10347,7 @@
 </p:sld>
 </file>
 
-<file path=ppt/slides/slide23.xml><?xml version="1.0" encoding="utf-8"?>
+<file path=ppt/slides/slide24.xml><?xml version="1.0" encoding="utf-8"?>
 <p:sld xmlns:a="http://schemas.openxmlformats.org/drawingml/2006/main" xmlns:r="http://schemas.openxmlformats.org/officeDocument/2006/relationships" xmlns:p="http://schemas.openxmlformats.org/presentationml/2006/main">
   <p:cSld>
     <p:spTree>
@@ -9565,7 +10496,7 @@
 </p:sld>
 </file>
 
-<file path=ppt/slides/slide24.xml><?xml version="1.0" encoding="utf-8"?>
+<file path=ppt/slides/slide25.xml><?xml version="1.0" encoding="utf-8"?>
 <p:sld xmlns:a="http://schemas.openxmlformats.org/drawingml/2006/main" xmlns:r="http://schemas.openxmlformats.org/officeDocument/2006/relationships" xmlns:p="http://schemas.openxmlformats.org/presentationml/2006/main">
   <p:cSld>
     <p:spTree>
@@ -9702,12 +10633,12 @@
 </p:sld>
 </file>
 
-<file path=ppt/slides/slide25.xml><?xml version="1.0" encoding="utf-8"?>
+<file path=ppt/slides/slide26.xml><?xml version="1.0" encoding="utf-8"?>
 <p:sld xmlns:a="http://schemas.openxmlformats.org/drawingml/2006/main" xmlns:r="http://schemas.openxmlformats.org/officeDocument/2006/relationships" xmlns:p="http://schemas.openxmlformats.org/presentationml/2006/main">
   <p:cSld>
     <p:spTree>
       <p:nvGrpSpPr>
-        <p:cNvPr id="1" name="Shape 291"/>
+        <p:cNvPr id="1" name="Shape 221"/>
         <p:cNvGrpSpPr/>
         <p:nvPr/>
       </p:nvGrpSpPr>
@@ -9721,7 +10652,1241 @@
       </p:grpSpPr>
       <p:sp>
         <p:nvSpPr>
-          <p:cNvPr id="292" name="Google Shape;292;p58"/>
+          <p:cNvPr id="222" name="Google Shape;222;p42"/>
+          <p:cNvSpPr txBox="1">
+            <a:spLocks noGrp="1"/>
+          </p:cNvSpPr>
+          <p:nvPr>
+            <p:ph type="title"/>
+          </p:nvPr>
+        </p:nvSpPr>
+        <p:spPr>
+          <a:xfrm>
+            <a:off x="318850" y="1316075"/>
+            <a:ext cx="8601600" cy="609600"/>
+          </a:xfrm>
+          <a:prstGeom prst="rect">
+            <a:avLst/>
+          </a:prstGeom>
+          <a:solidFill>
+            <a:schemeClr val="lt1"/>
+          </a:solidFill>
+          <a:ln>
+            <a:noFill/>
+          </a:ln>
+        </p:spPr>
+        <p:txBody>
+          <a:bodyPr spcFirstLastPara="1" wrap="square" lIns="0" tIns="0" rIns="0" bIns="0" anchor="ctr" anchorCtr="0">
+            <a:noAutofit/>
+          </a:bodyPr>
+          <a:lstStyle/>
+          <a:p>
+            <a:pPr marL="0" lvl="0" indent="0" algn="ctr" rtl="0">
+              <a:lnSpc>
+                <a:spcPct val="100000"/>
+              </a:lnSpc>
+              <a:spcBef>
+                <a:spcPts val="0"/>
+              </a:spcBef>
+              <a:spcAft>
+                <a:spcPts val="0"/>
+              </a:spcAft>
+              <a:buClr>
+                <a:srgbClr val="000000"/>
+              </a:buClr>
+              <a:buSzPts val="2160"/>
+              <a:buFont typeface="Roboto"/>
+              <a:buNone/>
+            </a:pPr>
+            <a:r>
+              <a:rPr lang="en" sz="2360" dirty="0">
+                <a:highlight>
+                  <a:schemeClr val="lt1"/>
+                </a:highlight>
+              </a:rPr>
+              <a:t>5 Teams will receive bids to advance to the Northeast Florida Regional Championship on January 17</a:t>
+            </a:r>
+            <a:r>
+              <a:rPr lang="en" sz="2360" baseline="30000" dirty="0">
+                <a:highlight>
+                  <a:schemeClr val="lt1"/>
+                </a:highlight>
+              </a:rPr>
+              <a:t>th</a:t>
+            </a:r>
+            <a:r>
+              <a:rPr lang="en" sz="2360" dirty="0">
+                <a:highlight>
+                  <a:schemeClr val="lt1"/>
+                </a:highlight>
+              </a:rPr>
+              <a:t> &amp; 18</a:t>
+            </a:r>
+            <a:r>
+              <a:rPr lang="en" sz="2360" baseline="30000" dirty="0">
+                <a:highlight>
+                  <a:schemeClr val="lt1"/>
+                </a:highlight>
+              </a:rPr>
+              <a:t>th</a:t>
+            </a:r>
+            <a:r>
+              <a:rPr lang="en" sz="2360" dirty="0">
+                <a:highlight>
+                  <a:schemeClr val="lt1"/>
+                </a:highlight>
+              </a:rPr>
+              <a:t> 2025 TODAY!</a:t>
+            </a:r>
+            <a:endParaRPr sz="2360" dirty="0">
+              <a:highlight>
+                <a:schemeClr val="lt1"/>
+              </a:highlight>
+            </a:endParaRPr>
+          </a:p>
+        </p:txBody>
+      </p:sp>
+      <p:pic>
+        <p:nvPicPr>
+          <p:cNvPr id="224" name="Google Shape;224;p42"/>
+          <p:cNvPicPr preferRelativeResize="0"/>
+          <p:nvPr/>
+        </p:nvPicPr>
+        <p:blipFill>
+          <a:blip r:embed="rId3">
+            <a:alphaModFix/>
+          </a:blip>
+          <a:stretch>
+            <a:fillRect/>
+          </a:stretch>
+        </p:blipFill>
+        <p:spPr>
+          <a:xfrm>
+            <a:off x="188650" y="-429825"/>
+            <a:ext cx="2066600" cy="2066600"/>
+          </a:xfrm>
+          <a:prstGeom prst="rect">
+            <a:avLst/>
+          </a:prstGeom>
+          <a:noFill/>
+          <a:ln>
+            <a:noFill/>
+          </a:ln>
+        </p:spPr>
+      </p:pic>
+      <p:sp>
+        <p:nvSpPr>
+          <p:cNvPr id="225" name="Google Shape;225;p42"/>
+          <p:cNvSpPr txBox="1">
+            <a:spLocks noGrp="1"/>
+          </p:cNvSpPr>
+          <p:nvPr>
+            <p:ph type="title"/>
+          </p:nvPr>
+        </p:nvSpPr>
+        <p:spPr>
+          <a:xfrm>
+            <a:off x="2255251" y="251850"/>
+            <a:ext cx="6537000" cy="609600"/>
+          </a:xfrm>
+          <a:prstGeom prst="rect">
+            <a:avLst/>
+          </a:prstGeom>
+          <a:noFill/>
+          <a:ln>
+            <a:noFill/>
+          </a:ln>
+        </p:spPr>
+        <p:txBody>
+          <a:bodyPr spcFirstLastPara="1" wrap="square" lIns="0" tIns="0" rIns="0" bIns="0" anchor="ctr" anchorCtr="0">
+            <a:normAutofit/>
+          </a:bodyPr>
+          <a:lstStyle/>
+          <a:p>
+            <a:pPr marL="0" lvl="0" indent="0" algn="ctr" rtl="0">
+              <a:lnSpc>
+                <a:spcPct val="100000"/>
+              </a:lnSpc>
+              <a:spcBef>
+                <a:spcPts val="0"/>
+              </a:spcBef>
+              <a:spcAft>
+                <a:spcPts val="0"/>
+              </a:spcAft>
+              <a:buClr>
+                <a:srgbClr val="000000"/>
+              </a:buClr>
+              <a:buSzPts val="3600"/>
+              <a:buFont typeface="Roboto"/>
+              <a:buNone/>
+            </a:pPr>
+            <a:r>
+              <a:rPr lang="en" sz="3600"/>
+              <a:t>Team ADVANCEMENTS</a:t>
+            </a:r>
+            <a:endParaRPr sz="3600"/>
+          </a:p>
+        </p:txBody>
+      </p:sp>
+      <p:sp>
+        <p:nvSpPr>
+          <p:cNvPr id="226" name="Google Shape;226;p42"/>
+          <p:cNvSpPr txBox="1">
+            <a:spLocks noGrp="1"/>
+          </p:cNvSpPr>
+          <p:nvPr>
+            <p:ph type="title"/>
+          </p:nvPr>
+        </p:nvSpPr>
+        <p:spPr>
+          <a:xfrm>
+            <a:off x="142500" y="2380300"/>
+            <a:ext cx="8859000" cy="1709100"/>
+          </a:xfrm>
+          <a:prstGeom prst="rect">
+            <a:avLst/>
+          </a:prstGeom>
+          <a:solidFill>
+            <a:schemeClr val="lt1"/>
+          </a:solidFill>
+          <a:ln>
+            <a:noFill/>
+          </a:ln>
+        </p:spPr>
+        <p:txBody>
+          <a:bodyPr spcFirstLastPara="1" wrap="square" lIns="0" tIns="0" rIns="0" bIns="0" anchor="ctr" anchorCtr="0">
+            <a:noAutofit/>
+          </a:bodyPr>
+          <a:lstStyle/>
+          <a:p>
+            <a:pPr marL="0" lvl="0" indent="0" algn="l" rtl="0">
+              <a:lnSpc>
+                <a:spcPct val="100000"/>
+              </a:lnSpc>
+              <a:spcBef>
+                <a:spcPts val="0"/>
+              </a:spcBef>
+              <a:spcAft>
+                <a:spcPts val="0"/>
+              </a:spcAft>
+              <a:buClr>
+                <a:srgbClr val="000000"/>
+              </a:buClr>
+              <a:buSzPts val="2160"/>
+              <a:buFont typeface="Roboto"/>
+              <a:buNone/>
+            </a:pPr>
+            <a:r>
+              <a:rPr lang="en" sz="1500" dirty="0">
+                <a:highlight>
+                  <a:schemeClr val="lt1"/>
+                </a:highlight>
+              </a:rPr>
+              <a:t>From Regionals, 23 Teams will advance to the FLORIDA STATE CHAMPIONSHIP FEBRUARY 8</a:t>
+            </a:r>
+            <a:r>
+              <a:rPr lang="en" sz="1500" baseline="30000" dirty="0">
+                <a:highlight>
+                  <a:schemeClr val="lt1"/>
+                </a:highlight>
+              </a:rPr>
+              <a:t>TH</a:t>
+            </a:r>
+            <a:r>
+              <a:rPr lang="en" sz="1500" dirty="0">
+                <a:highlight>
+                  <a:schemeClr val="lt1"/>
+                </a:highlight>
+              </a:rPr>
+              <a:t> 2025</a:t>
+            </a:r>
+            <a:endParaRPr sz="1500" dirty="0">
+              <a:highlight>
+                <a:schemeClr val="lt1"/>
+              </a:highlight>
+            </a:endParaRPr>
+          </a:p>
+          <a:p>
+            <a:pPr marL="0" lvl="0" indent="0" algn="l" rtl="0">
+              <a:spcBef>
+                <a:spcPts val="0"/>
+              </a:spcBef>
+              <a:spcAft>
+                <a:spcPts val="0"/>
+              </a:spcAft>
+              <a:buClr>
+                <a:schemeClr val="dk1"/>
+              </a:buClr>
+              <a:buSzPts val="2160"/>
+              <a:buFont typeface="Roboto"/>
+              <a:buNone/>
+            </a:pPr>
+            <a:endParaRPr sz="1500" dirty="0">
+              <a:solidFill>
+                <a:schemeClr val="dk1"/>
+              </a:solidFill>
+              <a:highlight>
+                <a:schemeClr val="lt1"/>
+              </a:highlight>
+              <a:latin typeface="Roboto Condensed"/>
+              <a:ea typeface="Roboto Condensed"/>
+              <a:cs typeface="Roboto Condensed"/>
+              <a:sym typeface="Roboto Condensed"/>
+            </a:endParaRPr>
+          </a:p>
+          <a:p>
+            <a:pPr marL="0" lvl="0" indent="0" algn="l" rtl="0">
+              <a:spcBef>
+                <a:spcPts val="0"/>
+              </a:spcBef>
+              <a:spcAft>
+                <a:spcPts val="0"/>
+              </a:spcAft>
+              <a:buClr>
+                <a:schemeClr val="dk1"/>
+              </a:buClr>
+              <a:buSzPts val="2160"/>
+              <a:buFont typeface="Roboto"/>
+              <a:buNone/>
+            </a:pPr>
+            <a:r>
+              <a:rPr lang="en" sz="1500" dirty="0">
+                <a:solidFill>
+                  <a:schemeClr val="dk1"/>
+                </a:solidFill>
+                <a:highlight>
+                  <a:schemeClr val="lt1"/>
+                </a:highlight>
+                <a:latin typeface="Roboto Condensed"/>
+                <a:ea typeface="Roboto Condensed"/>
+                <a:cs typeface="Roboto Condensed"/>
+                <a:sym typeface="Roboto Condensed"/>
+              </a:rPr>
+              <a:t>From the Florida State Championship:</a:t>
+            </a:r>
+            <a:endParaRPr sz="1500" dirty="0">
+              <a:solidFill>
+                <a:schemeClr val="dk1"/>
+              </a:solidFill>
+              <a:highlight>
+                <a:schemeClr val="lt1"/>
+              </a:highlight>
+              <a:latin typeface="Roboto Condensed"/>
+              <a:ea typeface="Roboto Condensed"/>
+              <a:cs typeface="Roboto Condensed"/>
+              <a:sym typeface="Roboto Condensed"/>
+            </a:endParaRPr>
+          </a:p>
+          <a:p>
+            <a:pPr marL="285750" lvl="0" indent="-285750" algn="l" rtl="0">
+              <a:spcBef>
+                <a:spcPts val="0"/>
+              </a:spcBef>
+              <a:spcAft>
+                <a:spcPts val="0"/>
+              </a:spcAft>
+              <a:buClr>
+                <a:schemeClr val="dk1"/>
+              </a:buClr>
+              <a:buSzPts val="2160"/>
+              <a:buFont typeface="Arial" panose="020B0604020202020204" pitchFamily="34" charset="0"/>
+              <a:buChar char="•"/>
+            </a:pPr>
+            <a:r>
+              <a:rPr lang="en" sz="1500" dirty="0">
+                <a:solidFill>
+                  <a:schemeClr val="dk1"/>
+                </a:solidFill>
+                <a:highlight>
+                  <a:schemeClr val="lt1"/>
+                </a:highlight>
+                <a:latin typeface="Roboto Condensed"/>
+                <a:ea typeface="Roboto Condensed"/>
+                <a:cs typeface="Roboto Condensed"/>
+                <a:sym typeface="Roboto Condensed"/>
+              </a:rPr>
+              <a:t>2 Teams will advance to World Festival in Houston April 16th - 19th 2025</a:t>
+            </a:r>
+            <a:endParaRPr sz="1500" dirty="0">
+              <a:solidFill>
+                <a:schemeClr val="dk1"/>
+              </a:solidFill>
+              <a:highlight>
+                <a:schemeClr val="lt1"/>
+              </a:highlight>
+              <a:latin typeface="Roboto Condensed"/>
+              <a:ea typeface="Roboto Condensed"/>
+              <a:cs typeface="Roboto Condensed"/>
+              <a:sym typeface="Roboto Condensed"/>
+            </a:endParaRPr>
+          </a:p>
+          <a:p>
+            <a:pPr marL="285750" lvl="0" indent="-285750" algn="l" rtl="0">
+              <a:spcBef>
+                <a:spcPts val="0"/>
+              </a:spcBef>
+              <a:spcAft>
+                <a:spcPts val="0"/>
+              </a:spcAft>
+              <a:buClr>
+                <a:schemeClr val="dk1"/>
+              </a:buClr>
+              <a:buSzPts val="2160"/>
+              <a:buFont typeface="Arial" panose="020B0604020202020204" pitchFamily="34" charset="0"/>
+              <a:buChar char="•"/>
+            </a:pPr>
+            <a:r>
+              <a:rPr lang="en" sz="1500" dirty="0">
+                <a:solidFill>
+                  <a:schemeClr val="dk1"/>
+                </a:solidFill>
+                <a:highlight>
+                  <a:schemeClr val="lt1"/>
+                </a:highlight>
+                <a:latin typeface="Roboto Condensed"/>
+                <a:ea typeface="Roboto Condensed"/>
+                <a:cs typeface="Roboto Condensed"/>
+                <a:sym typeface="Roboto Condensed"/>
+              </a:rPr>
+              <a:t>1 Team will advance to the Open Africa Championship in South Africa May 7 - 9 2025</a:t>
+            </a:r>
+            <a:endParaRPr sz="1500" dirty="0">
+              <a:solidFill>
+                <a:schemeClr val="dk1"/>
+              </a:solidFill>
+              <a:highlight>
+                <a:schemeClr val="lt1"/>
+              </a:highlight>
+              <a:latin typeface="Roboto Condensed"/>
+              <a:ea typeface="Roboto Condensed"/>
+              <a:cs typeface="Roboto Condensed"/>
+              <a:sym typeface="Roboto Condensed"/>
+            </a:endParaRPr>
+          </a:p>
+          <a:p>
+            <a:pPr marL="285750" lvl="0" indent="-285750" algn="l" rtl="0">
+              <a:spcBef>
+                <a:spcPts val="0"/>
+              </a:spcBef>
+              <a:spcAft>
+                <a:spcPts val="0"/>
+              </a:spcAft>
+              <a:buClr>
+                <a:schemeClr val="dk1"/>
+              </a:buClr>
+              <a:buSzPts val="2160"/>
+              <a:buFont typeface="Arial" panose="020B0604020202020204" pitchFamily="34" charset="0"/>
+              <a:buChar char="•"/>
+            </a:pPr>
+            <a:r>
+              <a:rPr lang="en" sz="1500" dirty="0">
+                <a:solidFill>
+                  <a:schemeClr val="dk1"/>
+                </a:solidFill>
+                <a:highlight>
+                  <a:schemeClr val="lt1"/>
+                </a:highlight>
+                <a:latin typeface="Roboto Condensed"/>
+                <a:ea typeface="Roboto Condensed"/>
+                <a:cs typeface="Roboto Condensed"/>
+                <a:sym typeface="Roboto Condensed"/>
+              </a:rPr>
+              <a:t>1 Team will advance to Western Edge Open in California May 30 - June 1 205</a:t>
+            </a:r>
+            <a:endParaRPr sz="1500" dirty="0">
+              <a:solidFill>
+                <a:schemeClr val="dk1"/>
+              </a:solidFill>
+              <a:highlight>
+                <a:schemeClr val="lt1"/>
+              </a:highlight>
+              <a:latin typeface="Roboto Condensed"/>
+              <a:ea typeface="Roboto Condensed"/>
+              <a:cs typeface="Roboto Condensed"/>
+              <a:sym typeface="Roboto Condensed"/>
+            </a:endParaRPr>
+          </a:p>
+          <a:p>
+            <a:pPr marL="285750" lvl="0" indent="-285750" algn="l" rtl="0">
+              <a:spcBef>
+                <a:spcPts val="0"/>
+              </a:spcBef>
+              <a:spcAft>
+                <a:spcPts val="0"/>
+              </a:spcAft>
+              <a:buClr>
+                <a:schemeClr val="dk1"/>
+              </a:buClr>
+              <a:buSzPts val="2160"/>
+              <a:buFont typeface="Arial" panose="020B0604020202020204" pitchFamily="34" charset="0"/>
+              <a:buChar char="•"/>
+            </a:pPr>
+            <a:r>
+              <a:rPr lang="en" sz="1500" dirty="0">
+                <a:solidFill>
+                  <a:schemeClr val="dk1"/>
+                </a:solidFill>
+                <a:highlight>
+                  <a:schemeClr val="lt1"/>
+                </a:highlight>
+                <a:latin typeface="Roboto Condensed"/>
+                <a:ea typeface="Roboto Condensed"/>
+                <a:cs typeface="Roboto Condensed"/>
+                <a:sym typeface="Roboto Condensed"/>
+              </a:rPr>
+              <a:t>5 Teams will advance to Florida Sunshine Invitiational in Daytona FL (1 guaranteed NEFL bid) June 24-28 2025</a:t>
+            </a:r>
+            <a:endParaRPr sz="1500" dirty="0">
+              <a:solidFill>
+                <a:schemeClr val="dk1"/>
+              </a:solidFill>
+              <a:highlight>
+                <a:schemeClr val="lt1"/>
+              </a:highlight>
+              <a:latin typeface="Roboto Condensed"/>
+              <a:ea typeface="Roboto Condensed"/>
+              <a:cs typeface="Roboto Condensed"/>
+              <a:sym typeface="Roboto Condensed"/>
+            </a:endParaRPr>
+          </a:p>
+          <a:p>
+            <a:pPr marL="0" lvl="0" indent="0" algn="l" rtl="0">
+              <a:spcBef>
+                <a:spcPts val="0"/>
+              </a:spcBef>
+              <a:spcAft>
+                <a:spcPts val="0"/>
+              </a:spcAft>
+              <a:buClr>
+                <a:schemeClr val="dk1"/>
+              </a:buClr>
+              <a:buSzPts val="2160"/>
+              <a:buFont typeface="Roboto"/>
+              <a:buNone/>
+            </a:pPr>
+            <a:endParaRPr sz="1500" b="0" dirty="0">
+              <a:highlight>
+                <a:schemeClr val="lt1"/>
+              </a:highlight>
+              <a:latin typeface="Arial"/>
+              <a:ea typeface="Arial"/>
+              <a:cs typeface="Arial"/>
+              <a:sym typeface="Arial"/>
+            </a:endParaRPr>
+          </a:p>
+          <a:p>
+            <a:pPr marL="0" lvl="0" indent="0" algn="ctr" rtl="0">
+              <a:spcBef>
+                <a:spcPts val="0"/>
+              </a:spcBef>
+              <a:spcAft>
+                <a:spcPts val="0"/>
+              </a:spcAft>
+              <a:buClr>
+                <a:srgbClr val="000000"/>
+              </a:buClr>
+              <a:buSzPts val="2400"/>
+              <a:buFont typeface="Roboto"/>
+              <a:buNone/>
+            </a:pPr>
+            <a:endParaRPr sz="1400" b="0" dirty="0">
+              <a:highlight>
+                <a:schemeClr val="lt1"/>
+              </a:highlight>
+              <a:latin typeface="Arial"/>
+              <a:ea typeface="Arial"/>
+              <a:cs typeface="Arial"/>
+              <a:sym typeface="Arial"/>
+            </a:endParaRPr>
+          </a:p>
+          <a:p>
+            <a:pPr marL="0" lvl="0" indent="0" algn="ctr" rtl="0">
+              <a:lnSpc>
+                <a:spcPct val="100000"/>
+              </a:lnSpc>
+              <a:spcBef>
+                <a:spcPts val="0"/>
+              </a:spcBef>
+              <a:spcAft>
+                <a:spcPts val="0"/>
+              </a:spcAft>
+              <a:buClr>
+                <a:srgbClr val="000000"/>
+              </a:buClr>
+              <a:buSzPts val="2160"/>
+              <a:buFont typeface="Roboto"/>
+              <a:buNone/>
+            </a:pPr>
+            <a:endParaRPr sz="1400" dirty="0">
+              <a:highlight>
+                <a:schemeClr val="lt1"/>
+              </a:highlight>
+            </a:endParaRPr>
+          </a:p>
+        </p:txBody>
+      </p:sp>
+      <p:sp>
+        <p:nvSpPr>
+          <p:cNvPr id="227" name="Google Shape;227;p42"/>
+          <p:cNvSpPr txBox="1"/>
+          <p:nvPr/>
+        </p:nvSpPr>
+        <p:spPr>
+          <a:xfrm>
+            <a:off x="501100" y="3825300"/>
+            <a:ext cx="8237100" cy="390000"/>
+          </a:xfrm>
+          <a:prstGeom prst="rect">
+            <a:avLst/>
+          </a:prstGeom>
+          <a:noFill/>
+          <a:ln>
+            <a:noFill/>
+          </a:ln>
+        </p:spPr>
+        <p:txBody>
+          <a:bodyPr spcFirstLastPara="1" wrap="square" lIns="91425" tIns="91425" rIns="91425" bIns="91425" anchor="t" anchorCtr="0">
+            <a:noAutofit/>
+          </a:bodyPr>
+          <a:lstStyle/>
+          <a:p>
+            <a:pPr marL="0" lvl="0" indent="0" algn="ctr" rtl="0">
+              <a:spcBef>
+                <a:spcPts val="0"/>
+              </a:spcBef>
+              <a:spcAft>
+                <a:spcPts val="0"/>
+              </a:spcAft>
+              <a:buNone/>
+            </a:pPr>
+            <a:r>
+              <a:rPr lang="en" sz="2000">
+                <a:solidFill>
+                  <a:srgbClr val="4A86E8"/>
+                </a:solidFill>
+                <a:latin typeface="Roboto"/>
+                <a:ea typeface="Roboto"/>
+                <a:cs typeface="Roboto"/>
+                <a:sym typeface="Roboto"/>
+              </a:rPr>
+              <a:t>One alternative bid will be given out today.</a:t>
+            </a:r>
+            <a:endParaRPr sz="2000">
+              <a:solidFill>
+                <a:srgbClr val="4A86E8"/>
+              </a:solidFill>
+              <a:latin typeface="Roboto"/>
+              <a:ea typeface="Roboto"/>
+              <a:cs typeface="Roboto"/>
+              <a:sym typeface="Roboto"/>
+            </a:endParaRPr>
+          </a:p>
+        </p:txBody>
+      </p:sp>
+    </p:spTree>
+  </p:cSld>
+  <p:clrMapOvr>
+    <a:masterClrMapping/>
+  </p:clrMapOvr>
+</p:sld>
+</file>
+
+<file path=ppt/slides/slide27.xml><?xml version="1.0" encoding="utf-8"?>
+<p:sld xmlns:a="http://schemas.openxmlformats.org/drawingml/2006/main" xmlns:r="http://schemas.openxmlformats.org/officeDocument/2006/relationships" xmlns:p="http://schemas.openxmlformats.org/presentationml/2006/main">
+  <p:cSld>
+    <p:spTree>
+      <p:nvGrpSpPr>
+        <p:cNvPr id="1" name="Shape 231"/>
+        <p:cNvGrpSpPr/>
+        <p:nvPr/>
+      </p:nvGrpSpPr>
+      <p:grpSpPr>
+        <a:xfrm>
+          <a:off x="0" y="0"/>
+          <a:ext cx="0" cy="0"/>
+          <a:chOff x="0" y="0"/>
+          <a:chExt cx="0" cy="0"/>
+        </a:xfrm>
+      </p:grpSpPr>
+      <p:sp>
+        <p:nvSpPr>
+          <p:cNvPr id="232" name="Google Shape;232;p43"/>
+          <p:cNvSpPr txBox="1">
+            <a:spLocks noGrp="1"/>
+          </p:cNvSpPr>
+          <p:nvPr>
+            <p:ph type="title"/>
+          </p:nvPr>
+        </p:nvSpPr>
+        <p:spPr>
+          <a:xfrm>
+            <a:off x="457198" y="398044"/>
+            <a:ext cx="8289300" cy="609600"/>
+          </a:xfrm>
+          <a:prstGeom prst="rect">
+            <a:avLst/>
+          </a:prstGeom>
+          <a:solidFill>
+            <a:schemeClr val="lt1"/>
+          </a:solidFill>
+          <a:ln>
+            <a:noFill/>
+          </a:ln>
+        </p:spPr>
+        <p:txBody>
+          <a:bodyPr spcFirstLastPara="1" wrap="square" lIns="0" tIns="0" rIns="0" bIns="0" anchor="ctr" anchorCtr="0">
+            <a:normAutofit fontScale="90000"/>
+          </a:bodyPr>
+          <a:lstStyle/>
+          <a:p>
+            <a:pPr marL="0" lvl="0" indent="0" algn="l" rtl="0">
+              <a:lnSpc>
+                <a:spcPct val="100000"/>
+              </a:lnSpc>
+              <a:spcBef>
+                <a:spcPts val="0"/>
+              </a:spcBef>
+              <a:spcAft>
+                <a:spcPts val="0"/>
+              </a:spcAft>
+              <a:buClr>
+                <a:srgbClr val="000000"/>
+              </a:buClr>
+              <a:buSzPct val="100000"/>
+              <a:buFont typeface="Roboto"/>
+              <a:buNone/>
+            </a:pPr>
+            <a:r>
+              <a:rPr lang="en">
+                <a:highlight>
+                  <a:schemeClr val="lt1"/>
+                </a:highlight>
+              </a:rPr>
+              <a:t>Teams advancing to the Northeast Florida Regional Championship</a:t>
+            </a:r>
+            <a:endParaRPr>
+              <a:highlight>
+                <a:schemeClr val="lt1"/>
+              </a:highlight>
+            </a:endParaRPr>
+          </a:p>
+        </p:txBody>
+      </p:sp>
+      <p:sp>
+        <p:nvSpPr>
+          <p:cNvPr id="233" name="Google Shape;233;p43"/>
+          <p:cNvSpPr txBox="1">
+            <a:spLocks noGrp="1"/>
+          </p:cNvSpPr>
+          <p:nvPr>
+            <p:ph type="body" idx="1"/>
+          </p:nvPr>
+        </p:nvSpPr>
+        <p:spPr>
+          <a:xfrm>
+            <a:off x="2406449" y="1155575"/>
+            <a:ext cx="3345000" cy="537900"/>
+          </a:xfrm>
+          <a:prstGeom prst="rect">
+            <a:avLst/>
+          </a:prstGeom>
+          <a:noFill/>
+          <a:ln>
+            <a:noFill/>
+          </a:ln>
+        </p:spPr>
+        <p:txBody>
+          <a:bodyPr spcFirstLastPara="1" wrap="square" lIns="45700" tIns="45700" rIns="45700" bIns="45700" anchor="t" anchorCtr="0">
+            <a:normAutofit/>
+          </a:bodyPr>
+          <a:lstStyle/>
+          <a:p>
+            <a:pPr marL="0" lvl="0" indent="0" algn="l" rtl="0">
+              <a:lnSpc>
+                <a:spcPct val="100000"/>
+              </a:lnSpc>
+              <a:spcBef>
+                <a:spcPts val="0"/>
+              </a:spcBef>
+              <a:spcAft>
+                <a:spcPts val="0"/>
+              </a:spcAft>
+              <a:buClr>
+                <a:srgbClr val="000000"/>
+              </a:buClr>
+              <a:buSzPts val="2000"/>
+              <a:buFont typeface="Roboto"/>
+              <a:buNone/>
+            </a:pPr>
+            <a:r>
+              <a:rPr lang="en" b="1">
+                <a:highlight>
+                  <a:schemeClr val="lt1"/>
+                </a:highlight>
+              </a:rPr>
+              <a:t>Congratulations to teams:</a:t>
+            </a:r>
+            <a:endParaRPr b="1">
+              <a:highlight>
+                <a:schemeClr val="lt1"/>
+              </a:highlight>
+            </a:endParaRPr>
+          </a:p>
+        </p:txBody>
+      </p:sp>
+      <p:pic>
+        <p:nvPicPr>
+          <p:cNvPr id="235" name="Google Shape;235;p43"/>
+          <p:cNvPicPr preferRelativeResize="0"/>
+          <p:nvPr/>
+        </p:nvPicPr>
+        <p:blipFill>
+          <a:blip r:embed="rId3">
+            <a:alphaModFix/>
+          </a:blip>
+          <a:stretch>
+            <a:fillRect/>
+          </a:stretch>
+        </p:blipFill>
+        <p:spPr>
+          <a:xfrm>
+            <a:off x="201225" y="829750"/>
+            <a:ext cx="2396925" cy="2396925"/>
+          </a:xfrm>
+          <a:prstGeom prst="rect">
+            <a:avLst/>
+          </a:prstGeom>
+          <a:noFill/>
+          <a:ln>
+            <a:noFill/>
+          </a:ln>
+        </p:spPr>
+      </p:pic>
+      <p:sp>
+        <p:nvSpPr>
+          <p:cNvPr id="236" name="Google Shape;236;p43"/>
+          <p:cNvSpPr txBox="1"/>
+          <p:nvPr/>
+        </p:nvSpPr>
+        <p:spPr>
+          <a:xfrm rot="-606317">
+            <a:off x="733611" y="2801255"/>
+            <a:ext cx="2087686" cy="779793"/>
+          </a:xfrm>
+          <a:prstGeom prst="rect">
+            <a:avLst/>
+          </a:prstGeom>
+          <a:noFill/>
+          <a:ln>
+            <a:noFill/>
+          </a:ln>
+        </p:spPr>
+        <p:txBody>
+          <a:bodyPr spcFirstLastPara="1" wrap="square" lIns="91425" tIns="91425" rIns="91425" bIns="91425" anchor="t" anchorCtr="0">
+            <a:noAutofit/>
+          </a:bodyPr>
+          <a:lstStyle/>
+          <a:p>
+            <a:pPr marL="0" lvl="0" indent="0" algn="ctr" rtl="0">
+              <a:lnSpc>
+                <a:spcPct val="100000"/>
+              </a:lnSpc>
+              <a:spcBef>
+                <a:spcPts val="0"/>
+              </a:spcBef>
+              <a:spcAft>
+                <a:spcPts val="0"/>
+              </a:spcAft>
+              <a:buClr>
+                <a:srgbClr val="000000"/>
+              </a:buClr>
+              <a:buSzPts val="2000"/>
+              <a:buFont typeface="Roboto"/>
+              <a:buNone/>
+            </a:pPr>
+            <a:r>
+              <a:rPr lang="en" sz="2000" b="1" dirty="0"/>
+              <a:t>{Advancing Team 3}</a:t>
+            </a:r>
+          </a:p>
+        </p:txBody>
+      </p:sp>
+      <p:sp>
+        <p:nvSpPr>
+          <p:cNvPr id="237" name="Google Shape;237;p43"/>
+          <p:cNvSpPr txBox="1"/>
+          <p:nvPr/>
+        </p:nvSpPr>
+        <p:spPr>
+          <a:xfrm rot="781787">
+            <a:off x="3231352" y="2244869"/>
+            <a:ext cx="2087753" cy="779678"/>
+          </a:xfrm>
+          <a:prstGeom prst="rect">
+            <a:avLst/>
+          </a:prstGeom>
+          <a:noFill/>
+          <a:ln>
+            <a:noFill/>
+          </a:ln>
+        </p:spPr>
+        <p:txBody>
+          <a:bodyPr spcFirstLastPara="1" wrap="square" lIns="91425" tIns="91425" rIns="91425" bIns="91425" anchor="t" anchorCtr="0">
+            <a:noAutofit/>
+          </a:bodyPr>
+          <a:lstStyle/>
+          <a:p>
+            <a:pPr marL="0" lvl="0" indent="0" algn="ctr" rtl="0">
+              <a:lnSpc>
+                <a:spcPct val="100000"/>
+              </a:lnSpc>
+              <a:spcBef>
+                <a:spcPts val="0"/>
+              </a:spcBef>
+              <a:spcAft>
+                <a:spcPts val="0"/>
+              </a:spcAft>
+              <a:buClr>
+                <a:srgbClr val="000000"/>
+              </a:buClr>
+              <a:buSzPts val="2000"/>
+              <a:buFont typeface="Roboto"/>
+              <a:buNone/>
+            </a:pPr>
+            <a:r>
+              <a:rPr lang="en" sz="2000" b="1" dirty="0"/>
+              <a:t>{Advancing Team 2}</a:t>
+            </a:r>
+          </a:p>
+        </p:txBody>
+      </p:sp>
+      <p:sp>
+        <p:nvSpPr>
+          <p:cNvPr id="238" name="Google Shape;238;p43"/>
+          <p:cNvSpPr txBox="1"/>
+          <p:nvPr/>
+        </p:nvSpPr>
+        <p:spPr>
+          <a:xfrm rot="-322533">
+            <a:off x="5265574" y="1695827"/>
+            <a:ext cx="2087882" cy="779843"/>
+          </a:xfrm>
+          <a:prstGeom prst="rect">
+            <a:avLst/>
+          </a:prstGeom>
+          <a:noFill/>
+          <a:ln>
+            <a:noFill/>
+          </a:ln>
+        </p:spPr>
+        <p:txBody>
+          <a:bodyPr spcFirstLastPara="1" wrap="square" lIns="91425" tIns="91425" rIns="91425" bIns="91425" anchor="t" anchorCtr="0">
+            <a:noAutofit/>
+          </a:bodyPr>
+          <a:lstStyle/>
+          <a:p>
+            <a:pPr marL="0" lvl="0" indent="0" algn="ctr" rtl="0">
+              <a:lnSpc>
+                <a:spcPct val="100000"/>
+              </a:lnSpc>
+              <a:spcBef>
+                <a:spcPts val="0"/>
+              </a:spcBef>
+              <a:spcAft>
+                <a:spcPts val="0"/>
+              </a:spcAft>
+              <a:buClr>
+                <a:srgbClr val="000000"/>
+              </a:buClr>
+              <a:buSzPts val="2000"/>
+              <a:buFont typeface="Roboto"/>
+              <a:buNone/>
+            </a:pPr>
+            <a:r>
+              <a:rPr lang="en" sz="2000" b="1" dirty="0"/>
+              <a:t>{Advancing Team 1}</a:t>
+            </a:r>
+          </a:p>
+        </p:txBody>
+      </p:sp>
+      <p:sp>
+        <p:nvSpPr>
+          <p:cNvPr id="239" name="Google Shape;239;p43"/>
+          <p:cNvSpPr txBox="1"/>
+          <p:nvPr/>
+        </p:nvSpPr>
+        <p:spPr>
+          <a:xfrm>
+            <a:off x="2759774" y="3474078"/>
+            <a:ext cx="2087700" cy="779700"/>
+          </a:xfrm>
+          <a:prstGeom prst="rect">
+            <a:avLst/>
+          </a:prstGeom>
+          <a:noFill/>
+          <a:ln>
+            <a:noFill/>
+          </a:ln>
+        </p:spPr>
+        <p:txBody>
+          <a:bodyPr spcFirstLastPara="1" wrap="square" lIns="91425" tIns="91425" rIns="91425" bIns="91425" anchor="t" anchorCtr="0">
+            <a:noAutofit/>
+          </a:bodyPr>
+          <a:lstStyle/>
+          <a:p>
+            <a:pPr marL="0" lvl="0" indent="0" algn="ctr" rtl="0">
+              <a:lnSpc>
+                <a:spcPct val="100000"/>
+              </a:lnSpc>
+              <a:spcBef>
+                <a:spcPts val="0"/>
+              </a:spcBef>
+              <a:spcAft>
+                <a:spcPts val="0"/>
+              </a:spcAft>
+              <a:buClr>
+                <a:srgbClr val="000000"/>
+              </a:buClr>
+              <a:buSzPts val="2000"/>
+              <a:buFont typeface="Roboto"/>
+              <a:buNone/>
+            </a:pPr>
+            <a:r>
+              <a:rPr lang="en" sz="2000" b="1" dirty="0"/>
+              <a:t>{Advancing Team 4}</a:t>
+            </a:r>
+          </a:p>
+        </p:txBody>
+      </p:sp>
+      <p:sp>
+        <p:nvSpPr>
+          <p:cNvPr id="240" name="Google Shape;240;p43"/>
+          <p:cNvSpPr txBox="1"/>
+          <p:nvPr/>
+        </p:nvSpPr>
+        <p:spPr>
+          <a:xfrm rot="781787">
+            <a:off x="5737989" y="3248794"/>
+            <a:ext cx="2087753" cy="779678"/>
+          </a:xfrm>
+          <a:prstGeom prst="rect">
+            <a:avLst/>
+          </a:prstGeom>
+          <a:noFill/>
+          <a:ln>
+            <a:noFill/>
+          </a:ln>
+        </p:spPr>
+        <p:txBody>
+          <a:bodyPr spcFirstLastPara="1" wrap="square" lIns="91425" tIns="91425" rIns="91425" bIns="91425" anchor="t" anchorCtr="0">
+            <a:noAutofit/>
+          </a:bodyPr>
+          <a:lstStyle/>
+          <a:p>
+            <a:pPr marL="0" lvl="0" indent="0" algn="ctr" rtl="0">
+              <a:lnSpc>
+                <a:spcPct val="100000"/>
+              </a:lnSpc>
+              <a:spcBef>
+                <a:spcPts val="0"/>
+              </a:spcBef>
+              <a:spcAft>
+                <a:spcPts val="0"/>
+              </a:spcAft>
+              <a:buClr>
+                <a:srgbClr val="000000"/>
+              </a:buClr>
+              <a:buSzPts val="2000"/>
+              <a:buFont typeface="Roboto"/>
+              <a:buNone/>
+            </a:pPr>
+            <a:r>
+              <a:rPr lang="en" sz="2000" b="1" dirty="0"/>
+              <a:t>{Advancing Team 5}</a:t>
+            </a:r>
+          </a:p>
+        </p:txBody>
+      </p:sp>
+      <p:sp>
+        <p:nvSpPr>
+          <p:cNvPr id="241" name="Google Shape;241;p43"/>
+          <p:cNvSpPr/>
+          <p:nvPr/>
+        </p:nvSpPr>
+        <p:spPr>
+          <a:xfrm>
+            <a:off x="7348450" y="1228225"/>
+            <a:ext cx="1710300" cy="1656600"/>
+          </a:xfrm>
+          <a:prstGeom prst="ellipse">
+            <a:avLst/>
+          </a:prstGeom>
+          <a:solidFill>
+            <a:srgbClr val="C9DAF8"/>
+          </a:solidFill>
+          <a:ln w="9525" cap="flat" cmpd="sng">
+            <a:solidFill>
+              <a:schemeClr val="dk2"/>
+            </a:solidFill>
+            <a:prstDash val="solid"/>
+            <a:round/>
+            <a:headEnd type="none" w="sm" len="sm"/>
+            <a:tailEnd type="none" w="sm" len="sm"/>
+          </a:ln>
+        </p:spPr>
+        <p:txBody>
+          <a:bodyPr spcFirstLastPara="1" wrap="square" lIns="91425" tIns="91425" rIns="91425" bIns="91425" anchor="ctr" anchorCtr="0">
+            <a:noAutofit/>
+          </a:bodyPr>
+          <a:lstStyle/>
+          <a:p>
+            <a:pPr marL="0" lvl="0" indent="0" algn="ctr" rtl="0">
+              <a:spcBef>
+                <a:spcPts val="0"/>
+              </a:spcBef>
+              <a:spcAft>
+                <a:spcPts val="0"/>
+              </a:spcAft>
+              <a:buNone/>
+            </a:pPr>
+            <a:endParaRPr>
+              <a:latin typeface="Roboto"/>
+              <a:ea typeface="Roboto"/>
+              <a:cs typeface="Roboto"/>
+              <a:sym typeface="Roboto"/>
+            </a:endParaRPr>
+          </a:p>
+        </p:txBody>
+      </p:sp>
+      <p:sp>
+        <p:nvSpPr>
+          <p:cNvPr id="242" name="Google Shape;242;p43"/>
+          <p:cNvSpPr txBox="1"/>
+          <p:nvPr/>
+        </p:nvSpPr>
+        <p:spPr>
+          <a:xfrm>
+            <a:off x="7606300" y="1379150"/>
+            <a:ext cx="1194600" cy="537900"/>
+          </a:xfrm>
+          <a:prstGeom prst="rect">
+            <a:avLst/>
+          </a:prstGeom>
+          <a:noFill/>
+          <a:ln>
+            <a:noFill/>
+          </a:ln>
+        </p:spPr>
+        <p:txBody>
+          <a:bodyPr spcFirstLastPara="1" wrap="square" lIns="91425" tIns="91425" rIns="91425" bIns="91425" anchor="t" anchorCtr="0">
+            <a:noAutofit/>
+          </a:bodyPr>
+          <a:lstStyle/>
+          <a:p>
+            <a:pPr marL="0" lvl="0" indent="0" algn="ctr" rtl="0">
+              <a:spcBef>
+                <a:spcPts val="0"/>
+              </a:spcBef>
+              <a:spcAft>
+                <a:spcPts val="0"/>
+              </a:spcAft>
+              <a:buNone/>
+            </a:pPr>
+            <a:r>
+              <a:rPr lang="en" sz="1300" b="1" dirty="0">
+                <a:latin typeface="Roboto"/>
+                <a:ea typeface="Roboto"/>
+                <a:cs typeface="Roboto"/>
+                <a:sym typeface="Roboto"/>
+              </a:rPr>
+              <a:t>Alternate Bid</a:t>
+            </a:r>
+            <a:endParaRPr sz="1000" b="1" dirty="0">
+              <a:latin typeface="Roboto"/>
+              <a:ea typeface="Roboto"/>
+              <a:cs typeface="Roboto"/>
+              <a:sym typeface="Roboto"/>
+            </a:endParaRPr>
+          </a:p>
+        </p:txBody>
+      </p:sp>
+      <p:sp>
+        <p:nvSpPr>
+          <p:cNvPr id="243" name="Google Shape;243;p43"/>
+          <p:cNvSpPr txBox="1"/>
+          <p:nvPr/>
+        </p:nvSpPr>
+        <p:spPr>
+          <a:xfrm>
+            <a:off x="7486800" y="1857025"/>
+            <a:ext cx="1323300" cy="465300"/>
+          </a:xfrm>
+          <a:prstGeom prst="rect">
+            <a:avLst/>
+          </a:prstGeom>
+          <a:noFill/>
+          <a:ln>
+            <a:noFill/>
+          </a:ln>
+        </p:spPr>
+        <p:txBody>
+          <a:bodyPr spcFirstLastPara="1" wrap="square" lIns="91425" tIns="91425" rIns="91425" bIns="91425" anchor="t" anchorCtr="0">
+            <a:noAutofit/>
+          </a:bodyPr>
+          <a:lstStyle/>
+          <a:p>
+            <a:pPr marL="0" lvl="0" indent="0" algn="ctr" rtl="0">
+              <a:lnSpc>
+                <a:spcPct val="100000"/>
+              </a:lnSpc>
+              <a:spcBef>
+                <a:spcPts val="0"/>
+              </a:spcBef>
+              <a:spcAft>
+                <a:spcPts val="0"/>
+              </a:spcAft>
+              <a:buClr>
+                <a:srgbClr val="000000"/>
+              </a:buClr>
+              <a:buSzPts val="2000"/>
+              <a:buFont typeface="Roboto"/>
+              <a:buNone/>
+            </a:pPr>
+            <a:r>
+              <a:rPr lang="en" sz="1600" b="1" dirty="0"/>
+              <a:t>{Alternate Team}</a:t>
+            </a:r>
+          </a:p>
+        </p:txBody>
+      </p:sp>
+    </p:spTree>
+  </p:cSld>
+  <p:clrMapOvr>
+    <a:masterClrMapping/>
+  </p:clrMapOvr>
+</p:sld>
+</file>
+
+<file path=ppt/slides/slide28.xml><?xml version="1.0" encoding="utf-8"?>
+<p:sld xmlns:a="http://schemas.openxmlformats.org/drawingml/2006/main" xmlns:r="http://schemas.openxmlformats.org/officeDocument/2006/relationships" xmlns:p="http://schemas.openxmlformats.org/presentationml/2006/main">
+  <p:cSld>
+    <p:spTree>
+      <p:nvGrpSpPr>
+        <p:cNvPr id="1" name="Shape 247"/>
+        <p:cNvGrpSpPr/>
+        <p:nvPr/>
+      </p:nvGrpSpPr>
+      <p:grpSpPr>
+        <a:xfrm>
+          <a:off x="0" y="0"/>
+          <a:ext cx="0" cy="0"/>
+          <a:chOff x="0" y="0"/>
+          <a:chExt cx="0" cy="0"/>
+        </a:xfrm>
+      </p:grpSpPr>
+      <p:sp>
+        <p:nvSpPr>
+          <p:cNvPr id="248" name="Google Shape;248;p44"/>
           <p:cNvSpPr txBox="1">
             <a:spLocks noGrp="1"/>
           </p:cNvSpPr>
@@ -9761,221 +11926,6 @@
               <a:buClr>
                 <a:srgbClr val="000000"/>
               </a:buClr>
-              <a:buSzPct val="100000"/>
-              <a:buFont typeface="Roboto"/>
-              <a:buNone/>
-            </a:pPr>
-            <a:r>
-              <a:rPr lang="en" dirty="0"/>
-              <a:t>Teams advancing to Championship</a:t>
-            </a:r>
-            <a:endParaRPr dirty="0">
-              <a:highlight>
-                <a:srgbClr val="FFFF00"/>
-              </a:highlight>
-            </a:endParaRPr>
-          </a:p>
-        </p:txBody>
-      </p:sp>
-      <p:sp>
-        <p:nvSpPr>
-          <p:cNvPr id="293" name="Google Shape;293;p58"/>
-          <p:cNvSpPr txBox="1">
-            <a:spLocks noGrp="1"/>
-          </p:cNvSpPr>
-          <p:nvPr>
-            <p:ph type="body" idx="1"/>
-          </p:nvPr>
-        </p:nvSpPr>
-        <p:spPr>
-          <a:xfrm>
-            <a:off x="457198" y="1143000"/>
-            <a:ext cx="8289237" cy="2852404"/>
-          </a:xfrm>
-          <a:prstGeom prst="rect">
-            <a:avLst/>
-          </a:prstGeom>
-          <a:noFill/>
-          <a:ln>
-            <a:noFill/>
-          </a:ln>
-        </p:spPr>
-        <p:txBody>
-          <a:bodyPr spcFirstLastPara="1" wrap="square" lIns="45700" tIns="45700" rIns="45700" bIns="45700" anchor="t" anchorCtr="0">
-            <a:normAutofit/>
-          </a:bodyPr>
-          <a:lstStyle/>
-          <a:p>
-            <a:pPr marL="0" lvl="0" indent="0" algn="l" rtl="0">
-              <a:lnSpc>
-                <a:spcPct val="100000"/>
-              </a:lnSpc>
-              <a:spcBef>
-                <a:spcPts val="0"/>
-              </a:spcBef>
-              <a:spcAft>
-                <a:spcPts val="0"/>
-              </a:spcAft>
-              <a:buClr>
-                <a:srgbClr val="000000"/>
-              </a:buClr>
-              <a:buSzPts val="2000"/>
-              <a:buFont typeface="Roboto"/>
-              <a:buNone/>
-            </a:pPr>
-            <a:r>
-              <a:rPr lang="en" b="1" dirty="0"/>
-              <a:t>Congratulations to teams:</a:t>
-            </a:r>
-          </a:p>
-          <a:p>
-            <a:pPr marL="0" lvl="0" indent="0" algn="ctr" rtl="0">
-              <a:lnSpc>
-                <a:spcPct val="100000"/>
-              </a:lnSpc>
-              <a:spcBef>
-                <a:spcPts val="0"/>
-              </a:spcBef>
-              <a:spcAft>
-                <a:spcPts val="0"/>
-              </a:spcAft>
-              <a:buClr>
-                <a:srgbClr val="000000"/>
-              </a:buClr>
-              <a:buSzPts val="2000"/>
-              <a:buFont typeface="Roboto"/>
-              <a:buNone/>
-            </a:pPr>
-            <a:r>
-              <a:rPr lang="en" sz="3600" b="1" dirty="0"/>
-              <a:t>{Advancing Team 1}</a:t>
-            </a:r>
-          </a:p>
-          <a:p>
-            <a:pPr marL="0" indent="0" algn="ctr">
-              <a:spcBef>
-                <a:spcPts val="0"/>
-              </a:spcBef>
-              <a:buSzPts val="2000"/>
-            </a:pPr>
-            <a:r>
-              <a:rPr lang="en-US" sz="3600" b="1" dirty="0"/>
-              <a:t>{Advancing Team 2}</a:t>
-            </a:r>
-          </a:p>
-          <a:p>
-            <a:pPr marL="0" indent="0" algn="ctr">
-              <a:spcBef>
-                <a:spcPts val="0"/>
-              </a:spcBef>
-              <a:buSzPts val="2000"/>
-            </a:pPr>
-            <a:r>
-              <a:rPr lang="en-US" sz="3600" b="1" dirty="0"/>
-              <a:t>{Advancing Team 3}</a:t>
-            </a:r>
-          </a:p>
-          <a:p>
-            <a:pPr marL="0" indent="0" algn="ctr">
-              <a:spcBef>
-                <a:spcPts val="0"/>
-              </a:spcBef>
-              <a:buSzPts val="2000"/>
-            </a:pPr>
-            <a:r>
-              <a:rPr lang="en-US" sz="3600" b="1" dirty="0"/>
-              <a:t>{Advancing Team 4}</a:t>
-            </a:r>
-          </a:p>
-          <a:p>
-            <a:pPr marL="0" lvl="0" indent="0" algn="l" rtl="0">
-              <a:lnSpc>
-                <a:spcPct val="100000"/>
-              </a:lnSpc>
-              <a:spcBef>
-                <a:spcPts val="0"/>
-              </a:spcBef>
-              <a:spcAft>
-                <a:spcPts val="0"/>
-              </a:spcAft>
-              <a:buClr>
-                <a:srgbClr val="000000"/>
-              </a:buClr>
-              <a:buSzPts val="2000"/>
-              <a:buFont typeface="Roboto"/>
-              <a:buNone/>
-            </a:pPr>
-            <a:endParaRPr dirty="0"/>
-          </a:p>
-        </p:txBody>
-      </p:sp>
-    </p:spTree>
-  </p:cSld>
-  <p:clrMapOvr>
-    <a:masterClrMapping/>
-  </p:clrMapOvr>
-</p:sld>
-</file>
-
-<file path=ppt/slides/slide26.xml><?xml version="1.0" encoding="utf-8"?>
-<p:sld xmlns:a="http://schemas.openxmlformats.org/drawingml/2006/main" xmlns:r="http://schemas.openxmlformats.org/officeDocument/2006/relationships" xmlns:p="http://schemas.openxmlformats.org/presentationml/2006/main">
-  <p:cSld>
-    <p:spTree>
-      <p:nvGrpSpPr>
-        <p:cNvPr id="1" name="Shape 297"/>
-        <p:cNvGrpSpPr/>
-        <p:nvPr/>
-      </p:nvGrpSpPr>
-      <p:grpSpPr>
-        <a:xfrm>
-          <a:off x="0" y="0"/>
-          <a:ext cx="0" cy="0"/>
-          <a:chOff x="0" y="0"/>
-          <a:chExt cx="0" cy="0"/>
-        </a:xfrm>
-      </p:grpSpPr>
-      <p:sp>
-        <p:nvSpPr>
-          <p:cNvPr id="298" name="Google Shape;298;p59"/>
-          <p:cNvSpPr txBox="1">
-            <a:spLocks noGrp="1"/>
-          </p:cNvSpPr>
-          <p:nvPr>
-            <p:ph type="title"/>
-          </p:nvPr>
-        </p:nvSpPr>
-        <p:spPr>
-          <a:xfrm>
-            <a:off x="457198" y="398044"/>
-            <a:ext cx="8289236" cy="609601"/>
-          </a:xfrm>
-          <a:prstGeom prst="rect">
-            <a:avLst/>
-          </a:prstGeom>
-          <a:noFill/>
-          <a:ln>
-            <a:noFill/>
-          </a:ln>
-        </p:spPr>
-        <p:txBody>
-          <a:bodyPr spcFirstLastPara="1" wrap="square" lIns="0" tIns="0" rIns="0" bIns="0" anchor="ctr" anchorCtr="0">
-            <a:normAutofit/>
-          </a:bodyPr>
-          <a:lstStyle/>
-          <a:p>
-            <a:pPr marL="0" lvl="0" indent="0" algn="l" rtl="0">
-              <a:lnSpc>
-                <a:spcPct val="100000"/>
-              </a:lnSpc>
-              <a:spcBef>
-                <a:spcPts val="0"/>
-              </a:spcBef>
-              <a:spcAft>
-                <a:spcPts val="0"/>
-              </a:spcAft>
-              <a:buClr>
-                <a:srgbClr val="000000"/>
-              </a:buClr>
               <a:buSzPts val="2400"/>
               <a:buFont typeface="Roboto"/>
               <a:buNone/>
@@ -9990,7 +11940,7 @@
       </p:sp>
       <p:sp>
         <p:nvSpPr>
-          <p:cNvPr id="299" name="Google Shape;299;p59"/>
+          <p:cNvPr id="249" name="Google Shape;249;p44"/>
           <p:cNvSpPr txBox="1">
             <a:spLocks noGrp="1"/>
           </p:cNvSpPr>
@@ -10035,14 +11985,18 @@
               <a:buNone/>
             </a:pPr>
             <a:r>
-              <a:rPr lang="en">
+              <a:rPr lang="en" sz="4400" dirty="0">
                 <a:highlight>
-                  <a:srgbClr val="FFFF00"/>
+                  <a:schemeClr val="lt1"/>
                 </a:highlight>
               </a:rPr>
-              <a:t>Pick them up at: Location</a:t>
+              <a:t>Pick them up at the Front Desk</a:t>
             </a:r>
-            <a:endParaRPr/>
+            <a:endParaRPr sz="4400" dirty="0">
+              <a:highlight>
+                <a:schemeClr val="lt1"/>
+              </a:highlight>
+            </a:endParaRPr>
           </a:p>
           <a:p>
             <a:pPr marL="0" lvl="0" indent="0" algn="l" rtl="0">
@@ -10062,15 +12016,7 @@
               <a:buFont typeface="Roboto"/>
               <a:buNone/>
             </a:pPr>
-            <a:r>
-              <a:rPr lang="en">
-                <a:highlight>
-                  <a:srgbClr val="FFFF00"/>
-                </a:highlight>
-              </a:rPr>
-              <a:t>Add any additional instructions here.</a:t>
-            </a:r>
-            <a:endParaRPr>
+            <a:endParaRPr dirty="0">
               <a:highlight>
                 <a:srgbClr val="FFFF00"/>
               </a:highlight>
@@ -10086,12 +12032,12 @@
 </p:sld>
 </file>
 
-<file path=ppt/slides/slide27.xml><?xml version="1.0" encoding="utf-8"?>
+<file path=ppt/slides/slide29.xml><?xml version="1.0" encoding="utf-8"?>
 <p:sld xmlns:a="http://schemas.openxmlformats.org/drawingml/2006/main" xmlns:r="http://schemas.openxmlformats.org/officeDocument/2006/relationships" xmlns:p="http://schemas.openxmlformats.org/presentationml/2006/main">
   <p:cSld>
     <p:spTree>
       <p:nvGrpSpPr>
-        <p:cNvPr id="1" name="Shape 303"/>
+        <p:cNvPr id="1" name="Shape 254"/>
         <p:cNvGrpSpPr/>
         <p:nvPr/>
       </p:nvGrpSpPr>
@@ -10105,7 +12051,7 @@
       </p:grpSpPr>
       <p:sp>
         <p:nvSpPr>
-          <p:cNvPr id="304" name="Google Shape;304;p60"/>
+          <p:cNvPr id="255" name="Google Shape;255;p45"/>
           <p:cNvSpPr txBox="1">
             <a:spLocks noGrp="1"/>
           </p:cNvSpPr>
@@ -10115,8 +12061,8 @@
         </p:nvSpPr>
         <p:spPr>
           <a:xfrm>
-            <a:off x="341610" y="1917424"/>
-            <a:ext cx="8460778" cy="654326"/>
+            <a:off x="301710" y="773024"/>
+            <a:ext cx="8460900" cy="654300"/>
           </a:xfrm>
           <a:prstGeom prst="rect">
             <a:avLst/>
@@ -10167,7 +12113,7 @@
       </p:sp>
       <p:sp>
         <p:nvSpPr>
-          <p:cNvPr id="305" name="Google Shape;305;p60"/>
+          <p:cNvPr id="256" name="Google Shape;256;p45"/>
           <p:cNvSpPr txBox="1">
             <a:spLocks noGrp="1"/>
           </p:cNvSpPr>
@@ -10177,8 +12123,8 @@
         </p:nvSpPr>
         <p:spPr>
           <a:xfrm>
-            <a:off x="341611" y="2571750"/>
-            <a:ext cx="8460777" cy="360368"/>
+            <a:off x="301711" y="1427350"/>
+            <a:ext cx="8460900" cy="360300"/>
           </a:xfrm>
           <a:prstGeom prst="rect">
             <a:avLst/>
@@ -10212,10 +12158,260 @@
               <a:buNone/>
             </a:pPr>
             <a:r>
-              <a:rPr lang="en" dirty="0"/>
-              <a:t>We will see you next season!</a:t>
+              <a:rPr lang="en"/>
+              <a:t>We hope to see you at the</a:t>
             </a:r>
-            <a:endParaRPr dirty="0"/>
+            <a:endParaRPr/>
+          </a:p>
+        </p:txBody>
+      </p:sp>
+      <p:pic>
+        <p:nvPicPr>
+          <p:cNvPr id="257" name="Google Shape;257;p45"/>
+          <p:cNvPicPr preferRelativeResize="0"/>
+          <p:nvPr/>
+        </p:nvPicPr>
+        <p:blipFill>
+          <a:blip r:embed="rId3">
+            <a:alphaModFix/>
+          </a:blip>
+          <a:stretch>
+            <a:fillRect/>
+          </a:stretch>
+        </p:blipFill>
+        <p:spPr>
+          <a:xfrm>
+            <a:off x="3319350" y="3089475"/>
+            <a:ext cx="2255900" cy="2255900"/>
+          </a:xfrm>
+          <a:prstGeom prst="rect">
+            <a:avLst/>
+          </a:prstGeom>
+          <a:noFill/>
+          <a:ln>
+            <a:noFill/>
+          </a:ln>
+        </p:spPr>
+      </p:pic>
+      <p:sp>
+        <p:nvSpPr>
+          <p:cNvPr id="258" name="Google Shape;258;p45"/>
+          <p:cNvSpPr txBox="1"/>
+          <p:nvPr/>
+        </p:nvSpPr>
+        <p:spPr>
+          <a:xfrm>
+            <a:off x="39750" y="1831550"/>
+            <a:ext cx="9004500" cy="523200"/>
+          </a:xfrm>
+          <a:prstGeom prst="rect">
+            <a:avLst/>
+          </a:prstGeom>
+          <a:noFill/>
+          <a:ln>
+            <a:noFill/>
+          </a:ln>
+        </p:spPr>
+        <p:txBody>
+          <a:bodyPr spcFirstLastPara="1" wrap="square" lIns="91425" tIns="91425" rIns="91425" bIns="91425" anchor="t" anchorCtr="0">
+            <a:spAutoFit/>
+          </a:bodyPr>
+          <a:lstStyle/>
+          <a:p>
+            <a:pPr marL="0" lvl="0" indent="0" algn="ctr" rtl="0">
+              <a:spcBef>
+                <a:spcPts val="0"/>
+              </a:spcBef>
+              <a:spcAft>
+                <a:spcPts val="0"/>
+              </a:spcAft>
+              <a:buNone/>
+            </a:pPr>
+            <a:r>
+              <a:rPr lang="en" sz="2200">
+                <a:solidFill>
+                  <a:schemeClr val="lt1"/>
+                </a:solidFill>
+                <a:latin typeface="Roboto"/>
+                <a:ea typeface="Roboto"/>
+                <a:cs typeface="Roboto"/>
+                <a:sym typeface="Roboto"/>
+              </a:rPr>
+              <a:t>NORTHEAST FLORIDA REGIONAL CHAMPIONSHIP</a:t>
+            </a:r>
+            <a:endParaRPr sz="2200">
+              <a:solidFill>
+                <a:schemeClr val="lt1"/>
+              </a:solidFill>
+              <a:latin typeface="Roboto"/>
+              <a:ea typeface="Roboto"/>
+              <a:cs typeface="Roboto"/>
+              <a:sym typeface="Roboto"/>
+            </a:endParaRPr>
+          </a:p>
+        </p:txBody>
+      </p:sp>
+      <p:sp>
+        <p:nvSpPr>
+          <p:cNvPr id="259" name="Google Shape;259;p45"/>
+          <p:cNvSpPr txBox="1"/>
+          <p:nvPr/>
+        </p:nvSpPr>
+        <p:spPr>
+          <a:xfrm>
+            <a:off x="39750" y="2291775"/>
+            <a:ext cx="9064500" cy="523200"/>
+          </a:xfrm>
+          <a:prstGeom prst="rect">
+            <a:avLst/>
+          </a:prstGeom>
+          <a:noFill/>
+          <a:ln>
+            <a:noFill/>
+          </a:ln>
+        </p:spPr>
+        <p:txBody>
+          <a:bodyPr spcFirstLastPara="1" wrap="square" lIns="91425" tIns="91425" rIns="91425" bIns="91425" anchor="t" anchorCtr="0">
+            <a:spAutoFit/>
+          </a:bodyPr>
+          <a:lstStyle/>
+          <a:p>
+            <a:pPr marL="0" lvl="0" indent="0" algn="ctr" rtl="0">
+              <a:spcBef>
+                <a:spcPts val="0"/>
+              </a:spcBef>
+              <a:spcAft>
+                <a:spcPts val="0"/>
+              </a:spcAft>
+              <a:buNone/>
+            </a:pPr>
+            <a:r>
+              <a:rPr lang="en" sz="2200" dirty="0">
+                <a:solidFill>
+                  <a:schemeClr val="lt1"/>
+                </a:solidFill>
+                <a:latin typeface="Roboto"/>
+                <a:ea typeface="Roboto"/>
+                <a:cs typeface="Roboto"/>
+                <a:sym typeface="Roboto"/>
+              </a:rPr>
+              <a:t>January 17</a:t>
+            </a:r>
+            <a:r>
+              <a:rPr lang="en" sz="2200" baseline="30000" dirty="0">
+                <a:solidFill>
+                  <a:schemeClr val="lt1"/>
+                </a:solidFill>
+                <a:latin typeface="Roboto"/>
+                <a:ea typeface="Roboto"/>
+                <a:cs typeface="Roboto"/>
+                <a:sym typeface="Roboto"/>
+              </a:rPr>
+              <a:t>th</a:t>
+            </a:r>
+            <a:r>
+              <a:rPr lang="en" sz="2200" dirty="0">
+                <a:solidFill>
+                  <a:schemeClr val="lt1"/>
+                </a:solidFill>
+                <a:latin typeface="Roboto"/>
+                <a:ea typeface="Roboto"/>
+                <a:cs typeface="Roboto"/>
+                <a:sym typeface="Roboto"/>
+              </a:rPr>
+              <a:t> &amp; 18</a:t>
+            </a:r>
+            <a:r>
+              <a:rPr lang="en" sz="2200" baseline="30000" dirty="0">
+                <a:solidFill>
+                  <a:schemeClr val="lt1"/>
+                </a:solidFill>
+                <a:latin typeface="Roboto"/>
+                <a:ea typeface="Roboto"/>
+                <a:cs typeface="Roboto"/>
+                <a:sym typeface="Roboto"/>
+              </a:rPr>
+              <a:t>th</a:t>
+            </a:r>
+            <a:r>
+              <a:rPr lang="en" sz="2200" dirty="0">
+                <a:solidFill>
+                  <a:schemeClr val="lt1"/>
+                </a:solidFill>
+                <a:latin typeface="Roboto"/>
+                <a:ea typeface="Roboto"/>
+                <a:cs typeface="Roboto"/>
+                <a:sym typeface="Roboto"/>
+              </a:rPr>
+              <a:t> 2025</a:t>
+            </a:r>
+            <a:endParaRPr sz="2200" dirty="0">
+              <a:solidFill>
+                <a:schemeClr val="lt1"/>
+              </a:solidFill>
+              <a:latin typeface="Roboto"/>
+              <a:ea typeface="Roboto"/>
+              <a:cs typeface="Roboto"/>
+              <a:sym typeface="Roboto"/>
+            </a:endParaRPr>
+          </a:p>
+        </p:txBody>
+      </p:sp>
+      <p:sp>
+        <p:nvSpPr>
+          <p:cNvPr id="260" name="Google Shape;260;p45"/>
+          <p:cNvSpPr txBox="1"/>
+          <p:nvPr/>
+        </p:nvSpPr>
+        <p:spPr>
+          <a:xfrm>
+            <a:off x="39750" y="2758975"/>
+            <a:ext cx="8953800" cy="523200"/>
+          </a:xfrm>
+          <a:prstGeom prst="rect">
+            <a:avLst/>
+          </a:prstGeom>
+          <a:noFill/>
+          <a:ln>
+            <a:noFill/>
+          </a:ln>
+        </p:spPr>
+        <p:txBody>
+          <a:bodyPr spcFirstLastPara="1" wrap="square" lIns="91425" tIns="91425" rIns="91425" bIns="91425" anchor="t" anchorCtr="0">
+            <a:spAutoFit/>
+          </a:bodyPr>
+          <a:lstStyle/>
+          <a:p>
+            <a:pPr marL="0" lvl="0" indent="0" algn="ctr" rtl="0">
+              <a:spcBef>
+                <a:spcPts val="0"/>
+              </a:spcBef>
+              <a:spcAft>
+                <a:spcPts val="0"/>
+              </a:spcAft>
+              <a:buNone/>
+            </a:pPr>
+            <a:r>
+              <a:rPr lang="en" sz="2200">
+                <a:solidFill>
+                  <a:schemeClr val="lt1"/>
+                </a:solidFill>
+                <a:latin typeface="Roboto"/>
+                <a:ea typeface="Roboto"/>
+                <a:cs typeface="Roboto"/>
+                <a:sym typeface="Roboto"/>
+              </a:rPr>
+              <a:t>Legacy Park Sports Complex, Alachua, FL</a:t>
+            </a:r>
+            <a:endParaRPr sz="2200">
+              <a:solidFill>
+                <a:schemeClr val="lt1"/>
+              </a:solidFill>
+              <a:latin typeface="Roboto"/>
+              <a:ea typeface="Roboto"/>
+              <a:cs typeface="Roboto"/>
+              <a:sym typeface="Roboto"/>
+            </a:endParaRPr>
           </a:p>
         </p:txBody>
       </p:sp>
@@ -10556,6 +12752,85 @@
   <p:cSld>
     <p:spTree>
       <p:nvGrpSpPr>
+        <p:cNvPr id="1" name="Shape 95"/>
+        <p:cNvGrpSpPr/>
+        <p:nvPr/>
+      </p:nvGrpSpPr>
+      <p:grpSpPr>
+        <a:xfrm>
+          <a:off x="0" y="0"/>
+          <a:ext cx="0" cy="0"/>
+          <a:chOff x="0" y="0"/>
+          <a:chExt cx="0" cy="0"/>
+        </a:xfrm>
+      </p:grpSpPr>
+      <p:sp>
+        <p:nvSpPr>
+          <p:cNvPr id="96" name="Google Shape;96;p23"/>
+          <p:cNvSpPr txBox="1">
+            <a:spLocks noGrp="1"/>
+          </p:cNvSpPr>
+          <p:nvPr>
+            <p:ph type="title"/>
+          </p:nvPr>
+        </p:nvSpPr>
+        <p:spPr>
+          <a:xfrm>
+            <a:off x="427382" y="1962149"/>
+            <a:ext cx="8289300" cy="609600"/>
+          </a:xfrm>
+          <a:prstGeom prst="rect">
+            <a:avLst/>
+          </a:prstGeom>
+          <a:noFill/>
+          <a:ln>
+            <a:noFill/>
+          </a:ln>
+        </p:spPr>
+        <p:txBody>
+          <a:bodyPr spcFirstLastPara="1" wrap="square" lIns="0" tIns="0" rIns="0" bIns="0" anchor="ctr" anchorCtr="0">
+            <a:normAutofit/>
+          </a:bodyPr>
+          <a:lstStyle/>
+          <a:p>
+            <a:pPr marL="0" lvl="0" indent="0" algn="ctr" rtl="0">
+              <a:lnSpc>
+                <a:spcPct val="100000"/>
+              </a:lnSpc>
+              <a:spcBef>
+                <a:spcPts val="0"/>
+              </a:spcBef>
+              <a:spcAft>
+                <a:spcPts val="0"/>
+              </a:spcAft>
+              <a:buClr>
+                <a:srgbClr val="000000"/>
+              </a:buClr>
+              <a:buSzPts val="3600"/>
+              <a:buFont typeface="Roboto"/>
+              <a:buNone/>
+            </a:pPr>
+            <a:r>
+              <a:rPr lang="en" sz="3600"/>
+              <a:t>Thank you to our Volunteers!!!!!</a:t>
+            </a:r>
+            <a:endParaRPr sz="3600"/>
+          </a:p>
+        </p:txBody>
+      </p:sp>
+    </p:spTree>
+  </p:cSld>
+  <p:clrMapOvr>
+    <a:masterClrMapping/>
+  </p:clrMapOvr>
+</p:sld>
+</file>
+
+<file path=ppt/slides/slide7.xml><?xml version="1.0" encoding="utf-8"?>
+<p:sld xmlns:a="http://schemas.openxmlformats.org/drawingml/2006/main" xmlns:r="http://schemas.openxmlformats.org/officeDocument/2006/relationships" xmlns:p="http://schemas.openxmlformats.org/presentationml/2006/main">
+  <p:cSld>
+    <p:spTree>
+      <p:nvGrpSpPr>
         <p:cNvPr id="1" name="Shape 121"/>
         <p:cNvGrpSpPr/>
         <p:nvPr/>
@@ -10630,7 +12905,7 @@
 </p:sld>
 </file>
 
-<file path=ppt/slides/slide7.xml><?xml version="1.0" encoding="utf-8"?>
+<file path=ppt/slides/slide8.xml><?xml version="1.0" encoding="utf-8"?>
 <p:sld xmlns:a="http://schemas.openxmlformats.org/drawingml/2006/main" xmlns:r="http://schemas.openxmlformats.org/officeDocument/2006/relationships" xmlns:p="http://schemas.openxmlformats.org/presentationml/2006/main">
   <p:cSld>
     <p:spTree>
@@ -10779,7 +13054,7 @@
 </p:sld>
 </file>
 
-<file path=ppt/slides/slide8.xml><?xml version="1.0" encoding="utf-8"?>
+<file path=ppt/slides/slide9.xml><?xml version="1.0" encoding="utf-8"?>
 <p:sld xmlns:a="http://schemas.openxmlformats.org/drawingml/2006/main" xmlns:r="http://schemas.openxmlformats.org/officeDocument/2006/relationships" xmlns:p="http://schemas.openxmlformats.org/presentationml/2006/main">
   <p:cSld>
     <p:spTree>
@@ -10909,207 +13184,6 @@
         </p:txBody>
       </p:sp>
     </p:spTree>
-  </p:cSld>
-  <p:clrMapOvr>
-    <a:masterClrMapping/>
-  </p:clrMapOvr>
-</p:sld>
-</file>
-
-<file path=ppt/slides/slide9.xml><?xml version="1.0" encoding="utf-8"?>
-<p:sld xmlns:a="http://schemas.openxmlformats.org/drawingml/2006/main" xmlns:r="http://schemas.openxmlformats.org/officeDocument/2006/relationships" xmlns:p="http://schemas.openxmlformats.org/presentationml/2006/main">
-  <p:cSld>
-    <p:spTree>
-      <p:nvGrpSpPr>
-        <p:cNvPr id="1" name=""/>
-        <p:cNvGrpSpPr/>
-        <p:nvPr/>
-      </p:nvGrpSpPr>
-      <p:grpSpPr>
-        <a:xfrm>
-          <a:off x="0" y="0"/>
-          <a:ext cx="0" cy="0"/>
-          <a:chOff x="0" y="0"/>
-          <a:chExt cx="0" cy="0"/>
-        </a:xfrm>
-      </p:grpSpPr>
-      <p:sp>
-        <p:nvSpPr>
-          <p:cNvPr id="2" name="Title 1">
-            <a:extLst>
-              <a:ext uri="{FF2B5EF4-FFF2-40B4-BE49-F238E27FC236}">
-                <a16:creationId xmlns:a16="http://schemas.microsoft.com/office/drawing/2014/main" id="{4122A3F8-EFB9-FC12-0E0B-DB541BE52A16}"/>
-              </a:ext>
-            </a:extLst>
-          </p:cNvPr>
-          <p:cNvSpPr>
-            <a:spLocks noGrp="1"/>
-          </p:cNvSpPr>
-          <p:nvPr>
-            <p:ph type="title"/>
-          </p:nvPr>
-        </p:nvSpPr>
-        <p:spPr/>
-        <p:txBody>
-          <a:bodyPr/>
-          <a:lstStyle/>
-          <a:p>
-            <a:r>
-              <a:rPr lang="en-US" dirty="0"/>
-              <a:t>T-Shirt Design Winner</a:t>
-            </a:r>
-          </a:p>
-        </p:txBody>
-      </p:sp>
-      <p:pic>
-        <p:nvPicPr>
-          <p:cNvPr id="5" name="Picture 4">
-            <a:extLst>
-              <a:ext uri="{FF2B5EF4-FFF2-40B4-BE49-F238E27FC236}">
-                <a16:creationId xmlns:a16="http://schemas.microsoft.com/office/drawing/2014/main" id="{7CE04B72-2BA1-4604-359B-8D5898B010AC}"/>
-              </a:ext>
-            </a:extLst>
-          </p:cNvPr>
-          <p:cNvPicPr>
-            <a:picLocks noChangeAspect="1"/>
-          </p:cNvPicPr>
-          <p:nvPr/>
-        </p:nvPicPr>
-        <p:blipFill>
-          <a:blip r:embed="rId2"/>
-          <a:srcRect t="7739" b="16247"/>
-          <a:stretch/>
-        </p:blipFill>
-        <p:spPr>
-          <a:xfrm>
-            <a:off x="4721013" y="0"/>
-            <a:ext cx="4422987" cy="4350546"/>
-          </a:xfrm>
-          <a:prstGeom prst="rect">
-            <a:avLst/>
-          </a:prstGeom>
-        </p:spPr>
-      </p:pic>
-      <p:sp>
-        <p:nvSpPr>
-          <p:cNvPr id="3" name="Text Placeholder 2">
-            <a:extLst>
-              <a:ext uri="{FF2B5EF4-FFF2-40B4-BE49-F238E27FC236}">
-                <a16:creationId xmlns:a16="http://schemas.microsoft.com/office/drawing/2014/main" id="{C03E5D99-93D5-50C0-6E73-973C60A71B26}"/>
-              </a:ext>
-            </a:extLst>
-          </p:cNvPr>
-          <p:cNvSpPr>
-            <a:spLocks noGrp="1"/>
-          </p:cNvSpPr>
-          <p:nvPr>
-            <p:ph type="body" idx="1"/>
-          </p:nvPr>
-        </p:nvSpPr>
-        <p:spPr>
-          <a:xfrm>
-            <a:off x="193038" y="1007644"/>
-            <a:ext cx="5550749" cy="2419397"/>
-          </a:xfrm>
-        </p:spPr>
-        <p:txBody>
-          <a:bodyPr>
-            <a:normAutofit fontScale="85000" lnSpcReduction="10000"/>
-          </a:bodyPr>
-          <a:lstStyle/>
-          <a:p>
-            <a:pPr marL="228600" indent="0"/>
-            <a:r>
-              <a:rPr lang="en-US" dirty="0"/>
-              <a:t>We asked teams to enter a T-Shirt Design</a:t>
-            </a:r>
-            <a:br>
-              <a:rPr lang="en-US" dirty="0"/>
-            </a:br>
-            <a:r>
-              <a:rPr lang="en-US" dirty="0"/>
-              <a:t>for the Regional Championship…</a:t>
-            </a:r>
-            <a:br>
-              <a:rPr lang="en-US" dirty="0"/>
-            </a:br>
-            <a:r>
-              <a:rPr lang="en-US" dirty="0"/>
-              <a:t>This season’s winner is</a:t>
-            </a:r>
-          </a:p>
-          <a:p>
-            <a:pPr algn="ctr"/>
-            <a:r>
-              <a:rPr lang="en-US" sz="3600" b="1" dirty="0"/>
-              <a:t>{T-Shirt Design}</a:t>
-            </a:r>
-          </a:p>
-          <a:p>
-            <a:pPr marL="228600" indent="0"/>
-            <a:r>
-              <a:rPr lang="en-US" dirty="0">
-                <a:latin typeface="Roboto" panose="020B0604020202020204" charset="0"/>
-                <a:ea typeface="Roboto" panose="020B0604020202020204" charset="0"/>
-              </a:rPr>
-              <a:t>The team wins an invitation to the</a:t>
-            </a:r>
-            <a:br>
-              <a:rPr lang="en-US" dirty="0">
-                <a:latin typeface="Roboto" panose="020B0604020202020204" charset="0"/>
-                <a:ea typeface="Roboto" panose="020B0604020202020204" charset="0"/>
-              </a:rPr>
-            </a:br>
-            <a:r>
-              <a:rPr lang="en-US" dirty="0">
-                <a:latin typeface="Roboto" panose="020B0604020202020204" charset="0"/>
-                <a:ea typeface="Roboto" panose="020B0604020202020204" charset="0"/>
-              </a:rPr>
-              <a:t>Regional Championship,</a:t>
-            </a:r>
-            <a:br>
-              <a:rPr lang="en-US" dirty="0">
-                <a:latin typeface="Roboto" panose="020B0604020202020204" charset="0"/>
-                <a:ea typeface="Roboto" panose="020B0604020202020204" charset="0"/>
-              </a:rPr>
-            </a:br>
-            <a:r>
-              <a:rPr lang="en-US" dirty="0">
-                <a:latin typeface="Roboto" panose="020B0604020202020204" charset="0"/>
-                <a:ea typeface="Roboto" panose="020B0604020202020204" charset="0"/>
-              </a:rPr>
-              <a:t>Friday/Saturday January 17, 18</a:t>
-            </a:r>
-            <a:br>
-              <a:rPr lang="en-US" dirty="0">
-                <a:latin typeface="Roboto" panose="020B0604020202020204" charset="0"/>
-                <a:ea typeface="Roboto" panose="020B0604020202020204" charset="0"/>
-              </a:rPr>
-            </a:br>
-            <a:r>
-              <a:rPr lang="en-US" b="0" i="0" dirty="0">
-                <a:solidFill>
-                  <a:srgbClr val="202124"/>
-                </a:solidFill>
-                <a:effectLst/>
-                <a:latin typeface="Roboto" panose="020B0604020202020204" charset="0"/>
-                <a:ea typeface="Roboto" panose="020B0604020202020204" charset="0"/>
-              </a:rPr>
-              <a:t>Legacy Park Multipurpose Center in Alachua, Florida</a:t>
-            </a:r>
-            <a:endParaRPr lang="en-US" sz="1200" dirty="0">
-              <a:latin typeface="Roboto" panose="020B0604020202020204" charset="0"/>
-              <a:ea typeface="Roboto" panose="020B0604020202020204" charset="0"/>
-            </a:endParaRPr>
-          </a:p>
-        </p:txBody>
-      </p:sp>
-    </p:spTree>
-    <p:extLst>
-      <p:ext uri="{BB962C8B-B14F-4D97-AF65-F5344CB8AC3E}">
-        <p14:creationId xmlns:p14="http://schemas.microsoft.com/office/powerpoint/2010/main" val="3897328644"/>
-      </p:ext>
-    </p:extLst>
   </p:cSld>
   <p:clrMapOvr>
     <a:masterClrMapping/>

--- a/Api/Templates/Awards Ceremony - Short.pptx
+++ b/Api/Templates/Awards Ceremony - Short.pptx
@@ -613,22 +613,6 @@
           <pc:docMk/>
           <pc:sldMk cId="3897328644" sldId="298"/>
         </pc:sldMkLst>
-        <pc:spChg chg="mod ord">
-          <ac:chgData name="Brady Merkel" userId="077b44faa59125c6" providerId="LiveId" clId="{D075DFC6-1618-4A9F-A1E7-C8D8E2EC5169}" dt="2024-11-22T16:29:51.822" v="36" actId="27636"/>
-          <ac:spMkLst>
-            <pc:docMk/>
-            <pc:sldMk cId="3897328644" sldId="298"/>
-            <ac:spMk id="3" creationId="{C03E5D99-93D5-50C0-6E73-973C60A71B26}"/>
-          </ac:spMkLst>
-        </pc:spChg>
-        <pc:picChg chg="add mod modCrop">
-          <ac:chgData name="Brady Merkel" userId="077b44faa59125c6" providerId="LiveId" clId="{D075DFC6-1618-4A9F-A1E7-C8D8E2EC5169}" dt="2024-11-22T16:30:26.006" v="39" actId="14100"/>
-          <ac:picMkLst>
-            <pc:docMk/>
-            <pc:sldMk cId="3897328644" sldId="298"/>
-            <ac:picMk id="5" creationId="{7CE04B72-2BA1-4604-359B-8D5898B010AC}"/>
-          </ac:picMkLst>
-        </pc:picChg>
       </pc:sldChg>
       <pc:sldChg chg="add">
         <pc:chgData name="Brady Merkel" userId="077b44faa59125c6" providerId="LiveId" clId="{D075DFC6-1618-4A9F-A1E7-C8D8E2EC5169}" dt="2024-11-22T18:56:09.357" v="41"/>
@@ -4221,8 +4205,13 @@
     <p:bg>
       <p:bgPr>
         <a:blipFill>
-          <a:blip r:embed="rId2">
+          <a:blip r:embed="rId2" cstate="print">
             <a:alphaModFix/>
+            <a:extLst>
+              <a:ext uri="{28A0092B-C50C-407E-A947-70E740481C1C}">
+                <a14:useLocalDpi xmlns:a14="http://schemas.microsoft.com/office/drawing/2010/main"/>
+              </a:ext>
+            </a:extLst>
           </a:blip>
           <a:stretch>
             <a:fillRect/>
@@ -4894,8 +4883,13 @@
     <p:bg>
       <p:bgPr>
         <a:blipFill>
-          <a:blip r:embed="rId2">
+          <a:blip r:embed="rId2" cstate="print">
             <a:alphaModFix/>
+            <a:extLst>
+              <a:ext uri="{28A0092B-C50C-407E-A947-70E740481C1C}">
+                <a14:useLocalDpi xmlns:a14="http://schemas.microsoft.com/office/drawing/2010/main"/>
+              </a:ext>
+            </a:extLst>
           </a:blip>
           <a:stretch>
             <a:fillRect/>
@@ -5520,8 +5514,13 @@
     <p:bg>
       <p:bgPr>
         <a:blipFill>
-          <a:blip r:embed="rId2">
+          <a:blip r:embed="rId2" cstate="print">
             <a:alphaModFix/>
+            <a:extLst>
+              <a:ext uri="{28A0092B-C50C-407E-A947-70E740481C1C}">
+                <a14:useLocalDpi xmlns:a14="http://schemas.microsoft.com/office/drawing/2010/main"/>
+              </a:ext>
+            </a:extLst>
           </a:blip>
           <a:stretch>
             <a:fillRect/>
@@ -6176,8 +6175,13 @@
     <p:bg>
       <p:bgPr>
         <a:blipFill>
-          <a:blip r:embed="rId2">
+          <a:blip r:embed="rId2" cstate="print">
             <a:alphaModFix/>
+            <a:extLst>
+              <a:ext uri="{28A0092B-C50C-407E-A947-70E740481C1C}">
+                <a14:useLocalDpi xmlns:a14="http://schemas.microsoft.com/office/drawing/2010/main"/>
+              </a:ext>
+            </a:extLst>
           </a:blip>
           <a:stretch>
             <a:fillRect/>
@@ -6790,10 +6794,15 @@
           <p:nvPr userDrawn="1"/>
         </p:nvPicPr>
         <p:blipFill>
-          <a:blip r:embed="rId3">
+          <a:blip r:embed="rId3" cstate="print">
             <a:alphaModFix/>
+            <a:extLst>
+              <a:ext uri="{28A0092B-C50C-407E-A947-70E740481C1C}">
+                <a14:useLocalDpi xmlns:a14="http://schemas.microsoft.com/office/drawing/2010/main"/>
+              </a:ext>
+            </a:extLst>
           </a:blip>
-          <a:srcRect t="20173" b="27037"/>
+          <a:srcRect/>
           <a:stretch/>
         </p:blipFill>
         <p:spPr>
@@ -6829,8 +6838,13 @@
     <p:bg>
       <p:bgPr>
         <a:blipFill>
-          <a:blip r:embed="rId7">
+          <a:blip r:embed="rId7" cstate="print">
             <a:alphaModFix/>
+            <a:extLst>
+              <a:ext uri="{28A0092B-C50C-407E-A947-70E740481C1C}">
+                <a14:useLocalDpi xmlns:a14="http://schemas.microsoft.com/office/drawing/2010/main"/>
+              </a:ext>
+            </a:extLst>
           </a:blip>
           <a:stretch>
             <a:fillRect/>
@@ -8458,7 +8472,13 @@
           <p:nvPr/>
         </p:nvPicPr>
         <p:blipFill>
-          <a:blip r:embed="rId2"/>
+          <a:blip r:embed="rId2" cstate="print">
+            <a:extLst>
+              <a:ext uri="{28A0092B-C50C-407E-A947-70E740481C1C}">
+                <a14:useLocalDpi xmlns:a14="http://schemas.microsoft.com/office/drawing/2010/main"/>
+              </a:ext>
+            </a:extLst>
+          </a:blip>
           <a:srcRect t="7739" b="16247"/>
           <a:stretch/>
         </p:blipFill>
@@ -9890,8 +9910,13 @@
           <p:nvPr/>
         </p:nvPicPr>
         <p:blipFill>
-          <a:blip r:embed="rId3">
+          <a:blip r:embed="rId3" cstate="print">
             <a:alphaModFix/>
+            <a:extLst>
+              <a:ext uri="{28A0092B-C50C-407E-A947-70E740481C1C}">
+                <a14:useLocalDpi xmlns:a14="http://schemas.microsoft.com/office/drawing/2010/main"/>
+              </a:ext>
+            </a:extLst>
           </a:blip>
           <a:stretch>
             <a:fillRect/>
@@ -10753,8 +10778,13 @@
           <p:nvPr/>
         </p:nvPicPr>
         <p:blipFill>
-          <a:blip r:embed="rId3">
+          <a:blip r:embed="rId3" cstate="print">
             <a:alphaModFix/>
+            <a:extLst>
+              <a:ext uri="{28A0092B-C50C-407E-A947-70E740481C1C}">
+                <a14:useLocalDpi xmlns:a14="http://schemas.microsoft.com/office/drawing/2010/main"/>
+              </a:ext>
+            </a:extLst>
           </a:blip>
           <a:stretch>
             <a:fillRect/>

--- a/Api/Templates/Awards Ceremony - Short.pptx
+++ b/Api/Templates/Awards Ceremony - Short.pptx
@@ -2,7 +2,7 @@
 <file path=ppt/presentation.xml><?xml version="1.0" encoding="utf-8"?>
 <p:presentation xmlns:a="http://schemas.openxmlformats.org/drawingml/2006/main" xmlns:r="http://schemas.openxmlformats.org/officeDocument/2006/relationships" xmlns:p="http://schemas.openxmlformats.org/presentationml/2006/main" strictFirstAndLastChars="0" embedTrueTypeFonts="1" saveSubsetFonts="1" autoCompressPictures="0">
   <p:sldMasterIdLst>
-    <p:sldMasterId id="2147483665" r:id="rId1"/>
+    <p:sldMasterId id="2147483670" r:id="rId1"/>
   </p:sldMasterIdLst>
   <p:notesMasterIdLst>
     <p:notesMasterId r:id="rId30"/>
@@ -56,231 +56,97 @@
     </p:embeddedFont>
   </p:embeddedFontLst>
   <p:defaultTextStyle>
-    <a:defPPr marR="0" lvl="0" algn="l" rtl="0">
-      <a:lnSpc>
-        <a:spcPct val="100000"/>
-      </a:lnSpc>
-      <a:spcBef>
-        <a:spcPts val="0"/>
-      </a:spcBef>
-      <a:spcAft>
-        <a:spcPts val="0"/>
-      </a:spcAft>
+    <a:defPPr>
+      <a:defRPr lang="en-US"/>
     </a:defPPr>
-    <a:lvl1pPr marR="0" lvl="0" algn="l" rtl="0">
-      <a:lnSpc>
-        <a:spcPct val="100000"/>
-      </a:lnSpc>
-      <a:spcBef>
-        <a:spcPts val="0"/>
-      </a:spcBef>
-      <a:spcAft>
-        <a:spcPts val="0"/>
-      </a:spcAft>
-      <a:buClr>
-        <a:srgbClr val="000000"/>
-      </a:buClr>
-      <a:buFont typeface="Arial"/>
-      <a:defRPr sz="1400" b="0" i="0" u="none" strike="noStrike" cap="none">
+    <a:lvl1pPr marL="0" algn="l" defTabSz="914400" rtl="0" eaLnBrk="1" latinLnBrk="0" hangingPunct="1">
+      <a:defRPr sz="1800" kern="1200">
         <a:solidFill>
-          <a:srgbClr val="000000"/>
+          <a:schemeClr val="tx1"/>
         </a:solidFill>
-        <a:latin typeface="Arial"/>
-        <a:ea typeface="Arial"/>
-        <a:cs typeface="Arial"/>
-        <a:sym typeface="Arial"/>
+        <a:latin typeface="+mn-lt"/>
+        <a:ea typeface="+mn-ea"/>
+        <a:cs typeface="+mn-cs"/>
       </a:defRPr>
     </a:lvl1pPr>
-    <a:lvl2pPr marR="0" lvl="1" algn="l" rtl="0">
-      <a:lnSpc>
-        <a:spcPct val="100000"/>
-      </a:lnSpc>
-      <a:spcBef>
-        <a:spcPts val="0"/>
-      </a:spcBef>
-      <a:spcAft>
-        <a:spcPts val="0"/>
-      </a:spcAft>
-      <a:buClr>
-        <a:srgbClr val="000000"/>
-      </a:buClr>
-      <a:buFont typeface="Arial"/>
-      <a:defRPr sz="1400" b="0" i="0" u="none" strike="noStrike" cap="none">
+    <a:lvl2pPr marL="457200" algn="l" defTabSz="914400" rtl="0" eaLnBrk="1" latinLnBrk="0" hangingPunct="1">
+      <a:defRPr sz="1800" kern="1200">
         <a:solidFill>
-          <a:srgbClr val="000000"/>
+          <a:schemeClr val="tx1"/>
         </a:solidFill>
-        <a:latin typeface="Arial"/>
-        <a:ea typeface="Arial"/>
-        <a:cs typeface="Arial"/>
-        <a:sym typeface="Arial"/>
+        <a:latin typeface="+mn-lt"/>
+        <a:ea typeface="+mn-ea"/>
+        <a:cs typeface="+mn-cs"/>
       </a:defRPr>
     </a:lvl2pPr>
-    <a:lvl3pPr marR="0" lvl="2" algn="l" rtl="0">
-      <a:lnSpc>
-        <a:spcPct val="100000"/>
-      </a:lnSpc>
-      <a:spcBef>
-        <a:spcPts val="0"/>
-      </a:spcBef>
-      <a:spcAft>
-        <a:spcPts val="0"/>
-      </a:spcAft>
-      <a:buClr>
-        <a:srgbClr val="000000"/>
-      </a:buClr>
-      <a:buFont typeface="Arial"/>
-      <a:defRPr sz="1400" b="0" i="0" u="none" strike="noStrike" cap="none">
+    <a:lvl3pPr marL="914400" algn="l" defTabSz="914400" rtl="0" eaLnBrk="1" latinLnBrk="0" hangingPunct="1">
+      <a:defRPr sz="1800" kern="1200">
         <a:solidFill>
-          <a:srgbClr val="000000"/>
+          <a:schemeClr val="tx1"/>
         </a:solidFill>
-        <a:latin typeface="Arial"/>
-        <a:ea typeface="Arial"/>
-        <a:cs typeface="Arial"/>
-        <a:sym typeface="Arial"/>
+        <a:latin typeface="+mn-lt"/>
+        <a:ea typeface="+mn-ea"/>
+        <a:cs typeface="+mn-cs"/>
       </a:defRPr>
     </a:lvl3pPr>
-    <a:lvl4pPr marR="0" lvl="3" algn="l" rtl="0">
-      <a:lnSpc>
-        <a:spcPct val="100000"/>
-      </a:lnSpc>
-      <a:spcBef>
-        <a:spcPts val="0"/>
-      </a:spcBef>
-      <a:spcAft>
-        <a:spcPts val="0"/>
-      </a:spcAft>
-      <a:buClr>
-        <a:srgbClr val="000000"/>
-      </a:buClr>
-      <a:buFont typeface="Arial"/>
-      <a:defRPr sz="1400" b="0" i="0" u="none" strike="noStrike" cap="none">
+    <a:lvl4pPr marL="1371600" algn="l" defTabSz="914400" rtl="0" eaLnBrk="1" latinLnBrk="0" hangingPunct="1">
+      <a:defRPr sz="1800" kern="1200">
         <a:solidFill>
-          <a:srgbClr val="000000"/>
+          <a:schemeClr val="tx1"/>
         </a:solidFill>
-        <a:latin typeface="Arial"/>
-        <a:ea typeface="Arial"/>
-        <a:cs typeface="Arial"/>
-        <a:sym typeface="Arial"/>
+        <a:latin typeface="+mn-lt"/>
+        <a:ea typeface="+mn-ea"/>
+        <a:cs typeface="+mn-cs"/>
       </a:defRPr>
     </a:lvl4pPr>
-    <a:lvl5pPr marR="0" lvl="4" algn="l" rtl="0">
-      <a:lnSpc>
-        <a:spcPct val="100000"/>
-      </a:lnSpc>
-      <a:spcBef>
-        <a:spcPts val="0"/>
-      </a:spcBef>
-      <a:spcAft>
-        <a:spcPts val="0"/>
-      </a:spcAft>
-      <a:buClr>
-        <a:srgbClr val="000000"/>
-      </a:buClr>
-      <a:buFont typeface="Arial"/>
-      <a:defRPr sz="1400" b="0" i="0" u="none" strike="noStrike" cap="none">
+    <a:lvl5pPr marL="1828800" algn="l" defTabSz="914400" rtl="0" eaLnBrk="1" latinLnBrk="0" hangingPunct="1">
+      <a:defRPr sz="1800" kern="1200">
         <a:solidFill>
-          <a:srgbClr val="000000"/>
+          <a:schemeClr val="tx1"/>
         </a:solidFill>
-        <a:latin typeface="Arial"/>
-        <a:ea typeface="Arial"/>
-        <a:cs typeface="Arial"/>
-        <a:sym typeface="Arial"/>
+        <a:latin typeface="+mn-lt"/>
+        <a:ea typeface="+mn-ea"/>
+        <a:cs typeface="+mn-cs"/>
       </a:defRPr>
     </a:lvl5pPr>
-    <a:lvl6pPr marR="0" lvl="5" algn="l" rtl="0">
-      <a:lnSpc>
-        <a:spcPct val="100000"/>
-      </a:lnSpc>
-      <a:spcBef>
-        <a:spcPts val="0"/>
-      </a:spcBef>
-      <a:spcAft>
-        <a:spcPts val="0"/>
-      </a:spcAft>
-      <a:buClr>
-        <a:srgbClr val="000000"/>
-      </a:buClr>
-      <a:buFont typeface="Arial"/>
-      <a:defRPr sz="1400" b="0" i="0" u="none" strike="noStrike" cap="none">
+    <a:lvl6pPr marL="2286000" algn="l" defTabSz="914400" rtl="0" eaLnBrk="1" latinLnBrk="0" hangingPunct="1">
+      <a:defRPr sz="1800" kern="1200">
         <a:solidFill>
-          <a:srgbClr val="000000"/>
+          <a:schemeClr val="tx1"/>
         </a:solidFill>
-        <a:latin typeface="Arial"/>
-        <a:ea typeface="Arial"/>
-        <a:cs typeface="Arial"/>
-        <a:sym typeface="Arial"/>
+        <a:latin typeface="+mn-lt"/>
+        <a:ea typeface="+mn-ea"/>
+        <a:cs typeface="+mn-cs"/>
       </a:defRPr>
     </a:lvl6pPr>
-    <a:lvl7pPr marR="0" lvl="6" algn="l" rtl="0">
-      <a:lnSpc>
-        <a:spcPct val="100000"/>
-      </a:lnSpc>
-      <a:spcBef>
-        <a:spcPts val="0"/>
-      </a:spcBef>
-      <a:spcAft>
-        <a:spcPts val="0"/>
-      </a:spcAft>
-      <a:buClr>
-        <a:srgbClr val="000000"/>
-      </a:buClr>
-      <a:buFont typeface="Arial"/>
-      <a:defRPr sz="1400" b="0" i="0" u="none" strike="noStrike" cap="none">
+    <a:lvl7pPr marL="2743200" algn="l" defTabSz="914400" rtl="0" eaLnBrk="1" latinLnBrk="0" hangingPunct="1">
+      <a:defRPr sz="1800" kern="1200">
         <a:solidFill>
-          <a:srgbClr val="000000"/>
+          <a:schemeClr val="tx1"/>
         </a:solidFill>
-        <a:latin typeface="Arial"/>
-        <a:ea typeface="Arial"/>
-        <a:cs typeface="Arial"/>
-        <a:sym typeface="Arial"/>
+        <a:latin typeface="+mn-lt"/>
+        <a:ea typeface="+mn-ea"/>
+        <a:cs typeface="+mn-cs"/>
       </a:defRPr>
     </a:lvl7pPr>
-    <a:lvl8pPr marR="0" lvl="7" algn="l" rtl="0">
-      <a:lnSpc>
-        <a:spcPct val="100000"/>
-      </a:lnSpc>
-      <a:spcBef>
-        <a:spcPts val="0"/>
-      </a:spcBef>
-      <a:spcAft>
-        <a:spcPts val="0"/>
-      </a:spcAft>
-      <a:buClr>
-        <a:srgbClr val="000000"/>
-      </a:buClr>
-      <a:buFont typeface="Arial"/>
-      <a:defRPr sz="1400" b="0" i="0" u="none" strike="noStrike" cap="none">
+    <a:lvl8pPr marL="3200400" algn="l" defTabSz="914400" rtl="0" eaLnBrk="1" latinLnBrk="0" hangingPunct="1">
+      <a:defRPr sz="1800" kern="1200">
         <a:solidFill>
-          <a:srgbClr val="000000"/>
+          <a:schemeClr val="tx1"/>
         </a:solidFill>
-        <a:latin typeface="Arial"/>
-        <a:ea typeface="Arial"/>
-        <a:cs typeface="Arial"/>
-        <a:sym typeface="Arial"/>
+        <a:latin typeface="+mn-lt"/>
+        <a:ea typeface="+mn-ea"/>
+        <a:cs typeface="+mn-cs"/>
       </a:defRPr>
     </a:lvl8pPr>
-    <a:lvl9pPr marR="0" lvl="8" algn="l" rtl="0">
-      <a:lnSpc>
-        <a:spcPct val="100000"/>
-      </a:lnSpc>
-      <a:spcBef>
-        <a:spcPts val="0"/>
-      </a:spcBef>
-      <a:spcAft>
-        <a:spcPts val="0"/>
-      </a:spcAft>
-      <a:buClr>
-        <a:srgbClr val="000000"/>
-      </a:buClr>
-      <a:buFont typeface="Arial"/>
-      <a:defRPr sz="1400" b="0" i="0" u="none" strike="noStrike" cap="none">
+    <a:lvl9pPr marL="3657600" algn="l" defTabSz="914400" rtl="0" eaLnBrk="1" latinLnBrk="0" hangingPunct="1">
+      <a:defRPr sz="1800" kern="1200">
         <a:solidFill>
-          <a:srgbClr val="000000"/>
+          <a:schemeClr val="tx1"/>
         </a:solidFill>
-        <a:latin typeface="Arial"/>
-        <a:ea typeface="Arial"/>
-        <a:cs typeface="Arial"/>
-        <a:sym typeface="Arial"/>
+        <a:latin typeface="+mn-lt"/>
+        <a:ea typeface="+mn-ea"/>
+        <a:cs typeface="+mn-cs"/>
       </a:defRPr>
     </a:lvl9pPr>
   </p:defaultTextStyle>
@@ -307,8 +173,8 @@
 <pc:chgInfo xmlns:a="http://schemas.openxmlformats.org/drawingml/2006/main" xmlns:r="http://schemas.openxmlformats.org/officeDocument/2006/relationships" xmlns:ac="http://schemas.microsoft.com/office/drawing/2013/main/command" xmlns:pc="http://schemas.microsoft.com/office/powerpoint/2013/main/command">
   <pc:docChgLst>
     <pc:chgData name="Brady Merkel" userId="077b44faa59125c6" providerId="LiveId" clId="{63497E25-CDA1-4359-BFE0-FE2836652BE1}"/>
-    <pc:docChg chg="delSld modSld">
-      <pc:chgData name="Brady Merkel" userId="077b44faa59125c6" providerId="LiveId" clId="{63497E25-CDA1-4359-BFE0-FE2836652BE1}" dt="2025-03-23T23:18:10.594" v="2" actId="47"/>
+    <pc:docChg chg="custSel delSld modSld modMainMaster">
+      <pc:chgData name="Brady Merkel" userId="077b44faa59125c6" providerId="LiveId" clId="{63497E25-CDA1-4359-BFE0-FE2836652BE1}" dt="2025-03-23T23:25:05.978" v="10" actId="27636"/>
       <pc:docMkLst>
         <pc:docMk/>
       </pc:docMkLst>
@@ -318,6 +184,351 @@
           <pc:docMk/>
           <pc:sldMk cId="0" sldId="256"/>
         </pc:sldMkLst>
+      </pc:sldChg>
+      <pc:sldChg chg="addSp delSp modSp mod chgLayout">
+        <pc:chgData name="Brady Merkel" userId="077b44faa59125c6" providerId="LiveId" clId="{63497E25-CDA1-4359-BFE0-FE2836652BE1}" dt="2025-03-23T23:25:05.978" v="10" actId="27636"/>
+        <pc:sldMkLst>
+          <pc:docMk/>
+          <pc:sldMk cId="0" sldId="259"/>
+        </pc:sldMkLst>
+        <pc:spChg chg="add del mod">
+          <ac:chgData name="Brady Merkel" userId="077b44faa59125c6" providerId="LiveId" clId="{63497E25-CDA1-4359-BFE0-FE2836652BE1}" dt="2025-03-23T23:25:05.970" v="9" actId="6264"/>
+          <ac:spMkLst>
+            <pc:docMk/>
+            <pc:sldMk cId="0" sldId="259"/>
+            <ac:spMk id="2" creationId="{A5292C61-5CC3-1B8B-E55F-D9B386EBB6C0}"/>
+          </ac:spMkLst>
+        </pc:spChg>
+        <pc:spChg chg="add mod ord">
+          <ac:chgData name="Brady Merkel" userId="077b44faa59125c6" providerId="LiveId" clId="{63497E25-CDA1-4359-BFE0-FE2836652BE1}" dt="2025-03-23T23:25:05.978" v="10" actId="27636"/>
+          <ac:spMkLst>
+            <pc:docMk/>
+            <pc:sldMk cId="0" sldId="259"/>
+            <ac:spMk id="3" creationId="{05878970-13F9-B011-35BE-440948AA9787}"/>
+          </ac:spMkLst>
+        </pc:spChg>
+        <pc:spChg chg="mod ord">
+          <ac:chgData name="Brady Merkel" userId="077b44faa59125c6" providerId="LiveId" clId="{63497E25-CDA1-4359-BFE0-FE2836652BE1}" dt="2025-03-23T23:25:05.970" v="9" actId="6264"/>
+          <ac:spMkLst>
+            <pc:docMk/>
+            <pc:sldMk cId="0" sldId="259"/>
+            <ac:spMk id="89" creationId="{00000000-0000-0000-0000-000000000000}"/>
+          </ac:spMkLst>
+        </pc:spChg>
+      </pc:sldChg>
+      <pc:sldChg chg="modSp">
+        <pc:chgData name="Brady Merkel" userId="077b44faa59125c6" providerId="LiveId" clId="{63497E25-CDA1-4359-BFE0-FE2836652BE1}" dt="2025-03-23T23:22:59.279" v="3"/>
+        <pc:sldMkLst>
+          <pc:docMk/>
+          <pc:sldMk cId="0" sldId="266"/>
+        </pc:sldMkLst>
+        <pc:spChg chg="mod">
+          <ac:chgData name="Brady Merkel" userId="077b44faa59125c6" providerId="LiveId" clId="{63497E25-CDA1-4359-BFE0-FE2836652BE1}" dt="2025-03-23T23:22:59.279" v="3"/>
+          <ac:spMkLst>
+            <pc:docMk/>
+            <pc:sldMk cId="0" sldId="266"/>
+            <ac:spMk id="127" creationId="{00000000-0000-0000-0000-000000000000}"/>
+          </ac:spMkLst>
+        </pc:spChg>
+        <pc:spChg chg="mod">
+          <ac:chgData name="Brady Merkel" userId="077b44faa59125c6" providerId="LiveId" clId="{63497E25-CDA1-4359-BFE0-FE2836652BE1}" dt="2025-03-23T23:22:59.279" v="3"/>
+          <ac:spMkLst>
+            <pc:docMk/>
+            <pc:sldMk cId="0" sldId="266"/>
+            <ac:spMk id="128" creationId="{00000000-0000-0000-0000-000000000000}"/>
+          </ac:spMkLst>
+        </pc:spChg>
+      </pc:sldChg>
+      <pc:sldChg chg="modSp">
+        <pc:chgData name="Brady Merkel" userId="077b44faa59125c6" providerId="LiveId" clId="{63497E25-CDA1-4359-BFE0-FE2836652BE1}" dt="2025-03-23T23:22:59.279" v="3"/>
+        <pc:sldMkLst>
+          <pc:docMk/>
+          <pc:sldMk cId="0" sldId="267"/>
+        </pc:sldMkLst>
+        <pc:spChg chg="mod">
+          <ac:chgData name="Brady Merkel" userId="077b44faa59125c6" providerId="LiveId" clId="{63497E25-CDA1-4359-BFE0-FE2836652BE1}" dt="2025-03-23T23:22:59.279" v="3"/>
+          <ac:spMkLst>
+            <pc:docMk/>
+            <pc:sldMk cId="0" sldId="267"/>
+            <ac:spMk id="133" creationId="{00000000-0000-0000-0000-000000000000}"/>
+          </ac:spMkLst>
+        </pc:spChg>
+        <pc:spChg chg="mod">
+          <ac:chgData name="Brady Merkel" userId="077b44faa59125c6" providerId="LiveId" clId="{63497E25-CDA1-4359-BFE0-FE2836652BE1}" dt="2025-03-23T23:22:59.279" v="3"/>
+          <ac:spMkLst>
+            <pc:docMk/>
+            <pc:sldMk cId="0" sldId="267"/>
+            <ac:spMk id="134" creationId="{00000000-0000-0000-0000-000000000000}"/>
+          </ac:spMkLst>
+        </pc:spChg>
+      </pc:sldChg>
+      <pc:sldChg chg="modSp">
+        <pc:chgData name="Brady Merkel" userId="077b44faa59125c6" providerId="LiveId" clId="{63497E25-CDA1-4359-BFE0-FE2836652BE1}" dt="2025-03-23T23:22:59.279" v="3"/>
+        <pc:sldMkLst>
+          <pc:docMk/>
+          <pc:sldMk cId="0" sldId="269"/>
+        </pc:sldMkLst>
+        <pc:spChg chg="mod">
+          <ac:chgData name="Brady Merkel" userId="077b44faa59125c6" providerId="LiveId" clId="{63497E25-CDA1-4359-BFE0-FE2836652BE1}" dt="2025-03-23T23:22:59.279" v="3"/>
+          <ac:spMkLst>
+            <pc:docMk/>
+            <pc:sldMk cId="0" sldId="269"/>
+            <ac:spMk id="144" creationId="{00000000-0000-0000-0000-000000000000}"/>
+          </ac:spMkLst>
+        </pc:spChg>
+        <pc:spChg chg="mod">
+          <ac:chgData name="Brady Merkel" userId="077b44faa59125c6" providerId="LiveId" clId="{63497E25-CDA1-4359-BFE0-FE2836652BE1}" dt="2025-03-23T23:22:59.279" v="3"/>
+          <ac:spMkLst>
+            <pc:docMk/>
+            <pc:sldMk cId="0" sldId="269"/>
+            <ac:spMk id="145" creationId="{00000000-0000-0000-0000-000000000000}"/>
+          </ac:spMkLst>
+        </pc:spChg>
+      </pc:sldChg>
+      <pc:sldChg chg="modSp">
+        <pc:chgData name="Brady Merkel" userId="077b44faa59125c6" providerId="LiveId" clId="{63497E25-CDA1-4359-BFE0-FE2836652BE1}" dt="2025-03-23T23:22:59.279" v="3"/>
+        <pc:sldMkLst>
+          <pc:docMk/>
+          <pc:sldMk cId="0" sldId="270"/>
+        </pc:sldMkLst>
+        <pc:spChg chg="mod">
+          <ac:chgData name="Brady Merkel" userId="077b44faa59125c6" providerId="LiveId" clId="{63497E25-CDA1-4359-BFE0-FE2836652BE1}" dt="2025-03-23T23:22:59.279" v="3"/>
+          <ac:spMkLst>
+            <pc:docMk/>
+            <pc:sldMk cId="0" sldId="270"/>
+            <ac:spMk id="150" creationId="{00000000-0000-0000-0000-000000000000}"/>
+          </ac:spMkLst>
+        </pc:spChg>
+        <pc:spChg chg="mod">
+          <ac:chgData name="Brady Merkel" userId="077b44faa59125c6" providerId="LiveId" clId="{63497E25-CDA1-4359-BFE0-FE2836652BE1}" dt="2025-03-23T23:22:59.279" v="3"/>
+          <ac:spMkLst>
+            <pc:docMk/>
+            <pc:sldMk cId="0" sldId="270"/>
+            <ac:spMk id="151" creationId="{00000000-0000-0000-0000-000000000000}"/>
+          </ac:spMkLst>
+        </pc:spChg>
+      </pc:sldChg>
+      <pc:sldChg chg="modSp">
+        <pc:chgData name="Brady Merkel" userId="077b44faa59125c6" providerId="LiveId" clId="{63497E25-CDA1-4359-BFE0-FE2836652BE1}" dt="2025-03-23T23:22:59.279" v="3"/>
+        <pc:sldMkLst>
+          <pc:docMk/>
+          <pc:sldMk cId="0" sldId="272"/>
+        </pc:sldMkLst>
+        <pc:spChg chg="mod">
+          <ac:chgData name="Brady Merkel" userId="077b44faa59125c6" providerId="LiveId" clId="{63497E25-CDA1-4359-BFE0-FE2836652BE1}" dt="2025-03-23T23:22:59.279" v="3"/>
+          <ac:spMkLst>
+            <pc:docMk/>
+            <pc:sldMk cId="0" sldId="272"/>
+            <ac:spMk id="161" creationId="{00000000-0000-0000-0000-000000000000}"/>
+          </ac:spMkLst>
+        </pc:spChg>
+        <pc:spChg chg="mod">
+          <ac:chgData name="Brady Merkel" userId="077b44faa59125c6" providerId="LiveId" clId="{63497E25-CDA1-4359-BFE0-FE2836652BE1}" dt="2025-03-23T23:22:59.279" v="3"/>
+          <ac:spMkLst>
+            <pc:docMk/>
+            <pc:sldMk cId="0" sldId="272"/>
+            <ac:spMk id="162" creationId="{00000000-0000-0000-0000-000000000000}"/>
+          </ac:spMkLst>
+        </pc:spChg>
+      </pc:sldChg>
+      <pc:sldChg chg="modSp">
+        <pc:chgData name="Brady Merkel" userId="077b44faa59125c6" providerId="LiveId" clId="{63497E25-CDA1-4359-BFE0-FE2836652BE1}" dt="2025-03-23T23:22:59.279" v="3"/>
+        <pc:sldMkLst>
+          <pc:docMk/>
+          <pc:sldMk cId="0" sldId="273"/>
+        </pc:sldMkLst>
+        <pc:spChg chg="mod">
+          <ac:chgData name="Brady Merkel" userId="077b44faa59125c6" providerId="LiveId" clId="{63497E25-CDA1-4359-BFE0-FE2836652BE1}" dt="2025-03-23T23:22:59.279" v="3"/>
+          <ac:spMkLst>
+            <pc:docMk/>
+            <pc:sldMk cId="0" sldId="273"/>
+            <ac:spMk id="167" creationId="{00000000-0000-0000-0000-000000000000}"/>
+          </ac:spMkLst>
+        </pc:spChg>
+        <pc:spChg chg="mod">
+          <ac:chgData name="Brady Merkel" userId="077b44faa59125c6" providerId="LiveId" clId="{63497E25-CDA1-4359-BFE0-FE2836652BE1}" dt="2025-03-23T23:22:59.279" v="3"/>
+          <ac:spMkLst>
+            <pc:docMk/>
+            <pc:sldMk cId="0" sldId="273"/>
+            <ac:spMk id="168" creationId="{00000000-0000-0000-0000-000000000000}"/>
+          </ac:spMkLst>
+        </pc:spChg>
+      </pc:sldChg>
+      <pc:sldChg chg="modSp">
+        <pc:chgData name="Brady Merkel" userId="077b44faa59125c6" providerId="LiveId" clId="{63497E25-CDA1-4359-BFE0-FE2836652BE1}" dt="2025-03-23T23:22:59.279" v="3"/>
+        <pc:sldMkLst>
+          <pc:docMk/>
+          <pc:sldMk cId="0" sldId="275"/>
+        </pc:sldMkLst>
+        <pc:spChg chg="mod">
+          <ac:chgData name="Brady Merkel" userId="077b44faa59125c6" providerId="LiveId" clId="{63497E25-CDA1-4359-BFE0-FE2836652BE1}" dt="2025-03-23T23:22:59.279" v="3"/>
+          <ac:spMkLst>
+            <pc:docMk/>
+            <pc:sldMk cId="0" sldId="275"/>
+            <ac:spMk id="178" creationId="{00000000-0000-0000-0000-000000000000}"/>
+          </ac:spMkLst>
+        </pc:spChg>
+        <pc:spChg chg="mod">
+          <ac:chgData name="Brady Merkel" userId="077b44faa59125c6" providerId="LiveId" clId="{63497E25-CDA1-4359-BFE0-FE2836652BE1}" dt="2025-03-23T23:22:59.279" v="3"/>
+          <ac:spMkLst>
+            <pc:docMk/>
+            <pc:sldMk cId="0" sldId="275"/>
+            <ac:spMk id="179" creationId="{00000000-0000-0000-0000-000000000000}"/>
+          </ac:spMkLst>
+        </pc:spChg>
+      </pc:sldChg>
+      <pc:sldChg chg="modSp">
+        <pc:chgData name="Brady Merkel" userId="077b44faa59125c6" providerId="LiveId" clId="{63497E25-CDA1-4359-BFE0-FE2836652BE1}" dt="2025-03-23T23:22:59.279" v="3"/>
+        <pc:sldMkLst>
+          <pc:docMk/>
+          <pc:sldMk cId="0" sldId="276"/>
+        </pc:sldMkLst>
+        <pc:spChg chg="mod">
+          <ac:chgData name="Brady Merkel" userId="077b44faa59125c6" providerId="LiveId" clId="{63497E25-CDA1-4359-BFE0-FE2836652BE1}" dt="2025-03-23T23:22:59.279" v="3"/>
+          <ac:spMkLst>
+            <pc:docMk/>
+            <pc:sldMk cId="0" sldId="276"/>
+            <ac:spMk id="184" creationId="{00000000-0000-0000-0000-000000000000}"/>
+          </ac:spMkLst>
+        </pc:spChg>
+        <pc:spChg chg="mod">
+          <ac:chgData name="Brady Merkel" userId="077b44faa59125c6" providerId="LiveId" clId="{63497E25-CDA1-4359-BFE0-FE2836652BE1}" dt="2025-03-23T23:22:59.279" v="3"/>
+          <ac:spMkLst>
+            <pc:docMk/>
+            <pc:sldMk cId="0" sldId="276"/>
+            <ac:spMk id="185" creationId="{00000000-0000-0000-0000-000000000000}"/>
+          </ac:spMkLst>
+        </pc:spChg>
+      </pc:sldChg>
+      <pc:sldChg chg="modSp">
+        <pc:chgData name="Brady Merkel" userId="077b44faa59125c6" providerId="LiveId" clId="{63497E25-CDA1-4359-BFE0-FE2836652BE1}" dt="2025-03-23T23:22:59.279" v="3"/>
+        <pc:sldMkLst>
+          <pc:docMk/>
+          <pc:sldMk cId="0" sldId="278"/>
+        </pc:sldMkLst>
+        <pc:spChg chg="mod">
+          <ac:chgData name="Brady Merkel" userId="077b44faa59125c6" providerId="LiveId" clId="{63497E25-CDA1-4359-BFE0-FE2836652BE1}" dt="2025-03-23T23:22:59.279" v="3"/>
+          <ac:spMkLst>
+            <pc:docMk/>
+            <pc:sldMk cId="0" sldId="278"/>
+            <ac:spMk id="195" creationId="{00000000-0000-0000-0000-000000000000}"/>
+          </ac:spMkLst>
+        </pc:spChg>
+        <pc:spChg chg="mod">
+          <ac:chgData name="Brady Merkel" userId="077b44faa59125c6" providerId="LiveId" clId="{63497E25-CDA1-4359-BFE0-FE2836652BE1}" dt="2025-03-23T23:22:59.279" v="3"/>
+          <ac:spMkLst>
+            <pc:docMk/>
+            <pc:sldMk cId="0" sldId="278"/>
+            <ac:spMk id="196" creationId="{00000000-0000-0000-0000-000000000000}"/>
+          </ac:spMkLst>
+        </pc:spChg>
+      </pc:sldChg>
+      <pc:sldChg chg="modSp">
+        <pc:chgData name="Brady Merkel" userId="077b44faa59125c6" providerId="LiveId" clId="{63497E25-CDA1-4359-BFE0-FE2836652BE1}" dt="2025-03-23T23:22:59.279" v="3"/>
+        <pc:sldMkLst>
+          <pc:docMk/>
+          <pc:sldMk cId="0" sldId="279"/>
+        </pc:sldMkLst>
+        <pc:spChg chg="mod">
+          <ac:chgData name="Brady Merkel" userId="077b44faa59125c6" providerId="LiveId" clId="{63497E25-CDA1-4359-BFE0-FE2836652BE1}" dt="2025-03-23T23:22:59.279" v="3"/>
+          <ac:spMkLst>
+            <pc:docMk/>
+            <pc:sldMk cId="0" sldId="279"/>
+            <ac:spMk id="201" creationId="{00000000-0000-0000-0000-000000000000}"/>
+          </ac:spMkLst>
+        </pc:spChg>
+        <pc:spChg chg="mod">
+          <ac:chgData name="Brady Merkel" userId="077b44faa59125c6" providerId="LiveId" clId="{63497E25-CDA1-4359-BFE0-FE2836652BE1}" dt="2025-03-23T23:22:59.279" v="3"/>
+          <ac:spMkLst>
+            <pc:docMk/>
+            <pc:sldMk cId="0" sldId="279"/>
+            <ac:spMk id="202" creationId="{00000000-0000-0000-0000-000000000000}"/>
+          </ac:spMkLst>
+        </pc:spChg>
+      </pc:sldChg>
+      <pc:sldChg chg="modSp">
+        <pc:chgData name="Brady Merkel" userId="077b44faa59125c6" providerId="LiveId" clId="{63497E25-CDA1-4359-BFE0-FE2836652BE1}" dt="2025-03-23T23:22:59.279" v="3"/>
+        <pc:sldMkLst>
+          <pc:docMk/>
+          <pc:sldMk cId="0" sldId="293"/>
+        </pc:sldMkLst>
+        <pc:spChg chg="mod">
+          <ac:chgData name="Brady Merkel" userId="077b44faa59125c6" providerId="LiveId" clId="{63497E25-CDA1-4359-BFE0-FE2836652BE1}" dt="2025-03-23T23:22:59.279" v="3"/>
+          <ac:spMkLst>
+            <pc:docMk/>
+            <pc:sldMk cId="0" sldId="293"/>
+            <ac:spMk id="280" creationId="{00000000-0000-0000-0000-000000000000}"/>
+          </ac:spMkLst>
+        </pc:spChg>
+        <pc:spChg chg="mod">
+          <ac:chgData name="Brady Merkel" userId="077b44faa59125c6" providerId="LiveId" clId="{63497E25-CDA1-4359-BFE0-FE2836652BE1}" dt="2025-03-23T23:22:59.279" v="3"/>
+          <ac:spMkLst>
+            <pc:docMk/>
+            <pc:sldMk cId="0" sldId="293"/>
+            <ac:spMk id="281" creationId="{00000000-0000-0000-0000-000000000000}"/>
+          </ac:spMkLst>
+        </pc:spChg>
+      </pc:sldChg>
+      <pc:sldChg chg="modSp">
+        <pc:chgData name="Brady Merkel" userId="077b44faa59125c6" providerId="LiveId" clId="{63497E25-CDA1-4359-BFE0-FE2836652BE1}" dt="2025-03-23T23:22:59.279" v="3"/>
+        <pc:sldMkLst>
+          <pc:docMk/>
+          <pc:sldMk cId="0" sldId="294"/>
+        </pc:sldMkLst>
+        <pc:spChg chg="mod">
+          <ac:chgData name="Brady Merkel" userId="077b44faa59125c6" providerId="LiveId" clId="{63497E25-CDA1-4359-BFE0-FE2836652BE1}" dt="2025-03-23T23:22:59.279" v="3"/>
+          <ac:spMkLst>
+            <pc:docMk/>
+            <pc:sldMk cId="0" sldId="294"/>
+            <ac:spMk id="286" creationId="{00000000-0000-0000-0000-000000000000}"/>
+          </ac:spMkLst>
+        </pc:spChg>
+        <pc:spChg chg="mod">
+          <ac:chgData name="Brady Merkel" userId="077b44faa59125c6" providerId="LiveId" clId="{63497E25-CDA1-4359-BFE0-FE2836652BE1}" dt="2025-03-23T23:22:59.279" v="3"/>
+          <ac:spMkLst>
+            <pc:docMk/>
+            <pc:sldMk cId="0" sldId="294"/>
+            <ac:spMk id="287" creationId="{00000000-0000-0000-0000-000000000000}"/>
+          </ac:spMkLst>
+        </pc:spChg>
+      </pc:sldChg>
+      <pc:sldChg chg="modSp">
+        <pc:chgData name="Brady Merkel" userId="077b44faa59125c6" providerId="LiveId" clId="{63497E25-CDA1-4359-BFE0-FE2836652BE1}" dt="2025-03-23T23:22:59.279" v="3"/>
+        <pc:sldMkLst>
+          <pc:docMk/>
+          <pc:sldMk cId="0" sldId="298"/>
+        </pc:sldMkLst>
+        <pc:spChg chg="mod">
+          <ac:chgData name="Brady Merkel" userId="077b44faa59125c6" providerId="LiveId" clId="{63497E25-CDA1-4359-BFE0-FE2836652BE1}" dt="2025-03-23T23:22:59.279" v="3"/>
+          <ac:spMkLst>
+            <pc:docMk/>
+            <pc:sldMk cId="0" sldId="298"/>
+            <ac:spMk id="99" creationId="{00000000-0000-0000-0000-000000000000}"/>
+          </ac:spMkLst>
+        </pc:spChg>
+        <pc:spChg chg="mod">
+          <ac:chgData name="Brady Merkel" userId="077b44faa59125c6" providerId="LiveId" clId="{63497E25-CDA1-4359-BFE0-FE2836652BE1}" dt="2025-03-23T23:22:59.279" v="3"/>
+          <ac:spMkLst>
+            <pc:docMk/>
+            <pc:sldMk cId="0" sldId="298"/>
+            <ac:spMk id="100" creationId="{00000000-0000-0000-0000-000000000000}"/>
+          </ac:spMkLst>
+        </pc:spChg>
+      </pc:sldChg>
+      <pc:sldChg chg="modSp">
+        <pc:chgData name="Brady Merkel" userId="077b44faa59125c6" providerId="LiveId" clId="{63497E25-CDA1-4359-BFE0-FE2836652BE1}" dt="2025-03-23T23:22:59.279" v="3"/>
+        <pc:sldMkLst>
+          <pc:docMk/>
+          <pc:sldMk cId="854740014" sldId="300"/>
+        </pc:sldMkLst>
+        <pc:spChg chg="mod">
+          <ac:chgData name="Brady Merkel" userId="077b44faa59125c6" providerId="LiveId" clId="{63497E25-CDA1-4359-BFE0-FE2836652BE1}" dt="2025-03-23T23:22:59.279" v="3"/>
+          <ac:spMkLst>
+            <pc:docMk/>
+            <pc:sldMk cId="854740014" sldId="300"/>
+            <ac:spMk id="2" creationId="{4122A3F8-EFB9-FC12-0E0B-DB541BE52A16}"/>
+          </ac:spMkLst>
+        </pc:spChg>
       </pc:sldChg>
       <pc:sldChg chg="modSp mod">
         <pc:chgData name="Brady Merkel" userId="077b44faa59125c6" providerId="LiveId" clId="{63497E25-CDA1-4359-BFE0-FE2836652BE1}" dt="2025-03-23T23:17:38.220" v="1" actId="20577"/>
@@ -334,6 +545,67 @@
           </ac:spMkLst>
         </pc:spChg>
       </pc:sldChg>
+      <pc:sldChg chg="modSp">
+        <pc:chgData name="Brady Merkel" userId="077b44faa59125c6" providerId="LiveId" clId="{63497E25-CDA1-4359-BFE0-FE2836652BE1}" dt="2025-03-23T23:22:59.279" v="3"/>
+        <pc:sldMkLst>
+          <pc:docMk/>
+          <pc:sldMk cId="0" sldId="303"/>
+        </pc:sldMkLst>
+        <pc:spChg chg="mod">
+          <ac:chgData name="Brady Merkel" userId="077b44faa59125c6" providerId="LiveId" clId="{63497E25-CDA1-4359-BFE0-FE2836652BE1}" dt="2025-03-23T23:22:59.279" v="3"/>
+          <ac:spMkLst>
+            <pc:docMk/>
+            <pc:sldMk cId="0" sldId="303"/>
+            <ac:spMk id="225" creationId="{00000000-0000-0000-0000-000000000000}"/>
+          </ac:spMkLst>
+        </pc:spChg>
+        <pc:spChg chg="mod">
+          <ac:chgData name="Brady Merkel" userId="077b44faa59125c6" providerId="LiveId" clId="{63497E25-CDA1-4359-BFE0-FE2836652BE1}" dt="2025-03-23T23:22:59.279" v="3"/>
+          <ac:spMkLst>
+            <pc:docMk/>
+            <pc:sldMk cId="0" sldId="303"/>
+            <ac:spMk id="226" creationId="{00000000-0000-0000-0000-000000000000}"/>
+          </ac:spMkLst>
+        </pc:spChg>
+      </pc:sldChg>
+      <pc:sldChg chg="modSp">
+        <pc:chgData name="Brady Merkel" userId="077b44faa59125c6" providerId="LiveId" clId="{63497E25-CDA1-4359-BFE0-FE2836652BE1}" dt="2025-03-23T23:22:59.279" v="3"/>
+        <pc:sldMkLst>
+          <pc:docMk/>
+          <pc:sldMk cId="0" sldId="304"/>
+        </pc:sldMkLst>
+        <pc:spChg chg="mod">
+          <ac:chgData name="Brady Merkel" userId="077b44faa59125c6" providerId="LiveId" clId="{63497E25-CDA1-4359-BFE0-FE2836652BE1}" dt="2025-03-23T23:22:59.279" v="3"/>
+          <ac:spMkLst>
+            <pc:docMk/>
+            <pc:sldMk cId="0" sldId="304"/>
+            <ac:spMk id="232" creationId="{00000000-0000-0000-0000-000000000000}"/>
+          </ac:spMkLst>
+        </pc:spChg>
+      </pc:sldChg>
+      <pc:sldChg chg="modSp">
+        <pc:chgData name="Brady Merkel" userId="077b44faa59125c6" providerId="LiveId" clId="{63497E25-CDA1-4359-BFE0-FE2836652BE1}" dt="2025-03-23T23:22:59.279" v="3"/>
+        <pc:sldMkLst>
+          <pc:docMk/>
+          <pc:sldMk cId="0" sldId="305"/>
+        </pc:sldMkLst>
+        <pc:spChg chg="mod">
+          <ac:chgData name="Brady Merkel" userId="077b44faa59125c6" providerId="LiveId" clId="{63497E25-CDA1-4359-BFE0-FE2836652BE1}" dt="2025-03-23T23:22:59.279" v="3"/>
+          <ac:spMkLst>
+            <pc:docMk/>
+            <pc:sldMk cId="0" sldId="305"/>
+            <ac:spMk id="248" creationId="{00000000-0000-0000-0000-000000000000}"/>
+          </ac:spMkLst>
+        </pc:spChg>
+        <pc:spChg chg="mod">
+          <ac:chgData name="Brady Merkel" userId="077b44faa59125c6" providerId="LiveId" clId="{63497E25-CDA1-4359-BFE0-FE2836652BE1}" dt="2025-03-23T23:22:59.279" v="3"/>
+          <ac:spMkLst>
+            <pc:docMk/>
+            <pc:sldMk cId="0" sldId="305"/>
+            <ac:spMk id="249" creationId="{00000000-0000-0000-0000-000000000000}"/>
+          </ac:spMkLst>
+        </pc:spChg>
+      </pc:sldChg>
       <pc:sldMasterChg chg="delSldLayout">
         <pc:chgData name="Brady Merkel" userId="077b44faa59125c6" providerId="LiveId" clId="{63497E25-CDA1-4359-BFE0-FE2836652BE1}" dt="2025-03-23T23:18:10.594" v="2" actId="47"/>
         <pc:sldMasterMkLst>
@@ -346,6 +618,64 @@
             <pc:docMk/>
             <pc:sldMasterMk cId="0" sldId="2147483665"/>
             <pc:sldLayoutMk cId="3636124283" sldId="2147483666"/>
+          </pc:sldLayoutMkLst>
+        </pc:sldLayoutChg>
+      </pc:sldMasterChg>
+      <pc:sldMasterChg chg="modSldLayout">
+        <pc:chgData name="Brady Merkel" userId="077b44faa59125c6" providerId="LiveId" clId="{63497E25-CDA1-4359-BFE0-FE2836652BE1}" dt="2025-03-23T23:24:45.851" v="8" actId="207"/>
+        <pc:sldMasterMkLst>
+          <pc:docMk/>
+          <pc:sldMasterMk cId="3257810563" sldId="2147483670"/>
+        </pc:sldMasterMkLst>
+        <pc:sldLayoutChg chg="setBg">
+          <pc:chgData name="Brady Merkel" userId="077b44faa59125c6" providerId="LiveId" clId="{63497E25-CDA1-4359-BFE0-FE2836652BE1}" dt="2025-03-23T23:24:13.800" v="5"/>
+          <pc:sldLayoutMkLst>
+            <pc:docMk/>
+            <pc:sldMasterMk cId="3257810563" sldId="2147483670"/>
+            <pc:sldLayoutMk cId="3963360887" sldId="2147483682"/>
+          </pc:sldLayoutMkLst>
+        </pc:sldLayoutChg>
+        <pc:sldLayoutChg chg="modSp setBg">
+          <pc:chgData name="Brady Merkel" userId="077b44faa59125c6" providerId="LiveId" clId="{63497E25-CDA1-4359-BFE0-FE2836652BE1}" dt="2025-03-23T23:24:45.851" v="8" actId="207"/>
+          <pc:sldLayoutMkLst>
+            <pc:docMk/>
+            <pc:sldMasterMk cId="3257810563" sldId="2147483670"/>
+            <pc:sldLayoutMk cId="1139353765" sldId="2147483683"/>
+          </pc:sldLayoutMkLst>
+          <pc:spChg chg="mod">
+            <ac:chgData name="Brady Merkel" userId="077b44faa59125c6" providerId="LiveId" clId="{63497E25-CDA1-4359-BFE0-FE2836652BE1}" dt="2025-03-23T23:24:45.851" v="8" actId="207"/>
+            <ac:spMkLst>
+              <pc:docMk/>
+              <pc:sldMasterMk cId="3257810563" sldId="2147483670"/>
+              <pc:sldLayoutMk cId="1139353765" sldId="2147483683"/>
+              <ac:spMk id="61" creationId="{00000000-0000-0000-0000-000000000000}"/>
+            </ac:spMkLst>
+          </pc:spChg>
+          <pc:spChg chg="mod">
+            <ac:chgData name="Brady Merkel" userId="077b44faa59125c6" providerId="LiveId" clId="{63497E25-CDA1-4359-BFE0-FE2836652BE1}" dt="2025-03-23T23:24:45.851" v="8" actId="207"/>
+            <ac:spMkLst>
+              <pc:docMk/>
+              <pc:sldMasterMk cId="3257810563" sldId="2147483670"/>
+              <pc:sldLayoutMk cId="1139353765" sldId="2147483683"/>
+              <ac:spMk id="62" creationId="{00000000-0000-0000-0000-000000000000}"/>
+            </ac:spMkLst>
+          </pc:spChg>
+          <pc:spChg chg="mod">
+            <ac:chgData name="Brady Merkel" userId="077b44faa59125c6" providerId="LiveId" clId="{63497E25-CDA1-4359-BFE0-FE2836652BE1}" dt="2025-03-23T23:24:45.851" v="8" actId="207"/>
+            <ac:spMkLst>
+              <pc:docMk/>
+              <pc:sldMasterMk cId="3257810563" sldId="2147483670"/>
+              <pc:sldLayoutMk cId="1139353765" sldId="2147483683"/>
+              <ac:spMk id="63" creationId="{00000000-0000-0000-0000-000000000000}"/>
+            </ac:spMkLst>
+          </pc:spChg>
+        </pc:sldLayoutChg>
+        <pc:sldLayoutChg chg="setBg">
+          <pc:chgData name="Brady Merkel" userId="077b44faa59125c6" providerId="LiveId" clId="{63497E25-CDA1-4359-BFE0-FE2836652BE1}" dt="2025-03-23T23:24:25.124" v="7"/>
+          <pc:sldLayoutMkLst>
+            <pc:docMk/>
+            <pc:sldMasterMk cId="3257810563" sldId="2147483670"/>
+            <pc:sldLayoutMk cId="425107887" sldId="2147483684"/>
           </pc:sldLayoutMkLst>
         </pc:sldLayoutChg>
       </pc:sldMasterChg>
@@ -4002,465 +4332,8 @@
 </file>
 
 <file path=ppt/slideLayouts/slideLayout1.xml><?xml version="1.0" encoding="utf-8"?>
-<p:sldLayout xmlns:a="http://schemas.openxmlformats.org/drawingml/2006/main" xmlns:r="http://schemas.openxmlformats.org/officeDocument/2006/relationships" xmlns:p="http://schemas.openxmlformats.org/presentationml/2006/main" matchingName="1_Custom Layout">
-  <p:cSld name="1_Custom Layout">
-    <p:bg>
-      <p:bgPr>
-        <a:blipFill>
-          <a:blip r:embed="rId2" cstate="print">
-            <a:alphaModFix/>
-            <a:extLst>
-              <a:ext uri="{28A0092B-C50C-407E-A947-70E740481C1C}">
-                <a14:useLocalDpi xmlns:a14="http://schemas.microsoft.com/office/drawing/2010/main"/>
-              </a:ext>
-            </a:extLst>
-          </a:blip>
-          <a:stretch>
-            <a:fillRect/>
-          </a:stretch>
-        </a:blipFill>
-        <a:effectLst/>
-      </p:bgPr>
-    </p:bg>
-    <p:spTree>
-      <p:nvGrpSpPr>
-        <p:cNvPr id="1" name="Shape 68"/>
-        <p:cNvGrpSpPr/>
-        <p:nvPr/>
-      </p:nvGrpSpPr>
-      <p:grpSpPr>
-        <a:xfrm>
-          <a:off x="0" y="0"/>
-          <a:ext cx="0" cy="0"/>
-          <a:chOff x="0" y="0"/>
-          <a:chExt cx="0" cy="0"/>
-        </a:xfrm>
-      </p:grpSpPr>
-      <p:sp>
-        <p:nvSpPr>
-          <p:cNvPr id="69" name="Google Shape;69;p18"/>
-          <p:cNvSpPr txBox="1">
-            <a:spLocks noGrp="1"/>
-          </p:cNvSpPr>
-          <p:nvPr>
-            <p:ph type="title"/>
-          </p:nvPr>
-        </p:nvSpPr>
-        <p:spPr>
-          <a:xfrm>
-            <a:off x="2720195" y="598595"/>
-            <a:ext cx="6119004" cy="675864"/>
-          </a:xfrm>
-          <a:prstGeom prst="rect">
-            <a:avLst/>
-          </a:prstGeom>
-          <a:noFill/>
-          <a:ln>
-            <a:noFill/>
-          </a:ln>
-        </p:spPr>
-        <p:txBody>
-          <a:bodyPr spcFirstLastPara="1" wrap="square" lIns="0" tIns="0" rIns="0" bIns="0" anchor="ctr" anchorCtr="0">
-            <a:normAutofit/>
-          </a:bodyPr>
-          <a:lstStyle>
-            <a:lvl1pPr lvl="0" algn="l">
-              <a:lnSpc>
-                <a:spcPct val="100000"/>
-              </a:lnSpc>
-              <a:spcBef>
-                <a:spcPts val="0"/>
-              </a:spcBef>
-              <a:spcAft>
-                <a:spcPts val="0"/>
-              </a:spcAft>
-              <a:buClr>
-                <a:srgbClr val="000000"/>
-              </a:buClr>
-              <a:buSzPts val="1800"/>
-              <a:buNone/>
-              <a:defRPr/>
-            </a:lvl1pPr>
-            <a:lvl2pPr lvl="1" algn="l">
-              <a:lnSpc>
-                <a:spcPct val="100000"/>
-              </a:lnSpc>
-              <a:spcBef>
-                <a:spcPts val="0"/>
-              </a:spcBef>
-              <a:spcAft>
-                <a:spcPts val="0"/>
-              </a:spcAft>
-              <a:buClr>
-                <a:srgbClr val="000000"/>
-              </a:buClr>
-              <a:buSzPts val="1800"/>
-              <a:buNone/>
-              <a:defRPr/>
-            </a:lvl2pPr>
-            <a:lvl3pPr lvl="2" algn="l">
-              <a:lnSpc>
-                <a:spcPct val="100000"/>
-              </a:lnSpc>
-              <a:spcBef>
-                <a:spcPts val="0"/>
-              </a:spcBef>
-              <a:spcAft>
-                <a:spcPts val="0"/>
-              </a:spcAft>
-              <a:buClr>
-                <a:srgbClr val="000000"/>
-              </a:buClr>
-              <a:buSzPts val="1800"/>
-              <a:buNone/>
-              <a:defRPr/>
-            </a:lvl3pPr>
-            <a:lvl4pPr lvl="3" algn="l">
-              <a:lnSpc>
-                <a:spcPct val="100000"/>
-              </a:lnSpc>
-              <a:spcBef>
-                <a:spcPts val="0"/>
-              </a:spcBef>
-              <a:spcAft>
-                <a:spcPts val="0"/>
-              </a:spcAft>
-              <a:buClr>
-                <a:srgbClr val="000000"/>
-              </a:buClr>
-              <a:buSzPts val="1800"/>
-              <a:buNone/>
-              <a:defRPr/>
-            </a:lvl4pPr>
-            <a:lvl5pPr lvl="4" algn="l">
-              <a:lnSpc>
-                <a:spcPct val="100000"/>
-              </a:lnSpc>
-              <a:spcBef>
-                <a:spcPts val="0"/>
-              </a:spcBef>
-              <a:spcAft>
-                <a:spcPts val="0"/>
-              </a:spcAft>
-              <a:buClr>
-                <a:srgbClr val="000000"/>
-              </a:buClr>
-              <a:buSzPts val="1800"/>
-              <a:buNone/>
-              <a:defRPr/>
-            </a:lvl5pPr>
-            <a:lvl6pPr lvl="5" algn="l">
-              <a:lnSpc>
-                <a:spcPct val="100000"/>
-              </a:lnSpc>
-              <a:spcBef>
-                <a:spcPts val="0"/>
-              </a:spcBef>
-              <a:spcAft>
-                <a:spcPts val="0"/>
-              </a:spcAft>
-              <a:buClr>
-                <a:srgbClr val="000000"/>
-              </a:buClr>
-              <a:buSzPts val="1800"/>
-              <a:buNone/>
-              <a:defRPr/>
-            </a:lvl6pPr>
-            <a:lvl7pPr lvl="6" algn="l">
-              <a:lnSpc>
-                <a:spcPct val="100000"/>
-              </a:lnSpc>
-              <a:spcBef>
-                <a:spcPts val="0"/>
-              </a:spcBef>
-              <a:spcAft>
-                <a:spcPts val="0"/>
-              </a:spcAft>
-              <a:buClr>
-                <a:srgbClr val="000000"/>
-              </a:buClr>
-              <a:buSzPts val="1800"/>
-              <a:buNone/>
-              <a:defRPr/>
-            </a:lvl7pPr>
-            <a:lvl8pPr lvl="7" algn="l">
-              <a:lnSpc>
-                <a:spcPct val="100000"/>
-              </a:lnSpc>
-              <a:spcBef>
-                <a:spcPts val="0"/>
-              </a:spcBef>
-              <a:spcAft>
-                <a:spcPts val="0"/>
-              </a:spcAft>
-              <a:buClr>
-                <a:srgbClr val="000000"/>
-              </a:buClr>
-              <a:buSzPts val="1800"/>
-              <a:buNone/>
-              <a:defRPr/>
-            </a:lvl8pPr>
-            <a:lvl9pPr lvl="8" algn="l">
-              <a:lnSpc>
-                <a:spcPct val="100000"/>
-              </a:lnSpc>
-              <a:spcBef>
-                <a:spcPts val="0"/>
-              </a:spcBef>
-              <a:spcAft>
-                <a:spcPts val="0"/>
-              </a:spcAft>
-              <a:buClr>
-                <a:srgbClr val="000000"/>
-              </a:buClr>
-              <a:buSzPts val="1800"/>
-              <a:buNone/>
-              <a:defRPr/>
-            </a:lvl9pPr>
-          </a:lstStyle>
-          <a:p>
-            <a:endParaRPr/>
-          </a:p>
-        </p:txBody>
-      </p:sp>
-      <p:sp>
-        <p:nvSpPr>
-          <p:cNvPr id="70" name="Google Shape;70;p18"/>
-          <p:cNvSpPr txBox="1">
-            <a:spLocks noGrp="1"/>
-          </p:cNvSpPr>
-          <p:nvPr>
-            <p:ph type="sldNum" idx="12"/>
-          </p:nvPr>
-        </p:nvSpPr>
-        <p:spPr>
-          <a:xfrm>
-            <a:off x="4419600" y="4627562"/>
-            <a:ext cx="2133600" cy="279401"/>
-          </a:xfrm>
-          <a:prstGeom prst="rect">
-            <a:avLst/>
-          </a:prstGeom>
-          <a:noFill/>
-          <a:ln>
-            <a:noFill/>
-          </a:ln>
-        </p:spPr>
-        <p:txBody>
-          <a:bodyPr spcFirstLastPara="1" wrap="square" lIns="45700" tIns="45700" rIns="45700" bIns="45700" anchor="ctr" anchorCtr="0">
-            <a:spAutoFit/>
-          </a:bodyPr>
-          <a:lstStyle>
-            <a:lvl1pPr marL="0" lvl="0" indent="0" algn="r">
-              <a:lnSpc>
-                <a:spcPct val="100000"/>
-              </a:lnSpc>
-              <a:spcBef>
-                <a:spcPts val="0"/>
-              </a:spcBef>
-              <a:spcAft>
-                <a:spcPts val="0"/>
-              </a:spcAft>
-              <a:buClr>
-                <a:srgbClr val="000000"/>
-              </a:buClr>
-              <a:buSzPts val="1200"/>
-              <a:buFont typeface="Arial"/>
-              <a:buNone/>
-              <a:defRPr sz="1200"/>
-            </a:lvl1pPr>
-            <a:lvl2pPr marL="0" lvl="1" indent="0" algn="r">
-              <a:lnSpc>
-                <a:spcPct val="100000"/>
-              </a:lnSpc>
-              <a:spcBef>
-                <a:spcPts val="0"/>
-              </a:spcBef>
-              <a:spcAft>
-                <a:spcPts val="0"/>
-              </a:spcAft>
-              <a:buClr>
-                <a:srgbClr val="000000"/>
-              </a:buClr>
-              <a:buSzPts val="1200"/>
-              <a:buFont typeface="Arial"/>
-              <a:buNone/>
-              <a:defRPr sz="1200"/>
-            </a:lvl2pPr>
-            <a:lvl3pPr marL="0" lvl="2" indent="0" algn="r">
-              <a:lnSpc>
-                <a:spcPct val="100000"/>
-              </a:lnSpc>
-              <a:spcBef>
-                <a:spcPts val="0"/>
-              </a:spcBef>
-              <a:spcAft>
-                <a:spcPts val="0"/>
-              </a:spcAft>
-              <a:buClr>
-                <a:srgbClr val="000000"/>
-              </a:buClr>
-              <a:buSzPts val="1200"/>
-              <a:buFont typeface="Arial"/>
-              <a:buNone/>
-              <a:defRPr sz="1200"/>
-            </a:lvl3pPr>
-            <a:lvl4pPr marL="0" lvl="3" indent="0" algn="r">
-              <a:lnSpc>
-                <a:spcPct val="100000"/>
-              </a:lnSpc>
-              <a:spcBef>
-                <a:spcPts val="0"/>
-              </a:spcBef>
-              <a:spcAft>
-                <a:spcPts val="0"/>
-              </a:spcAft>
-              <a:buClr>
-                <a:srgbClr val="000000"/>
-              </a:buClr>
-              <a:buSzPts val="1200"/>
-              <a:buFont typeface="Arial"/>
-              <a:buNone/>
-              <a:defRPr sz="1200"/>
-            </a:lvl4pPr>
-            <a:lvl5pPr marL="0" lvl="4" indent="0" algn="r">
-              <a:lnSpc>
-                <a:spcPct val="100000"/>
-              </a:lnSpc>
-              <a:spcBef>
-                <a:spcPts val="0"/>
-              </a:spcBef>
-              <a:spcAft>
-                <a:spcPts val="0"/>
-              </a:spcAft>
-              <a:buClr>
-                <a:srgbClr val="000000"/>
-              </a:buClr>
-              <a:buSzPts val="1200"/>
-              <a:buFont typeface="Arial"/>
-              <a:buNone/>
-              <a:defRPr sz="1200"/>
-            </a:lvl5pPr>
-            <a:lvl6pPr marL="0" lvl="5" indent="0" algn="r">
-              <a:lnSpc>
-                <a:spcPct val="100000"/>
-              </a:lnSpc>
-              <a:spcBef>
-                <a:spcPts val="0"/>
-              </a:spcBef>
-              <a:spcAft>
-                <a:spcPts val="0"/>
-              </a:spcAft>
-              <a:buClr>
-                <a:srgbClr val="000000"/>
-              </a:buClr>
-              <a:buSzPts val="1200"/>
-              <a:buFont typeface="Arial"/>
-              <a:buNone/>
-              <a:defRPr sz="1200"/>
-            </a:lvl6pPr>
-            <a:lvl7pPr marL="0" lvl="6" indent="0" algn="r">
-              <a:lnSpc>
-                <a:spcPct val="100000"/>
-              </a:lnSpc>
-              <a:spcBef>
-                <a:spcPts val="0"/>
-              </a:spcBef>
-              <a:spcAft>
-                <a:spcPts val="0"/>
-              </a:spcAft>
-              <a:buClr>
-                <a:srgbClr val="000000"/>
-              </a:buClr>
-              <a:buSzPts val="1200"/>
-              <a:buFont typeface="Arial"/>
-              <a:buNone/>
-              <a:defRPr sz="1200"/>
-            </a:lvl7pPr>
-            <a:lvl8pPr marL="0" lvl="7" indent="0" algn="r">
-              <a:lnSpc>
-                <a:spcPct val="100000"/>
-              </a:lnSpc>
-              <a:spcBef>
-                <a:spcPts val="0"/>
-              </a:spcBef>
-              <a:spcAft>
-                <a:spcPts val="0"/>
-              </a:spcAft>
-              <a:buClr>
-                <a:srgbClr val="000000"/>
-              </a:buClr>
-              <a:buSzPts val="1200"/>
-              <a:buFont typeface="Arial"/>
-              <a:buNone/>
-              <a:defRPr sz="1200"/>
-            </a:lvl8pPr>
-            <a:lvl9pPr marL="0" lvl="8" indent="0" algn="r">
-              <a:lnSpc>
-                <a:spcPct val="100000"/>
-              </a:lnSpc>
-              <a:spcBef>
-                <a:spcPts val="0"/>
-              </a:spcBef>
-              <a:spcAft>
-                <a:spcPts val="0"/>
-              </a:spcAft>
-              <a:buClr>
-                <a:srgbClr val="000000"/>
-              </a:buClr>
-              <a:buSzPts val="1200"/>
-              <a:buFont typeface="Arial"/>
-              <a:buNone/>
-              <a:defRPr sz="1200"/>
-            </a:lvl9pPr>
-          </a:lstStyle>
-          <a:p>
-            <a:pPr marL="0" lvl="0" indent="0" algn="r" rtl="0">
-              <a:spcBef>
-                <a:spcPts val="0"/>
-              </a:spcBef>
-              <a:spcAft>
-                <a:spcPts val="0"/>
-              </a:spcAft>
-              <a:buNone/>
-            </a:pPr>
-            <a:fld id="{00000000-1234-1234-1234-123412341234}" type="slidenum">
-              <a:rPr lang="en"/>
-              <a:t>‹#›</a:t>
-            </a:fld>
-            <a:endParaRPr/>
-          </a:p>
-        </p:txBody>
-      </p:sp>
-    </p:spTree>
-  </p:cSld>
-  <p:clrMapOvr>
-    <a:masterClrMapping/>
-  </p:clrMapOvr>
-</p:sldLayout>
-</file>
-
-<file path=ppt/slideLayouts/slideLayout2.xml><?xml version="1.0" encoding="utf-8"?>
 <p:sldLayout xmlns:a="http://schemas.openxmlformats.org/drawingml/2006/main" xmlns:r="http://schemas.openxmlformats.org/officeDocument/2006/relationships" xmlns:p="http://schemas.openxmlformats.org/presentationml/2006/main" matchingName="Title and Content">
-  <p:cSld name="Title and Content">
-    <p:bg>
-      <p:bgPr>
-        <a:blipFill>
-          <a:blip r:embed="rId2" cstate="print">
-            <a:alphaModFix/>
-            <a:extLst>
-              <a:ext uri="{28A0092B-C50C-407E-A947-70E740481C1C}">
-                <a14:useLocalDpi xmlns:a14="http://schemas.microsoft.com/office/drawing/2010/main"/>
-              </a:ext>
-            </a:extLst>
-          </a:blip>
-          <a:stretch>
-            <a:fillRect/>
-          </a:stretch>
-        </a:blipFill>
-        <a:effectLst/>
-      </p:bgPr>
-    </p:bg>
+  <p:cSld name="1_Title and Content">
     <p:spTree>
       <p:nvGrpSpPr>
         <p:cNvPr id="1" name="Shape 56"/>
@@ -5061,7 +4934,7 @@
     </p:spTree>
     <p:extLst>
       <p:ext uri="{BB962C8B-B14F-4D97-AF65-F5344CB8AC3E}">
-        <p14:creationId xmlns:p14="http://schemas.microsoft.com/office/powerpoint/2010/main" val="742584778"/>
+        <p14:creationId xmlns:p14="http://schemas.microsoft.com/office/powerpoint/2010/main" val="3963360887"/>
       </p:ext>
     </p:extLst>
   </p:cSld>
@@ -5071,24 +4944,14 @@
 </p:sldLayout>
 </file>
 
-<file path=ppt/slideLayouts/slideLayout3.xml><?xml version="1.0" encoding="utf-8"?>
+<file path=ppt/slideLayouts/slideLayout2.xml><?xml version="1.0" encoding="utf-8"?>
 <p:sldLayout xmlns:a="http://schemas.openxmlformats.org/drawingml/2006/main" xmlns:r="http://schemas.openxmlformats.org/officeDocument/2006/relationships" xmlns:p="http://schemas.openxmlformats.org/presentationml/2006/main" matchingName="Title Slide">
-  <p:cSld name="Title Slide">
+  <p:cSld name="1_Title Slide">
     <p:bg>
       <p:bgPr>
-        <a:blipFill>
-          <a:blip r:embed="rId2" cstate="print">
-            <a:alphaModFix/>
-            <a:extLst>
-              <a:ext uri="{28A0092B-C50C-407E-A947-70E740481C1C}">
-                <a14:useLocalDpi xmlns:a14="http://schemas.microsoft.com/office/drawing/2010/main"/>
-              </a:ext>
-            </a:extLst>
-          </a:blip>
-          <a:stretch>
-            <a:fillRect/>
-          </a:stretch>
-        </a:blipFill>
+        <a:solidFill>
+          <a:schemeClr val="bg1"/>
+        </a:solidFill>
         <a:effectLst/>
       </p:bgPr>
     </p:bg>
@@ -5152,7 +5015,7 @@
               <a:buNone/>
               <a:defRPr sz="3600">
                 <a:solidFill>
-                  <a:srgbClr val="FFFFFF"/>
+                  <a:schemeClr val="tx1"/>
                 </a:solidFill>
               </a:defRPr>
             </a:lvl1pPr>
@@ -5344,7 +5207,7 @@
               <a:buNone/>
               <a:defRPr sz="2200">
                 <a:solidFill>
-                  <a:srgbClr val="FFFFFF"/>
+                  <a:schemeClr val="tx1"/>
                 </a:solidFill>
               </a:defRPr>
             </a:lvl1pPr>
@@ -5554,7 +5417,11 @@
               <a:buSzPts val="1200"/>
               <a:buFont typeface="Arial"/>
               <a:buNone/>
-              <a:defRPr sz="1200"/>
+              <a:defRPr sz="1200">
+                <a:solidFill>
+                  <a:schemeClr val="tx1"/>
+                </a:solidFill>
+              </a:defRPr>
             </a:lvl1pPr>
             <a:lvl2pPr marL="0" lvl="1" indent="0" algn="r">
               <a:lnSpc>
@@ -5702,27 +5569,19 @@
             </a:lvl9pPr>
           </a:lstStyle>
           <a:p>
-            <a:pPr marL="0" lvl="0" indent="0" algn="r" rtl="0">
-              <a:spcBef>
-                <a:spcPts val="0"/>
-              </a:spcBef>
-              <a:spcAft>
-                <a:spcPts val="0"/>
-              </a:spcAft>
-              <a:buNone/>
-            </a:pPr>
             <a:fld id="{00000000-1234-1234-1234-123412341234}" type="slidenum">
-              <a:rPr lang="en"/>
+              <a:rPr lang="en" smtClean="0"/>
+              <a:pPr/>
               <a:t>‹#›</a:t>
             </a:fld>
-            <a:endParaRPr/>
+            <a:endParaRPr lang="en"/>
           </a:p>
         </p:txBody>
       </p:sp>
     </p:spTree>
     <p:extLst>
       <p:ext uri="{BB962C8B-B14F-4D97-AF65-F5344CB8AC3E}">
-        <p14:creationId xmlns:p14="http://schemas.microsoft.com/office/powerpoint/2010/main" val="2552332935"/>
+        <p14:creationId xmlns:p14="http://schemas.microsoft.com/office/powerpoint/2010/main" val="1139353765"/>
       </p:ext>
     </p:extLst>
   </p:cSld>
@@ -5732,24 +5591,14 @@
 </p:sldLayout>
 </file>
 
-<file path=ppt/slideLayouts/slideLayout4.xml><?xml version="1.0" encoding="utf-8"?>
+<file path=ppt/slideLayouts/slideLayout3.xml><?xml version="1.0" encoding="utf-8"?>
 <p:sldLayout xmlns:a="http://schemas.openxmlformats.org/drawingml/2006/main" xmlns:r="http://schemas.openxmlformats.org/officeDocument/2006/relationships" xmlns:p="http://schemas.openxmlformats.org/presentationml/2006/main" matchingName="7_Picture with Caption">
   <p:cSld name="7_Picture with Caption">
     <p:bg>
       <p:bgPr>
-        <a:blipFill>
-          <a:blip r:embed="rId2" cstate="print">
-            <a:alphaModFix/>
-            <a:extLst>
-              <a:ext uri="{28A0092B-C50C-407E-A947-70E740481C1C}">
-                <a14:useLocalDpi xmlns:a14="http://schemas.microsoft.com/office/drawing/2010/main"/>
-              </a:ext>
-            </a:extLst>
-          </a:blip>
-          <a:stretch>
-            <a:fillRect/>
-          </a:stretch>
-        </a:blipFill>
+        <a:solidFill>
+          <a:schemeClr val="bg1"/>
+        </a:solidFill>
         <a:effectLst/>
       </p:bgPr>
     </p:bg>
@@ -6357,7 +6206,7 @@
           <p:nvPr userDrawn="1"/>
         </p:nvPicPr>
         <p:blipFill>
-          <a:blip r:embed="rId3" cstate="print">
+          <a:blip r:embed="rId2" cstate="print">
             <a:alphaModFix/>
             <a:extLst>
               <a:ext uri="{28A0092B-C50C-407E-A947-70E740481C1C}">
@@ -6385,7 +6234,7 @@
     </p:spTree>
     <p:extLst>
       <p:ext uri="{BB962C8B-B14F-4D97-AF65-F5344CB8AC3E}">
-        <p14:creationId xmlns:p14="http://schemas.microsoft.com/office/powerpoint/2010/main" val="844928206"/>
+        <p14:creationId xmlns:p14="http://schemas.microsoft.com/office/powerpoint/2010/main" val="425107887"/>
       </p:ext>
     </p:extLst>
   </p:cSld>
@@ -6399,26 +6248,13 @@
 <p:sldMaster xmlns:a="http://schemas.openxmlformats.org/drawingml/2006/main" xmlns:r="http://schemas.openxmlformats.org/officeDocument/2006/relationships" xmlns:p="http://schemas.openxmlformats.org/presentationml/2006/main">
   <p:cSld>
     <p:bg>
-      <p:bgPr>
-        <a:blipFill>
-          <a:blip r:embed="rId6" cstate="print">
-            <a:alphaModFix/>
-            <a:extLst>
-              <a:ext uri="{28A0092B-C50C-407E-A947-70E740481C1C}">
-                <a14:useLocalDpi xmlns:a14="http://schemas.microsoft.com/office/drawing/2010/main"/>
-              </a:ext>
-            </a:extLst>
-          </a:blip>
-          <a:stretch>
-            <a:fillRect/>
-          </a:stretch>
-        </a:blipFill>
-        <a:effectLst/>
-      </p:bgPr>
+      <p:bgRef idx="1001">
+        <a:schemeClr val="bg1"/>
+      </p:bgRef>
     </p:bg>
     <p:spTree>
       <p:nvGrpSpPr>
-        <p:cNvPr id="1" name="Shape 50"/>
+        <p:cNvPr id="1" name=""/>
         <p:cNvGrpSpPr/>
         <p:nvPr/>
       </p:nvGrpSpPr>
@@ -6432,8 +6268,14 @@
       </p:grpSpPr>
       <p:sp>
         <p:nvSpPr>
-          <p:cNvPr id="51" name="Google Shape;51;p13"/>
-          <p:cNvSpPr txBox="1">
+          <p:cNvPr id="2" name="Title Placeholder 1">
+            <a:extLst>
+              <a:ext uri="{FF2B5EF4-FFF2-40B4-BE49-F238E27FC236}">
+                <a16:creationId xmlns:a16="http://schemas.microsoft.com/office/drawing/2014/main" id="{FDFC0215-FC83-3984-532B-7109B7C25985}"/>
+              </a:ext>
+            </a:extLst>
+          </p:cNvPr>
+          <p:cNvSpPr>
             <a:spLocks noGrp="1"/>
           </p:cNvSpPr>
           <p:nvPr>
@@ -6442,266 +6284,36 @@
         </p:nvSpPr>
         <p:spPr>
           <a:xfrm>
-            <a:off x="457200" y="69056"/>
-            <a:ext cx="8229600" cy="1131094"/>
+            <a:off x="628650" y="273844"/>
+            <a:ext cx="7886700" cy="994172"/>
           </a:xfrm>
           <a:prstGeom prst="rect">
             <a:avLst/>
           </a:prstGeom>
-          <a:noFill/>
-          <a:ln>
-            <a:noFill/>
-          </a:ln>
         </p:spPr>
         <p:txBody>
-          <a:bodyPr spcFirstLastPara="1" wrap="square" lIns="0" tIns="0" rIns="0" bIns="0" anchor="ctr" anchorCtr="0">
-            <a:noAutofit/>
+          <a:bodyPr vert="horz" lIns="91440" tIns="45720" rIns="91440" bIns="45720" rtlCol="0" anchor="ctr">
+            <a:normAutofit/>
           </a:bodyPr>
-          <a:lstStyle>
-            <a:lvl1pPr marR="0" lvl="0" algn="l" rtl="0">
-              <a:lnSpc>
-                <a:spcPct val="100000"/>
-              </a:lnSpc>
-              <a:spcBef>
-                <a:spcPts val="0"/>
-              </a:spcBef>
-              <a:spcAft>
-                <a:spcPts val="0"/>
-              </a:spcAft>
-              <a:buClr>
-                <a:srgbClr val="000000"/>
-              </a:buClr>
-              <a:buSzPts val="2400"/>
-              <a:buFont typeface="Roboto"/>
-              <a:buNone/>
-              <a:defRPr sz="2400" b="1" i="0" u="none" strike="noStrike" cap="none">
-                <a:solidFill>
-                  <a:srgbClr val="000000"/>
-                </a:solidFill>
-                <a:latin typeface="Roboto"/>
-                <a:ea typeface="Roboto"/>
-                <a:cs typeface="Roboto"/>
-                <a:sym typeface="Roboto"/>
-              </a:defRPr>
-            </a:lvl1pPr>
-            <a:lvl2pPr marR="0" lvl="1" algn="l" rtl="0">
-              <a:lnSpc>
-                <a:spcPct val="100000"/>
-              </a:lnSpc>
-              <a:spcBef>
-                <a:spcPts val="0"/>
-              </a:spcBef>
-              <a:spcAft>
-                <a:spcPts val="0"/>
-              </a:spcAft>
-              <a:buClr>
-                <a:srgbClr val="000000"/>
-              </a:buClr>
-              <a:buSzPts val="2400"/>
-              <a:buFont typeface="Roboto"/>
-              <a:buNone/>
-              <a:defRPr sz="2400" b="1" i="0" u="none" strike="noStrike" cap="none">
-                <a:solidFill>
-                  <a:srgbClr val="000000"/>
-                </a:solidFill>
-                <a:latin typeface="Roboto"/>
-                <a:ea typeface="Roboto"/>
-                <a:cs typeface="Roboto"/>
-                <a:sym typeface="Roboto"/>
-              </a:defRPr>
-            </a:lvl2pPr>
-            <a:lvl3pPr marR="0" lvl="2" algn="l" rtl="0">
-              <a:lnSpc>
-                <a:spcPct val="100000"/>
-              </a:lnSpc>
-              <a:spcBef>
-                <a:spcPts val="0"/>
-              </a:spcBef>
-              <a:spcAft>
-                <a:spcPts val="0"/>
-              </a:spcAft>
-              <a:buClr>
-                <a:srgbClr val="000000"/>
-              </a:buClr>
-              <a:buSzPts val="2400"/>
-              <a:buFont typeface="Roboto"/>
-              <a:buNone/>
-              <a:defRPr sz="2400" b="1" i="0" u="none" strike="noStrike" cap="none">
-                <a:solidFill>
-                  <a:srgbClr val="000000"/>
-                </a:solidFill>
-                <a:latin typeface="Roboto"/>
-                <a:ea typeface="Roboto"/>
-                <a:cs typeface="Roboto"/>
-                <a:sym typeface="Roboto"/>
-              </a:defRPr>
-            </a:lvl3pPr>
-            <a:lvl4pPr marR="0" lvl="3" algn="l" rtl="0">
-              <a:lnSpc>
-                <a:spcPct val="100000"/>
-              </a:lnSpc>
-              <a:spcBef>
-                <a:spcPts val="0"/>
-              </a:spcBef>
-              <a:spcAft>
-                <a:spcPts val="0"/>
-              </a:spcAft>
-              <a:buClr>
-                <a:srgbClr val="000000"/>
-              </a:buClr>
-              <a:buSzPts val="2400"/>
-              <a:buFont typeface="Roboto"/>
-              <a:buNone/>
-              <a:defRPr sz="2400" b="1" i="0" u="none" strike="noStrike" cap="none">
-                <a:solidFill>
-                  <a:srgbClr val="000000"/>
-                </a:solidFill>
-                <a:latin typeface="Roboto"/>
-                <a:ea typeface="Roboto"/>
-                <a:cs typeface="Roboto"/>
-                <a:sym typeface="Roboto"/>
-              </a:defRPr>
-            </a:lvl4pPr>
-            <a:lvl5pPr marR="0" lvl="4" algn="l" rtl="0">
-              <a:lnSpc>
-                <a:spcPct val="100000"/>
-              </a:lnSpc>
-              <a:spcBef>
-                <a:spcPts val="0"/>
-              </a:spcBef>
-              <a:spcAft>
-                <a:spcPts val="0"/>
-              </a:spcAft>
-              <a:buClr>
-                <a:srgbClr val="000000"/>
-              </a:buClr>
-              <a:buSzPts val="2400"/>
-              <a:buFont typeface="Roboto"/>
-              <a:buNone/>
-              <a:defRPr sz="2400" b="1" i="0" u="none" strike="noStrike" cap="none">
-                <a:solidFill>
-                  <a:srgbClr val="000000"/>
-                </a:solidFill>
-                <a:latin typeface="Roboto"/>
-                <a:ea typeface="Roboto"/>
-                <a:cs typeface="Roboto"/>
-                <a:sym typeface="Roboto"/>
-              </a:defRPr>
-            </a:lvl5pPr>
-            <a:lvl6pPr marR="0" lvl="5" algn="l" rtl="0">
-              <a:lnSpc>
-                <a:spcPct val="100000"/>
-              </a:lnSpc>
-              <a:spcBef>
-                <a:spcPts val="0"/>
-              </a:spcBef>
-              <a:spcAft>
-                <a:spcPts val="0"/>
-              </a:spcAft>
-              <a:buClr>
-                <a:srgbClr val="000000"/>
-              </a:buClr>
-              <a:buSzPts val="2400"/>
-              <a:buFont typeface="Roboto"/>
-              <a:buNone/>
-              <a:defRPr sz="2400" b="1" i="0" u="none" strike="noStrike" cap="none">
-                <a:solidFill>
-                  <a:srgbClr val="000000"/>
-                </a:solidFill>
-                <a:latin typeface="Roboto"/>
-                <a:ea typeface="Roboto"/>
-                <a:cs typeface="Roboto"/>
-                <a:sym typeface="Roboto"/>
-              </a:defRPr>
-            </a:lvl6pPr>
-            <a:lvl7pPr marR="0" lvl="6" algn="l" rtl="0">
-              <a:lnSpc>
-                <a:spcPct val="100000"/>
-              </a:lnSpc>
-              <a:spcBef>
-                <a:spcPts val="0"/>
-              </a:spcBef>
-              <a:spcAft>
-                <a:spcPts val="0"/>
-              </a:spcAft>
-              <a:buClr>
-                <a:srgbClr val="000000"/>
-              </a:buClr>
-              <a:buSzPts val="2400"/>
-              <a:buFont typeface="Roboto"/>
-              <a:buNone/>
-              <a:defRPr sz="2400" b="1" i="0" u="none" strike="noStrike" cap="none">
-                <a:solidFill>
-                  <a:srgbClr val="000000"/>
-                </a:solidFill>
-                <a:latin typeface="Roboto"/>
-                <a:ea typeface="Roboto"/>
-                <a:cs typeface="Roboto"/>
-                <a:sym typeface="Roboto"/>
-              </a:defRPr>
-            </a:lvl7pPr>
-            <a:lvl8pPr marR="0" lvl="7" algn="l" rtl="0">
-              <a:lnSpc>
-                <a:spcPct val="100000"/>
-              </a:lnSpc>
-              <a:spcBef>
-                <a:spcPts val="0"/>
-              </a:spcBef>
-              <a:spcAft>
-                <a:spcPts val="0"/>
-              </a:spcAft>
-              <a:buClr>
-                <a:srgbClr val="000000"/>
-              </a:buClr>
-              <a:buSzPts val="2400"/>
-              <a:buFont typeface="Roboto"/>
-              <a:buNone/>
-              <a:defRPr sz="2400" b="1" i="0" u="none" strike="noStrike" cap="none">
-                <a:solidFill>
-                  <a:srgbClr val="000000"/>
-                </a:solidFill>
-                <a:latin typeface="Roboto"/>
-                <a:ea typeface="Roboto"/>
-                <a:cs typeface="Roboto"/>
-                <a:sym typeface="Roboto"/>
-              </a:defRPr>
-            </a:lvl8pPr>
-            <a:lvl9pPr marR="0" lvl="8" algn="l" rtl="0">
-              <a:lnSpc>
-                <a:spcPct val="100000"/>
-              </a:lnSpc>
-              <a:spcBef>
-                <a:spcPts val="0"/>
-              </a:spcBef>
-              <a:spcAft>
-                <a:spcPts val="0"/>
-              </a:spcAft>
-              <a:buClr>
-                <a:srgbClr val="000000"/>
-              </a:buClr>
-              <a:buSzPts val="2400"/>
-              <a:buFont typeface="Roboto"/>
-              <a:buNone/>
-              <a:defRPr sz="2400" b="1" i="0" u="none" strike="noStrike" cap="none">
-                <a:solidFill>
-                  <a:srgbClr val="000000"/>
-                </a:solidFill>
-                <a:latin typeface="Roboto"/>
-                <a:ea typeface="Roboto"/>
-                <a:cs typeface="Roboto"/>
-                <a:sym typeface="Roboto"/>
-              </a:defRPr>
-            </a:lvl9pPr>
-          </a:lstStyle>
-          <a:p>
-            <a:endParaRPr/>
+          <a:lstStyle/>
+          <a:p>
+            <a:r>
+              <a:rPr lang="en-US"/>
+              <a:t>Click to edit Master title style</a:t>
+            </a:r>
           </a:p>
         </p:txBody>
       </p:sp>
       <p:sp>
         <p:nvSpPr>
-          <p:cNvPr id="52" name="Google Shape;52;p13"/>
-          <p:cNvSpPr txBox="1">
+          <p:cNvPr id="3" name="Text Placeholder 2">
+            <a:extLst>
+              <a:ext uri="{FF2B5EF4-FFF2-40B4-BE49-F238E27FC236}">
+                <a16:creationId xmlns:a16="http://schemas.microsoft.com/office/drawing/2014/main" id="{B8345077-EB89-0091-466D-921C95B7B9D5}"/>
+              </a:ext>
+            </a:extLst>
+          </p:cNvPr>
+          <p:cNvSpPr>
             <a:spLocks noGrp="1"/>
           </p:cNvSpPr>
           <p:nvPr>
@@ -6710,524 +6322,182 @@
         </p:nvSpPr>
         <p:spPr>
           <a:xfrm>
-            <a:off x="457200" y="1200150"/>
-            <a:ext cx="8229600" cy="3943350"/>
+            <a:off x="628650" y="1369219"/>
+            <a:ext cx="7886700" cy="3263504"/>
           </a:xfrm>
           <a:prstGeom prst="rect">
             <a:avLst/>
           </a:prstGeom>
-          <a:noFill/>
-          <a:ln>
-            <a:noFill/>
-          </a:ln>
         </p:spPr>
         <p:txBody>
-          <a:bodyPr spcFirstLastPara="1" wrap="square" lIns="45700" tIns="45700" rIns="45700" bIns="45700" anchor="t" anchorCtr="0">
+          <a:bodyPr vert="horz" lIns="91440" tIns="45720" rIns="91440" bIns="45720" rtlCol="0">
             <a:normAutofit/>
           </a:bodyPr>
-          <a:lstStyle>
-            <a:lvl1pPr marL="457200" marR="0" lvl="0" indent="-228600" algn="l" rtl="0">
-              <a:lnSpc>
-                <a:spcPct val="100000"/>
-              </a:lnSpc>
-              <a:spcBef>
-                <a:spcPts val="600"/>
-              </a:spcBef>
-              <a:spcAft>
-                <a:spcPts val="0"/>
-              </a:spcAft>
-              <a:buClr>
-                <a:srgbClr val="000000"/>
-              </a:buClr>
-              <a:buSzPts val="2000"/>
-              <a:buFont typeface="Roboto"/>
-              <a:buNone/>
-              <a:defRPr sz="2000" b="0" i="0" u="none" strike="noStrike" cap="none">
-                <a:solidFill>
-                  <a:srgbClr val="000000"/>
-                </a:solidFill>
-                <a:latin typeface="Roboto"/>
-                <a:ea typeface="Roboto"/>
-                <a:cs typeface="Roboto"/>
-                <a:sym typeface="Roboto"/>
-              </a:defRPr>
-            </a:lvl1pPr>
-            <a:lvl2pPr marL="914400" marR="0" lvl="1" indent="-355600" algn="l" rtl="0">
-              <a:lnSpc>
-                <a:spcPct val="100000"/>
-              </a:lnSpc>
-              <a:spcBef>
-                <a:spcPts val="600"/>
-              </a:spcBef>
-              <a:spcAft>
-                <a:spcPts val="0"/>
-              </a:spcAft>
-              <a:buClr>
-                <a:srgbClr val="000000"/>
-              </a:buClr>
-              <a:buSzPts val="2000"/>
-              <a:buFont typeface="Roboto"/>
-              <a:buChar char="•"/>
-              <a:defRPr sz="2000" b="0" i="0" u="none" strike="noStrike" cap="none">
-                <a:solidFill>
-                  <a:srgbClr val="000000"/>
-                </a:solidFill>
-                <a:latin typeface="Roboto"/>
-                <a:ea typeface="Roboto"/>
-                <a:cs typeface="Roboto"/>
-                <a:sym typeface="Roboto"/>
-              </a:defRPr>
-            </a:lvl2pPr>
-            <a:lvl3pPr marL="1371600" marR="0" lvl="2" indent="-355600" algn="l" rtl="0">
-              <a:lnSpc>
-                <a:spcPct val="100000"/>
-              </a:lnSpc>
-              <a:spcBef>
-                <a:spcPts val="600"/>
-              </a:spcBef>
-              <a:spcAft>
-                <a:spcPts val="0"/>
-              </a:spcAft>
-              <a:buClr>
-                <a:srgbClr val="000000"/>
-              </a:buClr>
-              <a:buSzPts val="2000"/>
-              <a:buFont typeface="Roboto"/>
-              <a:buChar char="•"/>
-              <a:defRPr sz="2000" b="0" i="0" u="none" strike="noStrike" cap="none">
-                <a:solidFill>
-                  <a:srgbClr val="000000"/>
-                </a:solidFill>
-                <a:latin typeface="Roboto"/>
-                <a:ea typeface="Roboto"/>
-                <a:cs typeface="Roboto"/>
-                <a:sym typeface="Roboto"/>
-              </a:defRPr>
-            </a:lvl3pPr>
-            <a:lvl4pPr marL="1828800" marR="0" lvl="3" indent="-355600" algn="l" rtl="0">
-              <a:lnSpc>
-                <a:spcPct val="100000"/>
-              </a:lnSpc>
-              <a:spcBef>
-                <a:spcPts val="600"/>
-              </a:spcBef>
-              <a:spcAft>
-                <a:spcPts val="0"/>
-              </a:spcAft>
-              <a:buClr>
-                <a:srgbClr val="000000"/>
-              </a:buClr>
-              <a:buSzPts val="2000"/>
-              <a:buFont typeface="Roboto"/>
-              <a:buChar char="•"/>
-              <a:defRPr sz="2000" b="0" i="0" u="none" strike="noStrike" cap="none">
-                <a:solidFill>
-                  <a:srgbClr val="000000"/>
-                </a:solidFill>
-                <a:latin typeface="Roboto"/>
-                <a:ea typeface="Roboto"/>
-                <a:cs typeface="Roboto"/>
-                <a:sym typeface="Roboto"/>
-              </a:defRPr>
-            </a:lvl4pPr>
-            <a:lvl5pPr marL="2286000" marR="0" lvl="4" indent="-355600" algn="l" rtl="0">
-              <a:lnSpc>
-                <a:spcPct val="100000"/>
-              </a:lnSpc>
-              <a:spcBef>
-                <a:spcPts val="600"/>
-              </a:spcBef>
-              <a:spcAft>
-                <a:spcPts val="0"/>
-              </a:spcAft>
-              <a:buClr>
-                <a:srgbClr val="000000"/>
-              </a:buClr>
-              <a:buSzPts val="2000"/>
-              <a:buFont typeface="Roboto"/>
-              <a:buChar char="•"/>
-              <a:defRPr sz="2000" b="0" i="0" u="none" strike="noStrike" cap="none">
-                <a:solidFill>
-                  <a:srgbClr val="000000"/>
-                </a:solidFill>
-                <a:latin typeface="Roboto"/>
-                <a:ea typeface="Roboto"/>
-                <a:cs typeface="Roboto"/>
-                <a:sym typeface="Roboto"/>
-              </a:defRPr>
-            </a:lvl5pPr>
-            <a:lvl6pPr marL="2743200" marR="0" lvl="5" indent="-355600" algn="l" rtl="0">
-              <a:lnSpc>
-                <a:spcPct val="100000"/>
-              </a:lnSpc>
-              <a:spcBef>
-                <a:spcPts val="600"/>
-              </a:spcBef>
-              <a:spcAft>
-                <a:spcPts val="0"/>
-              </a:spcAft>
-              <a:buClr>
-                <a:srgbClr val="000000"/>
-              </a:buClr>
-              <a:buSzPts val="2000"/>
-              <a:buFont typeface="Roboto"/>
-              <a:buChar char="•"/>
-              <a:defRPr sz="2000" b="0" i="0" u="none" strike="noStrike" cap="none">
-                <a:solidFill>
-                  <a:srgbClr val="000000"/>
-                </a:solidFill>
-                <a:latin typeface="Roboto"/>
-                <a:ea typeface="Roboto"/>
-                <a:cs typeface="Roboto"/>
-                <a:sym typeface="Roboto"/>
-              </a:defRPr>
-            </a:lvl6pPr>
-            <a:lvl7pPr marL="3200400" marR="0" lvl="6" indent="-355600" algn="l" rtl="0">
-              <a:lnSpc>
-                <a:spcPct val="100000"/>
-              </a:lnSpc>
-              <a:spcBef>
-                <a:spcPts val="600"/>
-              </a:spcBef>
-              <a:spcAft>
-                <a:spcPts val="0"/>
-              </a:spcAft>
-              <a:buClr>
-                <a:srgbClr val="000000"/>
-              </a:buClr>
-              <a:buSzPts val="2000"/>
-              <a:buFont typeface="Roboto"/>
-              <a:buChar char="•"/>
-              <a:defRPr sz="2000" b="0" i="0" u="none" strike="noStrike" cap="none">
-                <a:solidFill>
-                  <a:srgbClr val="000000"/>
-                </a:solidFill>
-                <a:latin typeface="Roboto"/>
-                <a:ea typeface="Roboto"/>
-                <a:cs typeface="Roboto"/>
-                <a:sym typeface="Roboto"/>
-              </a:defRPr>
-            </a:lvl7pPr>
-            <a:lvl8pPr marL="3657600" marR="0" lvl="7" indent="-355600" algn="l" rtl="0">
-              <a:lnSpc>
-                <a:spcPct val="100000"/>
-              </a:lnSpc>
-              <a:spcBef>
-                <a:spcPts val="600"/>
-              </a:spcBef>
-              <a:spcAft>
-                <a:spcPts val="0"/>
-              </a:spcAft>
-              <a:buClr>
-                <a:srgbClr val="000000"/>
-              </a:buClr>
-              <a:buSzPts val="2000"/>
-              <a:buFont typeface="Roboto"/>
-              <a:buChar char="•"/>
-              <a:defRPr sz="2000" b="0" i="0" u="none" strike="noStrike" cap="none">
-                <a:solidFill>
-                  <a:srgbClr val="000000"/>
-                </a:solidFill>
-                <a:latin typeface="Roboto"/>
-                <a:ea typeface="Roboto"/>
-                <a:cs typeface="Roboto"/>
-                <a:sym typeface="Roboto"/>
-              </a:defRPr>
-            </a:lvl8pPr>
-            <a:lvl9pPr marL="4114800" marR="0" lvl="8" indent="-355600" algn="l" rtl="0">
-              <a:lnSpc>
-                <a:spcPct val="100000"/>
-              </a:lnSpc>
-              <a:spcBef>
-                <a:spcPts val="600"/>
-              </a:spcBef>
-              <a:spcAft>
-                <a:spcPts val="0"/>
-              </a:spcAft>
-              <a:buClr>
-                <a:srgbClr val="000000"/>
-              </a:buClr>
-              <a:buSzPts val="2000"/>
-              <a:buFont typeface="Roboto"/>
-              <a:buChar char="•"/>
-              <a:defRPr sz="2000" b="0" i="0" u="none" strike="noStrike" cap="none">
-                <a:solidFill>
-                  <a:srgbClr val="000000"/>
-                </a:solidFill>
-                <a:latin typeface="Roboto"/>
-                <a:ea typeface="Roboto"/>
-                <a:cs typeface="Roboto"/>
-                <a:sym typeface="Roboto"/>
-              </a:defRPr>
-            </a:lvl9pPr>
-          </a:lstStyle>
-          <a:p>
-            <a:endParaRPr/>
+          <a:lstStyle/>
+          <a:p>
+            <a:pPr lvl="0"/>
+            <a:r>
+              <a:rPr lang="en-US"/>
+              <a:t>Click to edit Master text styles</a:t>
+            </a:r>
+          </a:p>
+          <a:p>
+            <a:pPr lvl="1"/>
+            <a:r>
+              <a:rPr lang="en-US"/>
+              <a:t>Second level</a:t>
+            </a:r>
+          </a:p>
+          <a:p>
+            <a:pPr lvl="2"/>
+            <a:r>
+              <a:rPr lang="en-US"/>
+              <a:t>Third level</a:t>
+            </a:r>
+          </a:p>
+          <a:p>
+            <a:pPr lvl="3"/>
+            <a:r>
+              <a:rPr lang="en-US"/>
+              <a:t>Fourth level</a:t>
+            </a:r>
+          </a:p>
+          <a:p>
+            <a:pPr lvl="4"/>
+            <a:r>
+              <a:rPr lang="en-US"/>
+              <a:t>Fifth level</a:t>
+            </a:r>
           </a:p>
         </p:txBody>
       </p:sp>
       <p:sp>
         <p:nvSpPr>
-          <p:cNvPr id="53" name="Google Shape;53;p13"/>
-          <p:cNvSpPr txBox="1">
+          <p:cNvPr id="4" name="Date Placeholder 3">
+            <a:extLst>
+              <a:ext uri="{FF2B5EF4-FFF2-40B4-BE49-F238E27FC236}">
+                <a16:creationId xmlns:a16="http://schemas.microsoft.com/office/drawing/2014/main" id="{BA424361-B3F3-7BD8-7D37-B1E1057ABFC4}"/>
+              </a:ext>
+            </a:extLst>
+          </p:cNvPr>
+          <p:cNvSpPr>
             <a:spLocks noGrp="1"/>
           </p:cNvSpPr>
           <p:nvPr>
-            <p:ph type="sldNum" idx="12"/>
+            <p:ph type="dt" sz="half" idx="2"/>
           </p:nvPr>
         </p:nvSpPr>
         <p:spPr>
           <a:xfrm>
-            <a:off x="4419600" y="4627562"/>
-            <a:ext cx="2133600" cy="279401"/>
+            <a:off x="628650" y="4767263"/>
+            <a:ext cx="2057400" cy="273844"/>
           </a:xfrm>
           <a:prstGeom prst="rect">
             <a:avLst/>
           </a:prstGeom>
-          <a:noFill/>
-          <a:ln>
-            <a:noFill/>
-          </a:ln>
         </p:spPr>
         <p:txBody>
-          <a:bodyPr spcFirstLastPara="1" wrap="square" lIns="45700" tIns="45700" rIns="45700" bIns="45700" anchor="ctr" anchorCtr="0">
-            <a:spAutoFit/>
-          </a:bodyPr>
+          <a:bodyPr vert="horz" lIns="91440" tIns="45720" rIns="91440" bIns="45720" rtlCol="0" anchor="ctr"/>
           <a:lstStyle>
-            <a:lvl1pPr marL="0" marR="0" lvl="0" indent="0" algn="r" rtl="0">
-              <a:lnSpc>
-                <a:spcPct val="100000"/>
-              </a:lnSpc>
-              <a:spcBef>
-                <a:spcPts val="0"/>
-              </a:spcBef>
-              <a:spcAft>
-                <a:spcPts val="0"/>
-              </a:spcAft>
-              <a:buClr>
-                <a:srgbClr val="000000"/>
-              </a:buClr>
-              <a:buSzPts val="1200"/>
-              <a:buFont typeface="Arial"/>
-              <a:buNone/>
-              <a:defRPr sz="1200" b="0" i="0" u="none" strike="noStrike" cap="none">
+            <a:lvl1pPr algn="l">
+              <a:defRPr sz="900">
                 <a:solidFill>
-                  <a:srgbClr val="000000"/>
+                  <a:schemeClr val="tx1">
+                    <a:tint val="75000"/>
+                  </a:schemeClr>
                 </a:solidFill>
-                <a:latin typeface="Arial"/>
-                <a:ea typeface="Arial"/>
-                <a:cs typeface="Arial"/>
-                <a:sym typeface="Arial"/>
               </a:defRPr>
             </a:lvl1pPr>
-            <a:lvl2pPr marL="0" marR="0" lvl="1" indent="0" algn="r" rtl="0">
-              <a:lnSpc>
-                <a:spcPct val="100000"/>
-              </a:lnSpc>
-              <a:spcBef>
-                <a:spcPts val="0"/>
-              </a:spcBef>
-              <a:spcAft>
-                <a:spcPts val="0"/>
-              </a:spcAft>
-              <a:buClr>
-                <a:srgbClr val="000000"/>
-              </a:buClr>
-              <a:buSzPts val="1200"/>
-              <a:buFont typeface="Arial"/>
-              <a:buNone/>
-              <a:defRPr sz="1200" b="0" i="0" u="none" strike="noStrike" cap="none">
+          </a:lstStyle>
+          <a:p>
+            <a:fld id="{5046B780-3E36-4981-AABA-86BCA52AC442}" type="datetimeFigureOut">
+              <a:rPr lang="en-US" smtClean="0"/>
+              <a:t>3/23/2025</a:t>
+            </a:fld>
+            <a:endParaRPr lang="en-US"/>
+          </a:p>
+        </p:txBody>
+      </p:sp>
+      <p:sp>
+        <p:nvSpPr>
+          <p:cNvPr id="5" name="Footer Placeholder 4">
+            <a:extLst>
+              <a:ext uri="{FF2B5EF4-FFF2-40B4-BE49-F238E27FC236}">
+                <a16:creationId xmlns:a16="http://schemas.microsoft.com/office/drawing/2014/main" id="{FE22DA80-51CA-781E-BD98-737620718AEB}"/>
+              </a:ext>
+            </a:extLst>
+          </p:cNvPr>
+          <p:cNvSpPr>
+            <a:spLocks noGrp="1"/>
+          </p:cNvSpPr>
+          <p:nvPr>
+            <p:ph type="ftr" sz="quarter" idx="3"/>
+          </p:nvPr>
+        </p:nvSpPr>
+        <p:spPr>
+          <a:xfrm>
+            <a:off x="3028950" y="4767263"/>
+            <a:ext cx="3086100" cy="273844"/>
+          </a:xfrm>
+          <a:prstGeom prst="rect">
+            <a:avLst/>
+          </a:prstGeom>
+        </p:spPr>
+        <p:txBody>
+          <a:bodyPr vert="horz" lIns="91440" tIns="45720" rIns="91440" bIns="45720" rtlCol="0" anchor="ctr"/>
+          <a:lstStyle>
+            <a:lvl1pPr algn="ctr">
+              <a:defRPr sz="900">
                 <a:solidFill>
-                  <a:srgbClr val="000000"/>
+                  <a:schemeClr val="tx1">
+                    <a:tint val="75000"/>
+                  </a:schemeClr>
                 </a:solidFill>
-                <a:latin typeface="Arial"/>
-                <a:ea typeface="Arial"/>
-                <a:cs typeface="Arial"/>
-                <a:sym typeface="Arial"/>
               </a:defRPr>
-            </a:lvl2pPr>
-            <a:lvl3pPr marL="0" marR="0" lvl="2" indent="0" algn="r" rtl="0">
-              <a:lnSpc>
-                <a:spcPct val="100000"/>
-              </a:lnSpc>
-              <a:spcBef>
-                <a:spcPts val="0"/>
-              </a:spcBef>
-              <a:spcAft>
-                <a:spcPts val="0"/>
-              </a:spcAft>
-              <a:buClr>
-                <a:srgbClr val="000000"/>
-              </a:buClr>
-              <a:buSzPts val="1200"/>
-              <a:buFont typeface="Arial"/>
-              <a:buNone/>
-              <a:defRPr sz="1200" b="0" i="0" u="none" strike="noStrike" cap="none">
+            </a:lvl1pPr>
+          </a:lstStyle>
+          <a:p>
+            <a:endParaRPr lang="en-US"/>
+          </a:p>
+        </p:txBody>
+      </p:sp>
+      <p:sp>
+        <p:nvSpPr>
+          <p:cNvPr id="6" name="Slide Number Placeholder 5">
+            <a:extLst>
+              <a:ext uri="{FF2B5EF4-FFF2-40B4-BE49-F238E27FC236}">
+                <a16:creationId xmlns:a16="http://schemas.microsoft.com/office/drawing/2014/main" id="{E77028FA-BF15-C606-0AF1-DE1709F790A9}"/>
+              </a:ext>
+            </a:extLst>
+          </p:cNvPr>
+          <p:cNvSpPr>
+            <a:spLocks noGrp="1"/>
+          </p:cNvSpPr>
+          <p:nvPr>
+            <p:ph type="sldNum" sz="quarter" idx="4"/>
+          </p:nvPr>
+        </p:nvSpPr>
+        <p:spPr>
+          <a:xfrm>
+            <a:off x="6457950" y="4767263"/>
+            <a:ext cx="2057400" cy="273844"/>
+          </a:xfrm>
+          <a:prstGeom prst="rect">
+            <a:avLst/>
+          </a:prstGeom>
+        </p:spPr>
+        <p:txBody>
+          <a:bodyPr vert="horz" lIns="91440" tIns="45720" rIns="91440" bIns="45720" rtlCol="0" anchor="ctr"/>
+          <a:lstStyle>
+            <a:lvl1pPr algn="r">
+              <a:defRPr sz="900">
                 <a:solidFill>
-                  <a:srgbClr val="000000"/>
+                  <a:schemeClr val="tx1">
+                    <a:tint val="75000"/>
+                  </a:schemeClr>
                 </a:solidFill>
-                <a:latin typeface="Arial"/>
-                <a:ea typeface="Arial"/>
-                <a:cs typeface="Arial"/>
-                <a:sym typeface="Arial"/>
               </a:defRPr>
-            </a:lvl3pPr>
-            <a:lvl4pPr marL="0" marR="0" lvl="3" indent="0" algn="r" rtl="0">
-              <a:lnSpc>
-                <a:spcPct val="100000"/>
-              </a:lnSpc>
-              <a:spcBef>
-                <a:spcPts val="0"/>
-              </a:spcBef>
-              <a:spcAft>
-                <a:spcPts val="0"/>
-              </a:spcAft>
-              <a:buClr>
-                <a:srgbClr val="000000"/>
-              </a:buClr>
-              <a:buSzPts val="1200"/>
-              <a:buFont typeface="Arial"/>
-              <a:buNone/>
-              <a:defRPr sz="1200" b="0" i="0" u="none" strike="noStrike" cap="none">
-                <a:solidFill>
-                  <a:srgbClr val="000000"/>
-                </a:solidFill>
-                <a:latin typeface="Arial"/>
-                <a:ea typeface="Arial"/>
-                <a:cs typeface="Arial"/>
-                <a:sym typeface="Arial"/>
-              </a:defRPr>
-            </a:lvl4pPr>
-            <a:lvl5pPr marL="0" marR="0" lvl="4" indent="0" algn="r" rtl="0">
-              <a:lnSpc>
-                <a:spcPct val="100000"/>
-              </a:lnSpc>
-              <a:spcBef>
-                <a:spcPts val="0"/>
-              </a:spcBef>
-              <a:spcAft>
-                <a:spcPts val="0"/>
-              </a:spcAft>
-              <a:buClr>
-                <a:srgbClr val="000000"/>
-              </a:buClr>
-              <a:buSzPts val="1200"/>
-              <a:buFont typeface="Arial"/>
-              <a:buNone/>
-              <a:defRPr sz="1200" b="0" i="0" u="none" strike="noStrike" cap="none">
-                <a:solidFill>
-                  <a:srgbClr val="000000"/>
-                </a:solidFill>
-                <a:latin typeface="Arial"/>
-                <a:ea typeface="Arial"/>
-                <a:cs typeface="Arial"/>
-                <a:sym typeface="Arial"/>
-              </a:defRPr>
-            </a:lvl5pPr>
-            <a:lvl6pPr marL="0" marR="0" lvl="5" indent="0" algn="r" rtl="0">
-              <a:lnSpc>
-                <a:spcPct val="100000"/>
-              </a:lnSpc>
-              <a:spcBef>
-                <a:spcPts val="0"/>
-              </a:spcBef>
-              <a:spcAft>
-                <a:spcPts val="0"/>
-              </a:spcAft>
-              <a:buClr>
-                <a:srgbClr val="000000"/>
-              </a:buClr>
-              <a:buSzPts val="1200"/>
-              <a:buFont typeface="Arial"/>
-              <a:buNone/>
-              <a:defRPr sz="1200" b="0" i="0" u="none" strike="noStrike" cap="none">
-                <a:solidFill>
-                  <a:srgbClr val="000000"/>
-                </a:solidFill>
-                <a:latin typeface="Arial"/>
-                <a:ea typeface="Arial"/>
-                <a:cs typeface="Arial"/>
-                <a:sym typeface="Arial"/>
-              </a:defRPr>
-            </a:lvl6pPr>
-            <a:lvl7pPr marL="0" marR="0" lvl="6" indent="0" algn="r" rtl="0">
-              <a:lnSpc>
-                <a:spcPct val="100000"/>
-              </a:lnSpc>
-              <a:spcBef>
-                <a:spcPts val="0"/>
-              </a:spcBef>
-              <a:spcAft>
-                <a:spcPts val="0"/>
-              </a:spcAft>
-              <a:buClr>
-                <a:srgbClr val="000000"/>
-              </a:buClr>
-              <a:buSzPts val="1200"/>
-              <a:buFont typeface="Arial"/>
-              <a:buNone/>
-              <a:defRPr sz="1200" b="0" i="0" u="none" strike="noStrike" cap="none">
-                <a:solidFill>
-                  <a:srgbClr val="000000"/>
-                </a:solidFill>
-                <a:latin typeface="Arial"/>
-                <a:ea typeface="Arial"/>
-                <a:cs typeface="Arial"/>
-                <a:sym typeface="Arial"/>
-              </a:defRPr>
-            </a:lvl7pPr>
-            <a:lvl8pPr marL="0" marR="0" lvl="7" indent="0" algn="r" rtl="0">
-              <a:lnSpc>
-                <a:spcPct val="100000"/>
-              </a:lnSpc>
-              <a:spcBef>
-                <a:spcPts val="0"/>
-              </a:spcBef>
-              <a:spcAft>
-                <a:spcPts val="0"/>
-              </a:spcAft>
-              <a:buClr>
-                <a:srgbClr val="000000"/>
-              </a:buClr>
-              <a:buSzPts val="1200"/>
-              <a:buFont typeface="Arial"/>
-              <a:buNone/>
-              <a:defRPr sz="1200" b="0" i="0" u="none" strike="noStrike" cap="none">
-                <a:solidFill>
-                  <a:srgbClr val="000000"/>
-                </a:solidFill>
-                <a:latin typeface="Arial"/>
-                <a:ea typeface="Arial"/>
-                <a:cs typeface="Arial"/>
-                <a:sym typeface="Arial"/>
-              </a:defRPr>
-            </a:lvl8pPr>
-            <a:lvl9pPr marL="0" marR="0" lvl="8" indent="0" algn="r" rtl="0">
-              <a:lnSpc>
-                <a:spcPct val="100000"/>
-              </a:lnSpc>
-              <a:spcBef>
-                <a:spcPts val="0"/>
-              </a:spcBef>
-              <a:spcAft>
-                <a:spcPts val="0"/>
-              </a:spcAft>
-              <a:buClr>
-                <a:srgbClr val="000000"/>
-              </a:buClr>
-              <a:buSzPts val="1200"/>
-              <a:buFont typeface="Arial"/>
-              <a:buNone/>
-              <a:defRPr sz="1200" b="0" i="0" u="none" strike="noStrike" cap="none">
-                <a:solidFill>
-                  <a:srgbClr val="000000"/>
-                </a:solidFill>
-                <a:latin typeface="Arial"/>
-                <a:ea typeface="Arial"/>
-                <a:cs typeface="Arial"/>
-                <a:sym typeface="Arial"/>
-              </a:defRPr>
-            </a:lvl9pPr>
+            </a:lvl1pPr>
           </a:lstStyle>
           <a:p>
             <a:pPr marL="0" lvl="0" indent="0" algn="r" rtl="0">
@@ -7240,708 +6510,303 @@
               <a:buNone/>
             </a:pPr>
             <a:fld id="{00000000-1234-1234-1234-123412341234}" type="slidenum">
-              <a:rPr lang="en"/>
+              <a:rPr lang="en" smtClean="0"/>
               <a:t>‹#›</a:t>
             </a:fld>
-            <a:endParaRPr/>
+            <a:endParaRPr lang="en"/>
           </a:p>
         </p:txBody>
       </p:sp>
     </p:spTree>
+    <p:extLst>
+      <p:ext uri="{BB962C8B-B14F-4D97-AF65-F5344CB8AC3E}">
+        <p14:creationId xmlns:p14="http://schemas.microsoft.com/office/powerpoint/2010/main" val="3257810563"/>
+      </p:ext>
+    </p:extLst>
   </p:cSld>
-  <p:clrMap bg1="lt1" tx1="dk1" bg2="dk2" tx2="lt2" accent1="accent1" accent2="accent2" accent3="accent3" accent4="accent4" accent5="accent5" accent6="accent6" hlink="hlink" folHlink="folHlink"/>
+  <p:clrMap bg1="lt1" tx1="dk1" bg2="lt2" tx2="dk2" accent1="accent1" accent2="accent2" accent3="accent3" accent4="accent4" accent5="accent5" accent6="accent6" hlink="hlink" folHlink="folHlink"/>
   <p:sldLayoutIdLst>
-    <p:sldLayoutId id="2147483663" r:id="rId1"/>
-    <p:sldLayoutId id="2147483667" r:id="rId2"/>
-    <p:sldLayoutId id="2147483668" r:id="rId3"/>
-    <p:sldLayoutId id="2147483669" r:id="rId4"/>
+    <p:sldLayoutId id="2147483682" r:id="rId1"/>
+    <p:sldLayoutId id="2147483683" r:id="rId2"/>
+    <p:sldLayoutId id="2147483684" r:id="rId3"/>
   </p:sldLayoutIdLst>
   <p:hf sldNum="0" hdr="0" ftr="0" dt="0"/>
   <p:txStyles>
     <p:titleStyle>
-      <a:defPPr marR="0" lvl="0" algn="l" rtl="0">
+      <a:lvl1pPr algn="l" defTabSz="685800" rtl="0" eaLnBrk="1" latinLnBrk="0" hangingPunct="1">
         <a:lnSpc>
-          <a:spcPct val="100000"/>
+          <a:spcPct val="90000"/>
         </a:lnSpc>
         <a:spcBef>
-          <a:spcPts val="0"/>
+          <a:spcPct val="0"/>
         </a:spcBef>
-        <a:spcAft>
-          <a:spcPts val="0"/>
-        </a:spcAft>
-      </a:defPPr>
-      <a:lvl1pPr marR="0" lvl="0" algn="l" rtl="0">
+        <a:buNone/>
+        <a:defRPr sz="3300" kern="1200">
+          <a:solidFill>
+            <a:schemeClr val="tx1"/>
+          </a:solidFill>
+          <a:latin typeface="+mj-lt"/>
+          <a:ea typeface="+mj-ea"/>
+          <a:cs typeface="+mj-cs"/>
+        </a:defRPr>
+      </a:lvl1pPr>
+    </p:titleStyle>
+    <p:bodyStyle>
+      <a:lvl1pPr marL="171450" indent="-171450" algn="l" defTabSz="685800" rtl="0" eaLnBrk="1" latinLnBrk="0" hangingPunct="1">
         <a:lnSpc>
-          <a:spcPct val="100000"/>
+          <a:spcPct val="90000"/>
         </a:lnSpc>
         <a:spcBef>
-          <a:spcPts val="0"/>
+          <a:spcPts val="750"/>
         </a:spcBef>
-        <a:spcAft>
-          <a:spcPts val="0"/>
-        </a:spcAft>
-        <a:buClr>
-          <a:srgbClr val="000000"/>
-        </a:buClr>
-        <a:buFont typeface="Arial"/>
-        <a:defRPr sz="1400" b="0" i="0" u="none" strike="noStrike" cap="none">
+        <a:buFont typeface="Arial" panose="020B0604020202020204" pitchFamily="34" charset="0"/>
+        <a:buChar char="•"/>
+        <a:defRPr sz="2100" kern="1200">
           <a:solidFill>
-            <a:srgbClr val="000000"/>
+            <a:schemeClr val="tx1"/>
           </a:solidFill>
-          <a:latin typeface="Arial"/>
-          <a:ea typeface="Arial"/>
-          <a:cs typeface="Arial"/>
-          <a:sym typeface="Arial"/>
+          <a:latin typeface="+mn-lt"/>
+          <a:ea typeface="+mn-ea"/>
+          <a:cs typeface="+mn-cs"/>
         </a:defRPr>
       </a:lvl1pPr>
-      <a:lvl2pPr marR="0" lvl="1" algn="l" rtl="0">
+      <a:lvl2pPr marL="514350" indent="-171450" algn="l" defTabSz="685800" rtl="0" eaLnBrk="1" latinLnBrk="0" hangingPunct="1">
         <a:lnSpc>
-          <a:spcPct val="100000"/>
+          <a:spcPct val="90000"/>
         </a:lnSpc>
         <a:spcBef>
-          <a:spcPts val="0"/>
+          <a:spcPts val="375"/>
         </a:spcBef>
-        <a:spcAft>
-          <a:spcPts val="0"/>
-        </a:spcAft>
-        <a:buClr>
-          <a:srgbClr val="000000"/>
-        </a:buClr>
-        <a:buFont typeface="Arial"/>
-        <a:defRPr sz="1400" b="0" i="0" u="none" strike="noStrike" cap="none">
+        <a:buFont typeface="Arial" panose="020B0604020202020204" pitchFamily="34" charset="0"/>
+        <a:buChar char="•"/>
+        <a:defRPr sz="1800" kern="1200">
           <a:solidFill>
-            <a:srgbClr val="000000"/>
+            <a:schemeClr val="tx1"/>
           </a:solidFill>
-          <a:latin typeface="Arial"/>
-          <a:ea typeface="Arial"/>
-          <a:cs typeface="Arial"/>
-          <a:sym typeface="Arial"/>
+          <a:latin typeface="+mn-lt"/>
+          <a:ea typeface="+mn-ea"/>
+          <a:cs typeface="+mn-cs"/>
         </a:defRPr>
       </a:lvl2pPr>
-      <a:lvl3pPr marR="0" lvl="2" algn="l" rtl="0">
+      <a:lvl3pPr marL="857250" indent="-171450" algn="l" defTabSz="685800" rtl="0" eaLnBrk="1" latinLnBrk="0" hangingPunct="1">
         <a:lnSpc>
-          <a:spcPct val="100000"/>
+          <a:spcPct val="90000"/>
         </a:lnSpc>
         <a:spcBef>
-          <a:spcPts val="0"/>
+          <a:spcPts val="375"/>
         </a:spcBef>
-        <a:spcAft>
-          <a:spcPts val="0"/>
-        </a:spcAft>
-        <a:buClr>
-          <a:srgbClr val="000000"/>
-        </a:buClr>
-        <a:buFont typeface="Arial"/>
-        <a:defRPr sz="1400" b="0" i="0" u="none" strike="noStrike" cap="none">
+        <a:buFont typeface="Arial" panose="020B0604020202020204" pitchFamily="34" charset="0"/>
+        <a:buChar char="•"/>
+        <a:defRPr sz="1500" kern="1200">
           <a:solidFill>
-            <a:srgbClr val="000000"/>
+            <a:schemeClr val="tx1"/>
           </a:solidFill>
-          <a:latin typeface="Arial"/>
-          <a:ea typeface="Arial"/>
-          <a:cs typeface="Arial"/>
-          <a:sym typeface="Arial"/>
+          <a:latin typeface="+mn-lt"/>
+          <a:ea typeface="+mn-ea"/>
+          <a:cs typeface="+mn-cs"/>
         </a:defRPr>
       </a:lvl3pPr>
-      <a:lvl4pPr marR="0" lvl="3" algn="l" rtl="0">
+      <a:lvl4pPr marL="1200150" indent="-171450" algn="l" defTabSz="685800" rtl="0" eaLnBrk="1" latinLnBrk="0" hangingPunct="1">
         <a:lnSpc>
-          <a:spcPct val="100000"/>
+          <a:spcPct val="90000"/>
         </a:lnSpc>
         <a:spcBef>
-          <a:spcPts val="0"/>
+          <a:spcPts val="375"/>
         </a:spcBef>
-        <a:spcAft>
-          <a:spcPts val="0"/>
-        </a:spcAft>
-        <a:buClr>
-          <a:srgbClr val="000000"/>
-        </a:buClr>
-        <a:buFont typeface="Arial"/>
-        <a:defRPr sz="1400" b="0" i="0" u="none" strike="noStrike" cap="none">
+        <a:buFont typeface="Arial" panose="020B0604020202020204" pitchFamily="34" charset="0"/>
+        <a:buChar char="•"/>
+        <a:defRPr sz="1350" kern="1200">
           <a:solidFill>
-            <a:srgbClr val="000000"/>
+            <a:schemeClr val="tx1"/>
           </a:solidFill>
-          <a:latin typeface="Arial"/>
-          <a:ea typeface="Arial"/>
-          <a:cs typeface="Arial"/>
-          <a:sym typeface="Arial"/>
+          <a:latin typeface="+mn-lt"/>
+          <a:ea typeface="+mn-ea"/>
+          <a:cs typeface="+mn-cs"/>
         </a:defRPr>
       </a:lvl4pPr>
-      <a:lvl5pPr marR="0" lvl="4" algn="l" rtl="0">
+      <a:lvl5pPr marL="1543050" indent="-171450" algn="l" defTabSz="685800" rtl="0" eaLnBrk="1" latinLnBrk="0" hangingPunct="1">
         <a:lnSpc>
-          <a:spcPct val="100000"/>
+          <a:spcPct val="90000"/>
         </a:lnSpc>
         <a:spcBef>
-          <a:spcPts val="0"/>
+          <a:spcPts val="375"/>
         </a:spcBef>
-        <a:spcAft>
-          <a:spcPts val="0"/>
-        </a:spcAft>
-        <a:buClr>
-          <a:srgbClr val="000000"/>
-        </a:buClr>
-        <a:buFont typeface="Arial"/>
-        <a:defRPr sz="1400" b="0" i="0" u="none" strike="noStrike" cap="none">
+        <a:buFont typeface="Arial" panose="020B0604020202020204" pitchFamily="34" charset="0"/>
+        <a:buChar char="•"/>
+        <a:defRPr sz="1350" kern="1200">
           <a:solidFill>
-            <a:srgbClr val="000000"/>
+            <a:schemeClr val="tx1"/>
           </a:solidFill>
-          <a:latin typeface="Arial"/>
-          <a:ea typeface="Arial"/>
-          <a:cs typeface="Arial"/>
-          <a:sym typeface="Arial"/>
+          <a:latin typeface="+mn-lt"/>
+          <a:ea typeface="+mn-ea"/>
+          <a:cs typeface="+mn-cs"/>
         </a:defRPr>
       </a:lvl5pPr>
-      <a:lvl6pPr marR="0" lvl="5" algn="l" rtl="0">
+      <a:lvl6pPr marL="1885950" indent="-171450" algn="l" defTabSz="685800" rtl="0" eaLnBrk="1" latinLnBrk="0" hangingPunct="1">
         <a:lnSpc>
-          <a:spcPct val="100000"/>
+          <a:spcPct val="90000"/>
         </a:lnSpc>
         <a:spcBef>
-          <a:spcPts val="0"/>
+          <a:spcPts val="375"/>
         </a:spcBef>
-        <a:spcAft>
-          <a:spcPts val="0"/>
-        </a:spcAft>
-        <a:buClr>
-          <a:srgbClr val="000000"/>
-        </a:buClr>
-        <a:buFont typeface="Arial"/>
-        <a:defRPr sz="1400" b="0" i="0" u="none" strike="noStrike" cap="none">
+        <a:buFont typeface="Arial" panose="020B0604020202020204" pitchFamily="34" charset="0"/>
+        <a:buChar char="•"/>
+        <a:defRPr sz="1350" kern="1200">
           <a:solidFill>
-            <a:srgbClr val="000000"/>
+            <a:schemeClr val="tx1"/>
           </a:solidFill>
-          <a:latin typeface="Arial"/>
-          <a:ea typeface="Arial"/>
-          <a:cs typeface="Arial"/>
-          <a:sym typeface="Arial"/>
+          <a:latin typeface="+mn-lt"/>
+          <a:ea typeface="+mn-ea"/>
+          <a:cs typeface="+mn-cs"/>
         </a:defRPr>
       </a:lvl6pPr>
-      <a:lvl7pPr marR="0" lvl="6" algn="l" rtl="0">
+      <a:lvl7pPr marL="2228850" indent="-171450" algn="l" defTabSz="685800" rtl="0" eaLnBrk="1" latinLnBrk="0" hangingPunct="1">
         <a:lnSpc>
-          <a:spcPct val="100000"/>
+          <a:spcPct val="90000"/>
         </a:lnSpc>
         <a:spcBef>
-          <a:spcPts val="0"/>
+          <a:spcPts val="375"/>
         </a:spcBef>
-        <a:spcAft>
-          <a:spcPts val="0"/>
-        </a:spcAft>
-        <a:buClr>
-          <a:srgbClr val="000000"/>
-        </a:buClr>
-        <a:buFont typeface="Arial"/>
-        <a:defRPr sz="1400" b="0" i="0" u="none" strike="noStrike" cap="none">
+        <a:buFont typeface="Arial" panose="020B0604020202020204" pitchFamily="34" charset="0"/>
+        <a:buChar char="•"/>
+        <a:defRPr sz="1350" kern="1200">
           <a:solidFill>
-            <a:srgbClr val="000000"/>
+            <a:schemeClr val="tx1"/>
           </a:solidFill>
-          <a:latin typeface="Arial"/>
-          <a:ea typeface="Arial"/>
-          <a:cs typeface="Arial"/>
-          <a:sym typeface="Arial"/>
+          <a:latin typeface="+mn-lt"/>
+          <a:ea typeface="+mn-ea"/>
+          <a:cs typeface="+mn-cs"/>
         </a:defRPr>
       </a:lvl7pPr>
-      <a:lvl8pPr marR="0" lvl="7" algn="l" rtl="0">
+      <a:lvl8pPr marL="2571750" indent="-171450" algn="l" defTabSz="685800" rtl="0" eaLnBrk="1" latinLnBrk="0" hangingPunct="1">
         <a:lnSpc>
-          <a:spcPct val="100000"/>
+          <a:spcPct val="90000"/>
         </a:lnSpc>
         <a:spcBef>
-          <a:spcPts val="0"/>
+          <a:spcPts val="375"/>
         </a:spcBef>
-        <a:spcAft>
-          <a:spcPts val="0"/>
-        </a:spcAft>
-        <a:buClr>
-          <a:srgbClr val="000000"/>
-        </a:buClr>
-        <a:buFont typeface="Arial"/>
-        <a:defRPr sz="1400" b="0" i="0" u="none" strike="noStrike" cap="none">
+        <a:buFont typeface="Arial" panose="020B0604020202020204" pitchFamily="34" charset="0"/>
+        <a:buChar char="•"/>
+        <a:defRPr sz="1350" kern="1200">
           <a:solidFill>
-            <a:srgbClr val="000000"/>
+            <a:schemeClr val="tx1"/>
           </a:solidFill>
-          <a:latin typeface="Arial"/>
-          <a:ea typeface="Arial"/>
-          <a:cs typeface="Arial"/>
-          <a:sym typeface="Arial"/>
+          <a:latin typeface="+mn-lt"/>
+          <a:ea typeface="+mn-ea"/>
+          <a:cs typeface="+mn-cs"/>
         </a:defRPr>
       </a:lvl8pPr>
-      <a:lvl9pPr marR="0" lvl="8" algn="l" rtl="0">
+      <a:lvl9pPr marL="2914650" indent="-171450" algn="l" defTabSz="685800" rtl="0" eaLnBrk="1" latinLnBrk="0" hangingPunct="1">
         <a:lnSpc>
-          <a:spcPct val="100000"/>
+          <a:spcPct val="90000"/>
         </a:lnSpc>
         <a:spcBef>
-          <a:spcPts val="0"/>
+          <a:spcPts val="375"/>
         </a:spcBef>
-        <a:spcAft>
-          <a:spcPts val="0"/>
-        </a:spcAft>
-        <a:buClr>
-          <a:srgbClr val="000000"/>
-        </a:buClr>
-        <a:buFont typeface="Arial"/>
-        <a:defRPr sz="1400" b="0" i="0" u="none" strike="noStrike" cap="none">
+        <a:buFont typeface="Arial" panose="020B0604020202020204" pitchFamily="34" charset="0"/>
+        <a:buChar char="•"/>
+        <a:defRPr sz="1350" kern="1200">
           <a:solidFill>
-            <a:srgbClr val="000000"/>
+            <a:schemeClr val="tx1"/>
           </a:solidFill>
-          <a:latin typeface="Arial"/>
-          <a:ea typeface="Arial"/>
-          <a:cs typeface="Arial"/>
-          <a:sym typeface="Arial"/>
-        </a:defRPr>
-      </a:lvl9pPr>
-    </p:titleStyle>
-    <p:bodyStyle>
-      <a:defPPr marR="0" lvl="0" algn="l" rtl="0">
-        <a:lnSpc>
-          <a:spcPct val="100000"/>
-        </a:lnSpc>
-        <a:spcBef>
-          <a:spcPts val="0"/>
-        </a:spcBef>
-        <a:spcAft>
-          <a:spcPts val="0"/>
-        </a:spcAft>
-      </a:defPPr>
-      <a:lvl1pPr marR="0" lvl="0" algn="l" rtl="0">
-        <a:lnSpc>
-          <a:spcPct val="100000"/>
-        </a:lnSpc>
-        <a:spcBef>
-          <a:spcPts val="0"/>
-        </a:spcBef>
-        <a:spcAft>
-          <a:spcPts val="0"/>
-        </a:spcAft>
-        <a:buClr>
-          <a:srgbClr val="000000"/>
-        </a:buClr>
-        <a:buFont typeface="Arial"/>
-        <a:defRPr sz="1400" b="0" i="0" u="none" strike="noStrike" cap="none">
-          <a:solidFill>
-            <a:srgbClr val="000000"/>
-          </a:solidFill>
-          <a:latin typeface="Arial"/>
-          <a:ea typeface="Arial"/>
-          <a:cs typeface="Arial"/>
-          <a:sym typeface="Arial"/>
-        </a:defRPr>
-      </a:lvl1pPr>
-      <a:lvl2pPr marR="0" lvl="1" algn="l" rtl="0">
-        <a:lnSpc>
-          <a:spcPct val="100000"/>
-        </a:lnSpc>
-        <a:spcBef>
-          <a:spcPts val="0"/>
-        </a:spcBef>
-        <a:spcAft>
-          <a:spcPts val="0"/>
-        </a:spcAft>
-        <a:buClr>
-          <a:srgbClr val="000000"/>
-        </a:buClr>
-        <a:buFont typeface="Arial"/>
-        <a:defRPr sz="1400" b="0" i="0" u="none" strike="noStrike" cap="none">
-          <a:solidFill>
-            <a:srgbClr val="000000"/>
-          </a:solidFill>
-          <a:latin typeface="Arial"/>
-          <a:ea typeface="Arial"/>
-          <a:cs typeface="Arial"/>
-          <a:sym typeface="Arial"/>
-        </a:defRPr>
-      </a:lvl2pPr>
-      <a:lvl3pPr marR="0" lvl="2" algn="l" rtl="0">
-        <a:lnSpc>
-          <a:spcPct val="100000"/>
-        </a:lnSpc>
-        <a:spcBef>
-          <a:spcPts val="0"/>
-        </a:spcBef>
-        <a:spcAft>
-          <a:spcPts val="0"/>
-        </a:spcAft>
-        <a:buClr>
-          <a:srgbClr val="000000"/>
-        </a:buClr>
-        <a:buFont typeface="Arial"/>
-        <a:defRPr sz="1400" b="0" i="0" u="none" strike="noStrike" cap="none">
-          <a:solidFill>
-            <a:srgbClr val="000000"/>
-          </a:solidFill>
-          <a:latin typeface="Arial"/>
-          <a:ea typeface="Arial"/>
-          <a:cs typeface="Arial"/>
-          <a:sym typeface="Arial"/>
-        </a:defRPr>
-      </a:lvl3pPr>
-      <a:lvl4pPr marR="0" lvl="3" algn="l" rtl="0">
-        <a:lnSpc>
-          <a:spcPct val="100000"/>
-        </a:lnSpc>
-        <a:spcBef>
-          <a:spcPts val="0"/>
-        </a:spcBef>
-        <a:spcAft>
-          <a:spcPts val="0"/>
-        </a:spcAft>
-        <a:buClr>
-          <a:srgbClr val="000000"/>
-        </a:buClr>
-        <a:buFont typeface="Arial"/>
-        <a:defRPr sz="1400" b="0" i="0" u="none" strike="noStrike" cap="none">
-          <a:solidFill>
-            <a:srgbClr val="000000"/>
-          </a:solidFill>
-          <a:latin typeface="Arial"/>
-          <a:ea typeface="Arial"/>
-          <a:cs typeface="Arial"/>
-          <a:sym typeface="Arial"/>
-        </a:defRPr>
-      </a:lvl4pPr>
-      <a:lvl5pPr marR="0" lvl="4" algn="l" rtl="0">
-        <a:lnSpc>
-          <a:spcPct val="100000"/>
-        </a:lnSpc>
-        <a:spcBef>
-          <a:spcPts val="0"/>
-        </a:spcBef>
-        <a:spcAft>
-          <a:spcPts val="0"/>
-        </a:spcAft>
-        <a:buClr>
-          <a:srgbClr val="000000"/>
-        </a:buClr>
-        <a:buFont typeface="Arial"/>
-        <a:defRPr sz="1400" b="0" i="0" u="none" strike="noStrike" cap="none">
-          <a:solidFill>
-            <a:srgbClr val="000000"/>
-          </a:solidFill>
-          <a:latin typeface="Arial"/>
-          <a:ea typeface="Arial"/>
-          <a:cs typeface="Arial"/>
-          <a:sym typeface="Arial"/>
-        </a:defRPr>
-      </a:lvl5pPr>
-      <a:lvl6pPr marR="0" lvl="5" algn="l" rtl="0">
-        <a:lnSpc>
-          <a:spcPct val="100000"/>
-        </a:lnSpc>
-        <a:spcBef>
-          <a:spcPts val="0"/>
-        </a:spcBef>
-        <a:spcAft>
-          <a:spcPts val="0"/>
-        </a:spcAft>
-        <a:buClr>
-          <a:srgbClr val="000000"/>
-        </a:buClr>
-        <a:buFont typeface="Arial"/>
-        <a:defRPr sz="1400" b="0" i="0" u="none" strike="noStrike" cap="none">
-          <a:solidFill>
-            <a:srgbClr val="000000"/>
-          </a:solidFill>
-          <a:latin typeface="Arial"/>
-          <a:ea typeface="Arial"/>
-          <a:cs typeface="Arial"/>
-          <a:sym typeface="Arial"/>
-        </a:defRPr>
-      </a:lvl6pPr>
-      <a:lvl7pPr marR="0" lvl="6" algn="l" rtl="0">
-        <a:lnSpc>
-          <a:spcPct val="100000"/>
-        </a:lnSpc>
-        <a:spcBef>
-          <a:spcPts val="0"/>
-        </a:spcBef>
-        <a:spcAft>
-          <a:spcPts val="0"/>
-        </a:spcAft>
-        <a:buClr>
-          <a:srgbClr val="000000"/>
-        </a:buClr>
-        <a:buFont typeface="Arial"/>
-        <a:defRPr sz="1400" b="0" i="0" u="none" strike="noStrike" cap="none">
-          <a:solidFill>
-            <a:srgbClr val="000000"/>
-          </a:solidFill>
-          <a:latin typeface="Arial"/>
-          <a:ea typeface="Arial"/>
-          <a:cs typeface="Arial"/>
-          <a:sym typeface="Arial"/>
-        </a:defRPr>
-      </a:lvl7pPr>
-      <a:lvl8pPr marR="0" lvl="7" algn="l" rtl="0">
-        <a:lnSpc>
-          <a:spcPct val="100000"/>
-        </a:lnSpc>
-        <a:spcBef>
-          <a:spcPts val="0"/>
-        </a:spcBef>
-        <a:spcAft>
-          <a:spcPts val="0"/>
-        </a:spcAft>
-        <a:buClr>
-          <a:srgbClr val="000000"/>
-        </a:buClr>
-        <a:buFont typeface="Arial"/>
-        <a:defRPr sz="1400" b="0" i="0" u="none" strike="noStrike" cap="none">
-          <a:solidFill>
-            <a:srgbClr val="000000"/>
-          </a:solidFill>
-          <a:latin typeface="Arial"/>
-          <a:ea typeface="Arial"/>
-          <a:cs typeface="Arial"/>
-          <a:sym typeface="Arial"/>
-        </a:defRPr>
-      </a:lvl8pPr>
-      <a:lvl9pPr marR="0" lvl="8" algn="l" rtl="0">
-        <a:lnSpc>
-          <a:spcPct val="100000"/>
-        </a:lnSpc>
-        <a:spcBef>
-          <a:spcPts val="0"/>
-        </a:spcBef>
-        <a:spcAft>
-          <a:spcPts val="0"/>
-        </a:spcAft>
-        <a:buClr>
-          <a:srgbClr val="000000"/>
-        </a:buClr>
-        <a:buFont typeface="Arial"/>
-        <a:defRPr sz="1400" b="0" i="0" u="none" strike="noStrike" cap="none">
-          <a:solidFill>
-            <a:srgbClr val="000000"/>
-          </a:solidFill>
-          <a:latin typeface="Arial"/>
-          <a:ea typeface="Arial"/>
-          <a:cs typeface="Arial"/>
-          <a:sym typeface="Arial"/>
+          <a:latin typeface="+mn-lt"/>
+          <a:ea typeface="+mn-ea"/>
+          <a:cs typeface="+mn-cs"/>
         </a:defRPr>
       </a:lvl9pPr>
     </p:bodyStyle>
     <p:otherStyle>
-      <a:defPPr marR="0" lvl="0" algn="l" rtl="0">
-        <a:lnSpc>
-          <a:spcPct val="100000"/>
-        </a:lnSpc>
-        <a:spcBef>
-          <a:spcPts val="0"/>
-        </a:spcBef>
-        <a:spcAft>
-          <a:spcPts val="0"/>
-        </a:spcAft>
+      <a:defPPr>
+        <a:defRPr lang="en-US"/>
       </a:defPPr>
-      <a:lvl1pPr marR="0" lvl="0" algn="l" rtl="0">
-        <a:lnSpc>
-          <a:spcPct val="100000"/>
-        </a:lnSpc>
-        <a:spcBef>
-          <a:spcPts val="0"/>
-        </a:spcBef>
-        <a:spcAft>
-          <a:spcPts val="0"/>
-        </a:spcAft>
-        <a:buClr>
-          <a:srgbClr val="000000"/>
-        </a:buClr>
-        <a:buFont typeface="Arial"/>
-        <a:defRPr sz="1400" b="0" i="0" u="none" strike="noStrike" cap="none">
+      <a:lvl1pPr marL="0" algn="l" defTabSz="685800" rtl="0" eaLnBrk="1" latinLnBrk="0" hangingPunct="1">
+        <a:defRPr sz="1350" kern="1200">
           <a:solidFill>
-            <a:srgbClr val="000000"/>
+            <a:schemeClr val="tx1"/>
           </a:solidFill>
-          <a:latin typeface="Arial"/>
-          <a:ea typeface="Arial"/>
-          <a:cs typeface="Arial"/>
-          <a:sym typeface="Arial"/>
+          <a:latin typeface="+mn-lt"/>
+          <a:ea typeface="+mn-ea"/>
+          <a:cs typeface="+mn-cs"/>
         </a:defRPr>
       </a:lvl1pPr>
-      <a:lvl2pPr marR="0" lvl="1" algn="l" rtl="0">
-        <a:lnSpc>
-          <a:spcPct val="100000"/>
-        </a:lnSpc>
-        <a:spcBef>
-          <a:spcPts val="0"/>
-        </a:spcBef>
-        <a:spcAft>
-          <a:spcPts val="0"/>
-        </a:spcAft>
-        <a:buClr>
-          <a:srgbClr val="000000"/>
-        </a:buClr>
-        <a:buFont typeface="Arial"/>
-        <a:defRPr sz="1400" b="0" i="0" u="none" strike="noStrike" cap="none">
+      <a:lvl2pPr marL="342900" algn="l" defTabSz="685800" rtl="0" eaLnBrk="1" latinLnBrk="0" hangingPunct="1">
+        <a:defRPr sz="1350" kern="1200">
           <a:solidFill>
-            <a:srgbClr val="000000"/>
+            <a:schemeClr val="tx1"/>
           </a:solidFill>
-          <a:latin typeface="Arial"/>
-          <a:ea typeface="Arial"/>
-          <a:cs typeface="Arial"/>
-          <a:sym typeface="Arial"/>
+          <a:latin typeface="+mn-lt"/>
+          <a:ea typeface="+mn-ea"/>
+          <a:cs typeface="+mn-cs"/>
         </a:defRPr>
       </a:lvl2pPr>
-      <a:lvl3pPr marR="0" lvl="2" algn="l" rtl="0">
-        <a:lnSpc>
-          <a:spcPct val="100000"/>
-        </a:lnSpc>
-        <a:spcBef>
-          <a:spcPts val="0"/>
-        </a:spcBef>
-        <a:spcAft>
-          <a:spcPts val="0"/>
-        </a:spcAft>
-        <a:buClr>
-          <a:srgbClr val="000000"/>
-        </a:buClr>
-        <a:buFont typeface="Arial"/>
-        <a:defRPr sz="1400" b="0" i="0" u="none" strike="noStrike" cap="none">
+      <a:lvl3pPr marL="685800" algn="l" defTabSz="685800" rtl="0" eaLnBrk="1" latinLnBrk="0" hangingPunct="1">
+        <a:defRPr sz="1350" kern="1200">
           <a:solidFill>
-            <a:srgbClr val="000000"/>
+            <a:schemeClr val="tx1"/>
           </a:solidFill>
-          <a:latin typeface="Arial"/>
-          <a:ea typeface="Arial"/>
-          <a:cs typeface="Arial"/>
-          <a:sym typeface="Arial"/>
+          <a:latin typeface="+mn-lt"/>
+          <a:ea typeface="+mn-ea"/>
+          <a:cs typeface="+mn-cs"/>
         </a:defRPr>
       </a:lvl3pPr>
-      <a:lvl4pPr marR="0" lvl="3" algn="l" rtl="0">
-        <a:lnSpc>
-          <a:spcPct val="100000"/>
-        </a:lnSpc>
-        <a:spcBef>
-          <a:spcPts val="0"/>
-        </a:spcBef>
-        <a:spcAft>
-          <a:spcPts val="0"/>
-        </a:spcAft>
-        <a:buClr>
-          <a:srgbClr val="000000"/>
-        </a:buClr>
-        <a:buFont typeface="Arial"/>
-        <a:defRPr sz="1400" b="0" i="0" u="none" strike="noStrike" cap="none">
+      <a:lvl4pPr marL="1028700" algn="l" defTabSz="685800" rtl="0" eaLnBrk="1" latinLnBrk="0" hangingPunct="1">
+        <a:defRPr sz="1350" kern="1200">
           <a:solidFill>
-            <a:srgbClr val="000000"/>
+            <a:schemeClr val="tx1"/>
           </a:solidFill>
-          <a:latin typeface="Arial"/>
-          <a:ea typeface="Arial"/>
-          <a:cs typeface="Arial"/>
-          <a:sym typeface="Arial"/>
+          <a:latin typeface="+mn-lt"/>
+          <a:ea typeface="+mn-ea"/>
+          <a:cs typeface="+mn-cs"/>
         </a:defRPr>
       </a:lvl4pPr>
-      <a:lvl5pPr marR="0" lvl="4" algn="l" rtl="0">
-        <a:lnSpc>
-          <a:spcPct val="100000"/>
-        </a:lnSpc>
-        <a:spcBef>
-          <a:spcPts val="0"/>
-        </a:spcBef>
-        <a:spcAft>
-          <a:spcPts val="0"/>
-        </a:spcAft>
-        <a:buClr>
-          <a:srgbClr val="000000"/>
-        </a:buClr>
-        <a:buFont typeface="Arial"/>
-        <a:defRPr sz="1400" b="0" i="0" u="none" strike="noStrike" cap="none">
+      <a:lvl5pPr marL="1371600" algn="l" defTabSz="685800" rtl="0" eaLnBrk="1" latinLnBrk="0" hangingPunct="1">
+        <a:defRPr sz="1350" kern="1200">
           <a:solidFill>
-            <a:srgbClr val="000000"/>
+            <a:schemeClr val="tx1"/>
           </a:solidFill>
-          <a:latin typeface="Arial"/>
-          <a:ea typeface="Arial"/>
-          <a:cs typeface="Arial"/>
-          <a:sym typeface="Arial"/>
+          <a:latin typeface="+mn-lt"/>
+          <a:ea typeface="+mn-ea"/>
+          <a:cs typeface="+mn-cs"/>
         </a:defRPr>
       </a:lvl5pPr>
-      <a:lvl6pPr marR="0" lvl="5" algn="l" rtl="0">
-        <a:lnSpc>
-          <a:spcPct val="100000"/>
-        </a:lnSpc>
-        <a:spcBef>
-          <a:spcPts val="0"/>
-        </a:spcBef>
-        <a:spcAft>
-          <a:spcPts val="0"/>
-        </a:spcAft>
-        <a:buClr>
-          <a:srgbClr val="000000"/>
-        </a:buClr>
-        <a:buFont typeface="Arial"/>
-        <a:defRPr sz="1400" b="0" i="0" u="none" strike="noStrike" cap="none">
+      <a:lvl6pPr marL="1714500" algn="l" defTabSz="685800" rtl="0" eaLnBrk="1" latinLnBrk="0" hangingPunct="1">
+        <a:defRPr sz="1350" kern="1200">
           <a:solidFill>
-            <a:srgbClr val="000000"/>
+            <a:schemeClr val="tx1"/>
           </a:solidFill>
-          <a:latin typeface="Arial"/>
-          <a:ea typeface="Arial"/>
-          <a:cs typeface="Arial"/>
-          <a:sym typeface="Arial"/>
+          <a:latin typeface="+mn-lt"/>
+          <a:ea typeface="+mn-ea"/>
+          <a:cs typeface="+mn-cs"/>
         </a:defRPr>
       </a:lvl6pPr>
-      <a:lvl7pPr marR="0" lvl="6" algn="l" rtl="0">
-        <a:lnSpc>
-          <a:spcPct val="100000"/>
-        </a:lnSpc>
-        <a:spcBef>
-          <a:spcPts val="0"/>
-        </a:spcBef>
-        <a:spcAft>
-          <a:spcPts val="0"/>
-        </a:spcAft>
-        <a:buClr>
-          <a:srgbClr val="000000"/>
-        </a:buClr>
-        <a:buFont typeface="Arial"/>
-        <a:defRPr sz="1400" b="0" i="0" u="none" strike="noStrike" cap="none">
+      <a:lvl7pPr marL="2057400" algn="l" defTabSz="685800" rtl="0" eaLnBrk="1" latinLnBrk="0" hangingPunct="1">
+        <a:defRPr sz="1350" kern="1200">
           <a:solidFill>
-            <a:srgbClr val="000000"/>
+            <a:schemeClr val="tx1"/>
           </a:solidFill>
-          <a:latin typeface="Arial"/>
-          <a:ea typeface="Arial"/>
-          <a:cs typeface="Arial"/>
-          <a:sym typeface="Arial"/>
+          <a:latin typeface="+mn-lt"/>
+          <a:ea typeface="+mn-ea"/>
+          <a:cs typeface="+mn-cs"/>
         </a:defRPr>
       </a:lvl7pPr>
-      <a:lvl8pPr marR="0" lvl="7" algn="l" rtl="0">
-        <a:lnSpc>
-          <a:spcPct val="100000"/>
-        </a:lnSpc>
-        <a:spcBef>
-          <a:spcPts val="0"/>
-        </a:spcBef>
-        <a:spcAft>
-          <a:spcPts val="0"/>
-        </a:spcAft>
-        <a:buClr>
-          <a:srgbClr val="000000"/>
-        </a:buClr>
-        <a:buFont typeface="Arial"/>
-        <a:defRPr sz="1400" b="0" i="0" u="none" strike="noStrike" cap="none">
+      <a:lvl8pPr marL="2400300" algn="l" defTabSz="685800" rtl="0" eaLnBrk="1" latinLnBrk="0" hangingPunct="1">
+        <a:defRPr sz="1350" kern="1200">
           <a:solidFill>
-            <a:srgbClr val="000000"/>
+            <a:schemeClr val="tx1"/>
           </a:solidFill>
-          <a:latin typeface="Arial"/>
-          <a:ea typeface="Arial"/>
-          <a:cs typeface="Arial"/>
-          <a:sym typeface="Arial"/>
+          <a:latin typeface="+mn-lt"/>
+          <a:ea typeface="+mn-ea"/>
+          <a:cs typeface="+mn-cs"/>
         </a:defRPr>
       </a:lvl8pPr>
-      <a:lvl9pPr marR="0" lvl="8" algn="l" rtl="0">
-        <a:lnSpc>
-          <a:spcPct val="100000"/>
-        </a:lnSpc>
-        <a:spcBef>
-          <a:spcPts val="0"/>
-        </a:spcBef>
-        <a:spcAft>
-          <a:spcPts val="0"/>
-        </a:spcAft>
-        <a:buClr>
-          <a:srgbClr val="000000"/>
-        </a:buClr>
-        <a:buFont typeface="Arial"/>
-        <a:defRPr sz="1400" b="0" i="0" u="none" strike="noStrike" cap="none">
+      <a:lvl9pPr marL="2743200" algn="l" defTabSz="685800" rtl="0" eaLnBrk="1" latinLnBrk="0" hangingPunct="1">
+        <a:defRPr sz="1350" kern="1200">
           <a:solidFill>
-            <a:srgbClr val="000000"/>
+            <a:schemeClr val="tx1"/>
           </a:solidFill>
-          <a:latin typeface="Arial"/>
-          <a:ea typeface="Arial"/>
-          <a:cs typeface="Arial"/>
-          <a:sym typeface="Arial"/>
+          <a:latin typeface="+mn-lt"/>
+          <a:ea typeface="+mn-ea"/>
+          <a:cs typeface="+mn-cs"/>
         </a:defRPr>
       </a:lvl9pPr>
     </p:otherStyle>
@@ -8203,10 +7068,6 @@
           </p:nvPr>
         </p:nvSpPr>
         <p:spPr>
-          <a:xfrm>
-            <a:off x="457198" y="398044"/>
-            <a:ext cx="8289236" cy="609601"/>
-          </a:xfrm>
           <a:prstGeom prst="rect">
             <a:avLst/>
           </a:prstGeom>
@@ -8257,10 +7118,6 @@
           </p:nvPr>
         </p:nvSpPr>
         <p:spPr>
-          <a:xfrm>
-            <a:off x="457198" y="1143000"/>
-            <a:ext cx="8289237" cy="2419398"/>
-          </a:xfrm>
           <a:prstGeom prst="rect">
             <a:avLst/>
           </a:prstGeom>
@@ -8336,10 +7193,6 @@
           </p:nvPr>
         </p:nvSpPr>
         <p:spPr>
-          <a:xfrm>
-            <a:off x="457198" y="398044"/>
-            <a:ext cx="8289236" cy="609601"/>
-          </a:xfrm>
           <a:prstGeom prst="rect">
             <a:avLst/>
           </a:prstGeom>
@@ -8390,10 +7243,6 @@
           </p:nvPr>
         </p:nvSpPr>
         <p:spPr>
-          <a:xfrm>
-            <a:off x="457198" y="1143000"/>
-            <a:ext cx="8289237" cy="2419398"/>
-          </a:xfrm>
           <a:prstGeom prst="rect">
             <a:avLst/>
           </a:prstGeom>
@@ -8552,10 +7401,6 @@
           </p:nvPr>
         </p:nvSpPr>
         <p:spPr>
-          <a:xfrm>
-            <a:off x="457198" y="398044"/>
-            <a:ext cx="8289236" cy="609601"/>
-          </a:xfrm>
           <a:prstGeom prst="rect">
             <a:avLst/>
           </a:prstGeom>
@@ -8606,10 +7451,6 @@
           </p:nvPr>
         </p:nvSpPr>
         <p:spPr>
-          <a:xfrm>
-            <a:off x="457198" y="1143000"/>
-            <a:ext cx="8289237" cy="2419398"/>
-          </a:xfrm>
           <a:prstGeom prst="rect">
             <a:avLst/>
           </a:prstGeom>
@@ -8685,10 +7526,6 @@
           </p:nvPr>
         </p:nvSpPr>
         <p:spPr>
-          <a:xfrm>
-            <a:off x="457198" y="398044"/>
-            <a:ext cx="8289236" cy="609601"/>
-          </a:xfrm>
           <a:prstGeom prst="rect">
             <a:avLst/>
           </a:prstGeom>
@@ -8739,10 +7576,6 @@
           </p:nvPr>
         </p:nvSpPr>
         <p:spPr>
-          <a:xfrm>
-            <a:off x="457198" y="1143000"/>
-            <a:ext cx="8289237" cy="2419398"/>
-          </a:xfrm>
           <a:prstGeom prst="rect">
             <a:avLst/>
           </a:prstGeom>
@@ -8901,10 +7734,6 @@
           </p:nvPr>
         </p:nvSpPr>
         <p:spPr>
-          <a:xfrm>
-            <a:off x="457198" y="398044"/>
-            <a:ext cx="8289236" cy="609601"/>
-          </a:xfrm>
           <a:prstGeom prst="rect">
             <a:avLst/>
           </a:prstGeom>
@@ -8955,10 +7784,6 @@
           </p:nvPr>
         </p:nvSpPr>
         <p:spPr>
-          <a:xfrm>
-            <a:off x="457198" y="1143000"/>
-            <a:ext cx="8289237" cy="2419398"/>
-          </a:xfrm>
           <a:prstGeom prst="rect">
             <a:avLst/>
           </a:prstGeom>
@@ -9034,10 +7859,6 @@
           </p:nvPr>
         </p:nvSpPr>
         <p:spPr>
-          <a:xfrm>
-            <a:off x="457198" y="398044"/>
-            <a:ext cx="8289236" cy="609601"/>
-          </a:xfrm>
           <a:prstGeom prst="rect">
             <a:avLst/>
           </a:prstGeom>
@@ -9088,10 +7909,6 @@
           </p:nvPr>
         </p:nvSpPr>
         <p:spPr>
-          <a:xfrm>
-            <a:off x="457198" y="1143000"/>
-            <a:ext cx="8289237" cy="2419398"/>
-          </a:xfrm>
           <a:prstGeom prst="rect">
             <a:avLst/>
           </a:prstGeom>
@@ -9337,12 +8154,9 @@
         </p:nvSpPr>
         <p:spPr>
           <a:xfrm>
-            <a:off x="341610" y="2244587"/>
-            <a:ext cx="8460779" cy="654326"/>
+            <a:off x="341611" y="1011929"/>
+            <a:ext cx="8460778" cy="654326"/>
           </a:xfrm>
-          <a:prstGeom prst="rect">
-            <a:avLst/>
-          </a:prstGeom>
           <a:noFill/>
           <a:ln>
             <a:noFill/>
@@ -9354,44 +8168,40 @@
           </a:bodyPr>
           <a:lstStyle/>
           <a:p>
-            <a:pPr marL="0" lvl="0" indent="0" algn="ctr" rtl="0">
-              <a:lnSpc>
-                <a:spcPct val="90000"/>
-              </a:lnSpc>
-              <a:spcBef>
-                <a:spcPts val="0"/>
-              </a:spcBef>
-              <a:spcAft>
-                <a:spcPts val="0"/>
-              </a:spcAft>
-              <a:buClr>
-                <a:srgbClr val="FFFFFF"/>
-              </a:buClr>
-              <a:buSzPts val="3600"/>
-              <a:buFont typeface="Roboto"/>
-              <a:buNone/>
-            </a:pPr>
+            <a:pPr lvl="0"/>
             <a:r>
-              <a:rPr lang="en" sz="3600" b="1" i="0" u="none" strike="noStrike" cap="none">
-                <a:solidFill>
-                  <a:srgbClr val="FFFFFF"/>
-                </a:solidFill>
-                <a:latin typeface="Roboto"/>
-                <a:ea typeface="Roboto"/>
-                <a:cs typeface="Roboto"/>
+              <a:rPr lang="en-US">
                 <a:sym typeface="Roboto"/>
               </a:rPr>
               <a:t>Thank-yous</a:t>
             </a:r>
-            <a:endParaRPr sz="3600" b="1" i="0" u="none" strike="noStrike" cap="none">
-              <a:solidFill>
-                <a:srgbClr val="FFFFFF"/>
-              </a:solidFill>
-              <a:latin typeface="Roboto"/>
-              <a:ea typeface="Roboto"/>
-              <a:cs typeface="Roboto"/>
-              <a:sym typeface="Roboto"/>
-            </a:endParaRPr>
+          </a:p>
+        </p:txBody>
+      </p:sp>
+      <p:sp>
+        <p:nvSpPr>
+          <p:cNvPr id="3" name="Text Placeholder 2">
+            <a:extLst>
+              <a:ext uri="{FF2B5EF4-FFF2-40B4-BE49-F238E27FC236}">
+                <a16:creationId xmlns:a16="http://schemas.microsoft.com/office/drawing/2014/main" id="{05878970-13F9-B011-35BE-440948AA9787}"/>
+              </a:ext>
+            </a:extLst>
+          </p:cNvPr>
+          <p:cNvSpPr>
+            <a:spLocks noGrp="1"/>
+          </p:cNvSpPr>
+          <p:nvPr>
+            <p:ph type="body" idx="1"/>
+          </p:nvPr>
+        </p:nvSpPr>
+        <p:spPr/>
+        <p:txBody>
+          <a:bodyPr>
+            <a:normAutofit fontScale="92500" lnSpcReduction="10000"/>
+          </a:bodyPr>
+          <a:lstStyle/>
+          <a:p>
+            <a:endParaRPr lang="en-US"/>
           </a:p>
         </p:txBody>
       </p:sp>
@@ -9431,10 +8241,6 @@
           </p:nvPr>
         </p:nvSpPr>
         <p:spPr>
-          <a:xfrm>
-            <a:off x="457198" y="398044"/>
-            <a:ext cx="8289236" cy="609601"/>
-          </a:xfrm>
           <a:prstGeom prst="rect">
             <a:avLst/>
           </a:prstGeom>
@@ -9485,10 +8291,6 @@
           </p:nvPr>
         </p:nvSpPr>
         <p:spPr>
-          <a:xfrm>
-            <a:off x="457198" y="1143000"/>
-            <a:ext cx="8289237" cy="2419398"/>
-          </a:xfrm>
           <a:prstGeom prst="rect">
             <a:avLst/>
           </a:prstGeom>
@@ -9564,10 +8366,6 @@
           </p:nvPr>
         </p:nvSpPr>
         <p:spPr>
-          <a:xfrm>
-            <a:off x="457198" y="398044"/>
-            <a:ext cx="8289236" cy="609601"/>
-          </a:xfrm>
           <a:prstGeom prst="rect">
             <a:avLst/>
           </a:prstGeom>
@@ -9618,10 +8416,6 @@
           </p:nvPr>
         </p:nvSpPr>
         <p:spPr>
-          <a:xfrm>
-            <a:off x="457198" y="1143000"/>
-            <a:ext cx="8289237" cy="2419398"/>
-          </a:xfrm>
           <a:prstGeom prst="rect">
             <a:avLst/>
           </a:prstGeom>
@@ -9780,10 +8574,6 @@
           </p:nvPr>
         </p:nvSpPr>
         <p:spPr>
-          <a:xfrm>
-            <a:off x="457198" y="398044"/>
-            <a:ext cx="8289236" cy="609601"/>
-          </a:xfrm>
           <a:prstGeom prst="rect">
             <a:avLst/>
           </a:prstGeom>
@@ -9834,10 +8624,6 @@
           </p:nvPr>
         </p:nvSpPr>
         <p:spPr>
-          <a:xfrm>
-            <a:off x="457198" y="1143000"/>
-            <a:ext cx="8289237" cy="2419398"/>
-          </a:xfrm>
           <a:prstGeom prst="rect">
             <a:avLst/>
           </a:prstGeom>
@@ -9929,10 +8715,6 @@
           </p:nvPr>
         </p:nvSpPr>
         <p:spPr>
-          <a:xfrm>
-            <a:off x="457198" y="398044"/>
-            <a:ext cx="8289236" cy="609601"/>
-          </a:xfrm>
           <a:prstGeom prst="rect">
             <a:avLst/>
           </a:prstGeom>
@@ -9983,10 +8765,6 @@
           </p:nvPr>
         </p:nvSpPr>
         <p:spPr>
-          <a:xfrm>
-            <a:off x="457198" y="1143000"/>
-            <a:ext cx="8289237" cy="2419398"/>
-          </a:xfrm>
           <a:prstGeom prst="rect">
             <a:avLst/>
           </a:prstGeom>
@@ -10151,39 +8929,6 @@
           </a:p>
         </p:txBody>
       </p:sp>
-      <p:pic>
-        <p:nvPicPr>
-          <p:cNvPr id="224" name="Google Shape;224;p42"/>
-          <p:cNvPicPr preferRelativeResize="0"/>
-          <p:nvPr/>
-        </p:nvPicPr>
-        <p:blipFill>
-          <a:blip r:embed="rId3" cstate="print">
-            <a:alphaModFix/>
-            <a:extLst>
-              <a:ext uri="{28A0092B-C50C-407E-A947-70E740481C1C}">
-                <a14:useLocalDpi xmlns:a14="http://schemas.microsoft.com/office/drawing/2010/main"/>
-              </a:ext>
-            </a:extLst>
-          </a:blip>
-          <a:stretch>
-            <a:fillRect/>
-          </a:stretch>
-        </p:blipFill>
-        <p:spPr>
-          <a:xfrm>
-            <a:off x="188650" y="-429825"/>
-            <a:ext cx="2066600" cy="2066600"/>
-          </a:xfrm>
-          <a:prstGeom prst="rect">
-            <a:avLst/>
-          </a:prstGeom>
-          <a:noFill/>
-          <a:ln>
-            <a:noFill/>
-          </a:ln>
-        </p:spPr>
-      </p:pic>
       <p:sp>
         <p:nvSpPr>
           <p:cNvPr id="225" name="Google Shape;225;p42"/>
@@ -10191,13 +8936,13 @@
             <a:spLocks noGrp="1"/>
           </p:cNvSpPr>
           <p:nvPr>
-            <p:ph type="title"/>
+            <p:ph type="title" idx="4294967295"/>
           </p:nvPr>
         </p:nvSpPr>
         <p:spPr>
           <a:xfrm>
-            <a:off x="2255251" y="251850"/>
-            <a:ext cx="6537000" cy="609600"/>
+            <a:off x="2608263" y="252413"/>
+            <a:ext cx="6535737" cy="609600"/>
           </a:xfrm>
           <a:prstGeom prst="rect">
             <a:avLst/>
@@ -10245,13 +8990,13 @@
             <a:spLocks noGrp="1"/>
           </p:cNvSpPr>
           <p:nvPr>
-            <p:ph type="title"/>
+            <p:ph type="title" idx="4294967295"/>
           </p:nvPr>
         </p:nvSpPr>
         <p:spPr>
           <a:xfrm>
-            <a:off x="142500" y="2380300"/>
-            <a:ext cx="8859000" cy="1709100"/>
+            <a:off x="0" y="2379663"/>
+            <a:ext cx="8858250" cy="1709737"/>
           </a:xfrm>
           <a:prstGeom prst="rect">
             <a:avLst/>
@@ -10635,6 +9380,39 @@
           </a:p>
         </p:txBody>
       </p:sp>
+      <p:pic>
+        <p:nvPicPr>
+          <p:cNvPr id="224" name="Google Shape;224;p42"/>
+          <p:cNvPicPr preferRelativeResize="0"/>
+          <p:nvPr/>
+        </p:nvPicPr>
+        <p:blipFill>
+          <a:blip r:embed="rId3" cstate="print">
+            <a:alphaModFix/>
+            <a:extLst>
+              <a:ext uri="{28A0092B-C50C-407E-A947-70E740481C1C}">
+                <a14:useLocalDpi xmlns:a14="http://schemas.microsoft.com/office/drawing/2010/main"/>
+              </a:ext>
+            </a:extLst>
+          </a:blip>
+          <a:stretch>
+            <a:fillRect/>
+          </a:stretch>
+        </p:blipFill>
+        <p:spPr>
+          <a:xfrm>
+            <a:off x="188650" y="-429825"/>
+            <a:ext cx="2066600" cy="2066600"/>
+          </a:xfrm>
+          <a:prstGeom prst="rect">
+            <a:avLst/>
+          </a:prstGeom>
+          <a:noFill/>
+          <a:ln>
+            <a:noFill/>
+          </a:ln>
+        </p:spPr>
+      </p:pic>
       <p:sp>
         <p:nvSpPr>
           <p:cNvPr id="227" name="Google Shape;227;p42"/>
@@ -10729,10 +9507,6 @@
           </p:nvPr>
         </p:nvSpPr>
         <p:spPr>
-          <a:xfrm>
-            <a:off x="457198" y="398044"/>
-            <a:ext cx="8289300" cy="609600"/>
-          </a:xfrm>
           <a:prstGeom prst="rect">
             <a:avLst/>
           </a:prstGeom>
@@ -11305,10 +10079,6 @@
           </p:nvPr>
         </p:nvSpPr>
         <p:spPr>
-          <a:xfrm>
-            <a:off x="457198" y="398044"/>
-            <a:ext cx="8289236" cy="609601"/>
-          </a:xfrm>
           <a:prstGeom prst="rect">
             <a:avLst/>
           </a:prstGeom>
@@ -11359,10 +10129,6 @@
           </p:nvPr>
         </p:nvSpPr>
         <p:spPr>
-          <a:xfrm>
-            <a:off x="457198" y="1143000"/>
-            <a:ext cx="8289237" cy="2419398"/>
-          </a:xfrm>
           <a:prstGeom prst="rect">
             <a:avLst/>
           </a:prstGeom>
@@ -11913,10 +10679,6 @@
           </p:nvPr>
         </p:nvSpPr>
         <p:spPr>
-          <a:xfrm>
-            <a:off x="457198" y="398044"/>
-            <a:ext cx="8289236" cy="609601"/>
-          </a:xfrm>
           <a:prstGeom prst="rect">
             <a:avLst/>
           </a:prstGeom>
@@ -11967,10 +10729,6 @@
           </p:nvPr>
         </p:nvSpPr>
         <p:spPr>
-          <a:xfrm>
-            <a:off x="457198" y="1143000"/>
-            <a:ext cx="8289237" cy="2419398"/>
-          </a:xfrm>
           <a:prstGeom prst="rect">
             <a:avLst/>
           </a:prstGeom>
@@ -12248,10 +11006,6 @@
           </p:nvPr>
         </p:nvSpPr>
         <p:spPr>
-          <a:xfrm>
-            <a:off x="457198" y="398044"/>
-            <a:ext cx="8289236" cy="609601"/>
-          </a:xfrm>
           <a:prstGeom prst="rect">
             <a:avLst/>
           </a:prstGeom>
@@ -12302,10 +11056,6 @@
           </p:nvPr>
         </p:nvSpPr>
         <p:spPr>
-          <a:xfrm>
-            <a:off x="457198" y="1143000"/>
-            <a:ext cx="8289237" cy="2419398"/>
-          </a:xfrm>
           <a:prstGeom prst="rect">
             <a:avLst/>
           </a:prstGeom>
@@ -12397,10 +11147,6 @@
           </p:nvPr>
         </p:nvSpPr>
         <p:spPr>
-          <a:xfrm>
-            <a:off x="457198" y="398044"/>
-            <a:ext cx="8289236" cy="609601"/>
-          </a:xfrm>
           <a:prstGeom prst="rect">
             <a:avLst/>
           </a:prstGeom>
@@ -12451,10 +11197,6 @@
           </p:nvPr>
         </p:nvSpPr>
         <p:spPr>
-          <a:xfrm>
-            <a:off x="457198" y="1143000"/>
-            <a:ext cx="8289237" cy="2419398"/>
-          </a:xfrm>
           <a:prstGeom prst="rect">
             <a:avLst/>
           </a:prstGeom>
@@ -12551,41 +11293,6 @@
           </a:p>
         </p:txBody>
       </p:sp>
-      <p:pic>
-        <p:nvPicPr>
-          <p:cNvPr id="5" name="Picture 4">
-            <a:extLst>
-              <a:ext uri="{FF2B5EF4-FFF2-40B4-BE49-F238E27FC236}">
-                <a16:creationId xmlns:a16="http://schemas.microsoft.com/office/drawing/2014/main" id="{7CE04B72-2BA1-4604-359B-8D5898B010AC}"/>
-              </a:ext>
-            </a:extLst>
-          </p:cNvPr>
-          <p:cNvPicPr>
-            <a:picLocks noChangeAspect="1"/>
-          </p:cNvPicPr>
-          <p:nvPr/>
-        </p:nvPicPr>
-        <p:blipFill>
-          <a:blip r:embed="rId2" cstate="print">
-            <a:extLst>
-              <a:ext uri="{28A0092B-C50C-407E-A947-70E740481C1C}">
-                <a14:useLocalDpi xmlns:a14="http://schemas.microsoft.com/office/drawing/2010/main"/>
-              </a:ext>
-            </a:extLst>
-          </a:blip>
-          <a:srcRect t="7739" b="16247"/>
-          <a:stretch/>
-        </p:blipFill>
-        <p:spPr>
-          <a:xfrm>
-            <a:off x="4721013" y="0"/>
-            <a:ext cx="4422987" cy="4350546"/>
-          </a:xfrm>
-          <a:prstGeom prst="rect">
-            <a:avLst/>
-          </a:prstGeom>
-        </p:spPr>
-      </p:pic>
       <p:sp>
         <p:nvSpPr>
           <p:cNvPr id="3" name="Text Placeholder 2">
@@ -12745,6 +11452,41 @@
           </a:p>
         </p:txBody>
       </p:sp>
+      <p:pic>
+        <p:nvPicPr>
+          <p:cNvPr id="5" name="Picture 4">
+            <a:extLst>
+              <a:ext uri="{FF2B5EF4-FFF2-40B4-BE49-F238E27FC236}">
+                <a16:creationId xmlns:a16="http://schemas.microsoft.com/office/drawing/2014/main" id="{7CE04B72-2BA1-4604-359B-8D5898B010AC}"/>
+              </a:ext>
+            </a:extLst>
+          </p:cNvPr>
+          <p:cNvPicPr>
+            <a:picLocks noChangeAspect="1"/>
+          </p:cNvPicPr>
+          <p:nvPr/>
+        </p:nvPicPr>
+        <p:blipFill>
+          <a:blip r:embed="rId2" cstate="print">
+            <a:extLst>
+              <a:ext uri="{28A0092B-C50C-407E-A947-70E740481C1C}">
+                <a14:useLocalDpi xmlns:a14="http://schemas.microsoft.com/office/drawing/2010/main"/>
+              </a:ext>
+            </a:extLst>
+          </a:blip>
+          <a:srcRect t="7739" b="16247"/>
+          <a:stretch/>
+        </p:blipFill>
+        <p:spPr>
+          <a:xfrm>
+            <a:off x="4721013" y="0"/>
+            <a:ext cx="4422987" cy="4350546"/>
+          </a:xfrm>
+          <a:prstGeom prst="rect">
+            <a:avLst/>
+          </a:prstGeom>
+        </p:spPr>
+      </p:pic>
     </p:spTree>
     <p:extLst>
       <p:ext uri="{BB962C8B-B14F-4D97-AF65-F5344CB8AC3E}">
@@ -12759,54 +11501,54 @@
 </file>
 
 <file path=ppt/theme/theme1.xml><?xml version="1.0" encoding="utf-8"?>
-<a:theme xmlns:a="http://schemas.openxmlformats.org/drawingml/2006/main" name="Essential">
+<a:theme xmlns:a="http://schemas.openxmlformats.org/drawingml/2006/main" name="Office Theme">
   <a:themeElements>
-    <a:clrScheme name="Essential">
+    <a:clrScheme name="Office">
       <a:dk1>
-        <a:srgbClr val="000000"/>
+        <a:sysClr val="windowText" lastClr="000000"/>
       </a:dk1>
       <a:lt1>
-        <a:srgbClr val="FFFFFF"/>
+        <a:sysClr val="window" lastClr="FFFFFF"/>
       </a:lt1>
       <a:dk2>
-        <a:srgbClr val="A7A7A7"/>
+        <a:srgbClr val="44546A"/>
       </a:dk2>
       <a:lt2>
-        <a:srgbClr val="535353"/>
+        <a:srgbClr val="E7E6E6"/>
       </a:lt2>
       <a:accent1>
-        <a:srgbClr val="7A7A7A"/>
+        <a:srgbClr val="4472C4"/>
       </a:accent1>
       <a:accent2>
-        <a:srgbClr val="F5C201"/>
+        <a:srgbClr val="ED7D31"/>
       </a:accent2>
       <a:accent3>
-        <a:srgbClr val="526DB0"/>
+        <a:srgbClr val="A5A5A5"/>
       </a:accent3>
       <a:accent4>
-        <a:srgbClr val="989AAC"/>
+        <a:srgbClr val="FFC000"/>
       </a:accent4>
       <a:accent5>
-        <a:srgbClr val="DC5924"/>
+        <a:srgbClr val="5B9BD5"/>
       </a:accent5>
       <a:accent6>
-        <a:srgbClr val="B4B392"/>
+        <a:srgbClr val="70AD47"/>
       </a:accent6>
       <a:hlink>
-        <a:srgbClr val="0000FF"/>
+        <a:srgbClr val="0563C1"/>
       </a:hlink>
       <a:folHlink>
-        <a:srgbClr val="FF00FF"/>
+        <a:srgbClr val="954F72"/>
       </a:folHlink>
     </a:clrScheme>
     <a:fontScheme name="Office">
       <a:majorFont>
-        <a:latin typeface="Arial"/>
+        <a:latin typeface="Calibri Light" panose="020F0302020204030204"/>
         <a:ea typeface=""/>
         <a:cs typeface=""/>
-        <a:font script="Jpan" typeface="ＭＳ Ｐゴシック"/>
+        <a:font script="Jpan" typeface="游ゴシック Light"/>
         <a:font script="Hang" typeface="맑은 고딕"/>
-        <a:font script="Hans" typeface="宋体"/>
+        <a:font script="Hans" typeface="等线 Light"/>
         <a:font script="Hant" typeface="新細明體"/>
         <a:font script="Arab" typeface="Times New Roman"/>
         <a:font script="Hebr" typeface="Times New Roman"/>
@@ -12834,14 +11576,31 @@
         <a:font script="Viet" typeface="Times New Roman"/>
         <a:font script="Uigh" typeface="Microsoft Uighur"/>
         <a:font script="Geor" typeface="Sylfaen"/>
+        <a:font script="Armn" typeface="Arial"/>
+        <a:font script="Bugi" typeface="Leelawadee UI"/>
+        <a:font script="Bopo" typeface="Microsoft JhengHei"/>
+        <a:font script="Java" typeface="Javanese Text"/>
+        <a:font script="Lisu" typeface="Segoe UI"/>
+        <a:font script="Mymr" typeface="Myanmar Text"/>
+        <a:font script="Nkoo" typeface="Ebrima"/>
+        <a:font script="Olck" typeface="Nirmala UI"/>
+        <a:font script="Osma" typeface="Ebrima"/>
+        <a:font script="Phag" typeface="Phagspa"/>
+        <a:font script="Syrn" typeface="Estrangelo Edessa"/>
+        <a:font script="Syrj" typeface="Estrangelo Edessa"/>
+        <a:font script="Syre" typeface="Estrangelo Edessa"/>
+        <a:font script="Sora" typeface="Nirmala UI"/>
+        <a:font script="Tale" typeface="Microsoft Tai Le"/>
+        <a:font script="Talu" typeface="Microsoft New Tai Lue"/>
+        <a:font script="Tfng" typeface="Ebrima"/>
       </a:majorFont>
       <a:minorFont>
-        <a:latin typeface="Arial"/>
+        <a:latin typeface="Calibri" panose="020F0502020204030204"/>
         <a:ea typeface=""/>
         <a:cs typeface=""/>
-        <a:font script="Jpan" typeface="ＭＳ Ｐゴシック"/>
+        <a:font script="Jpan" typeface="游ゴシック"/>
         <a:font script="Hang" typeface="맑은 고딕"/>
-        <a:font script="Hans" typeface="宋体"/>
+        <a:font script="Hans" typeface="等线"/>
         <a:font script="Hant" typeface="新細明體"/>
         <a:font script="Arab" typeface="Arial"/>
         <a:font script="Hebr" typeface="Arial"/>
@@ -12869,6 +11628,23 @@
         <a:font script="Viet" typeface="Arial"/>
         <a:font script="Uigh" typeface="Microsoft Uighur"/>
         <a:font script="Geor" typeface="Sylfaen"/>
+        <a:font script="Armn" typeface="Arial"/>
+        <a:font script="Bugi" typeface="Leelawadee UI"/>
+        <a:font script="Bopo" typeface="Microsoft JhengHei"/>
+        <a:font script="Java" typeface="Javanese Text"/>
+        <a:font script="Lisu" typeface="Segoe UI"/>
+        <a:font script="Mymr" typeface="Myanmar Text"/>
+        <a:font script="Nkoo" typeface="Ebrima"/>
+        <a:font script="Olck" typeface="Nirmala UI"/>
+        <a:font script="Osma" typeface="Ebrima"/>
+        <a:font script="Phag" typeface="Phagspa"/>
+        <a:font script="Syrn" typeface="Estrangelo Edessa"/>
+        <a:font script="Syrj" typeface="Estrangelo Edessa"/>
+        <a:font script="Syre" typeface="Estrangelo Edessa"/>
+        <a:font script="Sora" typeface="Nirmala UI"/>
+        <a:font script="Tale" typeface="Microsoft Tai Le"/>
+        <a:font script="Talu" typeface="Microsoft New Tai Lue"/>
+        <a:font script="Tfng" typeface="Ebrima"/>
       </a:minorFont>
     </a:fontScheme>
     <a:fmtScheme name="Office">
@@ -12880,162 +11656,142 @@
           <a:gsLst>
             <a:gs pos="0">
               <a:schemeClr val="phClr">
-                <a:tint val="50000"/>
-                <a:satMod val="300000"/>
+                <a:lumMod val="110000"/>
+                <a:satMod val="105000"/>
+                <a:tint val="67000"/>
               </a:schemeClr>
             </a:gs>
-            <a:gs pos="35000">
+            <a:gs pos="50000">
               <a:schemeClr val="phClr">
-                <a:tint val="37000"/>
-                <a:satMod val="300000"/>
+                <a:lumMod val="105000"/>
+                <a:satMod val="103000"/>
+                <a:tint val="73000"/>
               </a:schemeClr>
             </a:gs>
             <a:gs pos="100000">
               <a:schemeClr val="phClr">
-                <a:tint val="15000"/>
-                <a:satMod val="350000"/>
+                <a:lumMod val="105000"/>
+                <a:satMod val="109000"/>
+                <a:tint val="81000"/>
               </a:schemeClr>
             </a:gs>
           </a:gsLst>
-          <a:lin ang="16200000" scaled="1"/>
+          <a:lin ang="5400000" scaled="0"/>
         </a:gradFill>
         <a:gradFill rotWithShape="1">
           <a:gsLst>
             <a:gs pos="0">
               <a:schemeClr val="phClr">
-                <a:tint val="100000"/>
+                <a:satMod val="103000"/>
+                <a:lumMod val="102000"/>
+                <a:tint val="94000"/>
+              </a:schemeClr>
+            </a:gs>
+            <a:gs pos="50000">
+              <a:schemeClr val="phClr">
+                <a:satMod val="110000"/>
+                <a:lumMod val="100000"/>
                 <a:shade val="100000"/>
-                <a:satMod val="130000"/>
               </a:schemeClr>
             </a:gs>
             <a:gs pos="100000">
               <a:schemeClr val="phClr">
-                <a:tint val="50000"/>
-                <a:shade val="100000"/>
-                <a:satMod val="350000"/>
+                <a:lumMod val="99000"/>
+                <a:satMod val="120000"/>
+                <a:shade val="78000"/>
               </a:schemeClr>
             </a:gs>
           </a:gsLst>
-          <a:lin ang="16200000" scaled="0"/>
+          <a:lin ang="5400000" scaled="0"/>
         </a:gradFill>
       </a:fillStyleLst>
       <a:lnStyleLst>
-        <a:ln w="9525" cap="flat" cmpd="sng" algn="ctr">
-          <a:solidFill>
-            <a:schemeClr val="phClr">
-              <a:shade val="95000"/>
-              <a:satMod val="105000"/>
-            </a:schemeClr>
-          </a:solidFill>
-          <a:prstDash val="solid"/>
-        </a:ln>
-        <a:ln w="25400" cap="flat" cmpd="sng" algn="ctr">
+        <a:ln w="6350" cap="flat" cmpd="sng" algn="ctr">
           <a:solidFill>
             <a:schemeClr val="phClr"/>
           </a:solidFill>
           <a:prstDash val="solid"/>
+          <a:miter lim="800000"/>
         </a:ln>
-        <a:ln w="38100" cap="flat" cmpd="sng" algn="ctr">
+        <a:ln w="12700" cap="flat" cmpd="sng" algn="ctr">
           <a:solidFill>
             <a:schemeClr val="phClr"/>
           </a:solidFill>
           <a:prstDash val="solid"/>
+          <a:miter lim="800000"/>
+        </a:ln>
+        <a:ln w="19050" cap="flat" cmpd="sng" algn="ctr">
+          <a:solidFill>
+            <a:schemeClr val="phClr"/>
+          </a:solidFill>
+          <a:prstDash val="solid"/>
+          <a:miter lim="800000"/>
         </a:ln>
       </a:lnStyleLst>
       <a:effectStyleLst>
         <a:effectStyle>
+          <a:effectLst/>
+        </a:effectStyle>
+        <a:effectStyle>
+          <a:effectLst/>
+        </a:effectStyle>
+        <a:effectStyle>
           <a:effectLst>
-            <a:outerShdw blurRad="40000" dist="20000" dir="5400000" rotWithShape="0">
+            <a:outerShdw blurRad="57150" dist="19050" dir="5400000" algn="ctr" rotWithShape="0">
               <a:srgbClr val="000000">
-                <a:alpha val="38000"/>
+                <a:alpha val="63000"/>
               </a:srgbClr>
             </a:outerShdw>
           </a:effectLst>
-        </a:effectStyle>
-        <a:effectStyle>
-          <a:effectLst>
-            <a:outerShdw blurRad="40000" dist="23000" dir="5400000" rotWithShape="0">
-              <a:srgbClr val="000000">
-                <a:alpha val="35000"/>
-              </a:srgbClr>
-            </a:outerShdw>
-          </a:effectLst>
-        </a:effectStyle>
-        <a:effectStyle>
-          <a:effectLst>
-            <a:outerShdw blurRad="40000" dist="23000" dir="5400000" rotWithShape="0">
-              <a:srgbClr val="000000">
-                <a:alpha val="35000"/>
-              </a:srgbClr>
-            </a:outerShdw>
-          </a:effectLst>
-          <a:scene3d>
-            <a:camera prst="orthographicFront">
-              <a:rot lat="0" lon="0" rev="0"/>
-            </a:camera>
-            <a:lightRig rig="threePt" dir="t">
-              <a:rot lat="0" lon="0" rev="1200000"/>
-            </a:lightRig>
-          </a:scene3d>
-          <a:sp3d>
-            <a:bevelT w="63500" h="25400"/>
-          </a:sp3d>
         </a:effectStyle>
       </a:effectStyleLst>
       <a:bgFillStyleLst>
         <a:solidFill>
           <a:schemeClr val="phClr"/>
         </a:solidFill>
+        <a:solidFill>
+          <a:schemeClr val="phClr">
+            <a:tint val="95000"/>
+            <a:satMod val="170000"/>
+          </a:schemeClr>
+        </a:solidFill>
         <a:gradFill rotWithShape="1">
           <a:gsLst>
             <a:gs pos="0">
               <a:schemeClr val="phClr">
-                <a:tint val="40000"/>
-                <a:satMod val="350000"/>
+                <a:tint val="93000"/>
+                <a:satMod val="150000"/>
+                <a:shade val="98000"/>
+                <a:lumMod val="102000"/>
               </a:schemeClr>
             </a:gs>
-            <a:gs pos="40000">
+            <a:gs pos="50000">
               <a:schemeClr val="phClr">
-                <a:tint val="45000"/>
-                <a:shade val="99000"/>
-                <a:satMod val="350000"/>
+                <a:tint val="98000"/>
+                <a:satMod val="130000"/>
+                <a:shade val="90000"/>
+                <a:lumMod val="103000"/>
               </a:schemeClr>
             </a:gs>
             <a:gs pos="100000">
               <a:schemeClr val="phClr">
-                <a:shade val="20000"/>
-                <a:satMod val="255000"/>
+                <a:shade val="63000"/>
+                <a:satMod val="120000"/>
               </a:schemeClr>
             </a:gs>
           </a:gsLst>
-          <a:path path="circle">
-            <a:fillToRect l="50000" t="-80000" r="50000" b="180000"/>
-          </a:path>
-        </a:gradFill>
-        <a:gradFill rotWithShape="1">
-          <a:gsLst>
-            <a:gs pos="0">
-              <a:schemeClr val="phClr">
-                <a:tint val="80000"/>
-                <a:satMod val="300000"/>
-              </a:schemeClr>
-            </a:gs>
-            <a:gs pos="100000">
-              <a:schemeClr val="phClr">
-                <a:shade val="30000"/>
-                <a:satMod val="200000"/>
-              </a:schemeClr>
-            </a:gs>
-          </a:gsLst>
-          <a:path path="circle">
-            <a:fillToRect l="50000" t="50000" r="50000" b="50000"/>
-          </a:path>
+          <a:lin ang="5400000" scaled="0"/>
         </a:gradFill>
       </a:bgFillStyleLst>
     </a:fmtScheme>
   </a:themeElements>
   <a:objectDefaults/>
   <a:extraClrSchemeLst/>
+  <a:extLst>
+    <a:ext uri="{05A4C25C-085E-4340-85A3-A5531E510DB2}">
+      <thm15:themeFamily xmlns:thm15="http://schemas.microsoft.com/office/thememl/2012/main" name="Office Theme" id="{62F939B6-93AF-4DB8-9C6B-D6C7DFDC589F}" vid="{4A3C46E8-61CC-4603-A589-7422A47A8E4A}"/>
+    </a:ext>
+  </a:extLst>
 </a:theme>
 </file>
 

--- a/Api/Templates/Awards Ceremony - Short.pptx
+++ b/Api/Templates/Awards Ceremony - Short.pptx
@@ -174,7 +174,7 @@
   <pc:docChgLst>
     <pc:chgData name="Brady Merkel" userId="077b44faa59125c6" providerId="LiveId" clId="{63497E25-CDA1-4359-BFE0-FE2836652BE1}"/>
     <pc:docChg chg="custSel delSld modSld modMainMaster">
-      <pc:chgData name="Brady Merkel" userId="077b44faa59125c6" providerId="LiveId" clId="{63497E25-CDA1-4359-BFE0-FE2836652BE1}" dt="2025-03-23T23:25:05.978" v="10" actId="27636"/>
+      <pc:chgData name="Brady Merkel" userId="077b44faa59125c6" providerId="LiveId" clId="{63497E25-CDA1-4359-BFE0-FE2836652BE1}" dt="2025-03-23T23:51:44.825" v="13" actId="20577"/>
       <pc:docMkLst>
         <pc:docMk/>
       </pc:docMkLst>
@@ -531,13 +531,13 @@
         </pc:spChg>
       </pc:sldChg>
       <pc:sldChg chg="modSp mod">
-        <pc:chgData name="Brady Merkel" userId="077b44faa59125c6" providerId="LiveId" clId="{63497E25-CDA1-4359-BFE0-FE2836652BE1}" dt="2025-03-23T23:17:38.220" v="1" actId="20577"/>
+        <pc:chgData name="Brady Merkel" userId="077b44faa59125c6" providerId="LiveId" clId="{63497E25-CDA1-4359-BFE0-FE2836652BE1}" dt="2025-03-23T23:51:44.825" v="13" actId="20577"/>
         <pc:sldMkLst>
           <pc:docMk/>
           <pc:sldMk cId="0" sldId="301"/>
         </pc:sldMkLst>
         <pc:spChg chg="mod">
-          <ac:chgData name="Brady Merkel" userId="077b44faa59125c6" providerId="LiveId" clId="{63497E25-CDA1-4359-BFE0-FE2836652BE1}" dt="2025-03-23T23:17:38.220" v="1" actId="20577"/>
+          <ac:chgData name="Brady Merkel" userId="077b44faa59125c6" providerId="LiveId" clId="{63497E25-CDA1-4359-BFE0-FE2836652BE1}" dt="2025-03-23T23:51:44.825" v="13" actId="20577"/>
           <ac:spMkLst>
             <pc:docMk/>
             <pc:sldMk cId="0" sldId="301"/>
@@ -622,7 +622,7 @@
         </pc:sldLayoutChg>
       </pc:sldMasterChg>
       <pc:sldMasterChg chg="modSldLayout">
-        <pc:chgData name="Brady Merkel" userId="077b44faa59125c6" providerId="LiveId" clId="{63497E25-CDA1-4359-BFE0-FE2836652BE1}" dt="2025-03-23T23:24:45.851" v="8" actId="207"/>
+        <pc:chgData name="Brady Merkel" userId="077b44faa59125c6" providerId="LiveId" clId="{63497E25-CDA1-4359-BFE0-FE2836652BE1}" dt="2025-03-23T23:51:13.317" v="12"/>
         <pc:sldMasterMkLst>
           <pc:docMk/>
           <pc:sldMasterMk cId="3257810563" sldId="2147483670"/>
@@ -636,7 +636,7 @@
           </pc:sldLayoutMkLst>
         </pc:sldLayoutChg>
         <pc:sldLayoutChg chg="modSp setBg">
-          <pc:chgData name="Brady Merkel" userId="077b44faa59125c6" providerId="LiveId" clId="{63497E25-CDA1-4359-BFE0-FE2836652BE1}" dt="2025-03-23T23:24:45.851" v="8" actId="207"/>
+          <pc:chgData name="Brady Merkel" userId="077b44faa59125c6" providerId="LiveId" clId="{63497E25-CDA1-4359-BFE0-FE2836652BE1}" dt="2025-03-23T23:51:09.663" v="11"/>
           <pc:sldLayoutMkLst>
             <pc:docMk/>
             <pc:sldMasterMk cId="3257810563" sldId="2147483670"/>
@@ -671,7 +671,7 @@
           </pc:spChg>
         </pc:sldLayoutChg>
         <pc:sldLayoutChg chg="setBg">
-          <pc:chgData name="Brady Merkel" userId="077b44faa59125c6" providerId="LiveId" clId="{63497E25-CDA1-4359-BFE0-FE2836652BE1}" dt="2025-03-23T23:24:25.124" v="7"/>
+          <pc:chgData name="Brady Merkel" userId="077b44faa59125c6" providerId="LiveId" clId="{63497E25-CDA1-4359-BFE0-FE2836652BE1}" dt="2025-03-23T23:51:13.317" v="12"/>
           <pc:sldLayoutMkLst>
             <pc:docMk/>
             <pc:sldMasterMk cId="3257810563" sldId="2147483670"/>
@@ -4948,12 +4948,9 @@
 <p:sldLayout xmlns:a="http://schemas.openxmlformats.org/drawingml/2006/main" xmlns:r="http://schemas.openxmlformats.org/officeDocument/2006/relationships" xmlns:p="http://schemas.openxmlformats.org/presentationml/2006/main" matchingName="Title Slide">
   <p:cSld name="1_Title Slide">
     <p:bg>
-      <p:bgPr>
-        <a:solidFill>
-          <a:schemeClr val="bg1"/>
-        </a:solidFill>
-        <a:effectLst/>
-      </p:bgPr>
+      <p:bgRef idx="1001">
+        <a:schemeClr val="bg1"/>
+      </p:bgRef>
     </p:bg>
     <p:spTree>
       <p:nvGrpSpPr>
@@ -5586,7 +5583,7 @@
     </p:extLst>
   </p:cSld>
   <p:clrMapOvr>
-    <a:masterClrMapping/>
+    <a:overrideClrMapping bg1="lt1" tx1="dk1" bg2="lt2" tx2="dk2" accent1="accent1" accent2="accent2" accent3="accent3" accent4="accent4" accent5="accent5" accent6="accent6" hlink="hlink" folHlink="folHlink"/>
   </p:clrMapOvr>
 </p:sldLayout>
 </file>
@@ -5595,12 +5592,9 @@
 <p:sldLayout xmlns:a="http://schemas.openxmlformats.org/drawingml/2006/main" xmlns:r="http://schemas.openxmlformats.org/officeDocument/2006/relationships" xmlns:p="http://schemas.openxmlformats.org/presentationml/2006/main" matchingName="7_Picture with Caption">
   <p:cSld name="7_Picture with Caption">
     <p:bg>
-      <p:bgPr>
-        <a:solidFill>
-          <a:schemeClr val="bg1"/>
-        </a:solidFill>
-        <a:effectLst/>
-      </p:bgPr>
+      <p:bgRef idx="1001">
+        <a:schemeClr val="bg1"/>
+      </p:bgRef>
     </p:bg>
     <p:spTree>
       <p:nvGrpSpPr>
@@ -6206,7 +6200,7 @@
           <p:nvPr userDrawn="1"/>
         </p:nvPicPr>
         <p:blipFill>
-          <a:blip r:embed="rId2" cstate="print">
+          <a:blip r:embed="rId2" cstate="screen">
             <a:alphaModFix/>
             <a:extLst>
               <a:ext uri="{28A0092B-C50C-407E-A947-70E740481C1C}">
@@ -6239,7 +6233,7 @@
     </p:extLst>
   </p:cSld>
   <p:clrMapOvr>
-    <a:masterClrMapping/>
+    <a:overrideClrMapping bg1="lt1" tx1="dk1" bg2="lt2" tx2="dk2" accent1="accent1" accent2="accent2" accent3="accent3" accent4="accent4" accent5="accent5" accent6="accent6" hlink="hlink" folHlink="folHlink"/>
   </p:clrMapOvr>
 </p:sldLayout>
 </file>
@@ -6894,30 +6888,6 @@
             </a:r>
             <a:endParaRPr sz="3600" dirty="0"/>
           </a:p>
-          <a:p>
-            <a:pPr marL="0" lvl="0" indent="0" algn="ctr" rtl="0">
-              <a:lnSpc>
-                <a:spcPct val="100000"/>
-              </a:lnSpc>
-              <a:spcBef>
-                <a:spcPts val="0"/>
-              </a:spcBef>
-              <a:spcAft>
-                <a:spcPts val="0"/>
-              </a:spcAft>
-              <a:buClr>
-                <a:srgbClr val="000000"/>
-              </a:buClr>
-              <a:buSzPts val="3600"/>
-              <a:buFont typeface="Roboto"/>
-              <a:buNone/>
-            </a:pPr>
-            <a:r>
-              <a:rPr lang="en" sz="2500" dirty="0"/>
-              <a:t>Qualifier Tournament 2025</a:t>
-            </a:r>
-            <a:endParaRPr sz="2500" dirty="0"/>
-          </a:p>
         </p:txBody>
       </p:sp>
       <p:pic>
@@ -6927,7 +6897,7 @@
           <p:nvPr/>
         </p:nvPicPr>
         <p:blipFill>
-          <a:blip r:embed="rId3" cstate="print">
+          <a:blip r:embed="rId3" cstate="screen">
             <a:alphaModFix/>
             <a:extLst>
               <a:ext uri="{28A0092B-C50C-407E-A947-70E740481C1C}">
@@ -9387,7 +9357,7 @@
           <p:nvPr/>
         </p:nvPicPr>
         <p:blipFill>
-          <a:blip r:embed="rId3" cstate="print">
+          <a:blip r:embed="rId3" cstate="screen">
             <a:alphaModFix/>
             <a:extLst>
               <a:ext uri="{28A0092B-C50C-407E-A947-70E740481C1C}">
@@ -9625,8 +9595,13 @@
           <p:nvPr/>
         </p:nvPicPr>
         <p:blipFill>
-          <a:blip r:embed="rId3">
+          <a:blip r:embed="rId3" cstate="screen">
             <a:alphaModFix/>
+            <a:extLst>
+              <a:ext uri="{28A0092B-C50C-407E-A947-70E740481C1C}">
+                <a14:useLocalDpi xmlns:a14="http://schemas.microsoft.com/office/drawing/2010/main"/>
+              </a:ext>
+            </a:extLst>
           </a:blip>
           <a:stretch>
             <a:fillRect/>
@@ -10348,8 +10323,13 @@
           <p:nvPr/>
         </p:nvPicPr>
         <p:blipFill>
-          <a:blip r:embed="rId3">
+          <a:blip r:embed="rId3" cstate="screen">
             <a:alphaModFix/>
+            <a:extLst>
+              <a:ext uri="{28A0092B-C50C-407E-A947-70E740481C1C}">
+                <a14:useLocalDpi xmlns:a14="http://schemas.microsoft.com/office/drawing/2010/main"/>
+              </a:ext>
+            </a:extLst>
           </a:blip>
           <a:stretch>
             <a:fillRect/>
@@ -10623,8 +10603,13 @@
           <p:nvPr/>
         </p:nvPicPr>
         <p:blipFill rotWithShape="1">
-          <a:blip r:embed="rId3">
+          <a:blip r:embed="rId3" cstate="screen">
             <a:alphaModFix/>
+            <a:extLst>
+              <a:ext uri="{28A0092B-C50C-407E-A947-70E740481C1C}">
+                <a14:useLocalDpi xmlns:a14="http://schemas.microsoft.com/office/drawing/2010/main"/>
+              </a:ext>
+            </a:extLst>
           </a:blip>
           <a:srcRect/>
           <a:stretch/>
@@ -11467,14 +11452,14 @@
           <p:nvPr/>
         </p:nvPicPr>
         <p:blipFill>
-          <a:blip r:embed="rId2" cstate="print">
+          <a:blip r:embed="rId2" cstate="screen">
             <a:extLst>
               <a:ext uri="{28A0092B-C50C-407E-A947-70E740481C1C}">
                 <a14:useLocalDpi xmlns:a14="http://schemas.microsoft.com/office/drawing/2010/main"/>
               </a:ext>
             </a:extLst>
           </a:blip>
-          <a:srcRect t="7739" b="16247"/>
+          <a:srcRect/>
           <a:stretch/>
         </p:blipFill>
         <p:spPr>

--- a/Api/Templates/Awards Ceremony - Short.pptx
+++ b/Api/Templates/Awards Ceremony - Short.pptx
@@ -1,6 +1,6 @@
 
 <file path=ppt/presentation.xml><?xml version="1.0" encoding="utf-8"?>
-<p:presentation xmlns:a="http://schemas.openxmlformats.org/drawingml/2006/main" xmlns:r="http://schemas.openxmlformats.org/officeDocument/2006/relationships" xmlns:p="http://schemas.openxmlformats.org/presentationml/2006/main" strictFirstAndLastChars="0" embedTrueTypeFonts="1" saveSubsetFonts="1" autoCompressPictures="0">
+<p:presentation xmlns:a="http://schemas.openxmlformats.org/drawingml/2006/main" xmlns:r="http://schemas.openxmlformats.org/officeDocument/2006/relationships" xmlns:p="http://schemas.openxmlformats.org/presentationml/2006/main" strictFirstAndLastChars="0" saveSubsetFonts="1" autoCompressPictures="0">
   <p:sldMasterIdLst>
     <p:sldMasterId id="2147483670" r:id="rId1"/>
   </p:sldMasterIdLst>
@@ -39,22 +39,6 @@
   </p:sldIdLst>
   <p:sldSz cx="9144000" cy="5143500" type="screen16x9"/>
   <p:notesSz cx="6858000" cy="9144000"/>
-  <p:embeddedFontLst>
-    <p:embeddedFont>
-      <p:font typeface="Roboto" panose="020B0604020202020204" charset="0"/>
-      <p:regular r:id="rId31"/>
-      <p:bold r:id="rId32"/>
-      <p:italic r:id="rId33"/>
-      <p:boldItalic r:id="rId34"/>
-    </p:embeddedFont>
-    <p:embeddedFont>
-      <p:font typeface="Roboto Condensed" panose="020B0604020202020204" charset="0"/>
-      <p:regular r:id="rId35"/>
-      <p:bold r:id="rId36"/>
-      <p:italic r:id="rId37"/>
-      <p:boldItalic r:id="rId38"/>
-    </p:embeddedFont>
-  </p:embeddedFontLst>
   <p:defaultTextStyle>
     <a:defPPr>
       <a:defRPr lang="en-US"/>
@@ -174,7 +158,7 @@
   <pc:docChgLst>
     <pc:chgData name="Brady Merkel" userId="077b44faa59125c6" providerId="LiveId" clId="{63497E25-CDA1-4359-BFE0-FE2836652BE1}"/>
     <pc:docChg chg="custSel delSld modSld modMainMaster">
-      <pc:chgData name="Brady Merkel" userId="077b44faa59125c6" providerId="LiveId" clId="{63497E25-CDA1-4359-BFE0-FE2836652BE1}" dt="2025-03-23T23:51:44.825" v="13" actId="20577"/>
+      <pc:chgData name="Brady Merkel" userId="077b44faa59125c6" providerId="LiveId" clId="{63497E25-CDA1-4359-BFE0-FE2836652BE1}" dt="2025-06-01T14:06:14.940" v="86" actId="478"/>
       <pc:docMkLst>
         <pc:docMk/>
       </pc:docMkLst>
@@ -191,14 +175,6 @@
           <pc:docMk/>
           <pc:sldMk cId="0" sldId="259"/>
         </pc:sldMkLst>
-        <pc:spChg chg="add del mod">
-          <ac:chgData name="Brady Merkel" userId="077b44faa59125c6" providerId="LiveId" clId="{63497E25-CDA1-4359-BFE0-FE2836652BE1}" dt="2025-03-23T23:25:05.970" v="9" actId="6264"/>
-          <ac:spMkLst>
-            <pc:docMk/>
-            <pc:sldMk cId="0" sldId="259"/>
-            <ac:spMk id="2" creationId="{A5292C61-5CC3-1B8B-E55F-D9B386EBB6C0}"/>
-          </ac:spMkLst>
-        </pc:spChg>
         <pc:spChg chg="add mod ord">
           <ac:chgData name="Brady Merkel" userId="077b44faa59125c6" providerId="LiveId" clId="{63497E25-CDA1-4359-BFE0-FE2836652BE1}" dt="2025-03-23T23:25:05.978" v="10" actId="27636"/>
           <ac:spMkLst>
@@ -515,8 +491,8 @@
           </ac:spMkLst>
         </pc:spChg>
       </pc:sldChg>
-      <pc:sldChg chg="modSp">
-        <pc:chgData name="Brady Merkel" userId="077b44faa59125c6" providerId="LiveId" clId="{63497E25-CDA1-4359-BFE0-FE2836652BE1}" dt="2025-03-23T23:22:59.279" v="3"/>
+      <pc:sldChg chg="delSp modSp mod">
+        <pc:chgData name="Brady Merkel" userId="077b44faa59125c6" providerId="LiveId" clId="{63497E25-CDA1-4359-BFE0-FE2836652BE1}" dt="2025-06-01T14:06:14.940" v="86" actId="478"/>
         <pc:sldMkLst>
           <pc:docMk/>
           <pc:sldMk cId="854740014" sldId="300"/>
@@ -529,6 +505,22 @@
             <ac:spMk id="2" creationId="{4122A3F8-EFB9-FC12-0E0B-DB541BE52A16}"/>
           </ac:spMkLst>
         </pc:spChg>
+        <pc:spChg chg="mod ord">
+          <ac:chgData name="Brady Merkel" userId="077b44faa59125c6" providerId="LiveId" clId="{63497E25-CDA1-4359-BFE0-FE2836652BE1}" dt="2025-06-01T13:56:58.598" v="36" actId="27636"/>
+          <ac:spMkLst>
+            <pc:docMk/>
+            <pc:sldMk cId="854740014" sldId="300"/>
+            <ac:spMk id="3" creationId="{C03E5D99-93D5-50C0-6E73-973C60A71B26}"/>
+          </ac:spMkLst>
+        </pc:spChg>
+        <pc:picChg chg="del">
+          <ac:chgData name="Brady Merkel" userId="077b44faa59125c6" providerId="LiveId" clId="{63497E25-CDA1-4359-BFE0-FE2836652BE1}" dt="2025-06-01T14:06:14.940" v="86" actId="478"/>
+          <ac:picMkLst>
+            <pc:docMk/>
+            <pc:sldMk cId="854740014" sldId="300"/>
+            <ac:picMk id="5" creationId="{7CE04B72-2BA1-4604-359B-8D5898B010AC}"/>
+          </ac:picMkLst>
+        </pc:picChg>
       </pc:sldChg>
       <pc:sldChg chg="modSp mod">
         <pc:chgData name="Brady Merkel" userId="077b44faa59125c6" providerId="LiveId" clId="{63497E25-CDA1-4359-BFE0-FE2836652BE1}" dt="2025-03-23T23:51:44.825" v="13" actId="20577"/>
@@ -545,12 +537,20 @@
           </ac:spMkLst>
         </pc:spChg>
       </pc:sldChg>
-      <pc:sldChg chg="modSp">
-        <pc:chgData name="Brady Merkel" userId="077b44faa59125c6" providerId="LiveId" clId="{63497E25-CDA1-4359-BFE0-FE2836652BE1}" dt="2025-03-23T23:22:59.279" v="3"/>
+      <pc:sldChg chg="delSp modSp mod">
+        <pc:chgData name="Brady Merkel" userId="077b44faa59125c6" providerId="LiveId" clId="{63497E25-CDA1-4359-BFE0-FE2836652BE1}" dt="2025-06-01T14:04:18.545" v="83" actId="478"/>
         <pc:sldMkLst>
           <pc:docMk/>
           <pc:sldMk cId="0" sldId="303"/>
         </pc:sldMkLst>
+        <pc:spChg chg="mod">
+          <ac:chgData name="Brady Merkel" userId="077b44faa59125c6" providerId="LiveId" clId="{63497E25-CDA1-4359-BFE0-FE2836652BE1}" dt="2025-06-01T14:03:26.643" v="78" actId="20577"/>
+          <ac:spMkLst>
+            <pc:docMk/>
+            <pc:sldMk cId="0" sldId="303"/>
+            <ac:spMk id="222" creationId="{00000000-0000-0000-0000-000000000000}"/>
+          </ac:spMkLst>
+        </pc:spChg>
         <pc:spChg chg="mod">
           <ac:chgData name="Brady Merkel" userId="077b44faa59125c6" providerId="LiveId" clId="{63497E25-CDA1-4359-BFE0-FE2836652BE1}" dt="2025-03-23T23:22:59.279" v="3"/>
           <ac:spMkLst>
@@ -560,16 +560,32 @@
           </ac:spMkLst>
         </pc:spChg>
         <pc:spChg chg="mod">
-          <ac:chgData name="Brady Merkel" userId="077b44faa59125c6" providerId="LiveId" clId="{63497E25-CDA1-4359-BFE0-FE2836652BE1}" dt="2025-03-23T23:22:59.279" v="3"/>
+          <ac:chgData name="Brady Merkel" userId="077b44faa59125c6" providerId="LiveId" clId="{63497E25-CDA1-4359-BFE0-FE2836652BE1}" dt="2025-06-01T14:04:02.643" v="82" actId="20577"/>
           <ac:spMkLst>
             <pc:docMk/>
             <pc:sldMk cId="0" sldId="303"/>
             <ac:spMk id="226" creationId="{00000000-0000-0000-0000-000000000000}"/>
           </ac:spMkLst>
         </pc:spChg>
+        <pc:spChg chg="mod">
+          <ac:chgData name="Brady Merkel" userId="077b44faa59125c6" providerId="LiveId" clId="{63497E25-CDA1-4359-BFE0-FE2836652BE1}" dt="2025-06-01T14:02:59.766" v="71" actId="2711"/>
+          <ac:spMkLst>
+            <pc:docMk/>
+            <pc:sldMk cId="0" sldId="303"/>
+            <ac:spMk id="227" creationId="{00000000-0000-0000-0000-000000000000}"/>
+          </ac:spMkLst>
+        </pc:spChg>
+        <pc:picChg chg="del">
+          <ac:chgData name="Brady Merkel" userId="077b44faa59125c6" providerId="LiveId" clId="{63497E25-CDA1-4359-BFE0-FE2836652BE1}" dt="2025-06-01T14:04:18.545" v="83" actId="478"/>
+          <ac:picMkLst>
+            <pc:docMk/>
+            <pc:sldMk cId="0" sldId="303"/>
+            <ac:picMk id="224" creationId="{00000000-0000-0000-0000-000000000000}"/>
+          </ac:picMkLst>
+        </pc:picChg>
       </pc:sldChg>
-      <pc:sldChg chg="modSp">
-        <pc:chgData name="Brady Merkel" userId="077b44faa59125c6" providerId="LiveId" clId="{63497E25-CDA1-4359-BFE0-FE2836652BE1}" dt="2025-03-23T23:22:59.279" v="3"/>
+      <pc:sldChg chg="delSp modSp mod">
+        <pc:chgData name="Brady Merkel" userId="077b44faa59125c6" providerId="LiveId" clId="{63497E25-CDA1-4359-BFE0-FE2836652BE1}" dt="2025-06-01T14:04:48.598" v="85" actId="2711"/>
         <pc:sldMkLst>
           <pc:docMk/>
           <pc:sldMk cId="0" sldId="304"/>
@@ -582,6 +598,22 @@
             <ac:spMk id="232" creationId="{00000000-0000-0000-0000-000000000000}"/>
           </ac:spMkLst>
         </pc:spChg>
+        <pc:spChg chg="mod">
+          <ac:chgData name="Brady Merkel" userId="077b44faa59125c6" providerId="LiveId" clId="{63497E25-CDA1-4359-BFE0-FE2836652BE1}" dt="2025-06-01T14:04:48.598" v="85" actId="2711"/>
+          <ac:spMkLst>
+            <pc:docMk/>
+            <pc:sldMk cId="0" sldId="304"/>
+            <ac:spMk id="242" creationId="{00000000-0000-0000-0000-000000000000}"/>
+          </ac:spMkLst>
+        </pc:spChg>
+        <pc:picChg chg="del">
+          <ac:chgData name="Brady Merkel" userId="077b44faa59125c6" providerId="LiveId" clId="{63497E25-CDA1-4359-BFE0-FE2836652BE1}" dt="2025-06-01T14:04:22.729" v="84" actId="478"/>
+          <ac:picMkLst>
+            <pc:docMk/>
+            <pc:sldMk cId="0" sldId="304"/>
+            <ac:picMk id="235" creationId="{00000000-0000-0000-0000-000000000000}"/>
+          </ac:picMkLst>
+        </pc:picChg>
       </pc:sldChg>
       <pc:sldChg chg="modSp">
         <pc:chgData name="Brady Merkel" userId="077b44faa59125c6" providerId="LiveId" clId="{63497E25-CDA1-4359-BFE0-FE2836652BE1}" dt="2025-03-23T23:22:59.279" v="3"/>
@@ -6406,7 +6438,7 @@
           <a:p>
             <a:fld id="{5046B780-3E36-4981-AABA-86BCA52AC442}" type="datetimeFigureOut">
               <a:rPr lang="en-US" smtClean="0"/>
-              <a:t>3/23/2025</a:t>
+              <a:t>6/1/2025</a:t>
             </a:fld>
             <a:endParaRPr lang="en-US"/>
           </a:p>
@@ -8140,11 +8172,20 @@
           <a:p>
             <a:pPr lvl="0"/>
             <a:r>
-              <a:rPr lang="en-US">
+              <a:rPr lang="en-US" dirty="0">
                 <a:sym typeface="Roboto"/>
               </a:rPr>
-              <a:t>Thank-yous</a:t>
+              <a:t>Thank-</a:t>
             </a:r>
+            <a:r>
+              <a:rPr lang="en-US" dirty="0" err="1">
+                <a:sym typeface="Roboto"/>
+              </a:rPr>
+              <a:t>yous</a:t>
+            </a:r>
+            <a:endParaRPr lang="en-US" dirty="0">
+              <a:sym typeface="Roboto"/>
+            </a:endParaRPr>
           </a:p>
         </p:txBody>
       </p:sp>
@@ -8815,8 +8856,8 @@
         </p:nvSpPr>
         <p:spPr>
           <a:xfrm>
-            <a:off x="318850" y="1316075"/>
-            <a:ext cx="8601600" cy="609600"/>
+            <a:off x="501100" y="1316075"/>
+            <a:ext cx="8419350" cy="609600"/>
           </a:xfrm>
           <a:prstGeom prst="rect">
             <a:avLst/>
@@ -8834,7 +8875,7 @@
           </a:bodyPr>
           <a:lstStyle/>
           <a:p>
-            <a:pPr marL="0" lvl="0" indent="0" algn="ctr" rtl="0">
+            <a:pPr marL="0" lvl="0" indent="0" rtl="0">
               <a:lnSpc>
                 <a:spcPct val="100000"/>
               </a:lnSpc>
@@ -8857,39 +8898,22 @@
                   <a:schemeClr val="lt1"/>
                 </a:highlight>
               </a:rPr>
-              <a:t>5 Teams will receive bids to advance to the Northeast Florida Regional Championship on January 17</a:t>
+              <a:t>Five Teams will receive bids to advance to the</a:t>
             </a:r>
-            <a:r>
-              <a:rPr lang="en" sz="2360" baseline="30000" dirty="0">
+            <a:br>
+              <a:rPr lang="en" sz="2360" dirty="0">
                 <a:highlight>
                   <a:schemeClr val="lt1"/>
                 </a:highlight>
               </a:rPr>
-              <a:t>th</a:t>
-            </a:r>
+            </a:br>
             <a:r>
               <a:rPr lang="en" sz="2360" dirty="0">
                 <a:highlight>
                   <a:schemeClr val="lt1"/>
                 </a:highlight>
               </a:rPr>
-              <a:t> &amp; 18</a:t>
-            </a:r>
-            <a:r>
-              <a:rPr lang="en" sz="2360" baseline="30000" dirty="0">
-                <a:highlight>
-                  <a:schemeClr val="lt1"/>
-                </a:highlight>
-              </a:rPr>
-              <a:t>th</a:t>
-            </a:r>
-            <a:r>
-              <a:rPr lang="en" sz="2360" dirty="0">
-                <a:highlight>
-                  <a:schemeClr val="lt1"/>
-                </a:highlight>
-              </a:rPr>
-              <a:t> 2025 TODAY!</a:t>
+              <a:t>Northeast Florida Regional Championship TODAY!</a:t>
             </a:r>
             <a:endParaRPr sz="2360" dirty="0">
               <a:highlight>
@@ -8965,8 +8989,8 @@
         </p:nvSpPr>
         <p:spPr>
           <a:xfrm>
-            <a:off x="0" y="2379663"/>
-            <a:ext cx="8858250" cy="1709737"/>
+            <a:off x="501100" y="2379663"/>
+            <a:ext cx="8357150" cy="1709737"/>
           </a:xfrm>
           <a:prstGeom prst="rect">
             <a:avLst/>
@@ -9007,23 +9031,7 @@
                   <a:schemeClr val="lt1"/>
                 </a:highlight>
               </a:rPr>
-              <a:t>From Regionals, 23 Teams will advance to the FLORIDA STATE CHAMPIONSHIP FEBRUARY 8</a:t>
-            </a:r>
-            <a:r>
-              <a:rPr lang="en" sz="1500" baseline="30000" dirty="0">
-                <a:highlight>
-                  <a:schemeClr val="lt1"/>
-                </a:highlight>
-              </a:rPr>
-              <a:t>TH</a:t>
-            </a:r>
-            <a:r>
-              <a:rPr lang="en" sz="1500" dirty="0">
-                <a:highlight>
-                  <a:schemeClr val="lt1"/>
-                </a:highlight>
-              </a:rPr>
-              <a:t> 2025</a:t>
+              <a:t>From Regionals, 23 Teams will advance to the FLORIDA STATE CHAMPIONSHIP</a:t>
             </a:r>
             <a:endParaRPr sz="1500" dirty="0">
               <a:highlight>
@@ -9082,7 +9090,6 @@
                 <a:highlight>
                   <a:schemeClr val="lt1"/>
                 </a:highlight>
-                <a:latin typeface="Roboto Condensed"/>
                 <a:ea typeface="Roboto Condensed"/>
                 <a:cs typeface="Roboto Condensed"/>
                 <a:sym typeface="Roboto Condensed"/>
@@ -9096,7 +9103,6 @@
               <a:highlight>
                 <a:schemeClr val="lt1"/>
               </a:highlight>
-              <a:latin typeface="Roboto Condensed"/>
               <a:ea typeface="Roboto Condensed"/>
               <a:cs typeface="Roboto Condensed"/>
               <a:sym typeface="Roboto Condensed"/>
@@ -9125,12 +9131,11 @@
                 <a:highlight>
                   <a:schemeClr val="lt1"/>
                 </a:highlight>
-                <a:latin typeface="Roboto Condensed"/>
                 <a:ea typeface="Roboto Condensed"/>
                 <a:cs typeface="Roboto Condensed"/>
                 <a:sym typeface="Roboto Condensed"/>
               </a:rPr>
-              <a:t>2 Teams will advance to World Festival in Houston April 16th - 19th 2025</a:t>
+              <a:t>2 Teams will advance to World Festival in Houston</a:t>
             </a:r>
             <a:endParaRPr sz="1500" dirty="0">
               <a:solidFill>
@@ -9139,7 +9144,6 @@
               <a:highlight>
                 <a:schemeClr val="lt1"/>
               </a:highlight>
-              <a:latin typeface="Roboto Condensed"/>
               <a:ea typeface="Roboto Condensed"/>
               <a:cs typeface="Roboto Condensed"/>
               <a:sym typeface="Roboto Condensed"/>
@@ -9168,12 +9172,11 @@
                 <a:highlight>
                   <a:schemeClr val="lt1"/>
                 </a:highlight>
-                <a:latin typeface="Roboto Condensed"/>
                 <a:ea typeface="Roboto Condensed"/>
                 <a:cs typeface="Roboto Condensed"/>
                 <a:sym typeface="Roboto Condensed"/>
               </a:rPr>
-              <a:t>1 Team will advance to the Open Africa Championship in South Africa May 7 - 9 2025</a:t>
+              <a:t>1 Team will advance to the Open Africa Championship in South Africa</a:t>
             </a:r>
             <a:endParaRPr sz="1500" dirty="0">
               <a:solidFill>
@@ -9182,7 +9185,6 @@
               <a:highlight>
                 <a:schemeClr val="lt1"/>
               </a:highlight>
-              <a:latin typeface="Roboto Condensed"/>
               <a:ea typeface="Roboto Condensed"/>
               <a:cs typeface="Roboto Condensed"/>
               <a:sym typeface="Roboto Condensed"/>
@@ -9211,12 +9213,11 @@
                 <a:highlight>
                   <a:schemeClr val="lt1"/>
                 </a:highlight>
-                <a:latin typeface="Roboto Condensed"/>
                 <a:ea typeface="Roboto Condensed"/>
                 <a:cs typeface="Roboto Condensed"/>
                 <a:sym typeface="Roboto Condensed"/>
               </a:rPr>
-              <a:t>1 Team will advance to Western Edge Open in California May 30 - June 1 205</a:t>
+              <a:t>1 Team will advance to Western Edge Open in California</a:t>
             </a:r>
             <a:endParaRPr sz="1500" dirty="0">
               <a:solidFill>
@@ -9225,7 +9226,6 @@
               <a:highlight>
                 <a:schemeClr val="lt1"/>
               </a:highlight>
-              <a:latin typeface="Roboto Condensed"/>
               <a:ea typeface="Roboto Condensed"/>
               <a:cs typeface="Roboto Condensed"/>
               <a:sym typeface="Roboto Condensed"/>
@@ -9254,12 +9254,11 @@
                 <a:highlight>
                   <a:schemeClr val="lt1"/>
                 </a:highlight>
-                <a:latin typeface="Roboto Condensed"/>
                 <a:ea typeface="Roboto Condensed"/>
                 <a:cs typeface="Roboto Condensed"/>
                 <a:sym typeface="Roboto Condensed"/>
               </a:rPr>
-              <a:t>5 Teams will advance to Florida Sunshine Invitiational in Daytona FL (1 guaranteed NEFL bid) June 24-28 2025</a:t>
+              <a:t>5 Teams will advance to Florida Sunshine Invitiational in Daytona FL (1 guaranteed NEFL bid)</a:t>
             </a:r>
             <a:endParaRPr sz="1500" dirty="0">
               <a:solidFill>
@@ -9268,7 +9267,6 @@
               <a:highlight>
                 <a:schemeClr val="lt1"/>
               </a:highlight>
-              <a:latin typeface="Roboto Condensed"/>
               <a:ea typeface="Roboto Condensed"/>
               <a:cs typeface="Roboto Condensed"/>
               <a:sym typeface="Roboto Condensed"/>
@@ -9350,29 +9348,16 @@
           </a:p>
         </p:txBody>
       </p:sp>
-      <p:pic>
-        <p:nvPicPr>
-          <p:cNvPr id="224" name="Google Shape;224;p42"/>
-          <p:cNvPicPr preferRelativeResize="0"/>
+      <p:sp>
+        <p:nvSpPr>
+          <p:cNvPr id="227" name="Google Shape;227;p42"/>
+          <p:cNvSpPr txBox="1"/>
           <p:nvPr/>
-        </p:nvPicPr>
-        <p:blipFill>
-          <a:blip r:embed="rId3" cstate="screen">
-            <a:alphaModFix/>
-            <a:extLst>
-              <a:ext uri="{28A0092B-C50C-407E-A947-70E740481C1C}">
-                <a14:useLocalDpi xmlns:a14="http://schemas.microsoft.com/office/drawing/2010/main"/>
-              </a:ext>
-            </a:extLst>
-          </a:blip>
-          <a:stretch>
-            <a:fillRect/>
-          </a:stretch>
-        </p:blipFill>
+        </p:nvSpPr>
         <p:spPr>
           <a:xfrm>
-            <a:off x="188650" y="-429825"/>
-            <a:ext cx="2066600" cy="2066600"/>
+            <a:off x="501100" y="3825300"/>
+            <a:ext cx="8237100" cy="390000"/>
           </a:xfrm>
           <a:prstGeom prst="rect">
             <a:avLst/>
@@ -9382,26 +9367,6 @@
             <a:noFill/>
           </a:ln>
         </p:spPr>
-      </p:pic>
-      <p:sp>
-        <p:nvSpPr>
-          <p:cNvPr id="227" name="Google Shape;227;p42"/>
-          <p:cNvSpPr txBox="1"/>
-          <p:nvPr/>
-        </p:nvSpPr>
-        <p:spPr>
-          <a:xfrm>
-            <a:off x="501100" y="3825300"/>
-            <a:ext cx="8237100" cy="390000"/>
-          </a:xfrm>
-          <a:prstGeom prst="rect">
-            <a:avLst/>
-          </a:prstGeom>
-          <a:noFill/>
-          <a:ln>
-            <a:noFill/>
-          </a:ln>
-        </p:spPr>
         <p:txBody>
           <a:bodyPr spcFirstLastPara="1" wrap="square" lIns="91425" tIns="91425" rIns="91425" bIns="91425" anchor="t" anchorCtr="0">
             <a:noAutofit/>
@@ -9418,22 +9383,22 @@
               <a:buNone/>
             </a:pPr>
             <a:r>
-              <a:rPr lang="en" sz="2000">
+              <a:rPr lang="en" sz="2000" dirty="0">
                 <a:solidFill>
                   <a:srgbClr val="4A86E8"/>
                 </a:solidFill>
-                <a:latin typeface="Roboto"/>
+                <a:latin typeface="+mj-lt"/>
                 <a:ea typeface="Roboto"/>
                 <a:cs typeface="Roboto"/>
                 <a:sym typeface="Roboto"/>
               </a:rPr>
               <a:t>One alternative bid will be given out today.</a:t>
             </a:r>
-            <a:endParaRPr sz="2000">
+            <a:endParaRPr sz="2000" dirty="0">
               <a:solidFill>
                 <a:srgbClr val="4A86E8"/>
               </a:solidFill>
-              <a:latin typeface="Roboto"/>
+              <a:latin typeface="+mj-lt"/>
               <a:ea typeface="Roboto"/>
               <a:cs typeface="Roboto"/>
               <a:sym typeface="Roboto"/>
@@ -9511,14 +9476,14 @@
               <a:buNone/>
             </a:pPr>
             <a:r>
-              <a:rPr lang="en">
+              <a:rPr lang="en" dirty="0">
                 <a:highlight>
                   <a:schemeClr val="lt1"/>
                 </a:highlight>
               </a:rPr>
               <a:t>Teams advancing to the Northeast Florida Regional Championship</a:t>
             </a:r>
-            <a:endParaRPr>
+            <a:endParaRPr dirty="0">
               <a:highlight>
                 <a:schemeClr val="lt1"/>
               </a:highlight>
@@ -9573,14 +9538,14 @@
               <a:buNone/>
             </a:pPr>
             <a:r>
-              <a:rPr lang="en" b="1">
+              <a:rPr lang="en" b="1" dirty="0">
                 <a:highlight>
                   <a:schemeClr val="lt1"/>
                 </a:highlight>
               </a:rPr>
               <a:t>Congratulations to teams:</a:t>
             </a:r>
-            <a:endParaRPr b="1">
+            <a:endParaRPr b="1" dirty="0">
               <a:highlight>
                 <a:schemeClr val="lt1"/>
               </a:highlight>
@@ -9588,39 +9553,6 @@
           </a:p>
         </p:txBody>
       </p:sp>
-      <p:pic>
-        <p:nvPicPr>
-          <p:cNvPr id="235" name="Google Shape;235;p43"/>
-          <p:cNvPicPr preferRelativeResize="0"/>
-          <p:nvPr/>
-        </p:nvPicPr>
-        <p:blipFill>
-          <a:blip r:embed="rId3" cstate="screen">
-            <a:alphaModFix/>
-            <a:extLst>
-              <a:ext uri="{28A0092B-C50C-407E-A947-70E740481C1C}">
-                <a14:useLocalDpi xmlns:a14="http://schemas.microsoft.com/office/drawing/2010/main"/>
-              </a:ext>
-            </a:extLst>
-          </a:blip>
-          <a:stretch>
-            <a:fillRect/>
-          </a:stretch>
-        </p:blipFill>
-        <p:spPr>
-          <a:xfrm>
-            <a:off x="201225" y="829750"/>
-            <a:ext cx="2396925" cy="2396925"/>
-          </a:xfrm>
-          <a:prstGeom prst="rect">
-            <a:avLst/>
-          </a:prstGeom>
-          <a:noFill/>
-          <a:ln>
-            <a:noFill/>
-          </a:ln>
-        </p:spPr>
-      </p:pic>
       <p:sp>
         <p:nvSpPr>
           <p:cNvPr id="236" name="Google Shape;236;p43"/>
@@ -9953,7 +9885,6 @@
             </a:pPr>
             <a:r>
               <a:rPr lang="en" sz="1300" b="1" dirty="0">
-                <a:latin typeface="Roboto"/>
                 <a:ea typeface="Roboto"/>
                 <a:cs typeface="Roboto"/>
                 <a:sym typeface="Roboto"/>
@@ -9961,7 +9892,6 @@
               <a:t>Alternate Bid</a:t>
             </a:r>
             <a:endParaRPr sz="1000" b="1" dirty="0">
-              <a:latin typeface="Roboto"/>
               <a:ea typeface="Roboto"/>
               <a:cs typeface="Roboto"/>
               <a:sym typeface="Roboto"/>
@@ -10086,10 +10016,10 @@
               <a:buNone/>
             </a:pPr>
             <a:r>
-              <a:rPr lang="en"/>
+              <a:rPr lang="en" dirty="0"/>
               <a:t>Collect your rubrics!</a:t>
             </a:r>
-            <a:endParaRPr/>
+            <a:endParaRPr dirty="0"/>
           </a:p>
         </p:txBody>
       </p:sp>
@@ -11302,7 +11232,7 @@
         </p:spPr>
         <p:txBody>
           <a:bodyPr>
-            <a:normAutofit fontScale="92500" lnSpcReduction="20000"/>
+            <a:normAutofit fontScale="92500" lnSpcReduction="10000"/>
           </a:bodyPr>
           <a:lstStyle/>
           <a:p>
@@ -11347,15 +11277,16 @@
               </a:spcAft>
             </a:pPr>
             <a:r>
-              <a:rPr lang="en-US" sz="3900" b="1" i="0" dirty="0">
-                <a:solidFill>
-                  <a:srgbClr val="202124"/>
-                </a:solidFill>
-                <a:effectLst/>
-                <a:latin typeface="Roboto" panose="020B0604020202020204" charset="0"/>
-              </a:rPr>
-              <a:t>Doc Bots (66269)</a:t>
+              <a:rPr lang="en-US" sz="4000" b="1" dirty="0"/>
+              <a:t>{T-Shirt Award}</a:t>
             </a:r>
+            <a:endParaRPr lang="en-US" sz="3900" b="1" i="0" dirty="0">
+              <a:solidFill>
+                <a:srgbClr val="202124"/>
+              </a:solidFill>
+              <a:effectLst/>
+              <a:latin typeface="Roboto" panose="020B0604020202020204" charset="0"/>
+            </a:endParaRPr>
           </a:p>
           <a:p>
             <a:pPr marL="228600" indent="0"/>
@@ -11386,40 +11317,6 @@
               </a:rPr>
             </a:br>
             <a:r>
-              <a:rPr lang="en-US" dirty="0">
-                <a:latin typeface="Roboto" panose="020B0604020202020204" charset="0"/>
-                <a:ea typeface="Roboto" panose="020B0604020202020204" charset="0"/>
-              </a:rPr>
-              <a:t>Friday/Saturday January 17</a:t>
-            </a:r>
-            <a:r>
-              <a:rPr lang="en-US" baseline="30000" dirty="0">
-                <a:latin typeface="Roboto" panose="020B0604020202020204" charset="0"/>
-                <a:ea typeface="Roboto" panose="020B0604020202020204" charset="0"/>
-              </a:rPr>
-              <a:t>th</a:t>
-            </a:r>
-            <a:r>
-              <a:rPr lang="en-US" dirty="0">
-                <a:latin typeface="Roboto" panose="020B0604020202020204" charset="0"/>
-                <a:ea typeface="Roboto" panose="020B0604020202020204" charset="0"/>
-              </a:rPr>
-              <a:t> &amp; 18</a:t>
-            </a:r>
-            <a:r>
-              <a:rPr lang="en-US" baseline="30000" dirty="0">
-                <a:latin typeface="Roboto" panose="020B0604020202020204" charset="0"/>
-                <a:ea typeface="Roboto" panose="020B0604020202020204" charset="0"/>
-              </a:rPr>
-              <a:t>th</a:t>
-            </a:r>
-            <a:br>
-              <a:rPr lang="en-US" dirty="0">
-                <a:latin typeface="Roboto" panose="020B0604020202020204" charset="0"/>
-                <a:ea typeface="Roboto" panose="020B0604020202020204" charset="0"/>
-              </a:rPr>
-            </a:br>
-            <a:r>
               <a:rPr lang="en-US" b="0" i="0" dirty="0">
                 <a:solidFill>
                   <a:srgbClr val="202124"/>
@@ -11437,41 +11334,6 @@
           </a:p>
         </p:txBody>
       </p:sp>
-      <p:pic>
-        <p:nvPicPr>
-          <p:cNvPr id="5" name="Picture 4">
-            <a:extLst>
-              <a:ext uri="{FF2B5EF4-FFF2-40B4-BE49-F238E27FC236}">
-                <a16:creationId xmlns:a16="http://schemas.microsoft.com/office/drawing/2014/main" id="{7CE04B72-2BA1-4604-359B-8D5898B010AC}"/>
-              </a:ext>
-            </a:extLst>
-          </p:cNvPr>
-          <p:cNvPicPr>
-            <a:picLocks noChangeAspect="1"/>
-          </p:cNvPicPr>
-          <p:nvPr/>
-        </p:nvPicPr>
-        <p:blipFill>
-          <a:blip r:embed="rId2" cstate="screen">
-            <a:extLst>
-              <a:ext uri="{28A0092B-C50C-407E-A947-70E740481C1C}">
-                <a14:useLocalDpi xmlns:a14="http://schemas.microsoft.com/office/drawing/2010/main"/>
-              </a:ext>
-            </a:extLst>
-          </a:blip>
-          <a:srcRect/>
-          <a:stretch/>
-        </p:blipFill>
-        <p:spPr>
-          <a:xfrm>
-            <a:off x="4721013" y="0"/>
-            <a:ext cx="4422987" cy="4350546"/>
-          </a:xfrm>
-          <a:prstGeom prst="rect">
-            <a:avLst/>
-          </a:prstGeom>
-        </p:spPr>
-      </p:pic>
     </p:spTree>
     <p:extLst>
       <p:ext uri="{BB962C8B-B14F-4D97-AF65-F5344CB8AC3E}">

--- a/Api/Templates/Awards Ceremony - Short.pptx
+++ b/Api/Templates/Awards Ceremony - Short.pptx
@@ -151,967 +151,6 @@
     </p:ext>
   </p:extLst>
 </p:presentation>
-</file>
-
-<file path=ppt/changesInfos/changesInfo1.xml><?xml version="1.0" encoding="utf-8"?>
-<pc:chgInfo xmlns:a="http://schemas.openxmlformats.org/drawingml/2006/main" xmlns:r="http://schemas.openxmlformats.org/officeDocument/2006/relationships" xmlns:ac="http://schemas.microsoft.com/office/drawing/2013/main/command" xmlns:pc="http://schemas.microsoft.com/office/powerpoint/2013/main/command">
-  <pc:docChgLst>
-    <pc:chgData name="Brady Merkel" userId="077b44faa59125c6" providerId="LiveId" clId="{63497E25-CDA1-4359-BFE0-FE2836652BE1}"/>
-    <pc:docChg chg="custSel delSld modSld modMainMaster">
-      <pc:chgData name="Brady Merkel" userId="077b44faa59125c6" providerId="LiveId" clId="{63497E25-CDA1-4359-BFE0-FE2836652BE1}" dt="2025-06-01T14:06:14.940" v="86" actId="478"/>
-      <pc:docMkLst>
-        <pc:docMk/>
-      </pc:docMkLst>
-      <pc:sldChg chg="del">
-        <pc:chgData name="Brady Merkel" userId="077b44faa59125c6" providerId="LiveId" clId="{63497E25-CDA1-4359-BFE0-FE2836652BE1}" dt="2025-03-23T23:18:10.594" v="2" actId="47"/>
-        <pc:sldMkLst>
-          <pc:docMk/>
-          <pc:sldMk cId="0" sldId="256"/>
-        </pc:sldMkLst>
-      </pc:sldChg>
-      <pc:sldChg chg="addSp delSp modSp mod chgLayout">
-        <pc:chgData name="Brady Merkel" userId="077b44faa59125c6" providerId="LiveId" clId="{63497E25-CDA1-4359-BFE0-FE2836652BE1}" dt="2025-03-23T23:25:05.978" v="10" actId="27636"/>
-        <pc:sldMkLst>
-          <pc:docMk/>
-          <pc:sldMk cId="0" sldId="259"/>
-        </pc:sldMkLst>
-        <pc:spChg chg="add mod ord">
-          <ac:chgData name="Brady Merkel" userId="077b44faa59125c6" providerId="LiveId" clId="{63497E25-CDA1-4359-BFE0-FE2836652BE1}" dt="2025-03-23T23:25:05.978" v="10" actId="27636"/>
-          <ac:spMkLst>
-            <pc:docMk/>
-            <pc:sldMk cId="0" sldId="259"/>
-            <ac:spMk id="3" creationId="{05878970-13F9-B011-35BE-440948AA9787}"/>
-          </ac:spMkLst>
-        </pc:spChg>
-        <pc:spChg chg="mod ord">
-          <ac:chgData name="Brady Merkel" userId="077b44faa59125c6" providerId="LiveId" clId="{63497E25-CDA1-4359-BFE0-FE2836652BE1}" dt="2025-03-23T23:25:05.970" v="9" actId="6264"/>
-          <ac:spMkLst>
-            <pc:docMk/>
-            <pc:sldMk cId="0" sldId="259"/>
-            <ac:spMk id="89" creationId="{00000000-0000-0000-0000-000000000000}"/>
-          </ac:spMkLst>
-        </pc:spChg>
-      </pc:sldChg>
-      <pc:sldChg chg="modSp">
-        <pc:chgData name="Brady Merkel" userId="077b44faa59125c6" providerId="LiveId" clId="{63497E25-CDA1-4359-BFE0-FE2836652BE1}" dt="2025-03-23T23:22:59.279" v="3"/>
-        <pc:sldMkLst>
-          <pc:docMk/>
-          <pc:sldMk cId="0" sldId="266"/>
-        </pc:sldMkLst>
-        <pc:spChg chg="mod">
-          <ac:chgData name="Brady Merkel" userId="077b44faa59125c6" providerId="LiveId" clId="{63497E25-CDA1-4359-BFE0-FE2836652BE1}" dt="2025-03-23T23:22:59.279" v="3"/>
-          <ac:spMkLst>
-            <pc:docMk/>
-            <pc:sldMk cId="0" sldId="266"/>
-            <ac:spMk id="127" creationId="{00000000-0000-0000-0000-000000000000}"/>
-          </ac:spMkLst>
-        </pc:spChg>
-        <pc:spChg chg="mod">
-          <ac:chgData name="Brady Merkel" userId="077b44faa59125c6" providerId="LiveId" clId="{63497E25-CDA1-4359-BFE0-FE2836652BE1}" dt="2025-03-23T23:22:59.279" v="3"/>
-          <ac:spMkLst>
-            <pc:docMk/>
-            <pc:sldMk cId="0" sldId="266"/>
-            <ac:spMk id="128" creationId="{00000000-0000-0000-0000-000000000000}"/>
-          </ac:spMkLst>
-        </pc:spChg>
-      </pc:sldChg>
-      <pc:sldChg chg="modSp">
-        <pc:chgData name="Brady Merkel" userId="077b44faa59125c6" providerId="LiveId" clId="{63497E25-CDA1-4359-BFE0-FE2836652BE1}" dt="2025-03-23T23:22:59.279" v="3"/>
-        <pc:sldMkLst>
-          <pc:docMk/>
-          <pc:sldMk cId="0" sldId="267"/>
-        </pc:sldMkLst>
-        <pc:spChg chg="mod">
-          <ac:chgData name="Brady Merkel" userId="077b44faa59125c6" providerId="LiveId" clId="{63497E25-CDA1-4359-BFE0-FE2836652BE1}" dt="2025-03-23T23:22:59.279" v="3"/>
-          <ac:spMkLst>
-            <pc:docMk/>
-            <pc:sldMk cId="0" sldId="267"/>
-            <ac:spMk id="133" creationId="{00000000-0000-0000-0000-000000000000}"/>
-          </ac:spMkLst>
-        </pc:spChg>
-        <pc:spChg chg="mod">
-          <ac:chgData name="Brady Merkel" userId="077b44faa59125c6" providerId="LiveId" clId="{63497E25-CDA1-4359-BFE0-FE2836652BE1}" dt="2025-03-23T23:22:59.279" v="3"/>
-          <ac:spMkLst>
-            <pc:docMk/>
-            <pc:sldMk cId="0" sldId="267"/>
-            <ac:spMk id="134" creationId="{00000000-0000-0000-0000-000000000000}"/>
-          </ac:spMkLst>
-        </pc:spChg>
-      </pc:sldChg>
-      <pc:sldChg chg="modSp">
-        <pc:chgData name="Brady Merkel" userId="077b44faa59125c6" providerId="LiveId" clId="{63497E25-CDA1-4359-BFE0-FE2836652BE1}" dt="2025-03-23T23:22:59.279" v="3"/>
-        <pc:sldMkLst>
-          <pc:docMk/>
-          <pc:sldMk cId="0" sldId="269"/>
-        </pc:sldMkLst>
-        <pc:spChg chg="mod">
-          <ac:chgData name="Brady Merkel" userId="077b44faa59125c6" providerId="LiveId" clId="{63497E25-CDA1-4359-BFE0-FE2836652BE1}" dt="2025-03-23T23:22:59.279" v="3"/>
-          <ac:spMkLst>
-            <pc:docMk/>
-            <pc:sldMk cId="0" sldId="269"/>
-            <ac:spMk id="144" creationId="{00000000-0000-0000-0000-000000000000}"/>
-          </ac:spMkLst>
-        </pc:spChg>
-        <pc:spChg chg="mod">
-          <ac:chgData name="Brady Merkel" userId="077b44faa59125c6" providerId="LiveId" clId="{63497E25-CDA1-4359-BFE0-FE2836652BE1}" dt="2025-03-23T23:22:59.279" v="3"/>
-          <ac:spMkLst>
-            <pc:docMk/>
-            <pc:sldMk cId="0" sldId="269"/>
-            <ac:spMk id="145" creationId="{00000000-0000-0000-0000-000000000000}"/>
-          </ac:spMkLst>
-        </pc:spChg>
-      </pc:sldChg>
-      <pc:sldChg chg="modSp">
-        <pc:chgData name="Brady Merkel" userId="077b44faa59125c6" providerId="LiveId" clId="{63497E25-CDA1-4359-BFE0-FE2836652BE1}" dt="2025-03-23T23:22:59.279" v="3"/>
-        <pc:sldMkLst>
-          <pc:docMk/>
-          <pc:sldMk cId="0" sldId="270"/>
-        </pc:sldMkLst>
-        <pc:spChg chg="mod">
-          <ac:chgData name="Brady Merkel" userId="077b44faa59125c6" providerId="LiveId" clId="{63497E25-CDA1-4359-BFE0-FE2836652BE1}" dt="2025-03-23T23:22:59.279" v="3"/>
-          <ac:spMkLst>
-            <pc:docMk/>
-            <pc:sldMk cId="0" sldId="270"/>
-            <ac:spMk id="150" creationId="{00000000-0000-0000-0000-000000000000}"/>
-          </ac:spMkLst>
-        </pc:spChg>
-        <pc:spChg chg="mod">
-          <ac:chgData name="Brady Merkel" userId="077b44faa59125c6" providerId="LiveId" clId="{63497E25-CDA1-4359-BFE0-FE2836652BE1}" dt="2025-03-23T23:22:59.279" v="3"/>
-          <ac:spMkLst>
-            <pc:docMk/>
-            <pc:sldMk cId="0" sldId="270"/>
-            <ac:spMk id="151" creationId="{00000000-0000-0000-0000-000000000000}"/>
-          </ac:spMkLst>
-        </pc:spChg>
-      </pc:sldChg>
-      <pc:sldChg chg="modSp">
-        <pc:chgData name="Brady Merkel" userId="077b44faa59125c6" providerId="LiveId" clId="{63497E25-CDA1-4359-BFE0-FE2836652BE1}" dt="2025-03-23T23:22:59.279" v="3"/>
-        <pc:sldMkLst>
-          <pc:docMk/>
-          <pc:sldMk cId="0" sldId="272"/>
-        </pc:sldMkLst>
-        <pc:spChg chg="mod">
-          <ac:chgData name="Brady Merkel" userId="077b44faa59125c6" providerId="LiveId" clId="{63497E25-CDA1-4359-BFE0-FE2836652BE1}" dt="2025-03-23T23:22:59.279" v="3"/>
-          <ac:spMkLst>
-            <pc:docMk/>
-            <pc:sldMk cId="0" sldId="272"/>
-            <ac:spMk id="161" creationId="{00000000-0000-0000-0000-000000000000}"/>
-          </ac:spMkLst>
-        </pc:spChg>
-        <pc:spChg chg="mod">
-          <ac:chgData name="Brady Merkel" userId="077b44faa59125c6" providerId="LiveId" clId="{63497E25-CDA1-4359-BFE0-FE2836652BE1}" dt="2025-03-23T23:22:59.279" v="3"/>
-          <ac:spMkLst>
-            <pc:docMk/>
-            <pc:sldMk cId="0" sldId="272"/>
-            <ac:spMk id="162" creationId="{00000000-0000-0000-0000-000000000000}"/>
-          </ac:spMkLst>
-        </pc:spChg>
-      </pc:sldChg>
-      <pc:sldChg chg="modSp">
-        <pc:chgData name="Brady Merkel" userId="077b44faa59125c6" providerId="LiveId" clId="{63497E25-CDA1-4359-BFE0-FE2836652BE1}" dt="2025-03-23T23:22:59.279" v="3"/>
-        <pc:sldMkLst>
-          <pc:docMk/>
-          <pc:sldMk cId="0" sldId="273"/>
-        </pc:sldMkLst>
-        <pc:spChg chg="mod">
-          <ac:chgData name="Brady Merkel" userId="077b44faa59125c6" providerId="LiveId" clId="{63497E25-CDA1-4359-BFE0-FE2836652BE1}" dt="2025-03-23T23:22:59.279" v="3"/>
-          <ac:spMkLst>
-            <pc:docMk/>
-            <pc:sldMk cId="0" sldId="273"/>
-            <ac:spMk id="167" creationId="{00000000-0000-0000-0000-000000000000}"/>
-          </ac:spMkLst>
-        </pc:spChg>
-        <pc:spChg chg="mod">
-          <ac:chgData name="Brady Merkel" userId="077b44faa59125c6" providerId="LiveId" clId="{63497E25-CDA1-4359-BFE0-FE2836652BE1}" dt="2025-03-23T23:22:59.279" v="3"/>
-          <ac:spMkLst>
-            <pc:docMk/>
-            <pc:sldMk cId="0" sldId="273"/>
-            <ac:spMk id="168" creationId="{00000000-0000-0000-0000-000000000000}"/>
-          </ac:spMkLst>
-        </pc:spChg>
-      </pc:sldChg>
-      <pc:sldChg chg="modSp">
-        <pc:chgData name="Brady Merkel" userId="077b44faa59125c6" providerId="LiveId" clId="{63497E25-CDA1-4359-BFE0-FE2836652BE1}" dt="2025-03-23T23:22:59.279" v="3"/>
-        <pc:sldMkLst>
-          <pc:docMk/>
-          <pc:sldMk cId="0" sldId="275"/>
-        </pc:sldMkLst>
-        <pc:spChg chg="mod">
-          <ac:chgData name="Brady Merkel" userId="077b44faa59125c6" providerId="LiveId" clId="{63497E25-CDA1-4359-BFE0-FE2836652BE1}" dt="2025-03-23T23:22:59.279" v="3"/>
-          <ac:spMkLst>
-            <pc:docMk/>
-            <pc:sldMk cId="0" sldId="275"/>
-            <ac:spMk id="178" creationId="{00000000-0000-0000-0000-000000000000}"/>
-          </ac:spMkLst>
-        </pc:spChg>
-        <pc:spChg chg="mod">
-          <ac:chgData name="Brady Merkel" userId="077b44faa59125c6" providerId="LiveId" clId="{63497E25-CDA1-4359-BFE0-FE2836652BE1}" dt="2025-03-23T23:22:59.279" v="3"/>
-          <ac:spMkLst>
-            <pc:docMk/>
-            <pc:sldMk cId="0" sldId="275"/>
-            <ac:spMk id="179" creationId="{00000000-0000-0000-0000-000000000000}"/>
-          </ac:spMkLst>
-        </pc:spChg>
-      </pc:sldChg>
-      <pc:sldChg chg="modSp">
-        <pc:chgData name="Brady Merkel" userId="077b44faa59125c6" providerId="LiveId" clId="{63497E25-CDA1-4359-BFE0-FE2836652BE1}" dt="2025-03-23T23:22:59.279" v="3"/>
-        <pc:sldMkLst>
-          <pc:docMk/>
-          <pc:sldMk cId="0" sldId="276"/>
-        </pc:sldMkLst>
-        <pc:spChg chg="mod">
-          <ac:chgData name="Brady Merkel" userId="077b44faa59125c6" providerId="LiveId" clId="{63497E25-CDA1-4359-BFE0-FE2836652BE1}" dt="2025-03-23T23:22:59.279" v="3"/>
-          <ac:spMkLst>
-            <pc:docMk/>
-            <pc:sldMk cId="0" sldId="276"/>
-            <ac:spMk id="184" creationId="{00000000-0000-0000-0000-000000000000}"/>
-          </ac:spMkLst>
-        </pc:spChg>
-        <pc:spChg chg="mod">
-          <ac:chgData name="Brady Merkel" userId="077b44faa59125c6" providerId="LiveId" clId="{63497E25-CDA1-4359-BFE0-FE2836652BE1}" dt="2025-03-23T23:22:59.279" v="3"/>
-          <ac:spMkLst>
-            <pc:docMk/>
-            <pc:sldMk cId="0" sldId="276"/>
-            <ac:spMk id="185" creationId="{00000000-0000-0000-0000-000000000000}"/>
-          </ac:spMkLst>
-        </pc:spChg>
-      </pc:sldChg>
-      <pc:sldChg chg="modSp">
-        <pc:chgData name="Brady Merkel" userId="077b44faa59125c6" providerId="LiveId" clId="{63497E25-CDA1-4359-BFE0-FE2836652BE1}" dt="2025-03-23T23:22:59.279" v="3"/>
-        <pc:sldMkLst>
-          <pc:docMk/>
-          <pc:sldMk cId="0" sldId="278"/>
-        </pc:sldMkLst>
-        <pc:spChg chg="mod">
-          <ac:chgData name="Brady Merkel" userId="077b44faa59125c6" providerId="LiveId" clId="{63497E25-CDA1-4359-BFE0-FE2836652BE1}" dt="2025-03-23T23:22:59.279" v="3"/>
-          <ac:spMkLst>
-            <pc:docMk/>
-            <pc:sldMk cId="0" sldId="278"/>
-            <ac:spMk id="195" creationId="{00000000-0000-0000-0000-000000000000}"/>
-          </ac:spMkLst>
-        </pc:spChg>
-        <pc:spChg chg="mod">
-          <ac:chgData name="Brady Merkel" userId="077b44faa59125c6" providerId="LiveId" clId="{63497E25-CDA1-4359-BFE0-FE2836652BE1}" dt="2025-03-23T23:22:59.279" v="3"/>
-          <ac:spMkLst>
-            <pc:docMk/>
-            <pc:sldMk cId="0" sldId="278"/>
-            <ac:spMk id="196" creationId="{00000000-0000-0000-0000-000000000000}"/>
-          </ac:spMkLst>
-        </pc:spChg>
-      </pc:sldChg>
-      <pc:sldChg chg="modSp">
-        <pc:chgData name="Brady Merkel" userId="077b44faa59125c6" providerId="LiveId" clId="{63497E25-CDA1-4359-BFE0-FE2836652BE1}" dt="2025-03-23T23:22:59.279" v="3"/>
-        <pc:sldMkLst>
-          <pc:docMk/>
-          <pc:sldMk cId="0" sldId="279"/>
-        </pc:sldMkLst>
-        <pc:spChg chg="mod">
-          <ac:chgData name="Brady Merkel" userId="077b44faa59125c6" providerId="LiveId" clId="{63497E25-CDA1-4359-BFE0-FE2836652BE1}" dt="2025-03-23T23:22:59.279" v="3"/>
-          <ac:spMkLst>
-            <pc:docMk/>
-            <pc:sldMk cId="0" sldId="279"/>
-            <ac:spMk id="201" creationId="{00000000-0000-0000-0000-000000000000}"/>
-          </ac:spMkLst>
-        </pc:spChg>
-        <pc:spChg chg="mod">
-          <ac:chgData name="Brady Merkel" userId="077b44faa59125c6" providerId="LiveId" clId="{63497E25-CDA1-4359-BFE0-FE2836652BE1}" dt="2025-03-23T23:22:59.279" v="3"/>
-          <ac:spMkLst>
-            <pc:docMk/>
-            <pc:sldMk cId="0" sldId="279"/>
-            <ac:spMk id="202" creationId="{00000000-0000-0000-0000-000000000000}"/>
-          </ac:spMkLst>
-        </pc:spChg>
-      </pc:sldChg>
-      <pc:sldChg chg="modSp">
-        <pc:chgData name="Brady Merkel" userId="077b44faa59125c6" providerId="LiveId" clId="{63497E25-CDA1-4359-BFE0-FE2836652BE1}" dt="2025-03-23T23:22:59.279" v="3"/>
-        <pc:sldMkLst>
-          <pc:docMk/>
-          <pc:sldMk cId="0" sldId="293"/>
-        </pc:sldMkLst>
-        <pc:spChg chg="mod">
-          <ac:chgData name="Brady Merkel" userId="077b44faa59125c6" providerId="LiveId" clId="{63497E25-CDA1-4359-BFE0-FE2836652BE1}" dt="2025-03-23T23:22:59.279" v="3"/>
-          <ac:spMkLst>
-            <pc:docMk/>
-            <pc:sldMk cId="0" sldId="293"/>
-            <ac:spMk id="280" creationId="{00000000-0000-0000-0000-000000000000}"/>
-          </ac:spMkLst>
-        </pc:spChg>
-        <pc:spChg chg="mod">
-          <ac:chgData name="Brady Merkel" userId="077b44faa59125c6" providerId="LiveId" clId="{63497E25-CDA1-4359-BFE0-FE2836652BE1}" dt="2025-03-23T23:22:59.279" v="3"/>
-          <ac:spMkLst>
-            <pc:docMk/>
-            <pc:sldMk cId="0" sldId="293"/>
-            <ac:spMk id="281" creationId="{00000000-0000-0000-0000-000000000000}"/>
-          </ac:spMkLst>
-        </pc:spChg>
-      </pc:sldChg>
-      <pc:sldChg chg="modSp">
-        <pc:chgData name="Brady Merkel" userId="077b44faa59125c6" providerId="LiveId" clId="{63497E25-CDA1-4359-BFE0-FE2836652BE1}" dt="2025-03-23T23:22:59.279" v="3"/>
-        <pc:sldMkLst>
-          <pc:docMk/>
-          <pc:sldMk cId="0" sldId="294"/>
-        </pc:sldMkLst>
-        <pc:spChg chg="mod">
-          <ac:chgData name="Brady Merkel" userId="077b44faa59125c6" providerId="LiveId" clId="{63497E25-CDA1-4359-BFE0-FE2836652BE1}" dt="2025-03-23T23:22:59.279" v="3"/>
-          <ac:spMkLst>
-            <pc:docMk/>
-            <pc:sldMk cId="0" sldId="294"/>
-            <ac:spMk id="286" creationId="{00000000-0000-0000-0000-000000000000}"/>
-          </ac:spMkLst>
-        </pc:spChg>
-        <pc:spChg chg="mod">
-          <ac:chgData name="Brady Merkel" userId="077b44faa59125c6" providerId="LiveId" clId="{63497E25-CDA1-4359-BFE0-FE2836652BE1}" dt="2025-03-23T23:22:59.279" v="3"/>
-          <ac:spMkLst>
-            <pc:docMk/>
-            <pc:sldMk cId="0" sldId="294"/>
-            <ac:spMk id="287" creationId="{00000000-0000-0000-0000-000000000000}"/>
-          </ac:spMkLst>
-        </pc:spChg>
-      </pc:sldChg>
-      <pc:sldChg chg="modSp">
-        <pc:chgData name="Brady Merkel" userId="077b44faa59125c6" providerId="LiveId" clId="{63497E25-CDA1-4359-BFE0-FE2836652BE1}" dt="2025-03-23T23:22:59.279" v="3"/>
-        <pc:sldMkLst>
-          <pc:docMk/>
-          <pc:sldMk cId="0" sldId="298"/>
-        </pc:sldMkLst>
-        <pc:spChg chg="mod">
-          <ac:chgData name="Brady Merkel" userId="077b44faa59125c6" providerId="LiveId" clId="{63497E25-CDA1-4359-BFE0-FE2836652BE1}" dt="2025-03-23T23:22:59.279" v="3"/>
-          <ac:spMkLst>
-            <pc:docMk/>
-            <pc:sldMk cId="0" sldId="298"/>
-            <ac:spMk id="99" creationId="{00000000-0000-0000-0000-000000000000}"/>
-          </ac:spMkLst>
-        </pc:spChg>
-        <pc:spChg chg="mod">
-          <ac:chgData name="Brady Merkel" userId="077b44faa59125c6" providerId="LiveId" clId="{63497E25-CDA1-4359-BFE0-FE2836652BE1}" dt="2025-03-23T23:22:59.279" v="3"/>
-          <ac:spMkLst>
-            <pc:docMk/>
-            <pc:sldMk cId="0" sldId="298"/>
-            <ac:spMk id="100" creationId="{00000000-0000-0000-0000-000000000000}"/>
-          </ac:spMkLst>
-        </pc:spChg>
-      </pc:sldChg>
-      <pc:sldChg chg="delSp modSp mod">
-        <pc:chgData name="Brady Merkel" userId="077b44faa59125c6" providerId="LiveId" clId="{63497E25-CDA1-4359-BFE0-FE2836652BE1}" dt="2025-06-01T14:06:14.940" v="86" actId="478"/>
-        <pc:sldMkLst>
-          <pc:docMk/>
-          <pc:sldMk cId="854740014" sldId="300"/>
-        </pc:sldMkLst>
-        <pc:spChg chg="mod">
-          <ac:chgData name="Brady Merkel" userId="077b44faa59125c6" providerId="LiveId" clId="{63497E25-CDA1-4359-BFE0-FE2836652BE1}" dt="2025-03-23T23:22:59.279" v="3"/>
-          <ac:spMkLst>
-            <pc:docMk/>
-            <pc:sldMk cId="854740014" sldId="300"/>
-            <ac:spMk id="2" creationId="{4122A3F8-EFB9-FC12-0E0B-DB541BE52A16}"/>
-          </ac:spMkLst>
-        </pc:spChg>
-        <pc:spChg chg="mod ord">
-          <ac:chgData name="Brady Merkel" userId="077b44faa59125c6" providerId="LiveId" clId="{63497E25-CDA1-4359-BFE0-FE2836652BE1}" dt="2025-06-01T13:56:58.598" v="36" actId="27636"/>
-          <ac:spMkLst>
-            <pc:docMk/>
-            <pc:sldMk cId="854740014" sldId="300"/>
-            <ac:spMk id="3" creationId="{C03E5D99-93D5-50C0-6E73-973C60A71B26}"/>
-          </ac:spMkLst>
-        </pc:spChg>
-        <pc:picChg chg="del">
-          <ac:chgData name="Brady Merkel" userId="077b44faa59125c6" providerId="LiveId" clId="{63497E25-CDA1-4359-BFE0-FE2836652BE1}" dt="2025-06-01T14:06:14.940" v="86" actId="478"/>
-          <ac:picMkLst>
-            <pc:docMk/>
-            <pc:sldMk cId="854740014" sldId="300"/>
-            <ac:picMk id="5" creationId="{7CE04B72-2BA1-4604-359B-8D5898B010AC}"/>
-          </ac:picMkLst>
-        </pc:picChg>
-      </pc:sldChg>
-      <pc:sldChg chg="modSp mod">
-        <pc:chgData name="Brady Merkel" userId="077b44faa59125c6" providerId="LiveId" clId="{63497E25-CDA1-4359-BFE0-FE2836652BE1}" dt="2025-03-23T23:51:44.825" v="13" actId="20577"/>
-        <pc:sldMkLst>
-          <pc:docMk/>
-          <pc:sldMk cId="0" sldId="301"/>
-        </pc:sldMkLst>
-        <pc:spChg chg="mod">
-          <ac:chgData name="Brady Merkel" userId="077b44faa59125c6" providerId="LiveId" clId="{63497E25-CDA1-4359-BFE0-FE2836652BE1}" dt="2025-03-23T23:51:44.825" v="13" actId="20577"/>
-          <ac:spMkLst>
-            <pc:docMk/>
-            <pc:sldMk cId="0" sldId="301"/>
-            <ac:spMk id="79" creationId="{00000000-0000-0000-0000-000000000000}"/>
-          </ac:spMkLst>
-        </pc:spChg>
-      </pc:sldChg>
-      <pc:sldChg chg="delSp modSp mod">
-        <pc:chgData name="Brady Merkel" userId="077b44faa59125c6" providerId="LiveId" clId="{63497E25-CDA1-4359-BFE0-FE2836652BE1}" dt="2025-06-01T14:04:18.545" v="83" actId="478"/>
-        <pc:sldMkLst>
-          <pc:docMk/>
-          <pc:sldMk cId="0" sldId="303"/>
-        </pc:sldMkLst>
-        <pc:spChg chg="mod">
-          <ac:chgData name="Brady Merkel" userId="077b44faa59125c6" providerId="LiveId" clId="{63497E25-CDA1-4359-BFE0-FE2836652BE1}" dt="2025-06-01T14:03:26.643" v="78" actId="20577"/>
-          <ac:spMkLst>
-            <pc:docMk/>
-            <pc:sldMk cId="0" sldId="303"/>
-            <ac:spMk id="222" creationId="{00000000-0000-0000-0000-000000000000}"/>
-          </ac:spMkLst>
-        </pc:spChg>
-        <pc:spChg chg="mod">
-          <ac:chgData name="Brady Merkel" userId="077b44faa59125c6" providerId="LiveId" clId="{63497E25-CDA1-4359-BFE0-FE2836652BE1}" dt="2025-03-23T23:22:59.279" v="3"/>
-          <ac:spMkLst>
-            <pc:docMk/>
-            <pc:sldMk cId="0" sldId="303"/>
-            <ac:spMk id="225" creationId="{00000000-0000-0000-0000-000000000000}"/>
-          </ac:spMkLst>
-        </pc:spChg>
-        <pc:spChg chg="mod">
-          <ac:chgData name="Brady Merkel" userId="077b44faa59125c6" providerId="LiveId" clId="{63497E25-CDA1-4359-BFE0-FE2836652BE1}" dt="2025-06-01T14:04:02.643" v="82" actId="20577"/>
-          <ac:spMkLst>
-            <pc:docMk/>
-            <pc:sldMk cId="0" sldId="303"/>
-            <ac:spMk id="226" creationId="{00000000-0000-0000-0000-000000000000}"/>
-          </ac:spMkLst>
-        </pc:spChg>
-        <pc:spChg chg="mod">
-          <ac:chgData name="Brady Merkel" userId="077b44faa59125c6" providerId="LiveId" clId="{63497E25-CDA1-4359-BFE0-FE2836652BE1}" dt="2025-06-01T14:02:59.766" v="71" actId="2711"/>
-          <ac:spMkLst>
-            <pc:docMk/>
-            <pc:sldMk cId="0" sldId="303"/>
-            <ac:spMk id="227" creationId="{00000000-0000-0000-0000-000000000000}"/>
-          </ac:spMkLst>
-        </pc:spChg>
-        <pc:picChg chg="del">
-          <ac:chgData name="Brady Merkel" userId="077b44faa59125c6" providerId="LiveId" clId="{63497E25-CDA1-4359-BFE0-FE2836652BE1}" dt="2025-06-01T14:04:18.545" v="83" actId="478"/>
-          <ac:picMkLst>
-            <pc:docMk/>
-            <pc:sldMk cId="0" sldId="303"/>
-            <ac:picMk id="224" creationId="{00000000-0000-0000-0000-000000000000}"/>
-          </ac:picMkLst>
-        </pc:picChg>
-      </pc:sldChg>
-      <pc:sldChg chg="delSp modSp mod">
-        <pc:chgData name="Brady Merkel" userId="077b44faa59125c6" providerId="LiveId" clId="{63497E25-CDA1-4359-BFE0-FE2836652BE1}" dt="2025-06-01T14:04:48.598" v="85" actId="2711"/>
-        <pc:sldMkLst>
-          <pc:docMk/>
-          <pc:sldMk cId="0" sldId="304"/>
-        </pc:sldMkLst>
-        <pc:spChg chg="mod">
-          <ac:chgData name="Brady Merkel" userId="077b44faa59125c6" providerId="LiveId" clId="{63497E25-CDA1-4359-BFE0-FE2836652BE1}" dt="2025-03-23T23:22:59.279" v="3"/>
-          <ac:spMkLst>
-            <pc:docMk/>
-            <pc:sldMk cId="0" sldId="304"/>
-            <ac:spMk id="232" creationId="{00000000-0000-0000-0000-000000000000}"/>
-          </ac:spMkLst>
-        </pc:spChg>
-        <pc:spChg chg="mod">
-          <ac:chgData name="Brady Merkel" userId="077b44faa59125c6" providerId="LiveId" clId="{63497E25-CDA1-4359-BFE0-FE2836652BE1}" dt="2025-06-01T14:04:48.598" v="85" actId="2711"/>
-          <ac:spMkLst>
-            <pc:docMk/>
-            <pc:sldMk cId="0" sldId="304"/>
-            <ac:spMk id="242" creationId="{00000000-0000-0000-0000-000000000000}"/>
-          </ac:spMkLst>
-        </pc:spChg>
-        <pc:picChg chg="del">
-          <ac:chgData name="Brady Merkel" userId="077b44faa59125c6" providerId="LiveId" clId="{63497E25-CDA1-4359-BFE0-FE2836652BE1}" dt="2025-06-01T14:04:22.729" v="84" actId="478"/>
-          <ac:picMkLst>
-            <pc:docMk/>
-            <pc:sldMk cId="0" sldId="304"/>
-            <ac:picMk id="235" creationId="{00000000-0000-0000-0000-000000000000}"/>
-          </ac:picMkLst>
-        </pc:picChg>
-      </pc:sldChg>
-      <pc:sldChg chg="modSp">
-        <pc:chgData name="Brady Merkel" userId="077b44faa59125c6" providerId="LiveId" clId="{63497E25-CDA1-4359-BFE0-FE2836652BE1}" dt="2025-03-23T23:22:59.279" v="3"/>
-        <pc:sldMkLst>
-          <pc:docMk/>
-          <pc:sldMk cId="0" sldId="305"/>
-        </pc:sldMkLst>
-        <pc:spChg chg="mod">
-          <ac:chgData name="Brady Merkel" userId="077b44faa59125c6" providerId="LiveId" clId="{63497E25-CDA1-4359-BFE0-FE2836652BE1}" dt="2025-03-23T23:22:59.279" v="3"/>
-          <ac:spMkLst>
-            <pc:docMk/>
-            <pc:sldMk cId="0" sldId="305"/>
-            <ac:spMk id="248" creationId="{00000000-0000-0000-0000-000000000000}"/>
-          </ac:spMkLst>
-        </pc:spChg>
-        <pc:spChg chg="mod">
-          <ac:chgData name="Brady Merkel" userId="077b44faa59125c6" providerId="LiveId" clId="{63497E25-CDA1-4359-BFE0-FE2836652BE1}" dt="2025-03-23T23:22:59.279" v="3"/>
-          <ac:spMkLst>
-            <pc:docMk/>
-            <pc:sldMk cId="0" sldId="305"/>
-            <ac:spMk id="249" creationId="{00000000-0000-0000-0000-000000000000}"/>
-          </ac:spMkLst>
-        </pc:spChg>
-      </pc:sldChg>
-      <pc:sldMasterChg chg="delSldLayout">
-        <pc:chgData name="Brady Merkel" userId="077b44faa59125c6" providerId="LiveId" clId="{63497E25-CDA1-4359-BFE0-FE2836652BE1}" dt="2025-03-23T23:18:10.594" v="2" actId="47"/>
-        <pc:sldMasterMkLst>
-          <pc:docMk/>
-          <pc:sldMasterMk cId="0" sldId="2147483665"/>
-        </pc:sldMasterMkLst>
-        <pc:sldLayoutChg chg="del">
-          <pc:chgData name="Brady Merkel" userId="077b44faa59125c6" providerId="LiveId" clId="{63497E25-CDA1-4359-BFE0-FE2836652BE1}" dt="2025-03-23T23:18:10.594" v="2" actId="47"/>
-          <pc:sldLayoutMkLst>
-            <pc:docMk/>
-            <pc:sldMasterMk cId="0" sldId="2147483665"/>
-            <pc:sldLayoutMk cId="3636124283" sldId="2147483666"/>
-          </pc:sldLayoutMkLst>
-        </pc:sldLayoutChg>
-      </pc:sldMasterChg>
-      <pc:sldMasterChg chg="modSldLayout">
-        <pc:chgData name="Brady Merkel" userId="077b44faa59125c6" providerId="LiveId" clId="{63497E25-CDA1-4359-BFE0-FE2836652BE1}" dt="2025-03-23T23:51:13.317" v="12"/>
-        <pc:sldMasterMkLst>
-          <pc:docMk/>
-          <pc:sldMasterMk cId="3257810563" sldId="2147483670"/>
-        </pc:sldMasterMkLst>
-        <pc:sldLayoutChg chg="setBg">
-          <pc:chgData name="Brady Merkel" userId="077b44faa59125c6" providerId="LiveId" clId="{63497E25-CDA1-4359-BFE0-FE2836652BE1}" dt="2025-03-23T23:24:13.800" v="5"/>
-          <pc:sldLayoutMkLst>
-            <pc:docMk/>
-            <pc:sldMasterMk cId="3257810563" sldId="2147483670"/>
-            <pc:sldLayoutMk cId="3963360887" sldId="2147483682"/>
-          </pc:sldLayoutMkLst>
-        </pc:sldLayoutChg>
-        <pc:sldLayoutChg chg="modSp setBg">
-          <pc:chgData name="Brady Merkel" userId="077b44faa59125c6" providerId="LiveId" clId="{63497E25-CDA1-4359-BFE0-FE2836652BE1}" dt="2025-03-23T23:51:09.663" v="11"/>
-          <pc:sldLayoutMkLst>
-            <pc:docMk/>
-            <pc:sldMasterMk cId="3257810563" sldId="2147483670"/>
-            <pc:sldLayoutMk cId="1139353765" sldId="2147483683"/>
-          </pc:sldLayoutMkLst>
-          <pc:spChg chg="mod">
-            <ac:chgData name="Brady Merkel" userId="077b44faa59125c6" providerId="LiveId" clId="{63497E25-CDA1-4359-BFE0-FE2836652BE1}" dt="2025-03-23T23:24:45.851" v="8" actId="207"/>
-            <ac:spMkLst>
-              <pc:docMk/>
-              <pc:sldMasterMk cId="3257810563" sldId="2147483670"/>
-              <pc:sldLayoutMk cId="1139353765" sldId="2147483683"/>
-              <ac:spMk id="61" creationId="{00000000-0000-0000-0000-000000000000}"/>
-            </ac:spMkLst>
-          </pc:spChg>
-          <pc:spChg chg="mod">
-            <ac:chgData name="Brady Merkel" userId="077b44faa59125c6" providerId="LiveId" clId="{63497E25-CDA1-4359-BFE0-FE2836652BE1}" dt="2025-03-23T23:24:45.851" v="8" actId="207"/>
-            <ac:spMkLst>
-              <pc:docMk/>
-              <pc:sldMasterMk cId="3257810563" sldId="2147483670"/>
-              <pc:sldLayoutMk cId="1139353765" sldId="2147483683"/>
-              <ac:spMk id="62" creationId="{00000000-0000-0000-0000-000000000000}"/>
-            </ac:spMkLst>
-          </pc:spChg>
-          <pc:spChg chg="mod">
-            <ac:chgData name="Brady Merkel" userId="077b44faa59125c6" providerId="LiveId" clId="{63497E25-CDA1-4359-BFE0-FE2836652BE1}" dt="2025-03-23T23:24:45.851" v="8" actId="207"/>
-            <ac:spMkLst>
-              <pc:docMk/>
-              <pc:sldMasterMk cId="3257810563" sldId="2147483670"/>
-              <pc:sldLayoutMk cId="1139353765" sldId="2147483683"/>
-              <ac:spMk id="63" creationId="{00000000-0000-0000-0000-000000000000}"/>
-            </ac:spMkLst>
-          </pc:spChg>
-        </pc:sldLayoutChg>
-        <pc:sldLayoutChg chg="setBg">
-          <pc:chgData name="Brady Merkel" userId="077b44faa59125c6" providerId="LiveId" clId="{63497E25-CDA1-4359-BFE0-FE2836652BE1}" dt="2025-03-23T23:51:13.317" v="12"/>
-          <pc:sldLayoutMkLst>
-            <pc:docMk/>
-            <pc:sldMasterMk cId="3257810563" sldId="2147483670"/>
-            <pc:sldLayoutMk cId="425107887" sldId="2147483684"/>
-          </pc:sldLayoutMkLst>
-        </pc:sldLayoutChg>
-      </pc:sldMasterChg>
-    </pc:docChg>
-  </pc:docChgLst>
-  <pc:docChgLst>
-    <pc:chgData name="Brady Merkel" userId="077b44faa59125c6" providerId="LiveId" clId="{D075DFC6-1618-4A9F-A1E7-C8D8E2EC5169}"/>
-    <pc:docChg chg="custSel addSld delSld modSld">
-      <pc:chgData name="Brady Merkel" userId="077b44faa59125c6" providerId="LiveId" clId="{D075DFC6-1618-4A9F-A1E7-C8D8E2EC5169}" dt="2024-11-22T18:57:13.695" v="43" actId="47"/>
-      <pc:docMkLst>
-        <pc:docMk/>
-      </pc:docMkLst>
-      <pc:sldChg chg="add del setBg">
-        <pc:chgData name="Brady Merkel" userId="077b44faa59125c6" providerId="LiveId" clId="{D075DFC6-1618-4A9F-A1E7-C8D8E2EC5169}" dt="2024-11-22T18:56:09.357" v="41"/>
-        <pc:sldMkLst>
-          <pc:docMk/>
-          <pc:sldMk cId="0" sldId="256"/>
-        </pc:sldMkLst>
-      </pc:sldChg>
-      <pc:sldChg chg="del">
-        <pc:chgData name="Brady Merkel" userId="077b44faa59125c6" providerId="LiveId" clId="{D075DFC6-1618-4A9F-A1E7-C8D8E2EC5169}" dt="2024-11-22T18:56:08.517" v="40" actId="47"/>
-        <pc:sldMkLst>
-          <pc:docMk/>
-          <pc:sldMk cId="0" sldId="257"/>
-        </pc:sldMkLst>
-      </pc:sldChg>
-      <pc:sldChg chg="add del">
-        <pc:chgData name="Brady Merkel" userId="077b44faa59125c6" providerId="LiveId" clId="{D075DFC6-1618-4A9F-A1E7-C8D8E2EC5169}" dt="2024-11-22T18:56:09.357" v="41"/>
-        <pc:sldMkLst>
-          <pc:docMk/>
-          <pc:sldMk cId="0" sldId="259"/>
-        </pc:sldMkLst>
-      </pc:sldChg>
-      <pc:sldChg chg="add del">
-        <pc:chgData name="Brady Merkel" userId="077b44faa59125c6" providerId="LiveId" clId="{D075DFC6-1618-4A9F-A1E7-C8D8E2EC5169}" dt="2024-11-22T18:56:09.357" v="41"/>
-        <pc:sldMkLst>
-          <pc:docMk/>
-          <pc:sldMk cId="0" sldId="260"/>
-        </pc:sldMkLst>
-      </pc:sldChg>
-      <pc:sldChg chg="del">
-        <pc:chgData name="Brady Merkel" userId="077b44faa59125c6" providerId="LiveId" clId="{D075DFC6-1618-4A9F-A1E7-C8D8E2EC5169}" dt="2024-11-22T18:56:08.517" v="40" actId="47"/>
-        <pc:sldMkLst>
-          <pc:docMk/>
-          <pc:sldMk cId="0" sldId="261"/>
-        </pc:sldMkLst>
-      </pc:sldChg>
-      <pc:sldChg chg="add del">
-        <pc:chgData name="Brady Merkel" userId="077b44faa59125c6" providerId="LiveId" clId="{D075DFC6-1618-4A9F-A1E7-C8D8E2EC5169}" dt="2024-11-22T18:57:13.695" v="43" actId="47"/>
-        <pc:sldMkLst>
-          <pc:docMk/>
-          <pc:sldMk cId="0" sldId="262"/>
-        </pc:sldMkLst>
-      </pc:sldChg>
-      <pc:sldChg chg="add del">
-        <pc:chgData name="Brady Merkel" userId="077b44faa59125c6" providerId="LiveId" clId="{D075DFC6-1618-4A9F-A1E7-C8D8E2EC5169}" dt="2024-11-22T18:57:13.695" v="43" actId="47"/>
-        <pc:sldMkLst>
-          <pc:docMk/>
-          <pc:sldMk cId="0" sldId="263"/>
-        </pc:sldMkLst>
-      </pc:sldChg>
-      <pc:sldChg chg="add del">
-        <pc:chgData name="Brady Merkel" userId="077b44faa59125c6" providerId="LiveId" clId="{D075DFC6-1618-4A9F-A1E7-C8D8E2EC5169}" dt="2024-11-22T18:57:13.695" v="43" actId="47"/>
-        <pc:sldMkLst>
-          <pc:docMk/>
-          <pc:sldMk cId="0" sldId="264"/>
-        </pc:sldMkLst>
-      </pc:sldChg>
-      <pc:sldChg chg="add del">
-        <pc:chgData name="Brady Merkel" userId="077b44faa59125c6" providerId="LiveId" clId="{D075DFC6-1618-4A9F-A1E7-C8D8E2EC5169}" dt="2024-11-22T18:56:09.357" v="41"/>
-        <pc:sldMkLst>
-          <pc:docMk/>
-          <pc:sldMk cId="0" sldId="265"/>
-        </pc:sldMkLst>
-      </pc:sldChg>
-      <pc:sldChg chg="add del">
-        <pc:chgData name="Brady Merkel" userId="077b44faa59125c6" providerId="LiveId" clId="{D075DFC6-1618-4A9F-A1E7-C8D8E2EC5169}" dt="2024-11-22T18:56:09.357" v="41"/>
-        <pc:sldMkLst>
-          <pc:docMk/>
-          <pc:sldMk cId="0" sldId="266"/>
-        </pc:sldMkLst>
-      </pc:sldChg>
-      <pc:sldChg chg="add del">
-        <pc:chgData name="Brady Merkel" userId="077b44faa59125c6" providerId="LiveId" clId="{D075DFC6-1618-4A9F-A1E7-C8D8E2EC5169}" dt="2024-11-22T18:56:09.357" v="41"/>
-        <pc:sldMkLst>
-          <pc:docMk/>
-          <pc:sldMk cId="0" sldId="267"/>
-        </pc:sldMkLst>
-      </pc:sldChg>
-      <pc:sldChg chg="add del">
-        <pc:chgData name="Brady Merkel" userId="077b44faa59125c6" providerId="LiveId" clId="{D075DFC6-1618-4A9F-A1E7-C8D8E2EC5169}" dt="2024-11-22T18:56:09.357" v="41"/>
-        <pc:sldMkLst>
-          <pc:docMk/>
-          <pc:sldMk cId="0" sldId="268"/>
-        </pc:sldMkLst>
-      </pc:sldChg>
-      <pc:sldChg chg="add del">
-        <pc:chgData name="Brady Merkel" userId="077b44faa59125c6" providerId="LiveId" clId="{D075DFC6-1618-4A9F-A1E7-C8D8E2EC5169}" dt="2024-11-22T18:56:09.357" v="41"/>
-        <pc:sldMkLst>
-          <pc:docMk/>
-          <pc:sldMk cId="0" sldId="269"/>
-        </pc:sldMkLst>
-      </pc:sldChg>
-      <pc:sldChg chg="add del">
-        <pc:chgData name="Brady Merkel" userId="077b44faa59125c6" providerId="LiveId" clId="{D075DFC6-1618-4A9F-A1E7-C8D8E2EC5169}" dt="2024-11-22T18:56:09.357" v="41"/>
-        <pc:sldMkLst>
-          <pc:docMk/>
-          <pc:sldMk cId="0" sldId="270"/>
-        </pc:sldMkLst>
-      </pc:sldChg>
-      <pc:sldChg chg="add del">
-        <pc:chgData name="Brady Merkel" userId="077b44faa59125c6" providerId="LiveId" clId="{D075DFC6-1618-4A9F-A1E7-C8D8E2EC5169}" dt="2024-11-22T18:56:09.357" v="41"/>
-        <pc:sldMkLst>
-          <pc:docMk/>
-          <pc:sldMk cId="0" sldId="271"/>
-        </pc:sldMkLst>
-      </pc:sldChg>
-      <pc:sldChg chg="add del">
-        <pc:chgData name="Brady Merkel" userId="077b44faa59125c6" providerId="LiveId" clId="{D075DFC6-1618-4A9F-A1E7-C8D8E2EC5169}" dt="2024-11-22T18:56:09.357" v="41"/>
-        <pc:sldMkLst>
-          <pc:docMk/>
-          <pc:sldMk cId="0" sldId="272"/>
-        </pc:sldMkLst>
-      </pc:sldChg>
-      <pc:sldChg chg="add del">
-        <pc:chgData name="Brady Merkel" userId="077b44faa59125c6" providerId="LiveId" clId="{D075DFC6-1618-4A9F-A1E7-C8D8E2EC5169}" dt="2024-11-22T18:56:09.357" v="41"/>
-        <pc:sldMkLst>
-          <pc:docMk/>
-          <pc:sldMk cId="0" sldId="273"/>
-        </pc:sldMkLst>
-      </pc:sldChg>
-      <pc:sldChg chg="add del">
-        <pc:chgData name="Brady Merkel" userId="077b44faa59125c6" providerId="LiveId" clId="{D075DFC6-1618-4A9F-A1E7-C8D8E2EC5169}" dt="2024-11-22T18:56:09.357" v="41"/>
-        <pc:sldMkLst>
-          <pc:docMk/>
-          <pc:sldMk cId="0" sldId="274"/>
-        </pc:sldMkLst>
-      </pc:sldChg>
-      <pc:sldChg chg="add del">
-        <pc:chgData name="Brady Merkel" userId="077b44faa59125c6" providerId="LiveId" clId="{D075DFC6-1618-4A9F-A1E7-C8D8E2EC5169}" dt="2024-11-22T18:56:09.357" v="41"/>
-        <pc:sldMkLst>
-          <pc:docMk/>
-          <pc:sldMk cId="0" sldId="275"/>
-        </pc:sldMkLst>
-      </pc:sldChg>
-      <pc:sldChg chg="add del">
-        <pc:chgData name="Brady Merkel" userId="077b44faa59125c6" providerId="LiveId" clId="{D075DFC6-1618-4A9F-A1E7-C8D8E2EC5169}" dt="2024-11-22T18:56:09.357" v="41"/>
-        <pc:sldMkLst>
-          <pc:docMk/>
-          <pc:sldMk cId="0" sldId="276"/>
-        </pc:sldMkLst>
-      </pc:sldChg>
-      <pc:sldChg chg="add del">
-        <pc:chgData name="Brady Merkel" userId="077b44faa59125c6" providerId="LiveId" clId="{D075DFC6-1618-4A9F-A1E7-C8D8E2EC5169}" dt="2024-11-22T18:56:09.357" v="41"/>
-        <pc:sldMkLst>
-          <pc:docMk/>
-          <pc:sldMk cId="0" sldId="277"/>
-        </pc:sldMkLst>
-      </pc:sldChg>
-      <pc:sldChg chg="add del">
-        <pc:chgData name="Brady Merkel" userId="077b44faa59125c6" providerId="LiveId" clId="{D075DFC6-1618-4A9F-A1E7-C8D8E2EC5169}" dt="2024-11-22T18:56:09.357" v="41"/>
-        <pc:sldMkLst>
-          <pc:docMk/>
-          <pc:sldMk cId="0" sldId="278"/>
-        </pc:sldMkLst>
-      </pc:sldChg>
-      <pc:sldChg chg="add del">
-        <pc:chgData name="Brady Merkel" userId="077b44faa59125c6" providerId="LiveId" clId="{D075DFC6-1618-4A9F-A1E7-C8D8E2EC5169}" dt="2024-11-22T18:56:09.357" v="41"/>
-        <pc:sldMkLst>
-          <pc:docMk/>
-          <pc:sldMk cId="0" sldId="279"/>
-        </pc:sldMkLst>
-      </pc:sldChg>
-      <pc:sldChg chg="add del">
-        <pc:chgData name="Brady Merkel" userId="077b44faa59125c6" providerId="LiveId" clId="{D075DFC6-1618-4A9F-A1E7-C8D8E2EC5169}" dt="2024-11-22T18:56:26.835" v="42" actId="47"/>
-        <pc:sldMkLst>
-          <pc:docMk/>
-          <pc:sldMk cId="0" sldId="280"/>
-        </pc:sldMkLst>
-      </pc:sldChg>
-      <pc:sldChg chg="add del">
-        <pc:chgData name="Brady Merkel" userId="077b44faa59125c6" providerId="LiveId" clId="{D075DFC6-1618-4A9F-A1E7-C8D8E2EC5169}" dt="2024-11-22T18:56:26.835" v="42" actId="47"/>
-        <pc:sldMkLst>
-          <pc:docMk/>
-          <pc:sldMk cId="0" sldId="281"/>
-        </pc:sldMkLst>
-      </pc:sldChg>
-      <pc:sldChg chg="add del">
-        <pc:chgData name="Brady Merkel" userId="077b44faa59125c6" providerId="LiveId" clId="{D075DFC6-1618-4A9F-A1E7-C8D8E2EC5169}" dt="2024-11-22T18:56:26.835" v="42" actId="47"/>
-        <pc:sldMkLst>
-          <pc:docMk/>
-          <pc:sldMk cId="0" sldId="282"/>
-        </pc:sldMkLst>
-      </pc:sldChg>
-      <pc:sldChg chg="add del">
-        <pc:chgData name="Brady Merkel" userId="077b44faa59125c6" providerId="LiveId" clId="{D075DFC6-1618-4A9F-A1E7-C8D8E2EC5169}" dt="2024-11-22T18:56:26.835" v="42" actId="47"/>
-        <pc:sldMkLst>
-          <pc:docMk/>
-          <pc:sldMk cId="0" sldId="283"/>
-        </pc:sldMkLst>
-      </pc:sldChg>
-      <pc:sldChg chg="add del">
-        <pc:chgData name="Brady Merkel" userId="077b44faa59125c6" providerId="LiveId" clId="{D075DFC6-1618-4A9F-A1E7-C8D8E2EC5169}" dt="2024-11-22T18:56:26.835" v="42" actId="47"/>
-        <pc:sldMkLst>
-          <pc:docMk/>
-          <pc:sldMk cId="0" sldId="284"/>
-        </pc:sldMkLst>
-      </pc:sldChg>
-      <pc:sldChg chg="add del">
-        <pc:chgData name="Brady Merkel" userId="077b44faa59125c6" providerId="LiveId" clId="{D075DFC6-1618-4A9F-A1E7-C8D8E2EC5169}" dt="2024-11-22T18:56:26.835" v="42" actId="47"/>
-        <pc:sldMkLst>
-          <pc:docMk/>
-          <pc:sldMk cId="0" sldId="285"/>
-        </pc:sldMkLst>
-      </pc:sldChg>
-      <pc:sldChg chg="add del">
-        <pc:chgData name="Brady Merkel" userId="077b44faa59125c6" providerId="LiveId" clId="{D075DFC6-1618-4A9F-A1E7-C8D8E2EC5169}" dt="2024-11-22T18:56:26.835" v="42" actId="47"/>
-        <pc:sldMkLst>
-          <pc:docMk/>
-          <pc:sldMk cId="0" sldId="286"/>
-        </pc:sldMkLst>
-      </pc:sldChg>
-      <pc:sldChg chg="add del">
-        <pc:chgData name="Brady Merkel" userId="077b44faa59125c6" providerId="LiveId" clId="{D075DFC6-1618-4A9F-A1E7-C8D8E2EC5169}" dt="2024-11-22T18:56:26.835" v="42" actId="47"/>
-        <pc:sldMkLst>
-          <pc:docMk/>
-          <pc:sldMk cId="0" sldId="287"/>
-        </pc:sldMkLst>
-      </pc:sldChg>
-      <pc:sldChg chg="add del">
-        <pc:chgData name="Brady Merkel" userId="077b44faa59125c6" providerId="LiveId" clId="{D075DFC6-1618-4A9F-A1E7-C8D8E2EC5169}" dt="2024-11-22T18:56:26.835" v="42" actId="47"/>
-        <pc:sldMkLst>
-          <pc:docMk/>
-          <pc:sldMk cId="0" sldId="288"/>
-        </pc:sldMkLst>
-      </pc:sldChg>
-      <pc:sldChg chg="add del">
-        <pc:chgData name="Brady Merkel" userId="077b44faa59125c6" providerId="LiveId" clId="{D075DFC6-1618-4A9F-A1E7-C8D8E2EC5169}" dt="2024-11-22T18:56:26.835" v="42" actId="47"/>
-        <pc:sldMkLst>
-          <pc:docMk/>
-          <pc:sldMk cId="0" sldId="289"/>
-        </pc:sldMkLst>
-      </pc:sldChg>
-      <pc:sldChg chg="add del">
-        <pc:chgData name="Brady Merkel" userId="077b44faa59125c6" providerId="LiveId" clId="{D075DFC6-1618-4A9F-A1E7-C8D8E2EC5169}" dt="2024-11-22T18:56:26.835" v="42" actId="47"/>
-        <pc:sldMkLst>
-          <pc:docMk/>
-          <pc:sldMk cId="0" sldId="290"/>
-        </pc:sldMkLst>
-      </pc:sldChg>
-      <pc:sldChg chg="add del">
-        <pc:chgData name="Brady Merkel" userId="077b44faa59125c6" providerId="LiveId" clId="{D075DFC6-1618-4A9F-A1E7-C8D8E2EC5169}" dt="2024-11-22T18:56:26.835" v="42" actId="47"/>
-        <pc:sldMkLst>
-          <pc:docMk/>
-          <pc:sldMk cId="0" sldId="291"/>
-        </pc:sldMkLst>
-      </pc:sldChg>
-      <pc:sldChg chg="add del">
-        <pc:chgData name="Brady Merkel" userId="077b44faa59125c6" providerId="LiveId" clId="{D075DFC6-1618-4A9F-A1E7-C8D8E2EC5169}" dt="2024-11-22T18:56:09.357" v="41"/>
-        <pc:sldMkLst>
-          <pc:docMk/>
-          <pc:sldMk cId="0" sldId="292"/>
-        </pc:sldMkLst>
-      </pc:sldChg>
-      <pc:sldChg chg="add del">
-        <pc:chgData name="Brady Merkel" userId="077b44faa59125c6" providerId="LiveId" clId="{D075DFC6-1618-4A9F-A1E7-C8D8E2EC5169}" dt="2024-11-22T18:56:09.357" v="41"/>
-        <pc:sldMkLst>
-          <pc:docMk/>
-          <pc:sldMk cId="0" sldId="293"/>
-        </pc:sldMkLst>
-      </pc:sldChg>
-      <pc:sldChg chg="add del">
-        <pc:chgData name="Brady Merkel" userId="077b44faa59125c6" providerId="LiveId" clId="{D075DFC6-1618-4A9F-A1E7-C8D8E2EC5169}" dt="2024-11-22T18:56:09.357" v="41"/>
-        <pc:sldMkLst>
-          <pc:docMk/>
-          <pc:sldMk cId="0" sldId="294"/>
-        </pc:sldMkLst>
-      </pc:sldChg>
-      <pc:sldChg chg="del">
-        <pc:chgData name="Brady Merkel" userId="077b44faa59125c6" providerId="LiveId" clId="{D075DFC6-1618-4A9F-A1E7-C8D8E2EC5169}" dt="2024-11-22T18:56:08.517" v="40" actId="47"/>
-        <pc:sldMkLst>
-          <pc:docMk/>
-          <pc:sldMk cId="0" sldId="295"/>
-        </pc:sldMkLst>
-      </pc:sldChg>
-      <pc:sldChg chg="del">
-        <pc:chgData name="Brady Merkel" userId="077b44faa59125c6" providerId="LiveId" clId="{D075DFC6-1618-4A9F-A1E7-C8D8E2EC5169}" dt="2024-11-22T18:56:08.517" v="40" actId="47"/>
-        <pc:sldMkLst>
-          <pc:docMk/>
-          <pc:sldMk cId="0" sldId="296"/>
-        </pc:sldMkLst>
-      </pc:sldChg>
-      <pc:sldChg chg="del">
-        <pc:chgData name="Brady Merkel" userId="077b44faa59125c6" providerId="LiveId" clId="{D075DFC6-1618-4A9F-A1E7-C8D8E2EC5169}" dt="2024-11-22T18:56:08.517" v="40" actId="47"/>
-        <pc:sldMkLst>
-          <pc:docMk/>
-          <pc:sldMk cId="0" sldId="297"/>
-        </pc:sldMkLst>
-      </pc:sldChg>
-      <pc:sldChg chg="add">
-        <pc:chgData name="Brady Merkel" userId="077b44faa59125c6" providerId="LiveId" clId="{D075DFC6-1618-4A9F-A1E7-C8D8E2EC5169}" dt="2024-11-22T18:56:09.357" v="41"/>
-        <pc:sldMkLst>
-          <pc:docMk/>
-          <pc:sldMk cId="0" sldId="298"/>
-        </pc:sldMkLst>
-      </pc:sldChg>
-      <pc:sldChg chg="addSp modSp del mod">
-        <pc:chgData name="Brady Merkel" userId="077b44faa59125c6" providerId="LiveId" clId="{D075DFC6-1618-4A9F-A1E7-C8D8E2EC5169}" dt="2024-11-22T18:56:08.517" v="40" actId="47"/>
-        <pc:sldMkLst>
-          <pc:docMk/>
-          <pc:sldMk cId="3897328644" sldId="298"/>
-        </pc:sldMkLst>
-      </pc:sldChg>
-      <pc:sldChg chg="add">
-        <pc:chgData name="Brady Merkel" userId="077b44faa59125c6" providerId="LiveId" clId="{D075DFC6-1618-4A9F-A1E7-C8D8E2EC5169}" dt="2024-11-22T18:56:09.357" v="41"/>
-        <pc:sldMkLst>
-          <pc:docMk/>
-          <pc:sldMk cId="854740014" sldId="300"/>
-        </pc:sldMkLst>
-      </pc:sldChg>
-      <pc:sldChg chg="add">
-        <pc:chgData name="Brady Merkel" userId="077b44faa59125c6" providerId="LiveId" clId="{D075DFC6-1618-4A9F-A1E7-C8D8E2EC5169}" dt="2024-11-22T18:56:09.357" v="41"/>
-        <pc:sldMkLst>
-          <pc:docMk/>
-          <pc:sldMk cId="0" sldId="301"/>
-        </pc:sldMkLst>
-      </pc:sldChg>
-      <pc:sldChg chg="add">
-        <pc:chgData name="Brady Merkel" userId="077b44faa59125c6" providerId="LiveId" clId="{D075DFC6-1618-4A9F-A1E7-C8D8E2EC5169}" dt="2024-11-22T18:56:09.357" v="41"/>
-        <pc:sldMkLst>
-          <pc:docMk/>
-          <pc:sldMk cId="0" sldId="302"/>
-        </pc:sldMkLst>
-      </pc:sldChg>
-      <pc:sldChg chg="add">
-        <pc:chgData name="Brady Merkel" userId="077b44faa59125c6" providerId="LiveId" clId="{D075DFC6-1618-4A9F-A1E7-C8D8E2EC5169}" dt="2024-11-22T18:56:09.357" v="41"/>
-        <pc:sldMkLst>
-          <pc:docMk/>
-          <pc:sldMk cId="0" sldId="303"/>
-        </pc:sldMkLst>
-      </pc:sldChg>
-      <pc:sldChg chg="add">
-        <pc:chgData name="Brady Merkel" userId="077b44faa59125c6" providerId="LiveId" clId="{D075DFC6-1618-4A9F-A1E7-C8D8E2EC5169}" dt="2024-11-22T18:56:09.357" v="41"/>
-        <pc:sldMkLst>
-          <pc:docMk/>
-          <pc:sldMk cId="0" sldId="304"/>
-        </pc:sldMkLst>
-      </pc:sldChg>
-      <pc:sldChg chg="add">
-        <pc:chgData name="Brady Merkel" userId="077b44faa59125c6" providerId="LiveId" clId="{D075DFC6-1618-4A9F-A1E7-C8D8E2EC5169}" dt="2024-11-22T18:56:09.357" v="41"/>
-        <pc:sldMkLst>
-          <pc:docMk/>
-          <pc:sldMk cId="0" sldId="305"/>
-        </pc:sldMkLst>
-      </pc:sldChg>
-      <pc:sldChg chg="add">
-        <pc:chgData name="Brady Merkel" userId="077b44faa59125c6" providerId="LiveId" clId="{D075DFC6-1618-4A9F-A1E7-C8D8E2EC5169}" dt="2024-11-22T18:56:09.357" v="41"/>
-        <pc:sldMkLst>
-          <pc:docMk/>
-          <pc:sldMk cId="0" sldId="306"/>
-        </pc:sldMkLst>
-      </pc:sldChg>
-      <pc:sldMasterChg chg="delSldLayout">
-        <pc:chgData name="Brady Merkel" userId="077b44faa59125c6" providerId="LiveId" clId="{D075DFC6-1618-4A9F-A1E7-C8D8E2EC5169}" dt="2024-11-22T18:56:08.517" v="40" actId="47"/>
-        <pc:sldMasterMkLst>
-          <pc:docMk/>
-          <pc:sldMasterMk cId="0" sldId="2147483665"/>
-        </pc:sldMasterMkLst>
-        <pc:sldLayoutChg chg="del">
-          <pc:chgData name="Brady Merkel" userId="077b44faa59125c6" providerId="LiveId" clId="{D075DFC6-1618-4A9F-A1E7-C8D8E2EC5169}" dt="2024-11-22T18:56:08.517" v="40" actId="47"/>
-          <pc:sldLayoutMkLst>
-            <pc:docMk/>
-            <pc:sldMasterMk cId="0" sldId="2147483665"/>
-            <pc:sldLayoutMk cId="0" sldId="2147483659"/>
-          </pc:sldLayoutMkLst>
-        </pc:sldLayoutChg>
-        <pc:sldLayoutChg chg="del">
-          <pc:chgData name="Brady Merkel" userId="077b44faa59125c6" providerId="LiveId" clId="{D075DFC6-1618-4A9F-A1E7-C8D8E2EC5169}" dt="2024-11-22T18:56:08.517" v="40" actId="47"/>
-          <pc:sldLayoutMkLst>
-            <pc:docMk/>
-            <pc:sldMasterMk cId="0" sldId="2147483665"/>
-            <pc:sldLayoutMk cId="0" sldId="2147483660"/>
-          </pc:sldLayoutMkLst>
-        </pc:sldLayoutChg>
-        <pc:sldLayoutChg chg="del">
-          <pc:chgData name="Brady Merkel" userId="077b44faa59125c6" providerId="LiveId" clId="{D075DFC6-1618-4A9F-A1E7-C8D8E2EC5169}" dt="2024-11-22T18:56:08.517" v="40" actId="47"/>
-          <pc:sldLayoutMkLst>
-            <pc:docMk/>
-            <pc:sldMasterMk cId="0" sldId="2147483665"/>
-            <pc:sldLayoutMk cId="0" sldId="2147483661"/>
-          </pc:sldLayoutMkLst>
-        </pc:sldLayoutChg>
-        <pc:sldLayoutChg chg="del">
-          <pc:chgData name="Brady Merkel" userId="077b44faa59125c6" providerId="LiveId" clId="{D075DFC6-1618-4A9F-A1E7-C8D8E2EC5169}" dt="2024-11-22T18:56:08.517" v="40" actId="47"/>
-          <pc:sldLayoutMkLst>
-            <pc:docMk/>
-            <pc:sldMasterMk cId="0" sldId="2147483665"/>
-            <pc:sldLayoutMk cId="0" sldId="2147483662"/>
-          </pc:sldLayoutMkLst>
-        </pc:sldLayoutChg>
-      </pc:sldMasterChg>
-    </pc:docChg>
-  </pc:docChgLst>
-</pc:chgInfo>
 </file>
 
 <file path=ppt/notesMasters/notesMaster1.xml><?xml version="1.0" encoding="utf-8"?>
@@ -6227,34 +5266,38 @@
       </p:sp>
       <p:pic>
         <p:nvPicPr>
-          <p:cNvPr id="97" name="Google Shape;97;p23"/>
-          <p:cNvPicPr preferRelativeResize="0"/>
+          <p:cNvPr id="2" name="Graphic 1">
+            <a:extLst>
+              <a:ext uri="{FF2B5EF4-FFF2-40B4-BE49-F238E27FC236}">
+                <a16:creationId xmlns:a16="http://schemas.microsoft.com/office/drawing/2014/main" id="{A5C54E28-03FC-57C4-08B3-8A2CAF7BBF3F}"/>
+              </a:ext>
+            </a:extLst>
+          </p:cNvPr>
+          <p:cNvPicPr>
+            <a:picLocks noChangeAspect="1"/>
+          </p:cNvPicPr>
           <p:nvPr userDrawn="1"/>
         </p:nvPicPr>
         <p:blipFill>
-          <a:blip r:embed="rId2" cstate="screen">
-            <a:alphaModFix/>
+          <a:blip r:embed="rId2">
             <a:extLst>
-              <a:ext uri="{28A0092B-C50C-407E-A947-70E740481C1C}">
-                <a14:useLocalDpi xmlns:a14="http://schemas.microsoft.com/office/drawing/2010/main"/>
+              <a:ext uri="{96DAC541-7B7A-43D3-8B79-37D633B846F1}">
+                <asvg:svgBlip xmlns:asvg="http://schemas.microsoft.com/office/drawing/2016/SVG/main" r:embed="rId3"/>
               </a:ext>
             </a:extLst>
           </a:blip>
-          <a:srcRect/>
-          <a:stretch/>
+          <a:stretch>
+            <a:fillRect/>
+          </a:stretch>
         </p:blipFill>
         <p:spPr>
           <a:xfrm>
-            <a:off x="3910425" y="4362450"/>
-            <a:ext cx="1323150" cy="698500"/>
+            <a:off x="3878142" y="4406800"/>
+            <a:ext cx="1387716" cy="629480"/>
           </a:xfrm>
           <a:prstGeom prst="rect">
             <a:avLst/>
           </a:prstGeom>
-          <a:noFill/>
-          <a:ln>
-            <a:noFill/>
-          </a:ln>
         </p:spPr>
       </p:pic>
     </p:spTree>
@@ -6869,8 +5912,8 @@
         </p:nvSpPr>
         <p:spPr>
           <a:xfrm>
-            <a:off x="427382" y="1911913"/>
-            <a:ext cx="8289236" cy="1319673"/>
+            <a:off x="457198" y="398045"/>
+            <a:ext cx="8289236" cy="2640355"/>
           </a:xfrm>
           <a:prstGeom prst="rect">
             <a:avLst/>
@@ -6905,56 +5948,12 @@
             </a:pPr>
             <a:r>
               <a:rPr lang="en" sz="3600" dirty="0"/>
-              <a:t>SUBMERGED</a:t>
-            </a:r>
-            <a:r>
-              <a:rPr lang="en" sz="3600" baseline="30000" dirty="0"/>
-              <a:t>SM</a:t>
-            </a:r>
-            <a:br>
-              <a:rPr lang="en" sz="3600" dirty="0"/>
-            </a:br>
-            <a:r>
-              <a:rPr lang="en" sz="3600" dirty="0"/>
               <a:t>Awards Ceremony</a:t>
             </a:r>
             <a:endParaRPr sz="3600" dirty="0"/>
           </a:p>
         </p:txBody>
       </p:sp>
-      <p:pic>
-        <p:nvPicPr>
-          <p:cNvPr id="80" name="Google Shape;80;p20"/>
-          <p:cNvPicPr preferRelativeResize="0"/>
-          <p:nvPr/>
-        </p:nvPicPr>
-        <p:blipFill>
-          <a:blip r:embed="rId3" cstate="screen">
-            <a:alphaModFix/>
-            <a:extLst>
-              <a:ext uri="{28A0092B-C50C-407E-A947-70E740481C1C}">
-                <a14:useLocalDpi xmlns:a14="http://schemas.microsoft.com/office/drawing/2010/main"/>
-              </a:ext>
-            </a:extLst>
-          </a:blip>
-          <a:stretch>
-            <a:fillRect/>
-          </a:stretch>
-        </p:blipFill>
-        <p:spPr>
-          <a:xfrm>
-            <a:off x="3768438" y="3761261"/>
-            <a:ext cx="1607114" cy="1607114"/>
-          </a:xfrm>
-          <a:prstGeom prst="rect">
-            <a:avLst/>
-          </a:prstGeom>
-          <a:noFill/>
-          <a:ln>
-            <a:noFill/>
-          </a:ln>
-        </p:spPr>
-      </p:pic>
     </p:spTree>
   </p:cSld>
   <p:clrMapOvr>
@@ -10141,10 +9140,6 @@
           </p:nvPr>
         </p:nvSpPr>
         <p:spPr>
-          <a:xfrm>
-            <a:off x="301710" y="773024"/>
-            <a:ext cx="8460900" cy="654300"/>
-          </a:xfrm>
           <a:prstGeom prst="rect">
             <a:avLst/>
           </a:prstGeom>
@@ -10203,10 +9198,6 @@
           </p:nvPr>
         </p:nvSpPr>
         <p:spPr>
-          <a:xfrm>
-            <a:off x="301711" y="1427350"/>
-            <a:ext cx="8460900" cy="360300"/>
-          </a:xfrm>
           <a:prstGeom prst="rect">
             <a:avLst/>
           </a:prstGeom>
@@ -10246,39 +9237,6 @@
           </a:p>
         </p:txBody>
       </p:sp>
-      <p:pic>
-        <p:nvPicPr>
-          <p:cNvPr id="257" name="Google Shape;257;p45"/>
-          <p:cNvPicPr preferRelativeResize="0"/>
-          <p:nvPr/>
-        </p:nvPicPr>
-        <p:blipFill>
-          <a:blip r:embed="rId3" cstate="screen">
-            <a:alphaModFix/>
-            <a:extLst>
-              <a:ext uri="{28A0092B-C50C-407E-A947-70E740481C1C}">
-                <a14:useLocalDpi xmlns:a14="http://schemas.microsoft.com/office/drawing/2010/main"/>
-              </a:ext>
-            </a:extLst>
-          </a:blip>
-          <a:stretch>
-            <a:fillRect/>
-          </a:stretch>
-        </p:blipFill>
-        <p:spPr>
-          <a:xfrm>
-            <a:off x="3319350" y="3089475"/>
-            <a:ext cx="2255900" cy="2255900"/>
-          </a:xfrm>
-          <a:prstGeom prst="rect">
-            <a:avLst/>
-          </a:prstGeom>
-          <a:noFill/>
-          <a:ln>
-            <a:noFill/>
-          </a:ln>
-        </p:spPr>
-      </p:pic>
       <p:sp>
         <p:nvSpPr>
           <p:cNvPr id="258" name="Google Shape;258;p45"/>
